--- a/ppt/IoT09-Wireless.pptx
+++ b/ppt/IoT09-Wireless.pptx
@@ -5,14 +5,27 @@
     <p:sldMasterId id="2147483653" r:id="rId1"/>
   </p:sldMasterIdLst>
   <p:notesMasterIdLst>
-    <p:notesMasterId r:id="rId4"/>
+    <p:notesMasterId r:id="rId17"/>
   </p:notesMasterIdLst>
   <p:handoutMasterIdLst>
-    <p:handoutMasterId r:id="rId5"/>
+    <p:handoutMasterId r:id="rId18"/>
   </p:handoutMasterIdLst>
   <p:sldIdLst>
     <p:sldId id="264" r:id="rId2"/>
-    <p:sldId id="265" r:id="rId3"/>
+    <p:sldId id="266" r:id="rId3"/>
+    <p:sldId id="267" r:id="rId4"/>
+    <p:sldId id="268" r:id="rId5"/>
+    <p:sldId id="269" r:id="rId6"/>
+    <p:sldId id="270" r:id="rId7"/>
+    <p:sldId id="271" r:id="rId8"/>
+    <p:sldId id="273" r:id="rId9"/>
+    <p:sldId id="272" r:id="rId10"/>
+    <p:sldId id="275" r:id="rId11"/>
+    <p:sldId id="276" r:id="rId12"/>
+    <p:sldId id="277" r:id="rId13"/>
+    <p:sldId id="278" r:id="rId14"/>
+    <p:sldId id="279" r:id="rId15"/>
+    <p:sldId id="274" r:id="rId16"/>
   </p:sldIdLst>
   <p:sldSz cx="9144000" cy="6858000" type="screen4x3"/>
   <p:notesSz cx="6648450" cy="9782175"/>
@@ -3707,13 +3720,8 @@
             <a:pPr eaLnBrk="1" hangingPunct="1"/>
             <a:r>
               <a:rPr lang="fr-FR" altLang="fr-FR" dirty="0" smtClean="0"/>
-              <a:t>Chapitre </a:t>
-            </a:r>
-            <a:r>
-              <a:rPr lang="fr-FR" altLang="fr-FR" dirty="0" smtClean="0"/>
-              <a:t>8</a:t>
-            </a:r>
-            <a:endParaRPr lang="fr-FR" altLang="fr-FR" dirty="0" smtClean="0"/>
+              <a:t>Chapitre 8</a:t>
+            </a:r>
           </a:p>
           <a:p>
             <a:pPr eaLnBrk="1" hangingPunct="1"/>
@@ -3721,7 +3729,6 @@
               <a:rPr lang="fr-FR" altLang="fr-FR" dirty="0" smtClean="0"/>
               <a:t>Wireless</a:t>
             </a:r>
-            <a:endParaRPr lang="fr-FR" altLang="fr-FR" dirty="0" smtClean="0"/>
           </a:p>
         </p:txBody>
       </p:sp>
@@ -3737,6 +3744,1628 @@
       </p:par>
     </p:tnLst>
   </p:timing>
+</p:sld>
+</file>
+
+<file path=ppt/slides/slide10.xml><?xml version="1.0" encoding="utf-8"?>
+<p:sld xmlns:a="http://schemas.openxmlformats.org/drawingml/2006/main" xmlns:r="http://schemas.openxmlformats.org/officeDocument/2006/relationships" xmlns:p="http://schemas.openxmlformats.org/presentationml/2006/main">
+  <p:cSld>
+    <p:spTree>
+      <p:nvGrpSpPr>
+        <p:cNvPr id="1" name=""/>
+        <p:cNvGrpSpPr/>
+        <p:nvPr/>
+      </p:nvGrpSpPr>
+      <p:grpSpPr>
+        <a:xfrm>
+          <a:off x="0" y="0"/>
+          <a:ext cx="0" cy="0"/>
+          <a:chOff x="0" y="0"/>
+          <a:chExt cx="0" cy="0"/>
+        </a:xfrm>
+      </p:grpSpPr>
+      <p:sp>
+        <p:nvSpPr>
+          <p:cNvPr id="2" name="Titre 1"/>
+          <p:cNvSpPr>
+            <a:spLocks noGrp="1"/>
+          </p:cNvSpPr>
+          <p:nvPr>
+            <p:ph type="title"/>
+          </p:nvPr>
+        </p:nvSpPr>
+        <p:spPr/>
+        <p:txBody>
+          <a:bodyPr/>
+          <a:lstStyle/>
+          <a:p>
+            <a:r>
+              <a:rPr lang="fr-FR" dirty="0" err="1" smtClean="0"/>
+              <a:t>PyBluez</a:t>
+            </a:r>
+            <a:endParaRPr lang="fr-FR" dirty="0"/>
+          </a:p>
+        </p:txBody>
+      </p:sp>
+      <p:sp>
+        <p:nvSpPr>
+          <p:cNvPr id="3" name="Espace réservé du contenu 2"/>
+          <p:cNvSpPr>
+            <a:spLocks noGrp="1"/>
+          </p:cNvSpPr>
+          <p:nvPr>
+            <p:ph idx="1"/>
+          </p:nvPr>
+        </p:nvSpPr>
+        <p:spPr/>
+        <p:txBody>
+          <a:bodyPr/>
+          <a:lstStyle/>
+          <a:p>
+            <a:r>
+              <a:rPr lang="fr-FR" dirty="0" err="1" smtClean="0"/>
+              <a:t>PyBluez</a:t>
+            </a:r>
+            <a:r>
+              <a:rPr lang="fr-FR" dirty="0" smtClean="0"/>
+              <a:t> est la librairie Python pour le </a:t>
+            </a:r>
+            <a:r>
+              <a:rPr lang="fr-FR" dirty="0" err="1" smtClean="0"/>
+              <a:t>bluetooth</a:t>
+            </a:r>
+            <a:endParaRPr lang="fr-FR" dirty="0" smtClean="0"/>
+          </a:p>
+          <a:p>
+            <a:r>
+              <a:rPr lang="fr-FR" dirty="0" smtClean="0"/>
+              <a:t>Installation parfois délicate</a:t>
+            </a:r>
+          </a:p>
+          <a:p>
+            <a:pPr lvl="1"/>
+            <a:r>
+              <a:rPr lang="fr-FR" dirty="0" err="1" smtClean="0"/>
+              <a:t>sudo</a:t>
+            </a:r>
+            <a:r>
+              <a:rPr lang="fr-FR" dirty="0" smtClean="0"/>
+              <a:t> </a:t>
+            </a:r>
+            <a:r>
+              <a:rPr lang="fr-FR" dirty="0" err="1"/>
+              <a:t>apt-get</a:t>
+            </a:r>
+            <a:r>
+              <a:rPr lang="fr-FR" dirty="0"/>
+              <a:t> </a:t>
+            </a:r>
+            <a:r>
+              <a:rPr lang="fr-FR" dirty="0" err="1"/>
+              <a:t>install</a:t>
+            </a:r>
+            <a:r>
+              <a:rPr lang="fr-FR" dirty="0"/>
+              <a:t> -y libbluetooth3=5.50-1+b12</a:t>
+            </a:r>
+          </a:p>
+          <a:p>
+            <a:pPr lvl="1"/>
+            <a:r>
+              <a:rPr lang="fr-FR" dirty="0" err="1" smtClean="0"/>
+              <a:t>sudo</a:t>
+            </a:r>
+            <a:r>
+              <a:rPr lang="fr-FR" dirty="0" smtClean="0"/>
+              <a:t> </a:t>
+            </a:r>
+            <a:r>
+              <a:rPr lang="fr-FR" dirty="0" err="1"/>
+              <a:t>apt-get</a:t>
+            </a:r>
+            <a:r>
+              <a:rPr lang="fr-FR" dirty="0"/>
+              <a:t> </a:t>
+            </a:r>
+            <a:r>
+              <a:rPr lang="fr-FR" dirty="0" err="1"/>
+              <a:t>install</a:t>
+            </a:r>
+            <a:r>
+              <a:rPr lang="fr-FR" dirty="0"/>
+              <a:t> -y </a:t>
+            </a:r>
+            <a:r>
+              <a:rPr lang="fr-FR" dirty="0" err="1"/>
+              <a:t>bluetooth</a:t>
+            </a:r>
+            <a:r>
+              <a:rPr lang="fr-FR" dirty="0"/>
+              <a:t> </a:t>
+            </a:r>
+            <a:r>
+              <a:rPr lang="fr-FR" dirty="0" err="1"/>
+              <a:t>libbluetooth-dev</a:t>
+            </a:r>
+            <a:endParaRPr lang="fr-FR" dirty="0"/>
+          </a:p>
+          <a:p>
+            <a:pPr lvl="1"/>
+            <a:r>
+              <a:rPr lang="fr-FR" dirty="0" smtClean="0"/>
+              <a:t>pip3 </a:t>
+            </a:r>
+            <a:r>
+              <a:rPr lang="fr-FR" dirty="0" err="1"/>
+              <a:t>install</a:t>
+            </a:r>
+            <a:r>
+              <a:rPr lang="fr-FR" dirty="0"/>
+              <a:t> </a:t>
+            </a:r>
+            <a:r>
+              <a:rPr lang="fr-FR" dirty="0" err="1"/>
+              <a:t>PyBluez</a:t>
+            </a:r>
+            <a:endParaRPr lang="fr-FR" dirty="0"/>
+          </a:p>
+          <a:p>
+            <a:pPr lvl="1"/>
+            <a:endParaRPr lang="fr-FR" dirty="0" smtClean="0"/>
+          </a:p>
+        </p:txBody>
+      </p:sp>
+    </p:spTree>
+    <p:extLst>
+      <p:ext uri="{BB962C8B-B14F-4D97-AF65-F5344CB8AC3E}">
+        <p14:creationId xmlns:p14="http://schemas.microsoft.com/office/powerpoint/2010/main" val="917858140"/>
+      </p:ext>
+    </p:extLst>
+  </p:cSld>
+  <p:clrMapOvr>
+    <a:masterClrMapping/>
+  </p:clrMapOvr>
+</p:sld>
+</file>
+
+<file path=ppt/slides/slide11.xml><?xml version="1.0" encoding="utf-8"?>
+<p:sld xmlns:a="http://schemas.openxmlformats.org/drawingml/2006/main" xmlns:r="http://schemas.openxmlformats.org/officeDocument/2006/relationships" xmlns:p="http://schemas.openxmlformats.org/presentationml/2006/main">
+  <p:cSld>
+    <p:spTree>
+      <p:nvGrpSpPr>
+        <p:cNvPr id="1" name=""/>
+        <p:cNvGrpSpPr/>
+        <p:nvPr/>
+      </p:nvGrpSpPr>
+      <p:grpSpPr>
+        <a:xfrm>
+          <a:off x="0" y="0"/>
+          <a:ext cx="0" cy="0"/>
+          <a:chOff x="0" y="0"/>
+          <a:chExt cx="0" cy="0"/>
+        </a:xfrm>
+      </p:grpSpPr>
+      <p:sp>
+        <p:nvSpPr>
+          <p:cNvPr id="2" name="Titre 1"/>
+          <p:cNvSpPr>
+            <a:spLocks noGrp="1"/>
+          </p:cNvSpPr>
+          <p:nvPr>
+            <p:ph type="title"/>
+          </p:nvPr>
+        </p:nvSpPr>
+        <p:spPr/>
+        <p:txBody>
+          <a:bodyPr/>
+          <a:lstStyle/>
+          <a:p>
+            <a:r>
+              <a:rPr lang="fr-FR" dirty="0" err="1" smtClean="0"/>
+              <a:t>PyBluez</a:t>
+            </a:r>
+            <a:endParaRPr lang="fr-FR" dirty="0"/>
+          </a:p>
+        </p:txBody>
+      </p:sp>
+      <p:sp>
+        <p:nvSpPr>
+          <p:cNvPr id="3" name="Espace réservé du contenu 2"/>
+          <p:cNvSpPr>
+            <a:spLocks noGrp="1"/>
+          </p:cNvSpPr>
+          <p:nvPr>
+            <p:ph idx="1"/>
+          </p:nvPr>
+        </p:nvSpPr>
+        <p:spPr/>
+        <p:txBody>
+          <a:bodyPr/>
+          <a:lstStyle/>
+          <a:p>
+            <a:r>
+              <a:rPr lang="fr-FR" dirty="0" smtClean="0"/>
+              <a:t>En mode maitre l'installation est cette fois très difficile</a:t>
+            </a:r>
+          </a:p>
+          <a:p>
+            <a:pPr lvl="1"/>
+            <a:r>
+              <a:rPr lang="fr-FR" sz="1400" dirty="0" err="1" smtClean="0"/>
+              <a:t>sudo</a:t>
+            </a:r>
+            <a:r>
+              <a:rPr lang="fr-FR" sz="1400" dirty="0" smtClean="0"/>
+              <a:t> </a:t>
+            </a:r>
+            <a:r>
+              <a:rPr lang="fr-FR" sz="1400" dirty="0"/>
+              <a:t>nano /</a:t>
+            </a:r>
+            <a:r>
+              <a:rPr lang="fr-FR" sz="1400" dirty="0" err="1"/>
+              <a:t>etc</a:t>
+            </a:r>
+            <a:r>
+              <a:rPr lang="fr-FR" sz="1400" dirty="0"/>
+              <a:t>/</a:t>
+            </a:r>
+            <a:r>
+              <a:rPr lang="fr-FR" sz="1400" dirty="0" err="1"/>
+              <a:t>systemd</a:t>
+            </a:r>
+            <a:r>
+              <a:rPr lang="fr-FR" sz="1400" dirty="0"/>
+              <a:t>/system/</a:t>
+            </a:r>
+            <a:r>
+              <a:rPr lang="fr-FR" sz="1400" dirty="0" err="1"/>
+              <a:t>dbus-org.bluez.service</a:t>
+            </a:r>
+            <a:endParaRPr lang="fr-FR" sz="1400" dirty="0"/>
+          </a:p>
+          <a:p>
+            <a:pPr lvl="1"/>
+            <a:r>
+              <a:rPr lang="fr-FR" sz="1400" dirty="0" err="1" smtClean="0"/>
+              <a:t>Add</a:t>
+            </a:r>
+            <a:r>
+              <a:rPr lang="fr-FR" sz="1400" dirty="0" smtClean="0"/>
+              <a:t> </a:t>
+            </a:r>
+            <a:r>
+              <a:rPr lang="fr-FR" sz="1400" dirty="0"/>
+              <a:t>–C at the end of </a:t>
+            </a:r>
+            <a:r>
+              <a:rPr lang="fr-FR" sz="1400" dirty="0" err="1"/>
+              <a:t>ExecStart</a:t>
+            </a:r>
+            <a:r>
+              <a:rPr lang="fr-FR" sz="1400" dirty="0"/>
+              <a:t>=/</a:t>
+            </a:r>
+            <a:r>
+              <a:rPr lang="fr-FR" sz="1400" dirty="0" err="1" smtClean="0"/>
+              <a:t>usr</a:t>
+            </a:r>
+            <a:r>
+              <a:rPr lang="fr-FR" sz="1400" dirty="0" smtClean="0"/>
+              <a:t>/lib/</a:t>
+            </a:r>
+            <a:r>
+              <a:rPr lang="fr-FR" sz="1400" dirty="0" err="1" smtClean="0"/>
+              <a:t>bluetooth</a:t>
+            </a:r>
+            <a:r>
+              <a:rPr lang="fr-FR" sz="1400" dirty="0" smtClean="0"/>
+              <a:t>/</a:t>
+            </a:r>
+            <a:r>
+              <a:rPr lang="fr-FR" sz="1400" dirty="0" err="1" smtClean="0"/>
+              <a:t>bluetoothd</a:t>
+            </a:r>
+            <a:endParaRPr lang="fr-FR" sz="1400" dirty="0"/>
+          </a:p>
+          <a:p>
+            <a:pPr lvl="1"/>
+            <a:r>
+              <a:rPr lang="fr-FR" sz="1400" dirty="0" err="1" smtClean="0"/>
+              <a:t>sudo</a:t>
+            </a:r>
+            <a:r>
+              <a:rPr lang="fr-FR" sz="1400" dirty="0" smtClean="0"/>
+              <a:t> </a:t>
+            </a:r>
+            <a:r>
+              <a:rPr lang="fr-FR" sz="1400" dirty="0" err="1"/>
+              <a:t>sdptool</a:t>
+            </a:r>
+            <a:r>
+              <a:rPr lang="fr-FR" sz="1400" dirty="0"/>
+              <a:t> </a:t>
+            </a:r>
+            <a:r>
+              <a:rPr lang="fr-FR" sz="1400" dirty="0" err="1"/>
+              <a:t>add</a:t>
+            </a:r>
+            <a:r>
+              <a:rPr lang="fr-FR" sz="1400" dirty="0"/>
+              <a:t> SP</a:t>
+            </a:r>
+          </a:p>
+          <a:p>
+            <a:pPr lvl="1"/>
+            <a:r>
+              <a:rPr lang="fr-FR" sz="1400" dirty="0" err="1" smtClean="0"/>
+              <a:t>sudo</a:t>
+            </a:r>
+            <a:r>
+              <a:rPr lang="fr-FR" sz="1400" dirty="0" smtClean="0"/>
+              <a:t> </a:t>
+            </a:r>
+            <a:r>
+              <a:rPr lang="fr-FR" sz="1400" dirty="0" err="1"/>
+              <a:t>systemctl</a:t>
+            </a:r>
+            <a:r>
+              <a:rPr lang="fr-FR" sz="1400" dirty="0"/>
+              <a:t> daemon-</a:t>
+            </a:r>
+            <a:r>
+              <a:rPr lang="fr-FR" sz="1400" dirty="0" err="1"/>
+              <a:t>reload</a:t>
+            </a:r>
+            <a:endParaRPr lang="fr-FR" sz="1400" dirty="0"/>
+          </a:p>
+          <a:p>
+            <a:pPr lvl="1"/>
+            <a:r>
+              <a:rPr lang="fr-FR" sz="1400" dirty="0" err="1" smtClean="0"/>
+              <a:t>sudo</a:t>
+            </a:r>
+            <a:r>
+              <a:rPr lang="fr-FR" sz="1400" dirty="0" smtClean="0"/>
+              <a:t> </a:t>
+            </a:r>
+            <a:r>
+              <a:rPr lang="fr-FR" sz="1400" dirty="0"/>
+              <a:t>service </a:t>
+            </a:r>
+            <a:r>
+              <a:rPr lang="fr-FR" sz="1400" dirty="0" err="1"/>
+              <a:t>bluetooth</a:t>
+            </a:r>
+            <a:r>
+              <a:rPr lang="fr-FR" sz="1400" dirty="0"/>
+              <a:t> restart</a:t>
+            </a:r>
+          </a:p>
+          <a:p>
+            <a:pPr lvl="1"/>
+            <a:r>
+              <a:rPr lang="fr-FR" sz="1400" dirty="0" err="1" smtClean="0"/>
+              <a:t>sudo</a:t>
+            </a:r>
+            <a:r>
+              <a:rPr lang="fr-FR" sz="1400" dirty="0" smtClean="0"/>
+              <a:t> </a:t>
+            </a:r>
+            <a:r>
+              <a:rPr lang="fr-FR" sz="1400" dirty="0" err="1"/>
+              <a:t>usermod</a:t>
+            </a:r>
+            <a:r>
+              <a:rPr lang="fr-FR" sz="1400" dirty="0"/>
+              <a:t> -G </a:t>
+            </a:r>
+            <a:r>
+              <a:rPr lang="fr-FR" sz="1400" dirty="0" err="1"/>
+              <a:t>bluetooth</a:t>
+            </a:r>
+            <a:r>
+              <a:rPr lang="fr-FR" sz="1400" dirty="0"/>
+              <a:t> -a pi</a:t>
+            </a:r>
+          </a:p>
+          <a:p>
+            <a:pPr lvl="1"/>
+            <a:r>
+              <a:rPr lang="fr-FR" sz="1400" dirty="0" err="1" smtClean="0"/>
+              <a:t>sudo</a:t>
+            </a:r>
+            <a:r>
+              <a:rPr lang="fr-FR" sz="1400" dirty="0" smtClean="0"/>
+              <a:t> </a:t>
+            </a:r>
+            <a:r>
+              <a:rPr lang="fr-FR" sz="1400" dirty="0" err="1"/>
+              <a:t>chgrp</a:t>
+            </a:r>
+            <a:r>
+              <a:rPr lang="fr-FR" sz="1400" dirty="0"/>
+              <a:t> </a:t>
+            </a:r>
+            <a:r>
+              <a:rPr lang="fr-FR" sz="1400" dirty="0" err="1"/>
+              <a:t>bluetooth</a:t>
+            </a:r>
+            <a:r>
+              <a:rPr lang="fr-FR" sz="1400" dirty="0"/>
+              <a:t> /var/</a:t>
+            </a:r>
+            <a:r>
+              <a:rPr lang="fr-FR" sz="1400" dirty="0" err="1"/>
+              <a:t>run</a:t>
+            </a:r>
+            <a:r>
+              <a:rPr lang="fr-FR" sz="1400" dirty="0"/>
+              <a:t>/</a:t>
+            </a:r>
+            <a:r>
+              <a:rPr lang="fr-FR" sz="1400" dirty="0" err="1"/>
+              <a:t>sdp</a:t>
+            </a:r>
+            <a:endParaRPr lang="fr-FR" sz="1400" dirty="0"/>
+          </a:p>
+          <a:p>
+            <a:pPr lvl="1"/>
+            <a:r>
+              <a:rPr lang="fr-FR" sz="1400" dirty="0" err="1" smtClean="0"/>
+              <a:t>sudo</a:t>
+            </a:r>
+            <a:r>
+              <a:rPr lang="fr-FR" sz="1400" dirty="0" smtClean="0"/>
+              <a:t> </a:t>
+            </a:r>
+            <a:r>
+              <a:rPr lang="fr-FR" sz="1400" dirty="0" err="1"/>
+              <a:t>cp</a:t>
+            </a:r>
+            <a:r>
+              <a:rPr lang="fr-FR" sz="1400" dirty="0"/>
+              <a:t> </a:t>
+            </a:r>
+            <a:r>
+              <a:rPr lang="fr-FR" sz="1400" dirty="0" smtClean="0"/>
+              <a:t>config/var-</a:t>
+            </a:r>
+            <a:r>
+              <a:rPr lang="fr-FR" sz="1400" dirty="0" err="1" smtClean="0"/>
+              <a:t>run</a:t>
+            </a:r>
+            <a:r>
+              <a:rPr lang="fr-FR" sz="1400" dirty="0" smtClean="0"/>
+              <a:t>-</a:t>
+            </a:r>
+            <a:r>
+              <a:rPr lang="fr-FR" sz="1400" dirty="0" err="1" smtClean="0"/>
+              <a:t>sdp.path</a:t>
+            </a:r>
+            <a:r>
+              <a:rPr lang="fr-FR" sz="1400" dirty="0" smtClean="0"/>
+              <a:t> </a:t>
+            </a:r>
+            <a:r>
+              <a:rPr lang="fr-FR" sz="1400" dirty="0"/>
+              <a:t>/</a:t>
+            </a:r>
+            <a:r>
+              <a:rPr lang="fr-FR" sz="1400" dirty="0" err="1"/>
+              <a:t>etc</a:t>
+            </a:r>
+            <a:r>
+              <a:rPr lang="fr-FR" sz="1400" dirty="0"/>
+              <a:t>/</a:t>
+            </a:r>
+            <a:r>
+              <a:rPr lang="fr-FR" sz="1400" dirty="0" err="1"/>
+              <a:t>systemd</a:t>
+            </a:r>
+            <a:r>
+              <a:rPr lang="fr-FR" sz="1400" dirty="0"/>
+              <a:t>/system/var-</a:t>
+            </a:r>
+            <a:r>
+              <a:rPr lang="fr-FR" sz="1400" dirty="0" err="1"/>
+              <a:t>run</a:t>
+            </a:r>
+            <a:r>
+              <a:rPr lang="fr-FR" sz="1400" dirty="0"/>
+              <a:t>-</a:t>
+            </a:r>
+            <a:r>
+              <a:rPr lang="fr-FR" sz="1400" dirty="0" err="1"/>
+              <a:t>sdp.path</a:t>
+            </a:r>
+            <a:endParaRPr lang="fr-FR" sz="1400" dirty="0"/>
+          </a:p>
+          <a:p>
+            <a:pPr lvl="1"/>
+            <a:r>
+              <a:rPr lang="fr-FR" sz="1400" dirty="0" err="1" smtClean="0"/>
+              <a:t>sudo</a:t>
+            </a:r>
+            <a:r>
+              <a:rPr lang="fr-FR" sz="1400" dirty="0" smtClean="0"/>
+              <a:t> </a:t>
+            </a:r>
+            <a:r>
+              <a:rPr lang="fr-FR" sz="1400" dirty="0" err="1"/>
+              <a:t>cp</a:t>
+            </a:r>
+            <a:r>
+              <a:rPr lang="fr-FR" sz="1400" dirty="0"/>
+              <a:t> </a:t>
+            </a:r>
+            <a:r>
+              <a:rPr lang="fr-FR" sz="1400" dirty="0" smtClean="0"/>
+              <a:t>config/var-</a:t>
+            </a:r>
+            <a:r>
+              <a:rPr lang="fr-FR" sz="1400" dirty="0" err="1" smtClean="0"/>
+              <a:t>run</a:t>
+            </a:r>
+            <a:r>
+              <a:rPr lang="fr-FR" sz="1400" dirty="0" smtClean="0"/>
+              <a:t>-</a:t>
+            </a:r>
+            <a:r>
+              <a:rPr lang="fr-FR" sz="1400" dirty="0" err="1" smtClean="0"/>
+              <a:t>sdp.service</a:t>
+            </a:r>
+            <a:r>
+              <a:rPr lang="fr-FR" sz="1400" dirty="0" smtClean="0"/>
+              <a:t> </a:t>
+            </a:r>
+            <a:r>
+              <a:rPr lang="fr-FR" sz="1400" dirty="0"/>
+              <a:t>/</a:t>
+            </a:r>
+            <a:r>
+              <a:rPr lang="fr-FR" sz="1400" dirty="0" err="1"/>
+              <a:t>etc</a:t>
+            </a:r>
+            <a:r>
+              <a:rPr lang="fr-FR" sz="1400" dirty="0"/>
+              <a:t>/</a:t>
+            </a:r>
+            <a:r>
+              <a:rPr lang="fr-FR" sz="1400" dirty="0" err="1"/>
+              <a:t>systemd</a:t>
+            </a:r>
+            <a:r>
+              <a:rPr lang="fr-FR" sz="1400" dirty="0"/>
+              <a:t>/system/var-</a:t>
+            </a:r>
+            <a:r>
+              <a:rPr lang="fr-FR" sz="1400" dirty="0" err="1"/>
+              <a:t>run</a:t>
+            </a:r>
+            <a:r>
+              <a:rPr lang="fr-FR" sz="1400" dirty="0"/>
+              <a:t>-</a:t>
+            </a:r>
+            <a:r>
+              <a:rPr lang="fr-FR" sz="1400" dirty="0" err="1"/>
+              <a:t>sdp.service</a:t>
+            </a:r>
+            <a:endParaRPr lang="fr-FR" sz="1400" dirty="0"/>
+          </a:p>
+          <a:p>
+            <a:pPr lvl="1"/>
+            <a:r>
+              <a:rPr lang="fr-FR" sz="1400" dirty="0" err="1" smtClean="0"/>
+              <a:t>sudo</a:t>
+            </a:r>
+            <a:r>
+              <a:rPr lang="fr-FR" sz="1400" dirty="0" smtClean="0"/>
+              <a:t> </a:t>
+            </a:r>
+            <a:r>
+              <a:rPr lang="fr-FR" sz="1400" dirty="0" err="1"/>
+              <a:t>systemctl</a:t>
+            </a:r>
+            <a:r>
+              <a:rPr lang="fr-FR" sz="1400" dirty="0"/>
+              <a:t> daemon-</a:t>
+            </a:r>
+            <a:r>
+              <a:rPr lang="fr-FR" sz="1400" dirty="0" err="1"/>
+              <a:t>reload</a:t>
+            </a:r>
+            <a:endParaRPr lang="fr-FR" sz="1400" dirty="0"/>
+          </a:p>
+          <a:p>
+            <a:pPr lvl="1"/>
+            <a:r>
+              <a:rPr lang="fr-FR" sz="1400" dirty="0" err="1" smtClean="0"/>
+              <a:t>sudo</a:t>
+            </a:r>
+            <a:r>
+              <a:rPr lang="fr-FR" sz="1400" dirty="0" smtClean="0"/>
+              <a:t> </a:t>
+            </a:r>
+            <a:r>
+              <a:rPr lang="fr-FR" sz="1400" dirty="0" err="1"/>
+              <a:t>systemctl</a:t>
+            </a:r>
+            <a:r>
+              <a:rPr lang="fr-FR" sz="1400" dirty="0"/>
+              <a:t> </a:t>
+            </a:r>
+            <a:r>
+              <a:rPr lang="fr-FR" sz="1400" dirty="0" err="1"/>
+              <a:t>enable</a:t>
+            </a:r>
+            <a:r>
+              <a:rPr lang="fr-FR" sz="1400" dirty="0"/>
+              <a:t> var-</a:t>
+            </a:r>
+            <a:r>
+              <a:rPr lang="fr-FR" sz="1400" dirty="0" err="1"/>
+              <a:t>run</a:t>
+            </a:r>
+            <a:r>
+              <a:rPr lang="fr-FR" sz="1400" dirty="0"/>
+              <a:t>-</a:t>
+            </a:r>
+            <a:r>
+              <a:rPr lang="fr-FR" sz="1400" dirty="0" err="1"/>
+              <a:t>sdp.path</a:t>
+            </a:r>
+            <a:endParaRPr lang="fr-FR" sz="1400" dirty="0"/>
+          </a:p>
+          <a:p>
+            <a:pPr lvl="1"/>
+            <a:r>
+              <a:rPr lang="fr-FR" sz="1400" dirty="0" err="1" smtClean="0"/>
+              <a:t>sudo</a:t>
+            </a:r>
+            <a:r>
+              <a:rPr lang="fr-FR" sz="1400" dirty="0" smtClean="0"/>
+              <a:t> </a:t>
+            </a:r>
+            <a:r>
+              <a:rPr lang="fr-FR" sz="1400" dirty="0" err="1"/>
+              <a:t>systemctl</a:t>
+            </a:r>
+            <a:r>
+              <a:rPr lang="fr-FR" sz="1400" dirty="0"/>
+              <a:t> </a:t>
+            </a:r>
+            <a:r>
+              <a:rPr lang="fr-FR" sz="1400" dirty="0" err="1"/>
+              <a:t>enable</a:t>
+            </a:r>
+            <a:r>
+              <a:rPr lang="fr-FR" sz="1400" dirty="0"/>
+              <a:t> var-</a:t>
+            </a:r>
+            <a:r>
+              <a:rPr lang="fr-FR" sz="1400" dirty="0" err="1"/>
+              <a:t>run</a:t>
+            </a:r>
+            <a:r>
+              <a:rPr lang="fr-FR" sz="1400" dirty="0"/>
+              <a:t>-</a:t>
+            </a:r>
+            <a:r>
+              <a:rPr lang="fr-FR" sz="1400" dirty="0" err="1"/>
+              <a:t>sdp.service</a:t>
+            </a:r>
+            <a:endParaRPr lang="fr-FR" sz="1400" dirty="0"/>
+          </a:p>
+          <a:p>
+            <a:pPr lvl="1"/>
+            <a:r>
+              <a:rPr lang="fr-FR" sz="1400" dirty="0" err="1" smtClean="0"/>
+              <a:t>sudo</a:t>
+            </a:r>
+            <a:r>
+              <a:rPr lang="fr-FR" sz="1400" dirty="0" smtClean="0"/>
+              <a:t> </a:t>
+            </a:r>
+            <a:r>
+              <a:rPr lang="fr-FR" sz="1400" dirty="0" err="1"/>
+              <a:t>systemctl</a:t>
+            </a:r>
+            <a:r>
+              <a:rPr lang="fr-FR" sz="1400" dirty="0"/>
+              <a:t> </a:t>
+            </a:r>
+            <a:r>
+              <a:rPr lang="fr-FR" sz="1400" dirty="0" err="1"/>
+              <a:t>start</a:t>
+            </a:r>
+            <a:r>
+              <a:rPr lang="fr-FR" sz="1400" dirty="0"/>
+              <a:t> var-</a:t>
+            </a:r>
+            <a:r>
+              <a:rPr lang="fr-FR" sz="1400" dirty="0" err="1"/>
+              <a:t>run</a:t>
+            </a:r>
+            <a:r>
+              <a:rPr lang="fr-FR" sz="1400" dirty="0"/>
+              <a:t>-</a:t>
+            </a:r>
+            <a:r>
+              <a:rPr lang="fr-FR" sz="1400" dirty="0" err="1"/>
+              <a:t>sdp.path</a:t>
+            </a:r>
+            <a:endParaRPr lang="fr-FR" sz="1400" dirty="0"/>
+          </a:p>
+          <a:p>
+            <a:pPr lvl="1"/>
+            <a:r>
+              <a:rPr lang="fr-FR" sz="1400" dirty="0" err="1" smtClean="0"/>
+              <a:t>sudo</a:t>
+            </a:r>
+            <a:r>
+              <a:rPr lang="fr-FR" sz="1400" dirty="0" smtClean="0"/>
+              <a:t> </a:t>
+            </a:r>
+            <a:r>
+              <a:rPr lang="fr-FR" sz="1400" dirty="0" err="1"/>
+              <a:t>usermod</a:t>
+            </a:r>
+            <a:r>
+              <a:rPr lang="fr-FR" sz="1400" dirty="0"/>
+              <a:t> -</a:t>
+            </a:r>
+            <a:r>
+              <a:rPr lang="fr-FR" sz="1400" dirty="0" err="1"/>
+              <a:t>aG</a:t>
+            </a:r>
+            <a:r>
+              <a:rPr lang="fr-FR" sz="1400" dirty="0"/>
+              <a:t> </a:t>
+            </a:r>
+            <a:r>
+              <a:rPr lang="fr-FR" sz="1400" dirty="0" err="1"/>
+              <a:t>bluetooth</a:t>
+            </a:r>
+            <a:r>
+              <a:rPr lang="fr-FR" sz="1400" dirty="0"/>
+              <a:t> pi</a:t>
+            </a:r>
+          </a:p>
+          <a:p>
+            <a:endParaRPr lang="fr-FR" dirty="0"/>
+          </a:p>
+        </p:txBody>
+      </p:sp>
+    </p:spTree>
+    <p:extLst>
+      <p:ext uri="{BB962C8B-B14F-4D97-AF65-F5344CB8AC3E}">
+        <p14:creationId xmlns:p14="http://schemas.microsoft.com/office/powerpoint/2010/main" val="2761666835"/>
+      </p:ext>
+    </p:extLst>
+  </p:cSld>
+  <p:clrMapOvr>
+    <a:masterClrMapping/>
+  </p:clrMapOvr>
+</p:sld>
+</file>
+
+<file path=ppt/slides/slide12.xml><?xml version="1.0" encoding="utf-8"?>
+<p:sld xmlns:a="http://schemas.openxmlformats.org/drawingml/2006/main" xmlns:r="http://schemas.openxmlformats.org/officeDocument/2006/relationships" xmlns:p="http://schemas.openxmlformats.org/presentationml/2006/main">
+  <p:cSld>
+    <p:spTree>
+      <p:nvGrpSpPr>
+        <p:cNvPr id="1" name=""/>
+        <p:cNvGrpSpPr/>
+        <p:nvPr/>
+      </p:nvGrpSpPr>
+      <p:grpSpPr>
+        <a:xfrm>
+          <a:off x="0" y="0"/>
+          <a:ext cx="0" cy="0"/>
+          <a:chOff x="0" y="0"/>
+          <a:chExt cx="0" cy="0"/>
+        </a:xfrm>
+      </p:grpSpPr>
+      <p:sp>
+        <p:nvSpPr>
+          <p:cNvPr id="2" name="Titre 1"/>
+          <p:cNvSpPr>
+            <a:spLocks noGrp="1"/>
+          </p:cNvSpPr>
+          <p:nvPr>
+            <p:ph type="title"/>
+          </p:nvPr>
+        </p:nvSpPr>
+        <p:spPr/>
+        <p:txBody>
+          <a:bodyPr/>
+          <a:lstStyle/>
+          <a:p>
+            <a:r>
+              <a:rPr lang="fr-FR" dirty="0" err="1" smtClean="0"/>
+              <a:t>PyBluez</a:t>
+            </a:r>
+            <a:endParaRPr lang="fr-FR" dirty="0"/>
+          </a:p>
+        </p:txBody>
+      </p:sp>
+      <p:sp>
+        <p:nvSpPr>
+          <p:cNvPr id="3" name="Espace réservé du contenu 2"/>
+          <p:cNvSpPr>
+            <a:spLocks noGrp="1"/>
+          </p:cNvSpPr>
+          <p:nvPr>
+            <p:ph idx="1"/>
+          </p:nvPr>
+        </p:nvSpPr>
+        <p:spPr/>
+        <p:txBody>
+          <a:bodyPr/>
+          <a:lstStyle/>
+          <a:p>
+            <a:r>
+              <a:rPr lang="fr-FR" sz="2400" dirty="0" smtClean="0"/>
+              <a:t>import </a:t>
+            </a:r>
+            <a:r>
+              <a:rPr lang="fr-FR" sz="2400" dirty="0" err="1" smtClean="0"/>
+              <a:t>bluetooth</a:t>
+            </a:r>
+            <a:endParaRPr lang="fr-FR" sz="2400" dirty="0" smtClean="0"/>
+          </a:p>
+          <a:p>
+            <a:r>
+              <a:rPr lang="fr-FR" sz="2400" dirty="0" err="1"/>
+              <a:t>sock</a:t>
+            </a:r>
+            <a:r>
+              <a:rPr lang="fr-FR" sz="2400" dirty="0"/>
+              <a:t> = </a:t>
+            </a:r>
+            <a:r>
+              <a:rPr lang="fr-FR" sz="2400" dirty="0" err="1"/>
+              <a:t>bluetooth.BluetoothSocket</a:t>
+            </a:r>
+            <a:r>
+              <a:rPr lang="fr-FR" sz="2400" dirty="0"/>
+              <a:t>(</a:t>
+            </a:r>
+            <a:r>
+              <a:rPr lang="fr-FR" sz="2400" dirty="0" err="1"/>
+              <a:t>bluetooth.RFCOMM</a:t>
+            </a:r>
+            <a:r>
+              <a:rPr lang="fr-FR" sz="2400" dirty="0" smtClean="0"/>
+              <a:t>)</a:t>
+            </a:r>
+          </a:p>
+          <a:p>
+            <a:pPr lvl="1"/>
+            <a:r>
+              <a:rPr lang="fr-FR" sz="2000" dirty="0" smtClean="0"/>
+              <a:t>Instanciation</a:t>
+            </a:r>
+            <a:endParaRPr lang="fr-FR" sz="2000" dirty="0"/>
+          </a:p>
+          <a:p>
+            <a:r>
+              <a:rPr lang="fr-FR" sz="2400" dirty="0" err="1"/>
+              <a:t>sock.connect</a:t>
+            </a:r>
+            <a:r>
+              <a:rPr lang="fr-FR" sz="2400" dirty="0"/>
+              <a:t>(("00:0E:EA:CF:47:5A", 1</a:t>
+            </a:r>
+            <a:r>
+              <a:rPr lang="fr-FR" sz="2400" dirty="0" smtClean="0"/>
+              <a:t>))</a:t>
+            </a:r>
+          </a:p>
+          <a:p>
+            <a:pPr lvl="1"/>
+            <a:r>
+              <a:rPr lang="fr-FR" sz="2000" dirty="0" smtClean="0"/>
+              <a:t>Initialise la connexion sur l'adresse MAC et le port 1</a:t>
+            </a:r>
+          </a:p>
+          <a:p>
+            <a:pPr lvl="1"/>
+            <a:r>
+              <a:rPr lang="fr-FR" sz="2000" dirty="0" smtClean="0"/>
+              <a:t>50 ports disponibles</a:t>
+            </a:r>
+          </a:p>
+          <a:p>
+            <a:r>
+              <a:rPr lang="fr-FR" sz="2400" dirty="0"/>
+              <a:t>data = </a:t>
+            </a:r>
+            <a:r>
+              <a:rPr lang="fr-FR" sz="2400" dirty="0" err="1" smtClean="0"/>
+              <a:t>sock.recv</a:t>
+            </a:r>
+            <a:r>
+              <a:rPr lang="fr-FR" sz="2400" dirty="0" smtClean="0"/>
+              <a:t>(1024)</a:t>
+            </a:r>
+          </a:p>
+          <a:p>
+            <a:pPr lvl="1"/>
+            <a:r>
+              <a:rPr lang="fr-FR" sz="2000" dirty="0" smtClean="0"/>
+              <a:t>Lit le buffer BT jusqu'à 1024 caractères, nécessite un </a:t>
+            </a:r>
+            <a:r>
+              <a:rPr lang="fr-FR" sz="2000" dirty="0" err="1" smtClean="0"/>
+              <a:t>decode</a:t>
+            </a:r>
+            <a:r>
+              <a:rPr lang="fr-FR" sz="2000" dirty="0" smtClean="0"/>
+              <a:t>() pour lire la chaine</a:t>
+            </a:r>
+          </a:p>
+          <a:p>
+            <a:r>
+              <a:rPr lang="fr-FR" sz="2400" dirty="0" err="1" smtClean="0"/>
+              <a:t>sock.send</a:t>
+            </a:r>
+            <a:r>
+              <a:rPr lang="fr-FR" sz="2400" dirty="0" smtClean="0"/>
+              <a:t>("Hello\</a:t>
+            </a:r>
+            <a:r>
+              <a:rPr lang="fr-FR" sz="2400" dirty="0" err="1" smtClean="0"/>
+              <a:t>n".encode</a:t>
+            </a:r>
+            <a:r>
+              <a:rPr lang="fr-FR" sz="2400" dirty="0" smtClean="0"/>
+              <a:t>())</a:t>
+            </a:r>
+          </a:p>
+          <a:p>
+            <a:pPr lvl="1"/>
+            <a:r>
+              <a:rPr lang="fr-FR" sz="2000" dirty="0" smtClean="0"/>
+              <a:t>Ecrit</a:t>
+            </a:r>
+          </a:p>
+          <a:p>
+            <a:r>
+              <a:rPr lang="fr-FR" sz="2400" dirty="0" err="1" smtClean="0"/>
+              <a:t>sock.close</a:t>
+            </a:r>
+            <a:r>
+              <a:rPr lang="fr-FR" sz="2400" dirty="0" smtClean="0"/>
+              <a:t>()</a:t>
+            </a:r>
+          </a:p>
+          <a:p>
+            <a:pPr lvl="1"/>
+            <a:r>
+              <a:rPr lang="fr-FR" sz="2000" dirty="0" smtClean="0"/>
+              <a:t>Ferme la connexion</a:t>
+            </a:r>
+          </a:p>
+          <a:p>
+            <a:pPr lvl="1"/>
+            <a:endParaRPr lang="fr-FR" sz="2000" dirty="0"/>
+          </a:p>
+        </p:txBody>
+      </p:sp>
+    </p:spTree>
+    <p:extLst>
+      <p:ext uri="{BB962C8B-B14F-4D97-AF65-F5344CB8AC3E}">
+        <p14:creationId xmlns:p14="http://schemas.microsoft.com/office/powerpoint/2010/main" val="1963915861"/>
+      </p:ext>
+    </p:extLst>
+  </p:cSld>
+  <p:clrMapOvr>
+    <a:masterClrMapping/>
+  </p:clrMapOvr>
+</p:sld>
+</file>
+
+<file path=ppt/slides/slide13.xml><?xml version="1.0" encoding="utf-8"?>
+<p:sld xmlns:a="http://schemas.openxmlformats.org/drawingml/2006/main" xmlns:r="http://schemas.openxmlformats.org/officeDocument/2006/relationships" xmlns:p="http://schemas.openxmlformats.org/presentationml/2006/main">
+  <p:cSld>
+    <p:spTree>
+      <p:nvGrpSpPr>
+        <p:cNvPr id="1" name=""/>
+        <p:cNvGrpSpPr/>
+        <p:nvPr/>
+      </p:nvGrpSpPr>
+      <p:grpSpPr>
+        <a:xfrm>
+          <a:off x="0" y="0"/>
+          <a:ext cx="0" cy="0"/>
+          <a:chOff x="0" y="0"/>
+          <a:chExt cx="0" cy="0"/>
+        </a:xfrm>
+      </p:grpSpPr>
+      <p:sp>
+        <p:nvSpPr>
+          <p:cNvPr id="2" name="Titre 1"/>
+          <p:cNvSpPr>
+            <a:spLocks noGrp="1"/>
+          </p:cNvSpPr>
+          <p:nvPr>
+            <p:ph type="title"/>
+          </p:nvPr>
+        </p:nvSpPr>
+        <p:spPr/>
+        <p:txBody>
+          <a:bodyPr/>
+          <a:lstStyle/>
+          <a:p>
+            <a:r>
+              <a:rPr lang="fr-FR" dirty="0" err="1" smtClean="0"/>
+              <a:t>readline</a:t>
+            </a:r>
+            <a:r>
+              <a:rPr lang="fr-FR" dirty="0" smtClean="0"/>
+              <a:t>()</a:t>
+            </a:r>
+            <a:endParaRPr lang="fr-FR" dirty="0"/>
+          </a:p>
+        </p:txBody>
+      </p:sp>
+      <p:sp>
+        <p:nvSpPr>
+          <p:cNvPr id="3" name="Espace réservé du contenu 2"/>
+          <p:cNvSpPr>
+            <a:spLocks noGrp="1"/>
+          </p:cNvSpPr>
+          <p:nvPr>
+            <p:ph idx="1"/>
+          </p:nvPr>
+        </p:nvSpPr>
+        <p:spPr/>
+        <p:txBody>
+          <a:bodyPr/>
+          <a:lstStyle/>
+          <a:p>
+            <a:r>
+              <a:rPr lang="fr-FR" dirty="0" smtClean="0"/>
+              <a:t>Ce code permet d'avoir un </a:t>
+            </a:r>
+            <a:r>
+              <a:rPr lang="fr-FR" dirty="0" err="1" smtClean="0"/>
+              <a:t>readline</a:t>
+            </a:r>
+            <a:r>
+              <a:rPr lang="fr-FR" dirty="0" smtClean="0"/>
+              <a:t> comme dans la liaison série</a:t>
+            </a:r>
+          </a:p>
+          <a:p>
+            <a:pPr marL="457200" lvl="1" indent="0">
+              <a:buNone/>
+            </a:pPr>
+            <a:r>
+              <a:rPr lang="en-US" dirty="0" err="1"/>
+              <a:t>def</a:t>
+            </a:r>
+            <a:r>
+              <a:rPr lang="en-US" dirty="0"/>
+              <a:t> readline1(self):</a:t>
+            </a:r>
+          </a:p>
+          <a:p>
+            <a:pPr marL="457200" lvl="1" indent="0">
+              <a:buNone/>
+            </a:pPr>
+            <a:r>
+              <a:rPr lang="en-US" dirty="0"/>
+              <a:t>        s = ""</a:t>
+            </a:r>
+          </a:p>
+          <a:p>
+            <a:pPr marL="457200" lvl="1" indent="0">
+              <a:buNone/>
+            </a:pPr>
+            <a:r>
+              <a:rPr lang="en-US" dirty="0"/>
+              <a:t>        while (data != '\n'):</a:t>
+            </a:r>
+          </a:p>
+          <a:p>
+            <a:pPr marL="457200" lvl="1" indent="0">
+              <a:buNone/>
+            </a:pPr>
+            <a:r>
+              <a:rPr lang="en-US" dirty="0"/>
+              <a:t>            data = </a:t>
+            </a:r>
+            <a:r>
+              <a:rPr lang="en-US" dirty="0" err="1"/>
+              <a:t>self.recv</a:t>
+            </a:r>
+            <a:r>
+              <a:rPr lang="en-US" dirty="0"/>
+              <a:t>(1).decode()</a:t>
+            </a:r>
+          </a:p>
+          <a:p>
+            <a:pPr marL="457200" lvl="1" indent="0">
+              <a:buNone/>
+            </a:pPr>
+            <a:r>
+              <a:rPr lang="en-US" dirty="0"/>
+              <a:t>            s += data</a:t>
+            </a:r>
+          </a:p>
+          <a:p>
+            <a:pPr marL="457200" lvl="1" indent="0">
+              <a:buNone/>
+            </a:pPr>
+            <a:r>
+              <a:rPr lang="en-US" dirty="0"/>
+              <a:t>        return s</a:t>
+            </a:r>
+            <a:endParaRPr lang="fr-FR" dirty="0" smtClean="0"/>
+          </a:p>
+          <a:p>
+            <a:endParaRPr lang="fr-FR" dirty="0" smtClean="0"/>
+          </a:p>
+          <a:p>
+            <a:endParaRPr lang="fr-FR" dirty="0"/>
+          </a:p>
+        </p:txBody>
+      </p:sp>
+    </p:spTree>
+    <p:extLst>
+      <p:ext uri="{BB962C8B-B14F-4D97-AF65-F5344CB8AC3E}">
+        <p14:creationId xmlns:p14="http://schemas.microsoft.com/office/powerpoint/2010/main" val="1717138170"/>
+      </p:ext>
+    </p:extLst>
+  </p:cSld>
+  <p:clrMapOvr>
+    <a:masterClrMapping/>
+  </p:clrMapOvr>
+</p:sld>
+</file>
+
+<file path=ppt/slides/slide14.xml><?xml version="1.0" encoding="utf-8"?>
+<p:sld xmlns:a="http://schemas.openxmlformats.org/drawingml/2006/main" xmlns:r="http://schemas.openxmlformats.org/officeDocument/2006/relationships" xmlns:p="http://schemas.openxmlformats.org/presentationml/2006/main">
+  <p:cSld>
+    <p:spTree>
+      <p:nvGrpSpPr>
+        <p:cNvPr id="1" name=""/>
+        <p:cNvGrpSpPr/>
+        <p:nvPr/>
+      </p:nvGrpSpPr>
+      <p:grpSpPr>
+        <a:xfrm>
+          <a:off x="0" y="0"/>
+          <a:ext cx="0" cy="0"/>
+          <a:chOff x="0" y="0"/>
+          <a:chExt cx="0" cy="0"/>
+        </a:xfrm>
+      </p:grpSpPr>
+      <p:sp>
+        <p:nvSpPr>
+          <p:cNvPr id="2" name="Titre 1"/>
+          <p:cNvSpPr>
+            <a:spLocks noGrp="1"/>
+          </p:cNvSpPr>
+          <p:nvPr>
+            <p:ph type="title"/>
+          </p:nvPr>
+        </p:nvSpPr>
+        <p:spPr/>
+        <p:txBody>
+          <a:bodyPr/>
+          <a:lstStyle/>
+          <a:p>
+            <a:r>
+              <a:rPr lang="fr-FR" dirty="0" smtClean="0"/>
+              <a:t>Service BT</a:t>
+            </a:r>
+            <a:endParaRPr lang="fr-FR" dirty="0"/>
+          </a:p>
+        </p:txBody>
+      </p:sp>
+      <p:sp>
+        <p:nvSpPr>
+          <p:cNvPr id="3" name="Espace réservé du contenu 2"/>
+          <p:cNvSpPr>
+            <a:spLocks noGrp="1"/>
+          </p:cNvSpPr>
+          <p:nvPr>
+            <p:ph idx="1"/>
+          </p:nvPr>
+        </p:nvSpPr>
+        <p:spPr/>
+        <p:txBody>
+          <a:bodyPr/>
+          <a:lstStyle/>
+          <a:p>
+            <a:r>
+              <a:rPr lang="fr-FR" sz="2400" dirty="0" err="1" smtClean="0"/>
+              <a:t>uuid</a:t>
+            </a:r>
+            <a:r>
+              <a:rPr lang="fr-FR" sz="2400" dirty="0"/>
+              <a:t> = "94f39d29-7d6d-437d-973b-fba39e49d4ee</a:t>
+            </a:r>
+            <a:r>
+              <a:rPr lang="fr-FR" sz="2400" dirty="0" smtClean="0"/>
+              <a:t>"</a:t>
+            </a:r>
+          </a:p>
+          <a:p>
+            <a:pPr lvl="1"/>
+            <a:r>
+              <a:rPr lang="fr-FR" sz="2000" dirty="0" smtClean="0"/>
+              <a:t>id du service BT</a:t>
+            </a:r>
+            <a:endParaRPr lang="fr-FR" sz="2000" dirty="0"/>
+          </a:p>
+          <a:p>
+            <a:r>
+              <a:rPr lang="fr-FR" sz="2400" dirty="0" err="1" smtClean="0"/>
+              <a:t>sock</a:t>
+            </a:r>
+            <a:r>
+              <a:rPr lang="fr-FR" sz="2400" dirty="0" smtClean="0"/>
+              <a:t> </a:t>
+            </a:r>
+            <a:r>
+              <a:rPr lang="fr-FR" sz="2400" dirty="0"/>
+              <a:t>= </a:t>
+            </a:r>
+            <a:r>
+              <a:rPr lang="fr-FR" sz="2400" dirty="0" err="1"/>
+              <a:t>bluetooth.BluetoothSocket</a:t>
+            </a:r>
+            <a:r>
+              <a:rPr lang="fr-FR" sz="2400" dirty="0"/>
+              <a:t>(</a:t>
+            </a:r>
+            <a:r>
+              <a:rPr lang="fr-FR" sz="2400" dirty="0" err="1"/>
+              <a:t>bluetooth.RFCOMM</a:t>
+            </a:r>
+            <a:r>
+              <a:rPr lang="fr-FR" sz="2400" dirty="0"/>
+              <a:t>)</a:t>
+            </a:r>
+          </a:p>
+          <a:p>
+            <a:r>
+              <a:rPr lang="fr-FR" sz="2400" dirty="0" err="1" smtClean="0"/>
+              <a:t>sock.bind</a:t>
+            </a:r>
+            <a:r>
+              <a:rPr lang="fr-FR" sz="2400" dirty="0"/>
+              <a:t>(("", </a:t>
+            </a:r>
+            <a:r>
+              <a:rPr lang="fr-FR" sz="2400" dirty="0" smtClean="0"/>
+              <a:t>0))</a:t>
+            </a:r>
+          </a:p>
+          <a:p>
+            <a:pPr lvl="1"/>
+            <a:r>
+              <a:rPr lang="fr-FR" sz="2000" dirty="0" smtClean="0"/>
+              <a:t>Démarre le service sur le </a:t>
+            </a:r>
+            <a:r>
+              <a:rPr lang="fr-FR" sz="2000" dirty="0" err="1" smtClean="0"/>
+              <a:t>raspberry</a:t>
+            </a:r>
+            <a:r>
+              <a:rPr lang="fr-FR" sz="2000" dirty="0" smtClean="0"/>
+              <a:t> sur le premier port disponible</a:t>
+            </a:r>
+            <a:endParaRPr lang="fr-FR" sz="2000" dirty="0"/>
+          </a:p>
+          <a:p>
+            <a:r>
+              <a:rPr lang="fr-FR" sz="2400" dirty="0" err="1" smtClean="0"/>
+              <a:t>sock.listen</a:t>
+            </a:r>
+            <a:r>
+              <a:rPr lang="fr-FR" sz="2400" dirty="0" smtClean="0"/>
+              <a:t>(1)</a:t>
+            </a:r>
+          </a:p>
+          <a:p>
+            <a:pPr lvl="1"/>
+            <a:r>
+              <a:rPr lang="fr-FR" sz="2000" dirty="0" smtClean="0"/>
+              <a:t>Attend une connexion</a:t>
+            </a:r>
+          </a:p>
+          <a:p>
+            <a:r>
+              <a:rPr lang="fr-FR" sz="2400" dirty="0" err="1"/>
+              <a:t>bluetooth.advertise_service</a:t>
+            </a:r>
+            <a:r>
+              <a:rPr lang="fr-FR" sz="2400" dirty="0"/>
+              <a:t>(</a:t>
+            </a:r>
+            <a:r>
+              <a:rPr lang="fr-FR" sz="2400" dirty="0" err="1"/>
+              <a:t>self.sock</a:t>
+            </a:r>
+            <a:r>
+              <a:rPr lang="fr-FR" sz="2400" dirty="0"/>
+              <a:t>, </a:t>
+            </a:r>
+            <a:r>
+              <a:rPr lang="fr-FR" sz="2400" dirty="0" err="1"/>
+              <a:t>self.service</a:t>
+            </a:r>
+            <a:r>
+              <a:rPr lang="fr-FR" sz="2400" dirty="0"/>
+              <a:t> , </a:t>
+            </a:r>
+            <a:r>
+              <a:rPr lang="fr-FR" sz="2400" dirty="0" err="1"/>
+              <a:t>self.uuid</a:t>
+            </a:r>
+            <a:r>
+              <a:rPr lang="fr-FR" sz="2400" dirty="0"/>
+              <a:t>, </a:t>
+            </a:r>
+            <a:r>
+              <a:rPr lang="fr-FR" sz="2400" dirty="0" smtClean="0"/>
+              <a:t>[</a:t>
+            </a:r>
+            <a:r>
+              <a:rPr lang="fr-FR" sz="2400" dirty="0" err="1" smtClean="0"/>
+              <a:t>uuid</a:t>
+            </a:r>
+            <a:r>
+              <a:rPr lang="fr-FR" sz="2400" dirty="0"/>
+              <a:t>, </a:t>
+            </a:r>
+            <a:r>
+              <a:rPr lang="fr-FR" sz="2400" dirty="0" err="1"/>
+              <a:t>bluetooth.SERIAL_PORT_CLASS</a:t>
+            </a:r>
+            <a:r>
+              <a:rPr lang="fr-FR" sz="2400" dirty="0"/>
+              <a:t>], [</a:t>
+            </a:r>
+            <a:r>
+              <a:rPr lang="fr-FR" sz="2400" dirty="0" err="1"/>
+              <a:t>bluetooth.SERIAL_PORT_PROFILE</a:t>
+            </a:r>
+            <a:r>
+              <a:rPr lang="fr-FR" sz="2400" dirty="0" smtClean="0"/>
+              <a:t>])</a:t>
+            </a:r>
+          </a:p>
+          <a:p>
+            <a:pPr lvl="1"/>
+            <a:r>
+              <a:rPr lang="fr-FR" sz="2000" dirty="0" smtClean="0"/>
+              <a:t>Publie le service</a:t>
+            </a:r>
+          </a:p>
+          <a:p>
+            <a:r>
+              <a:rPr lang="fr-FR" sz="2400" dirty="0" err="1" smtClean="0"/>
+              <a:t>clientsock</a:t>
+            </a:r>
+            <a:r>
+              <a:rPr lang="fr-FR" sz="2400" dirty="0"/>
+              <a:t>, </a:t>
+            </a:r>
+            <a:r>
+              <a:rPr lang="fr-FR" sz="2400" dirty="0" err="1" smtClean="0"/>
+              <a:t>clientinfo</a:t>
+            </a:r>
+            <a:r>
+              <a:rPr lang="fr-FR" sz="2400" dirty="0" smtClean="0"/>
+              <a:t>= </a:t>
+            </a:r>
+            <a:r>
+              <a:rPr lang="fr-FR" sz="2400" dirty="0" err="1"/>
+              <a:t>self.sock.accept</a:t>
+            </a:r>
+            <a:r>
+              <a:rPr lang="fr-FR" sz="2400" dirty="0" smtClean="0"/>
+              <a:t>()</a:t>
+            </a:r>
+          </a:p>
+          <a:p>
+            <a:pPr lvl="1"/>
+            <a:r>
+              <a:rPr lang="fr-FR" sz="2000" dirty="0" smtClean="0"/>
+              <a:t>Accepte </a:t>
+            </a:r>
+            <a:r>
+              <a:rPr lang="fr-FR" sz="2000" smtClean="0"/>
+              <a:t>la connexion</a:t>
+            </a:r>
+            <a:endParaRPr lang="fr-FR" sz="2000" dirty="0" smtClean="0"/>
+          </a:p>
+          <a:p>
+            <a:endParaRPr lang="fr-FR" sz="2400" dirty="0"/>
+          </a:p>
+        </p:txBody>
+      </p:sp>
+    </p:spTree>
+    <p:extLst>
+      <p:ext uri="{BB962C8B-B14F-4D97-AF65-F5344CB8AC3E}">
+        <p14:creationId xmlns:p14="http://schemas.microsoft.com/office/powerpoint/2010/main" val="4158836457"/>
+      </p:ext>
+    </p:extLst>
+  </p:cSld>
+  <p:clrMapOvr>
+    <a:masterClrMapping/>
+  </p:clrMapOvr>
+</p:sld>
+</file>
+
+<file path=ppt/slides/slide15.xml><?xml version="1.0" encoding="utf-8"?>
+<p:sld xmlns:a="http://schemas.openxmlformats.org/drawingml/2006/main" xmlns:r="http://schemas.openxmlformats.org/officeDocument/2006/relationships" xmlns:p="http://schemas.openxmlformats.org/presentationml/2006/main">
+  <p:cSld>
+    <p:spTree>
+      <p:nvGrpSpPr>
+        <p:cNvPr id="1" name=""/>
+        <p:cNvGrpSpPr/>
+        <p:nvPr/>
+      </p:nvGrpSpPr>
+      <p:grpSpPr>
+        <a:xfrm>
+          <a:off x="0" y="0"/>
+          <a:ext cx="0" cy="0"/>
+          <a:chOff x="0" y="0"/>
+          <a:chExt cx="0" cy="0"/>
+        </a:xfrm>
+      </p:grpSpPr>
+      <p:sp>
+        <p:nvSpPr>
+          <p:cNvPr id="2" name="Titre 1"/>
+          <p:cNvSpPr>
+            <a:spLocks noGrp="1"/>
+          </p:cNvSpPr>
+          <p:nvPr>
+            <p:ph type="title"/>
+          </p:nvPr>
+        </p:nvSpPr>
+        <p:spPr/>
+        <p:txBody>
+          <a:bodyPr/>
+          <a:lstStyle/>
+          <a:p>
+            <a:r>
+              <a:rPr lang="fr-FR" dirty="0" smtClean="0"/>
+              <a:t>Radio</a:t>
+            </a:r>
+            <a:endParaRPr lang="fr-FR" dirty="0"/>
+          </a:p>
+        </p:txBody>
+      </p:sp>
+      <p:sp>
+        <p:nvSpPr>
+          <p:cNvPr id="3" name="Espace réservé du contenu 2"/>
+          <p:cNvSpPr>
+            <a:spLocks noGrp="1"/>
+          </p:cNvSpPr>
+          <p:nvPr>
+            <p:ph idx="1"/>
+          </p:nvPr>
+        </p:nvSpPr>
+        <p:spPr/>
+        <p:txBody>
+          <a:bodyPr/>
+          <a:lstStyle/>
+          <a:p>
+            <a:r>
+              <a:rPr lang="fr-FR" dirty="0" smtClean="0"/>
+              <a:t>Les ondes radio de type 433MHz sont très utilisés</a:t>
+            </a:r>
+          </a:p>
+          <a:p>
+            <a:pPr lvl="1"/>
+            <a:r>
+              <a:rPr lang="fr-FR" dirty="0" smtClean="0"/>
+              <a:t>Télécommande</a:t>
+            </a:r>
+          </a:p>
+          <a:p>
+            <a:pPr lvl="1"/>
+            <a:r>
+              <a:rPr lang="fr-FR" dirty="0" smtClean="0"/>
+              <a:t>Plus limité (soit </a:t>
+            </a:r>
+            <a:r>
+              <a:rPr lang="fr-FR" dirty="0" err="1" smtClean="0"/>
+              <a:t>Rx</a:t>
+            </a:r>
+            <a:r>
+              <a:rPr lang="fr-FR" dirty="0" smtClean="0"/>
+              <a:t> soit </a:t>
+            </a:r>
+            <a:r>
+              <a:rPr lang="fr-FR" dirty="0" err="1" smtClean="0"/>
+              <a:t>Tx</a:t>
+            </a:r>
+            <a:r>
+              <a:rPr lang="fr-FR" dirty="0" smtClean="0"/>
+              <a:t>)</a:t>
+            </a:r>
+          </a:p>
+          <a:p>
+            <a:pPr lvl="1"/>
+            <a:r>
+              <a:rPr lang="fr-FR" dirty="0" smtClean="0"/>
+              <a:t>Peu sécurisé</a:t>
+            </a:r>
+          </a:p>
+          <a:p>
+            <a:pPr lvl="1"/>
+            <a:r>
+              <a:rPr lang="fr-FR" dirty="0" smtClean="0"/>
+              <a:t>Peu chère</a:t>
+            </a:r>
+          </a:p>
+          <a:p>
+            <a:pPr lvl="1"/>
+            <a:endParaRPr lang="fr-FR" dirty="0"/>
+          </a:p>
+        </p:txBody>
+      </p:sp>
+      <p:pic>
+        <p:nvPicPr>
+          <p:cNvPr id="3074" name="Picture 2" descr="Résultat de recherche d'images pour &quot;433MHz arduino grove&quot;"/>
+          <p:cNvPicPr>
+            <a:picLocks noChangeAspect="1" noChangeArrowheads="1"/>
+          </p:cNvPicPr>
+          <p:nvPr/>
+        </p:nvPicPr>
+        <p:blipFill>
+          <a:blip r:embed="rId2">
+            <a:extLst>
+              <a:ext uri="{28A0092B-C50C-407E-A947-70E740481C1C}">
+                <a14:useLocalDpi xmlns:a14="http://schemas.microsoft.com/office/drawing/2010/main" val="0"/>
+              </a:ext>
+            </a:extLst>
+          </a:blip>
+          <a:srcRect/>
+          <a:stretch>
+            <a:fillRect/>
+          </a:stretch>
+        </p:blipFill>
+        <p:spPr bwMode="auto">
+          <a:xfrm>
+            <a:off x="4845215" y="3272716"/>
+            <a:ext cx="4272409" cy="3204307"/>
+          </a:xfrm>
+          <a:prstGeom prst="rect">
+            <a:avLst/>
+          </a:prstGeom>
+          <a:noFill/>
+          <a:extLst>
+            <a:ext uri="{909E8E84-426E-40DD-AFC4-6F175D3DCCD1}">
+              <a14:hiddenFill xmlns:a14="http://schemas.microsoft.com/office/drawing/2010/main">
+                <a:solidFill>
+                  <a:srgbClr val="FFFFFF"/>
+                </a:solidFill>
+              </a14:hiddenFill>
+            </a:ext>
+          </a:extLst>
+        </p:spPr>
+      </p:pic>
+    </p:spTree>
+    <p:extLst>
+      <p:ext uri="{BB962C8B-B14F-4D97-AF65-F5344CB8AC3E}">
+        <p14:creationId xmlns:p14="http://schemas.microsoft.com/office/powerpoint/2010/main" val="2827323390"/>
+      </p:ext>
+    </p:extLst>
+  </p:cSld>
+  <p:clrMapOvr>
+    <a:masterClrMapping/>
+  </p:clrMapOvr>
 </p:sld>
 </file>
 
@@ -3772,7 +5401,11 @@
           <a:bodyPr/>
           <a:lstStyle/>
           <a:p>
-            <a:endParaRPr lang="fr-FR"/>
+            <a:r>
+              <a:rPr lang="fr-FR" dirty="0" smtClean="0"/>
+              <a:t>Les liaisons sans fils</a:t>
+            </a:r>
+            <a:endParaRPr lang="fr-FR" dirty="0"/>
           </a:p>
         </p:txBody>
       </p:sp>
@@ -3793,55 +5426,1003 @@
           <a:p>
             <a:r>
               <a:rPr lang="fr-FR" dirty="0" smtClean="0"/>
-              <a:t>PAN LAN WAN HAN</a:t>
+              <a:t>Les liaisons sans fils sont plébiscitées par leur simplicité</a:t>
             </a:r>
           </a:p>
           <a:p>
             <a:r>
               <a:rPr lang="fr-FR" dirty="0" smtClean="0"/>
-              <a:t>BT RFCOMM</a:t>
-            </a:r>
-          </a:p>
-          <a:p>
+              <a:t>Mais chacune a ces avantages et inconvénient</a:t>
+            </a:r>
+          </a:p>
+          <a:p>
+            <a:endParaRPr lang="fr-FR" dirty="0" smtClean="0"/>
+          </a:p>
+          <a:p>
+            <a:endParaRPr lang="fr-FR" dirty="0"/>
+          </a:p>
+        </p:txBody>
+      </p:sp>
+    </p:spTree>
+    <p:extLst>
+      <p:ext uri="{BB962C8B-B14F-4D97-AF65-F5344CB8AC3E}">
+        <p14:creationId xmlns:p14="http://schemas.microsoft.com/office/powerpoint/2010/main" val="530874864"/>
+      </p:ext>
+    </p:extLst>
+  </p:cSld>
+  <p:clrMapOvr>
+    <a:masterClrMapping/>
+  </p:clrMapOvr>
+</p:sld>
+</file>
+
+<file path=ppt/slides/slide3.xml><?xml version="1.0" encoding="utf-8"?>
+<p:sld xmlns:a="http://schemas.openxmlformats.org/drawingml/2006/main" xmlns:r="http://schemas.openxmlformats.org/officeDocument/2006/relationships" xmlns:p="http://schemas.openxmlformats.org/presentationml/2006/main">
+  <p:cSld>
+    <p:spTree>
+      <p:nvGrpSpPr>
+        <p:cNvPr id="1" name=""/>
+        <p:cNvGrpSpPr/>
+        <p:nvPr/>
+      </p:nvGrpSpPr>
+      <p:grpSpPr>
+        <a:xfrm>
+          <a:off x="0" y="0"/>
+          <a:ext cx="0" cy="0"/>
+          <a:chOff x="0" y="0"/>
+          <a:chExt cx="0" cy="0"/>
+        </a:xfrm>
+      </p:grpSpPr>
+      <p:sp>
+        <p:nvSpPr>
+          <p:cNvPr id="2" name="Titre 1"/>
+          <p:cNvSpPr>
+            <a:spLocks noGrp="1"/>
+          </p:cNvSpPr>
+          <p:nvPr>
+            <p:ph type="title"/>
+          </p:nvPr>
+        </p:nvSpPr>
+        <p:spPr/>
+        <p:txBody>
+          <a:bodyPr/>
+          <a:lstStyle/>
+          <a:p>
+            <a:r>
+              <a:rPr lang="fr-FR" dirty="0" smtClean="0"/>
+              <a:t>Définitions</a:t>
+            </a:r>
+            <a:endParaRPr lang="fr-FR" dirty="0"/>
+          </a:p>
+        </p:txBody>
+      </p:sp>
+      <p:sp>
+        <p:nvSpPr>
+          <p:cNvPr id="3" name="Espace réservé du contenu 2"/>
+          <p:cNvSpPr>
+            <a:spLocks noGrp="1"/>
+          </p:cNvSpPr>
+          <p:nvPr>
+            <p:ph idx="1"/>
+          </p:nvPr>
+        </p:nvSpPr>
+        <p:spPr/>
+        <p:txBody>
+          <a:bodyPr/>
+          <a:lstStyle/>
+          <a:p>
+            <a:r>
+              <a:rPr lang="fr-FR" dirty="0" smtClean="0"/>
+              <a:t>LAN</a:t>
+            </a:r>
+          </a:p>
+          <a:p>
+            <a:pPr lvl="1"/>
+            <a:r>
+              <a:rPr lang="fr-FR" dirty="0" smtClean="0"/>
+              <a:t>Local Area Network</a:t>
+            </a:r>
+          </a:p>
+          <a:p>
+            <a:pPr lvl="1"/>
+            <a:r>
+              <a:rPr lang="fr-FR" dirty="0" smtClean="0"/>
+              <a:t>IP</a:t>
+            </a:r>
+          </a:p>
+          <a:p>
+            <a:r>
+              <a:rPr lang="fr-FR" dirty="0" smtClean="0"/>
+              <a:t>WAN</a:t>
+            </a:r>
+          </a:p>
+          <a:p>
+            <a:pPr lvl="1"/>
+            <a:r>
+              <a:rPr lang="fr-FR" dirty="0" smtClean="0"/>
+              <a:t>Wide Area Network</a:t>
+            </a:r>
+          </a:p>
+          <a:p>
+            <a:pPr lvl="1"/>
+            <a:r>
+              <a:rPr lang="fr-FR" dirty="0" smtClean="0"/>
+              <a:t>Internet - IP - HTTP</a:t>
+            </a:r>
+          </a:p>
+          <a:p>
+            <a:r>
+              <a:rPr lang="fr-FR" dirty="0" smtClean="0"/>
+              <a:t>PAN</a:t>
+            </a:r>
+          </a:p>
+          <a:p>
+            <a:pPr lvl="1"/>
+            <a:r>
+              <a:rPr lang="fr-FR" dirty="0" err="1" smtClean="0"/>
+              <a:t>Personnal</a:t>
+            </a:r>
+            <a:r>
+              <a:rPr lang="fr-FR" dirty="0" smtClean="0"/>
+              <a:t> Area Network</a:t>
+            </a:r>
+          </a:p>
+          <a:p>
+            <a:pPr lvl="1"/>
+            <a:r>
+              <a:rPr lang="fr-FR" dirty="0" smtClean="0"/>
+              <a:t>Bluetooth</a:t>
+            </a:r>
+          </a:p>
+          <a:p>
+            <a:r>
+              <a:rPr lang="fr-FR" dirty="0" smtClean="0"/>
+              <a:t>HAN</a:t>
+            </a:r>
+          </a:p>
+          <a:p>
+            <a:pPr lvl="1"/>
+            <a:r>
+              <a:rPr lang="fr-FR" dirty="0" smtClean="0"/>
+              <a:t>Home Area Network</a:t>
+            </a:r>
+            <a:endParaRPr lang="fr-FR" dirty="0"/>
+          </a:p>
+        </p:txBody>
+      </p:sp>
+    </p:spTree>
+    <p:extLst>
+      <p:ext uri="{BB962C8B-B14F-4D97-AF65-F5344CB8AC3E}">
+        <p14:creationId xmlns:p14="http://schemas.microsoft.com/office/powerpoint/2010/main" val="3583409999"/>
+      </p:ext>
+    </p:extLst>
+  </p:cSld>
+  <p:clrMapOvr>
+    <a:masterClrMapping/>
+  </p:clrMapOvr>
+</p:sld>
+</file>
+
+<file path=ppt/slides/slide4.xml><?xml version="1.0" encoding="utf-8"?>
+<p:sld xmlns:a="http://schemas.openxmlformats.org/drawingml/2006/main" xmlns:r="http://schemas.openxmlformats.org/officeDocument/2006/relationships" xmlns:p="http://schemas.openxmlformats.org/presentationml/2006/main">
+  <p:cSld>
+    <p:spTree>
+      <p:nvGrpSpPr>
+        <p:cNvPr id="1" name=""/>
+        <p:cNvGrpSpPr/>
+        <p:nvPr/>
+      </p:nvGrpSpPr>
+      <p:grpSpPr>
+        <a:xfrm>
+          <a:off x="0" y="0"/>
+          <a:ext cx="0" cy="0"/>
+          <a:chOff x="0" y="0"/>
+          <a:chExt cx="0" cy="0"/>
+        </a:xfrm>
+      </p:grpSpPr>
+      <p:sp>
+        <p:nvSpPr>
+          <p:cNvPr id="2" name="Titre 1"/>
+          <p:cNvSpPr>
+            <a:spLocks noGrp="1"/>
+          </p:cNvSpPr>
+          <p:nvPr>
+            <p:ph type="title"/>
+          </p:nvPr>
+        </p:nvSpPr>
+        <p:spPr/>
+        <p:txBody>
+          <a:bodyPr/>
+          <a:lstStyle/>
+          <a:p>
+            <a:r>
+              <a:rPr lang="fr-FR" dirty="0" smtClean="0"/>
+              <a:t>Wifi</a:t>
+            </a:r>
+            <a:endParaRPr lang="fr-FR" dirty="0"/>
+          </a:p>
+        </p:txBody>
+      </p:sp>
+      <p:sp>
+        <p:nvSpPr>
+          <p:cNvPr id="3" name="Espace réservé du contenu 2"/>
+          <p:cNvSpPr>
+            <a:spLocks noGrp="1"/>
+          </p:cNvSpPr>
+          <p:nvPr>
+            <p:ph idx="1"/>
+          </p:nvPr>
+        </p:nvSpPr>
+        <p:spPr>
+          <a:xfrm>
+            <a:off x="179513" y="1412776"/>
+            <a:ext cx="5508104" cy="5040560"/>
+          </a:xfrm>
+        </p:spPr>
+        <p:txBody>
+          <a:bodyPr/>
+          <a:lstStyle/>
+          <a:p>
+            <a:r>
+              <a:rPr lang="fr-FR" dirty="0" smtClean="0"/>
+              <a:t>Protocole IP de type LAN</a:t>
+            </a:r>
+          </a:p>
+          <a:p>
+            <a:pPr lvl="1"/>
+            <a:r>
+              <a:rPr lang="fr-FR" dirty="0" smtClean="0"/>
+              <a:t>Energivore</a:t>
+            </a:r>
+          </a:p>
+          <a:p>
+            <a:pPr lvl="1"/>
+            <a:r>
+              <a:rPr lang="fr-FR" dirty="0" smtClean="0"/>
+              <a:t>Fonctionne comme Ethernet</a:t>
+            </a:r>
+          </a:p>
+          <a:p>
+            <a:pPr lvl="1"/>
+            <a:r>
+              <a:rPr lang="fr-FR" dirty="0" smtClean="0"/>
+              <a:t>Se configure très facilement sous </a:t>
+            </a:r>
+            <a:r>
+              <a:rPr lang="fr-FR" dirty="0" err="1" smtClean="0"/>
+              <a:t>Raspbian</a:t>
+            </a:r>
+            <a:endParaRPr lang="fr-FR" dirty="0" smtClean="0"/>
+          </a:p>
+          <a:p>
+            <a:r>
+              <a:rPr lang="fr-FR" dirty="0" smtClean="0"/>
+              <a:t>Deux configurations possibles</a:t>
+            </a:r>
+          </a:p>
+          <a:p>
+            <a:pPr lvl="1"/>
+            <a:r>
+              <a:rPr lang="fr-FR" dirty="0" smtClean="0"/>
+              <a:t>Avec un routeur (WAN possible)</a:t>
+            </a:r>
+          </a:p>
+          <a:p>
+            <a:pPr lvl="1"/>
+            <a:r>
+              <a:rPr lang="fr-FR" dirty="0" smtClean="0"/>
+              <a:t>En mode Ad-hoc, le </a:t>
+            </a:r>
+            <a:r>
+              <a:rPr lang="fr-FR" dirty="0" err="1" smtClean="0"/>
+              <a:t>raspberry</a:t>
+            </a:r>
+            <a:r>
+              <a:rPr lang="fr-FR" dirty="0" smtClean="0"/>
+              <a:t> se comporte alors comme un routeur</a:t>
+            </a:r>
+          </a:p>
+          <a:p>
+            <a:r>
+              <a:rPr lang="fr-FR" dirty="0" smtClean="0"/>
+              <a:t>Se programme avec </a:t>
+            </a:r>
+            <a:r>
+              <a:rPr lang="fr-FR" dirty="0" err="1" smtClean="0"/>
+              <a:t>Flask</a:t>
+            </a:r>
+            <a:endParaRPr lang="fr-FR" dirty="0" smtClean="0"/>
+          </a:p>
+          <a:p>
+            <a:r>
+              <a:rPr lang="fr-FR" dirty="0" smtClean="0"/>
+              <a:t>Sous </a:t>
+            </a:r>
             <a:r>
               <a:rPr lang="fr-FR" dirty="0" err="1" smtClean="0"/>
               <a:t>Arduino</a:t>
             </a:r>
             <a:r>
               <a:rPr lang="fr-FR" dirty="0" smtClean="0"/>
-              <a:t> BT Maitre Esclave</a:t>
-            </a:r>
-          </a:p>
+              <a:t> nécessite un </a:t>
+            </a:r>
+            <a:r>
+              <a:rPr lang="fr-FR" dirty="0" err="1" smtClean="0"/>
+              <a:t>shield</a:t>
+            </a:r>
+            <a:r>
+              <a:rPr lang="fr-FR" dirty="0" smtClean="0"/>
+              <a:t> et la librairie </a:t>
+            </a:r>
+            <a:r>
+              <a:rPr lang="fr-FR" dirty="0" err="1" smtClean="0"/>
+              <a:t>ethernet</a:t>
+            </a:r>
+            <a:endParaRPr lang="fr-FR" dirty="0" smtClean="0"/>
+          </a:p>
+        </p:txBody>
+      </p:sp>
+      <p:pic>
+        <p:nvPicPr>
+          <p:cNvPr id="1026" name="Picture 2" descr="https://store-cdn.arduino.cc/uni/catalog/product/cache/1/image/500x375/f8876a31b63532bbba4e781c30024a0a/s/t/store_a000058_iso.jpg"/>
+          <p:cNvPicPr>
+            <a:picLocks noChangeAspect="1" noChangeArrowheads="1"/>
+          </p:cNvPicPr>
+          <p:nvPr/>
+        </p:nvPicPr>
+        <p:blipFill>
+          <a:blip r:embed="rId2">
+            <a:extLst>
+              <a:ext uri="{28A0092B-C50C-407E-A947-70E740481C1C}">
+                <a14:useLocalDpi xmlns:a14="http://schemas.microsoft.com/office/drawing/2010/main" val="0"/>
+              </a:ext>
+            </a:extLst>
+          </a:blip>
+          <a:srcRect/>
+          <a:stretch>
+            <a:fillRect/>
+          </a:stretch>
+        </p:blipFill>
+        <p:spPr bwMode="auto">
+          <a:xfrm>
+            <a:off x="5707105" y="2276872"/>
+            <a:ext cx="3456384" cy="2592288"/>
+          </a:xfrm>
+          <a:prstGeom prst="rect">
+            <a:avLst/>
+          </a:prstGeom>
+          <a:noFill/>
+          <a:extLst>
+            <a:ext uri="{909E8E84-426E-40DD-AFC4-6F175D3DCCD1}">
+              <a14:hiddenFill xmlns:a14="http://schemas.microsoft.com/office/drawing/2010/main">
+                <a:solidFill>
+                  <a:srgbClr val="FFFFFF"/>
+                </a:solidFill>
+              </a14:hiddenFill>
+            </a:ext>
+          </a:extLst>
+        </p:spPr>
+      </p:pic>
+    </p:spTree>
+    <p:extLst>
+      <p:ext uri="{BB962C8B-B14F-4D97-AF65-F5344CB8AC3E}">
+        <p14:creationId xmlns:p14="http://schemas.microsoft.com/office/powerpoint/2010/main" val="3683430218"/>
+      </p:ext>
+    </p:extLst>
+  </p:cSld>
+  <p:clrMapOvr>
+    <a:masterClrMapping/>
+  </p:clrMapOvr>
+</p:sld>
+</file>
+
+<file path=ppt/slides/slide5.xml><?xml version="1.0" encoding="utf-8"?>
+<p:sld xmlns:a="http://schemas.openxmlformats.org/drawingml/2006/main" xmlns:r="http://schemas.openxmlformats.org/officeDocument/2006/relationships" xmlns:p="http://schemas.openxmlformats.org/presentationml/2006/main">
+  <p:cSld>
+    <p:spTree>
+      <p:nvGrpSpPr>
+        <p:cNvPr id="1" name=""/>
+        <p:cNvGrpSpPr/>
+        <p:nvPr/>
+      </p:nvGrpSpPr>
+      <p:grpSpPr>
+        <a:xfrm>
+          <a:off x="0" y="0"/>
+          <a:ext cx="0" cy="0"/>
+          <a:chOff x="0" y="0"/>
+          <a:chExt cx="0" cy="0"/>
+        </a:xfrm>
+      </p:grpSpPr>
+      <p:sp>
+        <p:nvSpPr>
+          <p:cNvPr id="2" name="Titre 1"/>
+          <p:cNvSpPr>
+            <a:spLocks noGrp="1"/>
+          </p:cNvSpPr>
+          <p:nvPr>
+            <p:ph type="title"/>
+          </p:nvPr>
+        </p:nvSpPr>
+        <p:spPr/>
+        <p:txBody>
+          <a:bodyPr/>
+          <a:lstStyle/>
+          <a:p>
+            <a:r>
+              <a:rPr lang="fr-FR" dirty="0" smtClean="0"/>
+              <a:t>Bluetooth</a:t>
+            </a:r>
+            <a:endParaRPr lang="fr-FR" dirty="0"/>
+          </a:p>
+        </p:txBody>
+      </p:sp>
+      <p:sp>
+        <p:nvSpPr>
+          <p:cNvPr id="3" name="Espace réservé du contenu 2"/>
+          <p:cNvSpPr>
+            <a:spLocks noGrp="1"/>
+          </p:cNvSpPr>
+          <p:nvPr>
+            <p:ph idx="1"/>
+          </p:nvPr>
+        </p:nvSpPr>
+        <p:spPr/>
+        <p:txBody>
+          <a:bodyPr/>
+          <a:lstStyle/>
+          <a:p>
+            <a:r>
+              <a:rPr lang="fr-FR" dirty="0" smtClean="0"/>
+              <a:t>Le Bluetooth est un protocole sans fil de type PAN</a:t>
+            </a:r>
+          </a:p>
+          <a:p>
+            <a:r>
+              <a:rPr lang="fr-FR" dirty="0" smtClean="0"/>
+              <a:t>Bluetooth 5 a une portée de 20m et passe les murs</a:t>
+            </a:r>
+          </a:p>
+          <a:p>
+            <a:r>
+              <a:rPr lang="fr-FR" dirty="0" smtClean="0"/>
+              <a:t>Bluetooth 5 LE (</a:t>
+            </a:r>
+            <a:r>
+              <a:rPr lang="fr-FR" dirty="0" err="1" smtClean="0"/>
+              <a:t>Low</a:t>
+            </a:r>
+            <a:r>
+              <a:rPr lang="fr-FR" dirty="0" smtClean="0"/>
+              <a:t> </a:t>
+            </a:r>
+            <a:r>
+              <a:rPr lang="fr-FR" dirty="0" err="1" smtClean="0"/>
+              <a:t>Energy</a:t>
+            </a:r>
+            <a:r>
+              <a:rPr lang="fr-FR" dirty="0" smtClean="0"/>
+              <a:t>) a une portée de l'ordre du mètre</a:t>
+            </a:r>
+          </a:p>
+          <a:p>
+            <a:r>
+              <a:rPr lang="fr-FR" dirty="0" smtClean="0"/>
+              <a:t>BT RFCOMM est le protocole Bluetooth qui permet d'avoir une liaison série en Bluetooth</a:t>
+            </a:r>
+          </a:p>
+          <a:p>
+            <a:pPr lvl="1"/>
+            <a:r>
+              <a:rPr lang="fr-FR" dirty="0" smtClean="0"/>
+              <a:t>Multi ports</a:t>
+            </a:r>
+          </a:p>
+          <a:p>
+            <a:pPr lvl="1"/>
+            <a:r>
+              <a:rPr lang="fr-FR" dirty="0" smtClean="0"/>
+              <a:t>Permets jusqu'à 50 canaux de communication</a:t>
+            </a:r>
+          </a:p>
+          <a:p>
+            <a:endParaRPr lang="fr-FR" dirty="0"/>
+          </a:p>
+        </p:txBody>
+      </p:sp>
+    </p:spTree>
+    <p:extLst>
+      <p:ext uri="{BB962C8B-B14F-4D97-AF65-F5344CB8AC3E}">
+        <p14:creationId xmlns:p14="http://schemas.microsoft.com/office/powerpoint/2010/main" val="2029296512"/>
+      </p:ext>
+    </p:extLst>
+  </p:cSld>
+  <p:clrMapOvr>
+    <a:masterClrMapping/>
+  </p:clrMapOvr>
+</p:sld>
+</file>
+
+<file path=ppt/slides/slide6.xml><?xml version="1.0" encoding="utf-8"?>
+<p:sld xmlns:a="http://schemas.openxmlformats.org/drawingml/2006/main" xmlns:r="http://schemas.openxmlformats.org/officeDocument/2006/relationships" xmlns:p="http://schemas.openxmlformats.org/presentationml/2006/main">
+  <p:cSld>
+    <p:spTree>
+      <p:nvGrpSpPr>
+        <p:cNvPr id="1" name=""/>
+        <p:cNvGrpSpPr/>
+        <p:nvPr/>
+      </p:nvGrpSpPr>
+      <p:grpSpPr>
+        <a:xfrm>
+          <a:off x="0" y="0"/>
+          <a:ext cx="0" cy="0"/>
+          <a:chOff x="0" y="0"/>
+          <a:chExt cx="0" cy="0"/>
+        </a:xfrm>
+      </p:grpSpPr>
+      <p:sp>
+        <p:nvSpPr>
+          <p:cNvPr id="2" name="Titre 1"/>
+          <p:cNvSpPr>
+            <a:spLocks noGrp="1"/>
+          </p:cNvSpPr>
+          <p:nvPr>
+            <p:ph type="title"/>
+          </p:nvPr>
+        </p:nvSpPr>
+        <p:spPr/>
+        <p:txBody>
+          <a:bodyPr/>
+          <a:lstStyle/>
+          <a:p>
+            <a:r>
+              <a:rPr lang="fr-FR" dirty="0" err="1" smtClean="0"/>
+              <a:t>Arduino</a:t>
+            </a:r>
+            <a:r>
+              <a:rPr lang="fr-FR" dirty="0" smtClean="0"/>
+              <a:t> - BT</a:t>
+            </a:r>
+            <a:endParaRPr lang="fr-FR" dirty="0"/>
+          </a:p>
+        </p:txBody>
+      </p:sp>
+      <p:sp>
+        <p:nvSpPr>
+          <p:cNvPr id="3" name="Espace réservé du contenu 2"/>
+          <p:cNvSpPr>
+            <a:spLocks noGrp="1"/>
+          </p:cNvSpPr>
+          <p:nvPr>
+            <p:ph idx="1"/>
+          </p:nvPr>
+        </p:nvSpPr>
+        <p:spPr/>
+        <p:txBody>
+          <a:bodyPr/>
+          <a:lstStyle/>
+          <a:p>
+            <a:r>
+              <a:rPr lang="fr-FR" dirty="0" smtClean="0"/>
+              <a:t>Le module basé sur le processeur HC05 permet une liaison Bluetooth 3</a:t>
+            </a:r>
+          </a:p>
+          <a:p>
+            <a:pPr lvl="1"/>
+            <a:r>
+              <a:rPr lang="fr-FR" dirty="0" smtClean="0"/>
+              <a:t>Maitre : diffuse le signal</a:t>
+            </a:r>
+          </a:p>
+          <a:p>
+            <a:pPr lvl="1"/>
+            <a:r>
+              <a:rPr lang="fr-FR" dirty="0" smtClean="0"/>
+              <a:t>Esclave : réceptionne et répond</a:t>
+            </a:r>
+          </a:p>
+          <a:p>
+            <a:r>
+              <a:rPr lang="fr-FR" dirty="0" smtClean="0"/>
+              <a:t>Peut passer par l'UART par les I/O 0 et 1</a:t>
+            </a:r>
+          </a:p>
+          <a:p>
+            <a:r>
+              <a:rPr lang="fr-FR" dirty="0" smtClean="0"/>
+              <a:t>Peut passer par </a:t>
+            </a:r>
+            <a:r>
+              <a:rPr lang="fr-FR" dirty="0" err="1" smtClean="0"/>
+              <a:t>SoftwareSerial</a:t>
+            </a:r>
+            <a:endParaRPr lang="fr-FR" dirty="0" smtClean="0"/>
+          </a:p>
+          <a:p>
+            <a:pPr lvl="1"/>
+            <a:r>
+              <a:rPr lang="fr-FR" dirty="0" err="1"/>
+              <a:t>SoftwareSerial</a:t>
+            </a:r>
+            <a:r>
+              <a:rPr lang="fr-FR" dirty="0"/>
+              <a:t> </a:t>
+            </a:r>
+            <a:r>
+              <a:rPr lang="fr-FR" dirty="0" err="1" smtClean="0"/>
+              <a:t>blueToothSerial</a:t>
+            </a:r>
+            <a:r>
+              <a:rPr lang="fr-FR" dirty="0" smtClean="0"/>
+              <a:t>(7,6)</a:t>
+            </a:r>
+          </a:p>
+          <a:p>
+            <a:r>
+              <a:rPr lang="fr-FR" dirty="0" smtClean="0"/>
+              <a:t>Fonctionne comme un port série classique</a:t>
+            </a:r>
+          </a:p>
+          <a:p>
+            <a:endParaRPr lang="fr-FR" dirty="0"/>
+          </a:p>
+        </p:txBody>
+      </p:sp>
+      <p:pic>
+        <p:nvPicPr>
+          <p:cNvPr id="2050" name="Picture 2" descr="Module Bluetooth Grove 113020008"/>
+          <p:cNvPicPr>
+            <a:picLocks noChangeAspect="1" noChangeArrowheads="1"/>
+          </p:cNvPicPr>
+          <p:nvPr/>
+        </p:nvPicPr>
+        <p:blipFill>
+          <a:blip r:embed="rId2">
+            <a:extLst>
+              <a:ext uri="{28A0092B-C50C-407E-A947-70E740481C1C}">
+                <a14:useLocalDpi xmlns:a14="http://schemas.microsoft.com/office/drawing/2010/main" val="0"/>
+              </a:ext>
+            </a:extLst>
+          </a:blip>
+          <a:srcRect/>
+          <a:stretch>
+            <a:fillRect/>
+          </a:stretch>
+        </p:blipFill>
+        <p:spPr bwMode="auto">
+          <a:xfrm>
+            <a:off x="7127776" y="1844824"/>
+            <a:ext cx="2016224" cy="1897212"/>
+          </a:xfrm>
+          <a:prstGeom prst="rect">
+            <a:avLst/>
+          </a:prstGeom>
+          <a:noFill/>
+          <a:extLst>
+            <a:ext uri="{909E8E84-426E-40DD-AFC4-6F175D3DCCD1}">
+              <a14:hiddenFill xmlns:a14="http://schemas.microsoft.com/office/drawing/2010/main">
+                <a:solidFill>
+                  <a:srgbClr val="FFFFFF"/>
+                </a:solidFill>
+              </a14:hiddenFill>
+            </a:ext>
+          </a:extLst>
+        </p:spPr>
+      </p:pic>
+    </p:spTree>
+    <p:extLst>
+      <p:ext uri="{BB962C8B-B14F-4D97-AF65-F5344CB8AC3E}">
+        <p14:creationId xmlns:p14="http://schemas.microsoft.com/office/powerpoint/2010/main" val="3904718942"/>
+      </p:ext>
+    </p:extLst>
+  </p:cSld>
+  <p:clrMapOvr>
+    <a:masterClrMapping/>
+  </p:clrMapOvr>
+</p:sld>
+</file>
+
+<file path=ppt/slides/slide7.xml><?xml version="1.0" encoding="utf-8"?>
+<p:sld xmlns:a="http://schemas.openxmlformats.org/drawingml/2006/main" xmlns:r="http://schemas.openxmlformats.org/officeDocument/2006/relationships" xmlns:p="http://schemas.openxmlformats.org/presentationml/2006/main">
+  <p:cSld>
+    <p:spTree>
+      <p:nvGrpSpPr>
+        <p:cNvPr id="1" name=""/>
+        <p:cNvGrpSpPr/>
+        <p:nvPr/>
+      </p:nvGrpSpPr>
+      <p:grpSpPr>
+        <a:xfrm>
+          <a:off x="0" y="0"/>
+          <a:ext cx="0" cy="0"/>
+          <a:chOff x="0" y="0"/>
+          <a:chExt cx="0" cy="0"/>
+        </a:xfrm>
+      </p:grpSpPr>
+      <p:sp>
+        <p:nvSpPr>
+          <p:cNvPr id="2" name="Titre 1"/>
+          <p:cNvSpPr>
+            <a:spLocks noGrp="1"/>
+          </p:cNvSpPr>
+          <p:nvPr>
+            <p:ph type="title"/>
+          </p:nvPr>
+        </p:nvSpPr>
+        <p:spPr/>
+        <p:txBody>
+          <a:bodyPr/>
+          <a:lstStyle/>
           <a:p>
             <a:r>
               <a:rPr lang="fr-FR" dirty="0" smtClean="0"/>
               <a:t>AT</a:t>
             </a:r>
-          </a:p>
+            <a:endParaRPr lang="fr-FR" dirty="0"/>
+          </a:p>
+        </p:txBody>
+      </p:sp>
+      <p:sp>
+        <p:nvSpPr>
+          <p:cNvPr id="3" name="Espace réservé du contenu 2"/>
+          <p:cNvSpPr>
+            <a:spLocks noGrp="1"/>
+          </p:cNvSpPr>
+          <p:nvPr>
+            <p:ph idx="1"/>
+          </p:nvPr>
+        </p:nvSpPr>
+        <p:spPr/>
+        <p:txBody>
+          <a:bodyPr/>
+          <a:lstStyle/>
+          <a:p>
+            <a:r>
+              <a:rPr lang="fr-FR" sz="2000" dirty="0" smtClean="0"/>
+              <a:t>Le Bluetooth nécessite des paramètres supplémentaires par rapport à la liaison série</a:t>
+            </a:r>
+          </a:p>
+          <a:p>
+            <a:r>
+              <a:rPr lang="fr-FR" sz="2000" dirty="0" smtClean="0"/>
+              <a:t>Le protocole AT permet de définir certains paramètres</a:t>
+            </a:r>
+          </a:p>
+          <a:p>
+            <a:r>
+              <a:rPr lang="fr-FR" sz="2000" dirty="0" err="1"/>
+              <a:t>blueToothSerial.print</a:t>
+            </a:r>
+            <a:r>
+              <a:rPr lang="fr-FR" sz="2000" dirty="0"/>
+              <a:t>("AT</a:t>
+            </a:r>
+            <a:r>
+              <a:rPr lang="fr-FR" sz="2000" dirty="0" smtClean="0"/>
+              <a:t>");</a:t>
+            </a:r>
+          </a:p>
+          <a:p>
+            <a:pPr lvl="1"/>
+            <a:r>
+              <a:rPr lang="fr-FR" sz="1800" dirty="0" smtClean="0"/>
+              <a:t>Démarre AT</a:t>
+            </a:r>
+            <a:endParaRPr lang="fr-FR" sz="1800" dirty="0"/>
+          </a:p>
+          <a:p>
+            <a:r>
+              <a:rPr lang="fr-FR" sz="2000" dirty="0"/>
+              <a:t> </a:t>
+            </a:r>
+            <a:r>
+              <a:rPr lang="fr-FR" sz="2000" dirty="0" err="1" smtClean="0"/>
+              <a:t>blueToothSerial.print</a:t>
+            </a:r>
+            <a:r>
+              <a:rPr lang="fr-FR" sz="2000" dirty="0"/>
+              <a:t>("AT+DEFAULT</a:t>
+            </a:r>
+            <a:r>
+              <a:rPr lang="fr-FR" sz="2000" dirty="0" smtClean="0"/>
+              <a:t>");</a:t>
+            </a:r>
+          </a:p>
+          <a:p>
+            <a:pPr lvl="1"/>
+            <a:r>
+              <a:rPr lang="fr-FR" sz="1800" dirty="0" smtClean="0"/>
+              <a:t>reset</a:t>
+            </a:r>
+            <a:endParaRPr lang="fr-FR" sz="1800" dirty="0"/>
+          </a:p>
+          <a:p>
+            <a:r>
+              <a:rPr lang="fr-FR" sz="2000" dirty="0"/>
+              <a:t> </a:t>
+            </a:r>
+            <a:r>
+              <a:rPr lang="fr-FR" sz="2000" dirty="0" err="1" smtClean="0"/>
+              <a:t>blueToothSerial.print</a:t>
+            </a:r>
+            <a:r>
+              <a:rPr lang="fr-FR" sz="2000" dirty="0"/>
+              <a:t>("</a:t>
+            </a:r>
+            <a:r>
+              <a:rPr lang="fr-FR" sz="2000" dirty="0" err="1" smtClean="0"/>
+              <a:t>AT+NAMECyrilBT</a:t>
+            </a:r>
+            <a:r>
+              <a:rPr lang="fr-FR" sz="2000" dirty="0" smtClean="0"/>
+              <a:t>");</a:t>
+            </a:r>
+          </a:p>
+          <a:p>
+            <a:pPr lvl="1"/>
+            <a:r>
+              <a:rPr lang="fr-FR" sz="1800" dirty="0" smtClean="0"/>
+              <a:t>Nom du </a:t>
+            </a:r>
+            <a:r>
+              <a:rPr lang="fr-FR" sz="1800" dirty="0" err="1" smtClean="0"/>
+              <a:t>device</a:t>
+            </a:r>
+            <a:r>
+              <a:rPr lang="fr-FR" sz="1800" dirty="0" smtClean="0"/>
+              <a:t> BT, 12 caractères max</a:t>
+            </a:r>
+            <a:endParaRPr lang="fr-FR" sz="1800" dirty="0"/>
+          </a:p>
+          <a:p>
+            <a:r>
+              <a:rPr lang="fr-FR" sz="2000" dirty="0" err="1" smtClean="0"/>
+              <a:t>blueToothSerial.print</a:t>
+            </a:r>
+            <a:r>
+              <a:rPr lang="fr-FR" sz="2000" dirty="0"/>
+              <a:t>("AT+PIN0000</a:t>
+            </a:r>
+            <a:r>
+              <a:rPr lang="fr-FR" sz="2000" dirty="0" smtClean="0"/>
+              <a:t>");</a:t>
+            </a:r>
+          </a:p>
+          <a:p>
+            <a:pPr lvl="1"/>
+            <a:r>
+              <a:rPr lang="fr-FR" sz="1800" dirty="0" smtClean="0"/>
+              <a:t>Code PIN</a:t>
+            </a:r>
+          </a:p>
+          <a:p>
+            <a:r>
+              <a:rPr lang="fr-FR" sz="2000" dirty="0" err="1" smtClean="0"/>
+              <a:t>blueToothSerial.print</a:t>
+            </a:r>
+            <a:r>
+              <a:rPr lang="fr-FR" sz="2000" dirty="0"/>
+              <a:t>("AT+AUTH0</a:t>
+            </a:r>
+            <a:r>
+              <a:rPr lang="fr-FR" sz="2000" dirty="0" smtClean="0"/>
+              <a:t>");</a:t>
+            </a:r>
+          </a:p>
+          <a:p>
+            <a:pPr lvl="1"/>
+            <a:r>
+              <a:rPr lang="fr-FR" sz="1800" dirty="0" err="1" smtClean="0"/>
+              <a:t>Désative</a:t>
+            </a:r>
+            <a:r>
+              <a:rPr lang="fr-FR" sz="1800" dirty="0" smtClean="0"/>
+              <a:t> l'authentification</a:t>
+            </a:r>
+            <a:endParaRPr lang="fr-FR" sz="1800" dirty="0"/>
+          </a:p>
+          <a:p>
+            <a:r>
+              <a:rPr lang="fr-FR" sz="2000" dirty="0" err="1" smtClean="0"/>
+              <a:t>blueToothSerial.flush</a:t>
+            </a:r>
+            <a:r>
+              <a:rPr lang="fr-FR" sz="2000" dirty="0" smtClean="0"/>
+              <a:t>();</a:t>
+            </a:r>
+          </a:p>
+          <a:p>
+            <a:pPr lvl="1"/>
+            <a:r>
+              <a:rPr lang="fr-FR" sz="1800" dirty="0" smtClean="0"/>
+              <a:t>Vide le cache</a:t>
+            </a:r>
+            <a:endParaRPr lang="fr-FR" sz="2000" dirty="0"/>
+          </a:p>
+        </p:txBody>
+      </p:sp>
+    </p:spTree>
+    <p:extLst>
+      <p:ext uri="{BB962C8B-B14F-4D97-AF65-F5344CB8AC3E}">
+        <p14:creationId xmlns:p14="http://schemas.microsoft.com/office/powerpoint/2010/main" val="58307210"/>
+      </p:ext>
+    </p:extLst>
+  </p:cSld>
+  <p:clrMapOvr>
+    <a:masterClrMapping/>
+  </p:clrMapOvr>
+</p:sld>
+</file>
+
+<file path=ppt/slides/slide8.xml><?xml version="1.0" encoding="utf-8"?>
+<p:sld xmlns:a="http://schemas.openxmlformats.org/drawingml/2006/main" xmlns:r="http://schemas.openxmlformats.org/officeDocument/2006/relationships" xmlns:p="http://schemas.openxmlformats.org/presentationml/2006/main">
+  <p:cSld>
+    <p:spTree>
+      <p:nvGrpSpPr>
+        <p:cNvPr id="1" name=""/>
+        <p:cNvGrpSpPr/>
+        <p:nvPr/>
+      </p:nvGrpSpPr>
+      <p:grpSpPr>
+        <a:xfrm>
+          <a:off x="0" y="0"/>
+          <a:ext cx="0" cy="0"/>
+          <a:chOff x="0" y="0"/>
+          <a:chExt cx="0" cy="0"/>
+        </a:xfrm>
+      </p:grpSpPr>
+      <p:sp>
+        <p:nvSpPr>
+          <p:cNvPr id="2" name="Titre 1"/>
+          <p:cNvSpPr>
+            <a:spLocks noGrp="1"/>
+          </p:cNvSpPr>
+          <p:nvPr>
+            <p:ph type="title"/>
+          </p:nvPr>
+        </p:nvSpPr>
+        <p:spPr/>
+        <p:txBody>
+          <a:bodyPr/>
+          <a:lstStyle/>
           <a:p>
             <a:r>
               <a:rPr lang="fr-FR" dirty="0" smtClean="0"/>
-              <a:t>Les ports BT</a:t>
-            </a:r>
-          </a:p>
-          <a:p>
+              <a:t>Android</a:t>
+            </a:r>
+            <a:endParaRPr lang="fr-FR" dirty="0"/>
+          </a:p>
+        </p:txBody>
+      </p:sp>
+      <p:sp>
+        <p:nvSpPr>
+          <p:cNvPr id="3" name="Espace réservé du contenu 2"/>
+          <p:cNvSpPr>
+            <a:spLocks noGrp="1"/>
+          </p:cNvSpPr>
+          <p:nvPr>
+            <p:ph idx="1"/>
+          </p:nvPr>
+        </p:nvSpPr>
+        <p:spPr/>
+        <p:txBody>
+          <a:bodyPr/>
+          <a:lstStyle/>
+          <a:p>
+            <a:r>
+              <a:rPr lang="fr-FR" dirty="0" smtClean="0"/>
+              <a:t>Android est un bon outil pour tester une liaison </a:t>
+            </a:r>
             <a:r>
               <a:rPr lang="fr-FR" dirty="0" err="1" smtClean="0"/>
-              <a:t>PyBluez</a:t>
+              <a:t>bluetooth</a:t>
             </a:r>
             <a:endParaRPr lang="fr-FR" dirty="0" smtClean="0"/>
           </a:p>
           <a:p>
-            <a:r>
-              <a:rPr lang="fr-FR" smtClean="0"/>
-              <a:t>Blueman</a:t>
-            </a:r>
-            <a:endParaRPr lang="fr-FR" dirty="0" smtClean="0"/>
-          </a:p>
-          <a:p>
+            <a:pPr lvl="1"/>
             <a:r>
               <a:rPr lang="fr-FR" dirty="0" smtClean="0"/>
-              <a:t>RPI - </a:t>
+              <a:t>Il faut d'abord appairer le téléphone avec l'</a:t>
             </a:r>
             <a:r>
               <a:rPr lang="fr-FR" dirty="0" err="1" smtClean="0"/>
@@ -3851,25 +6432,12 @@
           </a:p>
           <a:p>
             <a:r>
-              <a:rPr lang="fr-FR" dirty="0" err="1" smtClean="0"/>
-              <a:t>Arduino</a:t>
-            </a:r>
-            <a:r>
               <a:rPr lang="fr-FR" dirty="0" smtClean="0"/>
-              <a:t> - Android</a:t>
-            </a:r>
-          </a:p>
-          <a:p>
-            <a:r>
-              <a:rPr lang="fr-FR" dirty="0" smtClean="0"/>
-              <a:t>RPI - Android</a:t>
-            </a:r>
-          </a:p>
-          <a:p>
-            <a:r>
-              <a:rPr lang="fr-FR" dirty="0" smtClean="0"/>
-              <a:t>BLE</a:t>
-            </a:r>
+              <a:t>Puis installer Serial Bluetooth Terminal</a:t>
+            </a:r>
+          </a:p>
+          <a:p>
+            <a:endParaRPr lang="fr-FR" dirty="0"/>
           </a:p>
         </p:txBody>
       </p:sp>
@@ -3887,8 +6455,163 @@
         </p:blipFill>
         <p:spPr>
           <a:xfrm>
-            <a:off x="4362450" y="5157192"/>
-            <a:ext cx="4781550" cy="1819275"/>
+            <a:off x="3690999" y="3414861"/>
+            <a:ext cx="1743075" cy="3038475"/>
+          </a:xfrm>
+          <a:prstGeom prst="rect">
+            <a:avLst/>
+          </a:prstGeom>
+        </p:spPr>
+      </p:pic>
+    </p:spTree>
+    <p:extLst>
+      <p:ext uri="{BB962C8B-B14F-4D97-AF65-F5344CB8AC3E}">
+        <p14:creationId xmlns:p14="http://schemas.microsoft.com/office/powerpoint/2010/main" val="2908125897"/>
+      </p:ext>
+    </p:extLst>
+  </p:cSld>
+  <p:clrMapOvr>
+    <a:masterClrMapping/>
+  </p:clrMapOvr>
+</p:sld>
+</file>
+
+<file path=ppt/slides/slide9.xml><?xml version="1.0" encoding="utf-8"?>
+<p:sld xmlns:a="http://schemas.openxmlformats.org/drawingml/2006/main" xmlns:r="http://schemas.openxmlformats.org/officeDocument/2006/relationships" xmlns:p="http://schemas.openxmlformats.org/presentationml/2006/main">
+  <p:cSld>
+    <p:spTree>
+      <p:nvGrpSpPr>
+        <p:cNvPr id="1" name=""/>
+        <p:cNvGrpSpPr/>
+        <p:nvPr/>
+      </p:nvGrpSpPr>
+      <p:grpSpPr>
+        <a:xfrm>
+          <a:off x="0" y="0"/>
+          <a:ext cx="0" cy="0"/>
+          <a:chOff x="0" y="0"/>
+          <a:chExt cx="0" cy="0"/>
+        </a:xfrm>
+      </p:grpSpPr>
+      <p:sp>
+        <p:nvSpPr>
+          <p:cNvPr id="2" name="Titre 1"/>
+          <p:cNvSpPr>
+            <a:spLocks noGrp="1"/>
+          </p:cNvSpPr>
+          <p:nvPr>
+            <p:ph type="title"/>
+          </p:nvPr>
+        </p:nvSpPr>
+        <p:spPr/>
+        <p:txBody>
+          <a:bodyPr/>
+          <a:lstStyle/>
+          <a:p>
+            <a:r>
+              <a:rPr lang="fr-FR" dirty="0" err="1" smtClean="0"/>
+              <a:t>Raspberry</a:t>
+            </a:r>
+            <a:endParaRPr lang="fr-FR" dirty="0"/>
+          </a:p>
+        </p:txBody>
+      </p:sp>
+      <p:sp>
+        <p:nvSpPr>
+          <p:cNvPr id="3" name="Espace réservé du contenu 2"/>
+          <p:cNvSpPr>
+            <a:spLocks noGrp="1"/>
+          </p:cNvSpPr>
+          <p:nvPr>
+            <p:ph idx="1"/>
+          </p:nvPr>
+        </p:nvSpPr>
+        <p:spPr/>
+        <p:txBody>
+          <a:bodyPr/>
+          <a:lstStyle/>
+          <a:p>
+            <a:r>
+              <a:rPr lang="fr-FR" dirty="0" smtClean="0"/>
+              <a:t>Les </a:t>
+            </a:r>
+            <a:r>
+              <a:rPr lang="fr-FR" dirty="0" err="1" smtClean="0"/>
+              <a:t>Raspberry</a:t>
+            </a:r>
+            <a:r>
+              <a:rPr lang="fr-FR" dirty="0" smtClean="0"/>
+              <a:t> 3B, 4B, 0W possèdent le Bluetooth par défaut</a:t>
+            </a:r>
+          </a:p>
+          <a:p>
+            <a:pPr lvl="1"/>
+            <a:r>
+              <a:rPr lang="fr-FR" dirty="0" smtClean="0"/>
+              <a:t>Hélas l'outil Bluetooth de LX est mauvais</a:t>
+            </a:r>
+          </a:p>
+          <a:p>
+            <a:pPr lvl="1"/>
+            <a:r>
+              <a:rPr lang="fr-FR" dirty="0" err="1" smtClean="0"/>
+              <a:t>Blueman</a:t>
+            </a:r>
+            <a:r>
+              <a:rPr lang="fr-FR" dirty="0" smtClean="0"/>
+              <a:t> est une meilleur alternative</a:t>
+            </a:r>
+          </a:p>
+          <a:p>
+            <a:pPr lvl="1"/>
+            <a:r>
+              <a:rPr lang="fr-FR" dirty="0" err="1" smtClean="0"/>
+              <a:t>sudo</a:t>
+            </a:r>
+            <a:r>
+              <a:rPr lang="fr-FR" dirty="0" smtClean="0"/>
+              <a:t> </a:t>
+            </a:r>
+            <a:r>
+              <a:rPr lang="fr-FR" dirty="0" err="1"/>
+              <a:t>apt-get</a:t>
+            </a:r>
+            <a:r>
+              <a:rPr lang="fr-FR" dirty="0"/>
+              <a:t> </a:t>
+            </a:r>
+            <a:r>
+              <a:rPr lang="fr-FR" dirty="0" err="1"/>
+              <a:t>install</a:t>
+            </a:r>
+            <a:r>
+              <a:rPr lang="fr-FR" dirty="0"/>
+              <a:t> </a:t>
+            </a:r>
+            <a:r>
+              <a:rPr lang="fr-FR" dirty="0" err="1" smtClean="0"/>
+              <a:t>blueman</a:t>
+            </a:r>
+            <a:endParaRPr lang="fr-FR" dirty="0" smtClean="0"/>
+          </a:p>
+        </p:txBody>
+      </p:sp>
+      <p:pic>
+        <p:nvPicPr>
+          <p:cNvPr id="4" name="Image 3"/>
+          <p:cNvPicPr/>
+          <p:nvPr/>
+        </p:nvPicPr>
+        <p:blipFill>
+          <a:blip r:embed="rId2"/>
+          <a:stretch>
+            <a:fillRect/>
+          </a:stretch>
+        </p:blipFill>
+        <p:spPr>
+          <a:xfrm>
+            <a:off x="6638925" y="3013312"/>
+            <a:ext cx="2505075" cy="3848100"/>
           </a:xfrm>
           <a:prstGeom prst="rect">
             <a:avLst/>
@@ -3909,7 +6632,7 @@
         </p:blipFill>
         <p:spPr>
           <a:xfrm>
-            <a:off x="6869132" y="3212976"/>
+            <a:off x="-18925" y="3803526"/>
             <a:ext cx="2239516" cy="3054474"/>
           </a:xfrm>
           <a:prstGeom prst="rect">
@@ -3931,8 +6654,8 @@
         </p:blipFill>
         <p:spPr>
           <a:xfrm>
-            <a:off x="6300192" y="336984"/>
-            <a:ext cx="2505075" cy="3848100"/>
+            <a:off x="2704128" y="4797152"/>
+            <a:ext cx="3750008" cy="1299232"/>
           </a:xfrm>
           <a:prstGeom prst="rect">
             <a:avLst/>
@@ -3942,7 +6665,7 @@
     </p:spTree>
     <p:extLst>
       <p:ext uri="{BB962C8B-B14F-4D97-AF65-F5344CB8AC3E}">
-        <p14:creationId xmlns:p14="http://schemas.microsoft.com/office/powerpoint/2010/main" val="2769202443"/>
+        <p14:creationId xmlns:p14="http://schemas.microsoft.com/office/powerpoint/2010/main" val="2597199517"/>
       </p:ext>
     </p:extLst>
   </p:cSld>

--- a/ppt/IoT09-Wireless.pptx
+++ b/ppt/IoT09-Wireless.pptx
@@ -618,35 +618,35 @@
           <a:p>
             <a:pPr lvl="0"/>
             <a:r>
-              <a:rPr lang="fr-FR" noProof="0" smtClean="0"/>
+              <a:rPr lang="fr-FR" noProof="0"/>
               <a:t>Cliquez pour modifier les styles du texte du masque</a:t>
             </a:r>
           </a:p>
           <a:p>
             <a:pPr lvl="1"/>
             <a:r>
-              <a:rPr lang="fr-FR" noProof="0" smtClean="0"/>
+              <a:rPr lang="fr-FR" noProof="0"/>
               <a:t>Deuxième niveau</a:t>
             </a:r>
           </a:p>
           <a:p>
             <a:pPr lvl="2"/>
             <a:r>
-              <a:rPr lang="fr-FR" noProof="0" smtClean="0"/>
+              <a:rPr lang="fr-FR" noProof="0"/>
               <a:t>Troisième niveau</a:t>
             </a:r>
           </a:p>
           <a:p>
             <a:pPr lvl="3"/>
             <a:r>
-              <a:rPr lang="fr-FR" noProof="0" smtClean="0"/>
+              <a:rPr lang="fr-FR" noProof="0"/>
               <a:t>Quatrième niveau</a:t>
             </a:r>
           </a:p>
           <a:p>
             <a:pPr lvl="4"/>
             <a:r>
-              <a:rPr lang="fr-FR" noProof="0" smtClean="0"/>
+              <a:rPr lang="fr-FR" noProof="0"/>
               <a:t>Cinquième niveau</a:t>
             </a:r>
           </a:p>
@@ -934,10 +934,9 @@
           <a:lstStyle/>
           <a:p>
             <a:r>
-              <a:rPr lang="fr-FR" smtClean="0"/>
+              <a:rPr lang="fr-FR"/>
               <a:t>Cliquez pour modifier le style du titre</a:t>
             </a:r>
-            <a:endParaRPr lang="fr-FR"/>
           </a:p>
         </p:txBody>
       </p:sp>
@@ -999,10 +998,9 @@
           </a:lstStyle>
           <a:p>
             <a:r>
-              <a:rPr lang="fr-FR" smtClean="0"/>
+              <a:rPr lang="fr-FR"/>
               <a:t>Cliquez pour modifier le style des sous-titres du masque</a:t>
             </a:r>
-            <a:endParaRPr lang="fr-FR"/>
           </a:p>
         </p:txBody>
       </p:sp>
@@ -1057,10 +1055,9 @@
           <a:lstStyle/>
           <a:p>
             <a:r>
-              <a:rPr lang="fr-FR" smtClean="0"/>
+              <a:rPr lang="fr-FR"/>
               <a:t>Cliquez pour modifier le style du titre</a:t>
             </a:r>
-            <a:endParaRPr lang="fr-FR"/>
           </a:p>
         </p:txBody>
       </p:sp>
@@ -1086,38 +1083,37 @@
           <a:p>
             <a:pPr lvl="0"/>
             <a:r>
-              <a:rPr lang="fr-FR" smtClean="0"/>
+              <a:rPr lang="fr-FR"/>
               <a:t>Cliquez pour modifier les styles du texte du masque</a:t>
             </a:r>
           </a:p>
           <a:p>
             <a:pPr lvl="1"/>
             <a:r>
-              <a:rPr lang="fr-FR" smtClean="0"/>
+              <a:rPr lang="fr-FR"/>
               <a:t>Deuxième niveau</a:t>
             </a:r>
           </a:p>
           <a:p>
             <a:pPr lvl="2"/>
             <a:r>
-              <a:rPr lang="fr-FR" smtClean="0"/>
+              <a:rPr lang="fr-FR"/>
               <a:t>Troisième niveau</a:t>
             </a:r>
           </a:p>
           <a:p>
             <a:pPr lvl="3"/>
             <a:r>
-              <a:rPr lang="fr-FR" smtClean="0"/>
+              <a:rPr lang="fr-FR"/>
               <a:t>Quatrième niveau</a:t>
             </a:r>
           </a:p>
           <a:p>
             <a:pPr lvl="4"/>
             <a:r>
-              <a:rPr lang="fr-FR" smtClean="0"/>
+              <a:rPr lang="fr-FR"/>
               <a:t>Cinquième niveau</a:t>
             </a:r>
-            <a:endParaRPr lang="fr-FR"/>
           </a:p>
         </p:txBody>
       </p:sp>
@@ -1176,10 +1172,9 @@
           </a:lstStyle>
           <a:p>
             <a:r>
-              <a:rPr lang="fr-FR" dirty="0" smtClean="0"/>
+              <a:rPr lang="fr-FR" dirty="0"/>
               <a:t>Cliquez pour modifier le style du titre</a:t>
             </a:r>
-            <a:endParaRPr lang="fr-FR" dirty="0"/>
           </a:p>
         </p:txBody>
       </p:sp>
@@ -1205,38 +1200,37 @@
           <a:p>
             <a:pPr lvl="0"/>
             <a:r>
-              <a:rPr lang="fr-FR" dirty="0" smtClean="0"/>
+              <a:rPr lang="fr-FR" dirty="0"/>
               <a:t>Cliquez pour modifier les styles du texte du masque</a:t>
             </a:r>
           </a:p>
           <a:p>
             <a:pPr lvl="1"/>
             <a:r>
-              <a:rPr lang="fr-FR" dirty="0" smtClean="0"/>
+              <a:rPr lang="fr-FR" dirty="0"/>
               <a:t>Deuxième niveau</a:t>
             </a:r>
           </a:p>
           <a:p>
             <a:pPr lvl="2"/>
             <a:r>
-              <a:rPr lang="fr-FR" dirty="0" smtClean="0"/>
+              <a:rPr lang="fr-FR" dirty="0"/>
               <a:t>Troisième niveau</a:t>
             </a:r>
           </a:p>
           <a:p>
             <a:pPr lvl="3"/>
             <a:r>
-              <a:rPr lang="fr-FR" dirty="0" smtClean="0"/>
+              <a:rPr lang="fr-FR" dirty="0"/>
               <a:t>Quatrième niveau</a:t>
             </a:r>
           </a:p>
           <a:p>
             <a:pPr lvl="4"/>
             <a:r>
-              <a:rPr lang="fr-FR" dirty="0" smtClean="0"/>
+              <a:rPr lang="fr-FR" dirty="0"/>
               <a:t>Cinquième niveau</a:t>
             </a:r>
-            <a:endParaRPr lang="fr-FR" dirty="0"/>
           </a:p>
         </p:txBody>
       </p:sp>
@@ -1286,10 +1280,9 @@
           <a:lstStyle/>
           <a:p>
             <a:r>
-              <a:rPr lang="fr-FR" smtClean="0"/>
+              <a:rPr lang="fr-FR"/>
               <a:t>Cliquez pour modifier le style du titre</a:t>
             </a:r>
-            <a:endParaRPr lang="fr-FR"/>
           </a:p>
         </p:txBody>
       </p:sp>
@@ -1343,38 +1336,37 @@
           <a:p>
             <a:pPr lvl="0"/>
             <a:r>
-              <a:rPr lang="fr-FR" smtClean="0"/>
+              <a:rPr lang="fr-FR"/>
               <a:t>Cliquez pour modifier les styles du texte du masque</a:t>
             </a:r>
           </a:p>
           <a:p>
             <a:pPr lvl="1"/>
             <a:r>
-              <a:rPr lang="fr-FR" smtClean="0"/>
+              <a:rPr lang="fr-FR"/>
               <a:t>Deuxième niveau</a:t>
             </a:r>
           </a:p>
           <a:p>
             <a:pPr lvl="2"/>
             <a:r>
-              <a:rPr lang="fr-FR" smtClean="0"/>
+              <a:rPr lang="fr-FR"/>
               <a:t>Troisième niveau</a:t>
             </a:r>
           </a:p>
           <a:p>
             <a:pPr lvl="3"/>
             <a:r>
-              <a:rPr lang="fr-FR" smtClean="0"/>
+              <a:rPr lang="fr-FR"/>
               <a:t>Quatrième niveau</a:t>
             </a:r>
           </a:p>
           <a:p>
             <a:pPr lvl="4"/>
             <a:r>
-              <a:rPr lang="fr-FR" smtClean="0"/>
+              <a:rPr lang="fr-FR"/>
               <a:t>Cinquième niveau</a:t>
             </a:r>
-            <a:endParaRPr lang="fr-FR"/>
           </a:p>
         </p:txBody>
       </p:sp>
@@ -1428,38 +1420,37 @@
           <a:p>
             <a:pPr lvl="0"/>
             <a:r>
-              <a:rPr lang="fr-FR" smtClean="0"/>
+              <a:rPr lang="fr-FR"/>
               <a:t>Cliquez pour modifier les styles du texte du masque</a:t>
             </a:r>
           </a:p>
           <a:p>
             <a:pPr lvl="1"/>
             <a:r>
-              <a:rPr lang="fr-FR" smtClean="0"/>
+              <a:rPr lang="fr-FR"/>
               <a:t>Deuxième niveau</a:t>
             </a:r>
           </a:p>
           <a:p>
             <a:pPr lvl="2"/>
             <a:r>
-              <a:rPr lang="fr-FR" smtClean="0"/>
+              <a:rPr lang="fr-FR"/>
               <a:t>Troisième niveau</a:t>
             </a:r>
           </a:p>
           <a:p>
             <a:pPr lvl="3"/>
             <a:r>
-              <a:rPr lang="fr-FR" smtClean="0"/>
+              <a:rPr lang="fr-FR"/>
               <a:t>Quatrième niveau</a:t>
             </a:r>
           </a:p>
           <a:p>
             <a:pPr lvl="4"/>
             <a:r>
-              <a:rPr lang="fr-FR" smtClean="0"/>
+              <a:rPr lang="fr-FR"/>
               <a:t>Cinquième niveau</a:t>
             </a:r>
-            <a:endParaRPr lang="fr-FR"/>
           </a:p>
         </p:txBody>
       </p:sp>
@@ -1518,10 +1509,9 @@
           </a:lstStyle>
           <a:p>
             <a:r>
-              <a:rPr lang="fr-FR" smtClean="0"/>
+              <a:rPr lang="fr-FR"/>
               <a:t>Cliquez pour modifier le style du titre</a:t>
             </a:r>
-            <a:endParaRPr lang="fr-FR"/>
           </a:p>
         </p:txBody>
       </p:sp>
@@ -1584,7 +1574,7 @@
           <a:p>
             <a:pPr lvl="0"/>
             <a:r>
-              <a:rPr lang="fr-FR" smtClean="0"/>
+              <a:rPr lang="fr-FR"/>
               <a:t>Cliquez pour modifier les styles du texte du masque</a:t>
             </a:r>
           </a:p>
@@ -1640,38 +1630,37 @@
           <a:p>
             <a:pPr lvl="0"/>
             <a:r>
-              <a:rPr lang="fr-FR" smtClean="0"/>
+              <a:rPr lang="fr-FR"/>
               <a:t>Cliquez pour modifier les styles du texte du masque</a:t>
             </a:r>
           </a:p>
           <a:p>
             <a:pPr lvl="1"/>
             <a:r>
-              <a:rPr lang="fr-FR" smtClean="0"/>
+              <a:rPr lang="fr-FR"/>
               <a:t>Deuxième niveau</a:t>
             </a:r>
           </a:p>
           <a:p>
             <a:pPr lvl="2"/>
             <a:r>
-              <a:rPr lang="fr-FR" smtClean="0"/>
+              <a:rPr lang="fr-FR"/>
               <a:t>Troisième niveau</a:t>
             </a:r>
           </a:p>
           <a:p>
             <a:pPr lvl="3"/>
             <a:r>
-              <a:rPr lang="fr-FR" smtClean="0"/>
+              <a:rPr lang="fr-FR"/>
               <a:t>Quatrième niveau</a:t>
             </a:r>
           </a:p>
           <a:p>
             <a:pPr lvl="4"/>
             <a:r>
-              <a:rPr lang="fr-FR" smtClean="0"/>
+              <a:rPr lang="fr-FR"/>
               <a:t>Cinquième niveau</a:t>
             </a:r>
-            <a:endParaRPr lang="fr-FR"/>
           </a:p>
         </p:txBody>
       </p:sp>
@@ -1734,7 +1723,7 @@
           <a:p>
             <a:pPr lvl="0"/>
             <a:r>
-              <a:rPr lang="fr-FR" smtClean="0"/>
+              <a:rPr lang="fr-FR"/>
               <a:t>Cliquez pour modifier les styles du texte du masque</a:t>
             </a:r>
           </a:p>
@@ -1790,38 +1779,37 @@
           <a:p>
             <a:pPr lvl="0"/>
             <a:r>
-              <a:rPr lang="fr-FR" smtClean="0"/>
+              <a:rPr lang="fr-FR"/>
               <a:t>Cliquez pour modifier les styles du texte du masque</a:t>
             </a:r>
           </a:p>
           <a:p>
             <a:pPr lvl="1"/>
             <a:r>
-              <a:rPr lang="fr-FR" smtClean="0"/>
+              <a:rPr lang="fr-FR"/>
               <a:t>Deuxième niveau</a:t>
             </a:r>
           </a:p>
           <a:p>
             <a:pPr lvl="2"/>
             <a:r>
-              <a:rPr lang="fr-FR" smtClean="0"/>
+              <a:rPr lang="fr-FR"/>
               <a:t>Troisième niveau</a:t>
             </a:r>
           </a:p>
           <a:p>
             <a:pPr lvl="3"/>
             <a:r>
-              <a:rPr lang="fr-FR" smtClean="0"/>
+              <a:rPr lang="fr-FR"/>
               <a:t>Quatrième niveau</a:t>
             </a:r>
           </a:p>
           <a:p>
             <a:pPr lvl="4"/>
             <a:r>
-              <a:rPr lang="fr-FR" smtClean="0"/>
+              <a:rPr lang="fr-FR"/>
               <a:t>Cinquième niveau</a:t>
             </a:r>
-            <a:endParaRPr lang="fr-FR"/>
           </a:p>
         </p:txBody>
       </p:sp>
@@ -1871,10 +1859,9 @@
           <a:lstStyle/>
           <a:p>
             <a:r>
-              <a:rPr lang="fr-FR" smtClean="0"/>
+              <a:rPr lang="fr-FR"/>
               <a:t>Cliquez pour modifier le style du titre</a:t>
             </a:r>
-            <a:endParaRPr lang="fr-FR"/>
           </a:p>
         </p:txBody>
       </p:sp>
@@ -1963,10 +1950,9 @@
           </a:lstStyle>
           <a:p>
             <a:r>
-              <a:rPr lang="fr-FR" smtClean="0"/>
+              <a:rPr lang="fr-FR"/>
               <a:t>Cliquez pour modifier le style du titre</a:t>
             </a:r>
-            <a:endParaRPr lang="fr-FR"/>
           </a:p>
         </p:txBody>
       </p:sp>
@@ -2020,38 +2006,37 @@
           <a:p>
             <a:pPr lvl="0"/>
             <a:r>
-              <a:rPr lang="fr-FR" smtClean="0"/>
+              <a:rPr lang="fr-FR"/>
               <a:t>Cliquez pour modifier les styles du texte du masque</a:t>
             </a:r>
           </a:p>
           <a:p>
             <a:pPr lvl="1"/>
             <a:r>
-              <a:rPr lang="fr-FR" smtClean="0"/>
+              <a:rPr lang="fr-FR"/>
               <a:t>Deuxième niveau</a:t>
             </a:r>
           </a:p>
           <a:p>
             <a:pPr lvl="2"/>
             <a:r>
-              <a:rPr lang="fr-FR" smtClean="0"/>
+              <a:rPr lang="fr-FR"/>
               <a:t>Troisième niveau</a:t>
             </a:r>
           </a:p>
           <a:p>
             <a:pPr lvl="3"/>
             <a:r>
-              <a:rPr lang="fr-FR" smtClean="0"/>
+              <a:rPr lang="fr-FR"/>
               <a:t>Quatrième niveau</a:t>
             </a:r>
           </a:p>
           <a:p>
             <a:pPr lvl="4"/>
             <a:r>
-              <a:rPr lang="fr-FR" smtClean="0"/>
+              <a:rPr lang="fr-FR"/>
               <a:t>Cinquième niveau</a:t>
             </a:r>
-            <a:endParaRPr lang="fr-FR"/>
           </a:p>
         </p:txBody>
       </p:sp>
@@ -2114,7 +2099,7 @@
           <a:p>
             <a:pPr lvl="0"/>
             <a:r>
-              <a:rPr lang="fr-FR" smtClean="0"/>
+              <a:rPr lang="fr-FR"/>
               <a:t>Cliquez pour modifier les styles du texte du masque</a:t>
             </a:r>
           </a:p>
@@ -2175,10 +2160,9 @@
           </a:lstStyle>
           <a:p>
             <a:r>
-              <a:rPr lang="fr-FR" smtClean="0"/>
+              <a:rPr lang="fr-FR"/>
               <a:t>Cliquez pour modifier le style du titre</a:t>
             </a:r>
-            <a:endParaRPr lang="fr-FR"/>
           </a:p>
         </p:txBody>
       </p:sp>
@@ -2240,7 +2224,7 @@
           </a:lstStyle>
           <a:p>
             <a:pPr lvl="0"/>
-            <a:endParaRPr lang="fr-FR" noProof="0" smtClean="0"/>
+            <a:endParaRPr lang="fr-FR" noProof="0"/>
           </a:p>
         </p:txBody>
       </p:sp>
@@ -2303,7 +2287,7 @@
           <a:p>
             <a:pPr lvl="0"/>
             <a:r>
-              <a:rPr lang="fr-FR" smtClean="0"/>
+              <a:rPr lang="fr-FR"/>
               <a:t>Cliquez pour modifier les styles du texte du masque</a:t>
             </a:r>
           </a:p>
@@ -2355,10 +2339,9 @@
           <a:lstStyle/>
           <a:p>
             <a:r>
-              <a:rPr lang="fr-FR" smtClean="0"/>
+              <a:rPr lang="fr-FR"/>
               <a:t>Cliquez pour modifier le style du titre</a:t>
             </a:r>
-            <a:endParaRPr lang="fr-FR"/>
           </a:p>
         </p:txBody>
       </p:sp>
@@ -2379,38 +2362,37 @@
           <a:p>
             <a:pPr lvl="0"/>
             <a:r>
-              <a:rPr lang="fr-FR" smtClean="0"/>
+              <a:rPr lang="fr-FR"/>
               <a:t>Cliquez pour modifier les styles du texte du masque</a:t>
             </a:r>
           </a:p>
           <a:p>
             <a:pPr lvl="1"/>
             <a:r>
-              <a:rPr lang="fr-FR" smtClean="0"/>
+              <a:rPr lang="fr-FR"/>
               <a:t>Deuxième niveau</a:t>
             </a:r>
           </a:p>
           <a:p>
             <a:pPr lvl="2"/>
             <a:r>
-              <a:rPr lang="fr-FR" smtClean="0"/>
+              <a:rPr lang="fr-FR"/>
               <a:t>Troisième niveau</a:t>
             </a:r>
           </a:p>
           <a:p>
             <a:pPr lvl="3"/>
             <a:r>
-              <a:rPr lang="fr-FR" smtClean="0"/>
+              <a:rPr lang="fr-FR"/>
               <a:t>Quatrième niveau</a:t>
             </a:r>
           </a:p>
           <a:p>
             <a:pPr lvl="4"/>
             <a:r>
-              <a:rPr lang="fr-FR" smtClean="0"/>
+              <a:rPr lang="fr-FR"/>
               <a:t>Cinquième niveau</a:t>
             </a:r>
-            <a:endParaRPr lang="fr-FR"/>
           </a:p>
         </p:txBody>
       </p:sp>
@@ -2591,7 +2573,7 @@
             <a:pPr eaLnBrk="1" hangingPunct="1">
               <a:defRPr/>
             </a:pPr>
-            <a:endParaRPr lang="fr-FR" altLang="fr-FR" smtClean="0"/>
+            <a:endParaRPr lang="fr-FR" altLang="fr-FR"/>
           </a:p>
         </p:txBody>
       </p:sp>
@@ -2745,7 +2727,7 @@
               <a:defRPr/>
             </a:pPr>
             <a:r>
-              <a:rPr lang="fr-FR" sz="1200" dirty="0" smtClean="0"/>
+              <a:rPr lang="fr-FR" sz="1200" dirty="0"/>
               <a:t>Page </a:t>
             </a:r>
             <a:fld id="{E218E9B1-FD08-4C80-902E-210BA2967D0D}" type="slidenum">
@@ -2758,7 +2740,7 @@
               </a:pPr>
               <a:t>‹N°›</a:t>
             </a:fld>
-            <a:endParaRPr lang="fr-FR" dirty="0" smtClean="0">
+            <a:endParaRPr lang="fr-FR" dirty="0">
               <a:latin typeface="Times New Roman" pitchFamily="18" charset="0"/>
             </a:endParaRPr>
           </a:p>
@@ -2914,10 +2896,10 @@
               <a:defRPr/>
             </a:pPr>
             <a:r>
-              <a:rPr lang="fr-FR" sz="1600" dirty="0" err="1" smtClean="0"/>
+              <a:rPr lang="fr-FR" sz="1600" dirty="0" err="1"/>
               <a:t>IoT</a:t>
             </a:r>
-            <a:endParaRPr lang="fr-FR" dirty="0" smtClean="0">
+            <a:endParaRPr lang="fr-FR" dirty="0">
               <a:latin typeface="Times New Roman" pitchFamily="18" charset="0"/>
             </a:endParaRPr>
           </a:p>
@@ -2975,7 +2957,7 @@
           <a:p>
             <a:pPr lvl="0"/>
             <a:r>
-              <a:rPr lang="fr-FR" altLang="fr-FR" smtClean="0"/>
+              <a:rPr lang="fr-FR" altLang="fr-FR"/>
               <a:t>Cliquez pour modifier le style du titre du masque</a:t>
             </a:r>
           </a:p>
@@ -3033,35 +3015,35 @@
           <a:p>
             <a:pPr lvl="0"/>
             <a:r>
-              <a:rPr lang="fr-FR" altLang="fr-FR" smtClean="0"/>
+              <a:rPr lang="fr-FR" altLang="fr-FR"/>
               <a:t>Cliquez pour modifier les styles du texte du masque</a:t>
             </a:r>
           </a:p>
           <a:p>
             <a:pPr lvl="1"/>
             <a:r>
-              <a:rPr lang="fr-FR" altLang="fr-FR" smtClean="0"/>
+              <a:rPr lang="fr-FR" altLang="fr-FR"/>
               <a:t>Deuxième niveau</a:t>
             </a:r>
           </a:p>
           <a:p>
             <a:pPr lvl="2"/>
             <a:r>
-              <a:rPr lang="fr-FR" altLang="fr-FR" smtClean="0"/>
+              <a:rPr lang="fr-FR" altLang="fr-FR"/>
               <a:t>Troisième niveau</a:t>
             </a:r>
           </a:p>
           <a:p>
             <a:pPr lvl="3"/>
             <a:r>
-              <a:rPr lang="fr-FR" altLang="fr-FR" smtClean="0"/>
+              <a:rPr lang="fr-FR" altLang="fr-FR"/>
               <a:t>Quatrième niveau</a:t>
             </a:r>
           </a:p>
           <a:p>
             <a:pPr lvl="4"/>
             <a:r>
-              <a:rPr lang="fr-FR" altLang="fr-FR" smtClean="0"/>
+              <a:rPr lang="fr-FR" altLang="fr-FR"/>
               <a:t>Cinquième niveau</a:t>
             </a:r>
           </a:p>
@@ -3217,10 +3199,10 @@
               <a:defRPr/>
             </a:pPr>
             <a:r>
-              <a:rPr lang="fr-FR" sz="1200" smtClean="0"/>
+              <a:rPr lang="fr-FR" sz="1200"/>
               <a:t>© Cyril Vincent Conseil</a:t>
             </a:r>
-            <a:endParaRPr lang="fr-FR" smtClean="0">
+            <a:endParaRPr lang="fr-FR">
               <a:latin typeface="Times New Roman" pitchFamily="18" charset="0"/>
             </a:endParaRPr>
           </a:p>
@@ -3707,10 +3689,10 @@
           <a:p>
             <a:pPr eaLnBrk="1" hangingPunct="1"/>
             <a:r>
-              <a:rPr lang="fr-FR" altLang="fr-FR" dirty="0" err="1" smtClean="0"/>
+              <a:rPr lang="fr-FR" altLang="fr-FR" dirty="0" err="1"/>
               <a:t>IoT</a:t>
             </a:r>
-            <a:endParaRPr lang="fr-FR" altLang="fr-FR" dirty="0" smtClean="0"/>
+            <a:endParaRPr lang="fr-FR" altLang="fr-FR" dirty="0"/>
           </a:p>
           <a:p>
             <a:pPr eaLnBrk="1" hangingPunct="1"/>
@@ -3719,14 +3701,14 @@
           <a:p>
             <a:pPr eaLnBrk="1" hangingPunct="1"/>
             <a:r>
-              <a:rPr lang="fr-FR" altLang="fr-FR" dirty="0" smtClean="0"/>
+              <a:rPr lang="fr-FR" altLang="fr-FR" dirty="0"/>
               <a:t>Chapitre 8</a:t>
             </a:r>
           </a:p>
           <a:p>
             <a:pPr eaLnBrk="1" hangingPunct="1"/>
             <a:r>
-              <a:rPr lang="fr-FR" altLang="fr-FR" dirty="0" smtClean="0"/>
+              <a:rPr lang="fr-FR" altLang="fr-FR" dirty="0"/>
               <a:t>Wireless</a:t>
             </a:r>
           </a:p>
@@ -3737,13 +3719,6 @@
   <p:clrMapOvr>
     <a:masterClrMapping/>
   </p:clrMapOvr>
-  <p:timing>
-    <p:tnLst>
-      <p:par>
-        <p:cTn id="1" dur="indefinite" restart="never" nodeType="tmRoot"/>
-      </p:par>
-    </p:tnLst>
-  </p:timing>
 </p:sld>
 </file>
 
@@ -3780,7 +3755,7 @@
           <a:lstStyle/>
           <a:p>
             <a:r>
-              <a:rPr lang="fr-FR" dirty="0" err="1" smtClean="0"/>
+              <a:rPr lang="fr-FR" dirty="0" err="1"/>
               <a:t>PyBluez</a:t>
             </a:r>
             <a:endParaRPr lang="fr-FR" dirty="0"/>
@@ -3803,33 +3778,33 @@
           <a:lstStyle/>
           <a:p>
             <a:r>
-              <a:rPr lang="fr-FR" dirty="0" err="1" smtClean="0"/>
+              <a:rPr lang="fr-FR" dirty="0" err="1"/>
               <a:t>PyBluez</a:t>
             </a:r>
             <a:r>
-              <a:rPr lang="fr-FR" dirty="0" smtClean="0"/>
+              <a:rPr lang="fr-FR" dirty="0"/>
               <a:t> est la librairie Python pour le </a:t>
             </a:r>
             <a:r>
-              <a:rPr lang="fr-FR" dirty="0" err="1" smtClean="0"/>
+              <a:rPr lang="fr-FR" dirty="0" err="1"/>
               <a:t>bluetooth</a:t>
             </a:r>
-            <a:endParaRPr lang="fr-FR" dirty="0" smtClean="0"/>
-          </a:p>
-          <a:p>
-            <a:r>
-              <a:rPr lang="fr-FR" dirty="0" smtClean="0"/>
+            <a:endParaRPr lang="fr-FR" dirty="0"/>
+          </a:p>
+          <a:p>
+            <a:r>
+              <a:rPr lang="fr-FR" dirty="0"/>
               <a:t>Installation parfois délicate</a:t>
             </a:r>
           </a:p>
           <a:p>
             <a:pPr lvl="1"/>
             <a:r>
-              <a:rPr lang="fr-FR" dirty="0" err="1" smtClean="0"/>
+              <a:rPr lang="fr-FR" dirty="0" err="1"/>
               <a:t>sudo</a:t>
             </a:r>
             <a:r>
-              <a:rPr lang="fr-FR" dirty="0" smtClean="0"/>
+              <a:rPr lang="fr-FR" dirty="0"/>
               <a:t> </a:t>
             </a:r>
             <a:r>
@@ -3852,11 +3827,11 @@
           <a:p>
             <a:pPr lvl="1"/>
             <a:r>
-              <a:rPr lang="fr-FR" dirty="0" err="1" smtClean="0"/>
+              <a:rPr lang="fr-FR" dirty="0" err="1"/>
               <a:t>sudo</a:t>
             </a:r>
             <a:r>
-              <a:rPr lang="fr-FR" dirty="0" smtClean="0"/>
+              <a:rPr lang="fr-FR" dirty="0"/>
               <a:t> </a:t>
             </a:r>
             <a:r>
@@ -3892,7 +3867,7 @@
           <a:p>
             <a:pPr lvl="1"/>
             <a:r>
-              <a:rPr lang="fr-FR" dirty="0" smtClean="0"/>
+              <a:rPr lang="fr-FR" dirty="0"/>
               <a:t>pip3 </a:t>
             </a:r>
             <a:r>
@@ -3911,7 +3886,7 @@
           </a:p>
           <a:p>
             <a:pPr lvl="1"/>
-            <a:endParaRPr lang="fr-FR" dirty="0" smtClean="0"/>
+            <a:endParaRPr lang="fr-FR" dirty="0"/>
           </a:p>
         </p:txBody>
       </p:sp>
@@ -3961,7 +3936,7 @@
           <a:lstStyle/>
           <a:p>
             <a:r>
-              <a:rPr lang="fr-FR" dirty="0" err="1" smtClean="0"/>
+              <a:rPr lang="fr-FR" dirty="0" err="1"/>
               <a:t>PyBluez</a:t>
             </a:r>
             <a:endParaRPr lang="fr-FR" dirty="0"/>
@@ -3984,23 +3959,19 @@
           <a:lstStyle/>
           <a:p>
             <a:r>
-              <a:rPr lang="fr-FR" dirty="0" smtClean="0"/>
+              <a:rPr lang="fr-FR" dirty="0"/>
               <a:t>En mode maitre l'installation est cette fois très difficile</a:t>
             </a:r>
           </a:p>
           <a:p>
             <a:pPr lvl="1"/>
             <a:r>
-              <a:rPr lang="fr-FR" sz="1400" dirty="0" err="1" smtClean="0"/>
+              <a:rPr lang="fr-FR" sz="1400" dirty="0" err="1"/>
               <a:t>sudo</a:t>
             </a:r>
             <a:r>
-              <a:rPr lang="fr-FR" sz="1400" dirty="0" smtClean="0"/>
-              <a:t> </a:t>
-            </a:r>
-            <a:r>
               <a:rPr lang="fr-FR" sz="1400" dirty="0"/>
-              <a:t>nano /</a:t>
+              <a:t> nano /</a:t>
             </a:r>
             <a:r>
               <a:rPr lang="fr-FR" sz="1400" dirty="0" err="1"/>
@@ -4027,16 +3998,12 @@
           <a:p>
             <a:pPr lvl="1"/>
             <a:r>
-              <a:rPr lang="fr-FR" sz="1400" dirty="0" err="1" smtClean="0"/>
+              <a:rPr lang="fr-FR" sz="1400" dirty="0" err="1"/>
               <a:t>Add</a:t>
             </a:r>
             <a:r>
-              <a:rPr lang="fr-FR" sz="1400" dirty="0" smtClean="0"/>
-              <a:t> </a:t>
-            </a:r>
-            <a:r>
               <a:rPr lang="fr-FR" sz="1400" dirty="0"/>
-              <a:t>–C at the end of </a:t>
+              <a:t> –C at the end of </a:t>
             </a:r>
             <a:r>
               <a:rPr lang="fr-FR" sz="1400" dirty="0" err="1"/>
@@ -4047,23 +4014,23 @@
               <a:t>=/</a:t>
             </a:r>
             <a:r>
-              <a:rPr lang="fr-FR" sz="1400" dirty="0" err="1" smtClean="0"/>
+              <a:rPr lang="fr-FR" sz="1400" dirty="0" err="1"/>
               <a:t>usr</a:t>
             </a:r>
             <a:r>
-              <a:rPr lang="fr-FR" sz="1400" dirty="0" smtClean="0"/>
+              <a:rPr lang="fr-FR" sz="1400" dirty="0"/>
               <a:t>/lib/</a:t>
             </a:r>
             <a:r>
-              <a:rPr lang="fr-FR" sz="1400" dirty="0" err="1" smtClean="0"/>
+              <a:rPr lang="fr-FR" sz="1400" dirty="0" err="1"/>
               <a:t>bluetooth</a:t>
             </a:r>
             <a:r>
-              <a:rPr lang="fr-FR" sz="1400" dirty="0" smtClean="0"/>
+              <a:rPr lang="fr-FR" sz="1400" dirty="0"/>
               <a:t>/</a:t>
             </a:r>
             <a:r>
-              <a:rPr lang="fr-FR" sz="1400" dirty="0" err="1" smtClean="0"/>
+              <a:rPr lang="fr-FR" sz="1400" dirty="0" err="1"/>
               <a:t>bluetoothd</a:t>
             </a:r>
             <a:endParaRPr lang="fr-FR" sz="1400" dirty="0"/>
@@ -4071,11 +4038,11 @@
           <a:p>
             <a:pPr lvl="1"/>
             <a:r>
-              <a:rPr lang="fr-FR" sz="1400" dirty="0" err="1" smtClean="0"/>
+              <a:rPr lang="fr-FR" sz="1400" dirty="0" err="1"/>
               <a:t>sudo</a:t>
             </a:r>
             <a:r>
-              <a:rPr lang="fr-FR" sz="1400" dirty="0" smtClean="0"/>
+              <a:rPr lang="fr-FR" sz="1400" dirty="0"/>
               <a:t> </a:t>
             </a:r>
             <a:r>
@@ -4098,11 +4065,11 @@
           <a:p>
             <a:pPr lvl="1"/>
             <a:r>
-              <a:rPr lang="fr-FR" sz="1400" dirty="0" err="1" smtClean="0"/>
+              <a:rPr lang="fr-FR" sz="1400" dirty="0" err="1"/>
               <a:t>sudo</a:t>
             </a:r>
             <a:r>
-              <a:rPr lang="fr-FR" sz="1400" dirty="0" smtClean="0"/>
+              <a:rPr lang="fr-FR" sz="1400" dirty="0"/>
               <a:t> </a:t>
             </a:r>
             <a:r>
@@ -4122,16 +4089,12 @@
           <a:p>
             <a:pPr lvl="1"/>
             <a:r>
-              <a:rPr lang="fr-FR" sz="1400" dirty="0" err="1" smtClean="0"/>
+              <a:rPr lang="fr-FR" sz="1400" dirty="0" err="1"/>
               <a:t>sudo</a:t>
             </a:r>
             <a:r>
-              <a:rPr lang="fr-FR" sz="1400" dirty="0" smtClean="0"/>
-              <a:t> </a:t>
-            </a:r>
-            <a:r>
               <a:rPr lang="fr-FR" sz="1400" dirty="0"/>
-              <a:t>service </a:t>
+              <a:t> service </a:t>
             </a:r>
             <a:r>
               <a:rPr lang="fr-FR" sz="1400" dirty="0" err="1"/>
@@ -4145,11 +4108,11 @@
           <a:p>
             <a:pPr lvl="1"/>
             <a:r>
-              <a:rPr lang="fr-FR" sz="1400" dirty="0" err="1" smtClean="0"/>
+              <a:rPr lang="fr-FR" sz="1400" dirty="0" err="1"/>
               <a:t>sudo</a:t>
             </a:r>
             <a:r>
-              <a:rPr lang="fr-FR" sz="1400" dirty="0" smtClean="0"/>
+              <a:rPr lang="fr-FR" sz="1400" dirty="0"/>
               <a:t> </a:t>
             </a:r>
             <a:r>
@@ -4172,11 +4135,11 @@
           <a:p>
             <a:pPr lvl="1"/>
             <a:r>
-              <a:rPr lang="fr-FR" sz="1400" dirty="0" err="1" smtClean="0"/>
+              <a:rPr lang="fr-FR" sz="1400" dirty="0" err="1"/>
               <a:t>sudo</a:t>
             </a:r>
             <a:r>
-              <a:rPr lang="fr-FR" sz="1400" dirty="0" smtClean="0"/>
+              <a:rPr lang="fr-FR" sz="1400" dirty="0"/>
               <a:t> </a:t>
             </a:r>
             <a:r>
@@ -4212,11 +4175,11 @@
           <a:p>
             <a:pPr lvl="1"/>
             <a:r>
-              <a:rPr lang="fr-FR" sz="1400" dirty="0" err="1" smtClean="0"/>
+              <a:rPr lang="fr-FR" sz="1400" dirty="0" err="1"/>
               <a:t>sudo</a:t>
             </a:r>
             <a:r>
-              <a:rPr lang="fr-FR" sz="1400" dirty="0" smtClean="0"/>
+              <a:rPr lang="fr-FR" sz="1400" dirty="0"/>
               <a:t> </a:t>
             </a:r>
             <a:r>
@@ -4225,27 +4188,27 @@
             </a:r>
             <a:r>
               <a:rPr lang="fr-FR" sz="1400" dirty="0"/>
-              <a:t> </a:t>
-            </a:r>
-            <a:r>
-              <a:rPr lang="fr-FR" sz="1400" dirty="0" smtClean="0"/>
-              <a:t>config/var-</a:t>
-            </a:r>
-            <a:r>
-              <a:rPr lang="fr-FR" sz="1400" dirty="0" err="1" smtClean="0"/>
+              <a:t> config/var-</a:t>
+            </a:r>
+            <a:r>
+              <a:rPr lang="fr-FR" sz="1400" dirty="0" err="1"/>
               <a:t>run</a:t>
             </a:r>
             <a:r>
-              <a:rPr lang="fr-FR" sz="1400" dirty="0" smtClean="0"/>
+              <a:rPr lang="fr-FR" sz="1400" dirty="0"/>
               <a:t>-</a:t>
             </a:r>
             <a:r>
-              <a:rPr lang="fr-FR" sz="1400" dirty="0" err="1" smtClean="0"/>
+              <a:rPr lang="fr-FR" sz="1400" dirty="0" err="1"/>
               <a:t>sdp.path</a:t>
             </a:r>
             <a:r>
-              <a:rPr lang="fr-FR" sz="1400" dirty="0" smtClean="0"/>
-              <a:t> </a:t>
+              <a:rPr lang="fr-FR" sz="1400" dirty="0"/>
+              <a:t> /</a:t>
+            </a:r>
+            <a:r>
+              <a:rPr lang="fr-FR" sz="1400" dirty="0" err="1"/>
+              <a:t>etc</a:t>
             </a:r>
             <a:r>
               <a:rPr lang="fr-FR" sz="1400" dirty="0"/>
@@ -4253,6 +4216,62 @@
             </a:r>
             <a:r>
               <a:rPr lang="fr-FR" sz="1400" dirty="0" err="1"/>
+              <a:t>systemd</a:t>
+            </a:r>
+            <a:r>
+              <a:rPr lang="fr-FR" sz="1400" dirty="0"/>
+              <a:t>/system/var-</a:t>
+            </a:r>
+            <a:r>
+              <a:rPr lang="fr-FR" sz="1400" dirty="0" err="1"/>
+              <a:t>run</a:t>
+            </a:r>
+            <a:r>
+              <a:rPr lang="fr-FR" sz="1400" dirty="0"/>
+              <a:t>-</a:t>
+            </a:r>
+            <a:r>
+              <a:rPr lang="fr-FR" sz="1400" dirty="0" err="1"/>
+              <a:t>sdp.path</a:t>
+            </a:r>
+            <a:endParaRPr lang="fr-FR" sz="1400" dirty="0"/>
+          </a:p>
+          <a:p>
+            <a:pPr lvl="1"/>
+            <a:r>
+              <a:rPr lang="fr-FR" sz="1400" dirty="0" err="1"/>
+              <a:t>sudo</a:t>
+            </a:r>
+            <a:r>
+              <a:rPr lang="fr-FR" sz="1400" dirty="0"/>
+              <a:t> </a:t>
+            </a:r>
+            <a:r>
+              <a:rPr lang="fr-FR" sz="1400" dirty="0" err="1"/>
+              <a:t>cp</a:t>
+            </a:r>
+            <a:r>
+              <a:rPr lang="fr-FR" sz="1400" dirty="0"/>
+              <a:t> config/var-</a:t>
+            </a:r>
+            <a:r>
+              <a:rPr lang="fr-FR" sz="1400" dirty="0" err="1"/>
+              <a:t>run</a:t>
+            </a:r>
+            <a:r>
+              <a:rPr lang="fr-FR" sz="1400" dirty="0"/>
+              <a:t>-</a:t>
+            </a:r>
+            <a:r>
+              <a:rPr lang="fr-FR" sz="1400" dirty="0" err="1"/>
+              <a:t>sdp.service</a:t>
+            </a:r>
+            <a:r>
+              <a:rPr lang="fr-FR" sz="1400" dirty="0"/>
+              <a:t> /</a:t>
+            </a:r>
+            <a:r>
+              <a:rPr lang="fr-FR" sz="1400" dirty="0" err="1"/>
               <a:t>etc</a:t>
             </a:r>
             <a:r>
@@ -4277,67 +4296,59 @@
             </a:r>
             <a:r>
               <a:rPr lang="fr-FR" sz="1400" dirty="0" err="1"/>
-              <a:t>sdp.path</a:t>
+              <a:t>sdp.service</a:t>
             </a:r>
             <a:endParaRPr lang="fr-FR" sz="1400" dirty="0"/>
           </a:p>
           <a:p>
             <a:pPr lvl="1"/>
             <a:r>
-              <a:rPr lang="fr-FR" sz="1400" dirty="0" err="1" smtClean="0"/>
+              <a:rPr lang="fr-FR" sz="1400" dirty="0" err="1"/>
               <a:t>sudo</a:t>
-            </a:r>
-            <a:r>
-              <a:rPr lang="fr-FR" sz="1400" dirty="0" smtClean="0"/>
-              <a:t> </a:t>
-            </a:r>
-            <a:r>
-              <a:rPr lang="fr-FR" sz="1400" dirty="0" err="1"/>
-              <a:t>cp</a:t>
             </a:r>
             <a:r>
               <a:rPr lang="fr-FR" sz="1400" dirty="0"/>
               <a:t> </a:t>
             </a:r>
             <a:r>
-              <a:rPr lang="fr-FR" sz="1400" dirty="0" smtClean="0"/>
-              <a:t>config/var-</a:t>
-            </a:r>
-            <a:r>
-              <a:rPr lang="fr-FR" sz="1400" dirty="0" err="1" smtClean="0"/>
-              <a:t>run</a:t>
-            </a:r>
-            <a:r>
-              <a:rPr lang="fr-FR" sz="1400" dirty="0" smtClean="0"/>
-              <a:t>-</a:t>
-            </a:r>
-            <a:r>
-              <a:rPr lang="fr-FR" sz="1400" dirty="0" err="1" smtClean="0"/>
-              <a:t>sdp.service</a:t>
-            </a:r>
-            <a:r>
-              <a:rPr lang="fr-FR" sz="1400" dirty="0" smtClean="0"/>
+              <a:rPr lang="fr-FR" sz="1400" dirty="0" err="1"/>
+              <a:t>systemctl</a:t>
+            </a:r>
+            <a:r>
+              <a:rPr lang="fr-FR" sz="1400" dirty="0"/>
+              <a:t> daemon-</a:t>
+            </a:r>
+            <a:r>
+              <a:rPr lang="fr-FR" sz="1400" dirty="0" err="1"/>
+              <a:t>reload</a:t>
+            </a:r>
+            <a:endParaRPr lang="fr-FR" sz="1400" dirty="0"/>
+          </a:p>
+          <a:p>
+            <a:pPr lvl="1"/>
+            <a:r>
+              <a:rPr lang="fr-FR" sz="1400" dirty="0" err="1"/>
+              <a:t>sudo</a:t>
+            </a:r>
+            <a:r>
+              <a:rPr lang="fr-FR" sz="1400" dirty="0"/>
               <a:t> </a:t>
             </a:r>
             <a:r>
+              <a:rPr lang="fr-FR" sz="1400" dirty="0" err="1"/>
+              <a:t>systemctl</a:t>
+            </a:r>
+            <a:r>
               <a:rPr lang="fr-FR" sz="1400" dirty="0"/>
-              <a:t>/</a:t>
+              <a:t> </a:t>
             </a:r>
             <a:r>
               <a:rPr lang="fr-FR" sz="1400" dirty="0" err="1"/>
-              <a:t>etc</a:t>
+              <a:t>enable</a:t>
             </a:r>
             <a:r>
               <a:rPr lang="fr-FR" sz="1400" dirty="0"/>
-              <a:t>/</a:t>
-            </a:r>
-            <a:r>
-              <a:rPr lang="fr-FR" sz="1400" dirty="0" err="1"/>
-              <a:t>systemd</a:t>
-            </a:r>
-            <a:r>
-              <a:rPr lang="fr-FR" sz="1400" dirty="0"/>
-              <a:t>/system/var-</a:t>
+              <a:t> var-</a:t>
             </a:r>
             <a:r>
               <a:rPr lang="fr-FR" sz="1400" dirty="0" err="1"/>
@@ -4349,18 +4360,18 @@
             </a:r>
             <a:r>
               <a:rPr lang="fr-FR" sz="1400" dirty="0" err="1"/>
-              <a:t>sdp.service</a:t>
+              <a:t>sdp.path</a:t>
             </a:r>
             <a:endParaRPr lang="fr-FR" sz="1400" dirty="0"/>
           </a:p>
           <a:p>
             <a:pPr lvl="1"/>
             <a:r>
-              <a:rPr lang="fr-FR" sz="1400" dirty="0" err="1" smtClean="0"/>
+              <a:rPr lang="fr-FR" sz="1400" dirty="0" err="1"/>
               <a:t>sudo</a:t>
             </a:r>
             <a:r>
-              <a:rPr lang="fr-FR" sz="1400" dirty="0" smtClean="0"/>
+              <a:rPr lang="fr-FR" sz="1400" dirty="0"/>
               <a:t> </a:t>
             </a:r>
             <a:r>
@@ -4369,22 +4380,38 @@
             </a:r>
             <a:r>
               <a:rPr lang="fr-FR" sz="1400" dirty="0"/>
-              <a:t> daemon-</a:t>
+              <a:t> </a:t>
             </a:r>
             <a:r>
               <a:rPr lang="fr-FR" sz="1400" dirty="0" err="1"/>
-              <a:t>reload</a:t>
+              <a:t>enable</a:t>
+            </a:r>
+            <a:r>
+              <a:rPr lang="fr-FR" sz="1400" dirty="0"/>
+              <a:t> var-</a:t>
+            </a:r>
+            <a:r>
+              <a:rPr lang="fr-FR" sz="1400" dirty="0" err="1"/>
+              <a:t>run</a:t>
+            </a:r>
+            <a:r>
+              <a:rPr lang="fr-FR" sz="1400" dirty="0"/>
+              <a:t>-</a:t>
+            </a:r>
+            <a:r>
+              <a:rPr lang="fr-FR" sz="1400" dirty="0" err="1"/>
+              <a:t>sdp.service</a:t>
             </a:r>
             <a:endParaRPr lang="fr-FR" sz="1400" dirty="0"/>
           </a:p>
           <a:p>
             <a:pPr lvl="1"/>
             <a:r>
-              <a:rPr lang="fr-FR" sz="1400" dirty="0" err="1" smtClean="0"/>
+              <a:rPr lang="fr-FR" sz="1400" dirty="0" err="1"/>
               <a:t>sudo</a:t>
             </a:r>
             <a:r>
-              <a:rPr lang="fr-FR" sz="1400" dirty="0" smtClean="0"/>
+              <a:rPr lang="fr-FR" sz="1400" dirty="0"/>
               <a:t> </a:t>
             </a:r>
             <a:r>
@@ -4397,7 +4424,7 @@
             </a:r>
             <a:r>
               <a:rPr lang="fr-FR" sz="1400" dirty="0" err="1"/>
-              <a:t>enable</a:t>
+              <a:t>start</a:t>
             </a:r>
             <a:r>
               <a:rPr lang="fr-FR" sz="1400" dirty="0"/>
@@ -4420,91 +4447,11 @@
           <a:p>
             <a:pPr lvl="1"/>
             <a:r>
-              <a:rPr lang="fr-FR" sz="1400" dirty="0" err="1" smtClean="0"/>
+              <a:rPr lang="fr-FR" sz="1400" dirty="0" err="1"/>
               <a:t>sudo</a:t>
             </a:r>
             <a:r>
-              <a:rPr lang="fr-FR" sz="1400" dirty="0" smtClean="0"/>
-              <a:t> </a:t>
-            </a:r>
-            <a:r>
-              <a:rPr lang="fr-FR" sz="1400" dirty="0" err="1"/>
-              <a:t>systemctl</a:t>
-            </a:r>
-            <a:r>
               <a:rPr lang="fr-FR" sz="1400" dirty="0"/>
-              <a:t> </a:t>
-            </a:r>
-            <a:r>
-              <a:rPr lang="fr-FR" sz="1400" dirty="0" err="1"/>
-              <a:t>enable</a:t>
-            </a:r>
-            <a:r>
-              <a:rPr lang="fr-FR" sz="1400" dirty="0"/>
-              <a:t> var-</a:t>
-            </a:r>
-            <a:r>
-              <a:rPr lang="fr-FR" sz="1400" dirty="0" err="1"/>
-              <a:t>run</a:t>
-            </a:r>
-            <a:r>
-              <a:rPr lang="fr-FR" sz="1400" dirty="0"/>
-              <a:t>-</a:t>
-            </a:r>
-            <a:r>
-              <a:rPr lang="fr-FR" sz="1400" dirty="0" err="1"/>
-              <a:t>sdp.service</a:t>
-            </a:r>
-            <a:endParaRPr lang="fr-FR" sz="1400" dirty="0"/>
-          </a:p>
-          <a:p>
-            <a:pPr lvl="1"/>
-            <a:r>
-              <a:rPr lang="fr-FR" sz="1400" dirty="0" err="1" smtClean="0"/>
-              <a:t>sudo</a:t>
-            </a:r>
-            <a:r>
-              <a:rPr lang="fr-FR" sz="1400" dirty="0" smtClean="0"/>
-              <a:t> </a:t>
-            </a:r>
-            <a:r>
-              <a:rPr lang="fr-FR" sz="1400" dirty="0" err="1"/>
-              <a:t>systemctl</a:t>
-            </a:r>
-            <a:r>
-              <a:rPr lang="fr-FR" sz="1400" dirty="0"/>
-              <a:t> </a:t>
-            </a:r>
-            <a:r>
-              <a:rPr lang="fr-FR" sz="1400" dirty="0" err="1"/>
-              <a:t>start</a:t>
-            </a:r>
-            <a:r>
-              <a:rPr lang="fr-FR" sz="1400" dirty="0"/>
-              <a:t> var-</a:t>
-            </a:r>
-            <a:r>
-              <a:rPr lang="fr-FR" sz="1400" dirty="0" err="1"/>
-              <a:t>run</a:t>
-            </a:r>
-            <a:r>
-              <a:rPr lang="fr-FR" sz="1400" dirty="0"/>
-              <a:t>-</a:t>
-            </a:r>
-            <a:r>
-              <a:rPr lang="fr-FR" sz="1400" dirty="0" err="1"/>
-              <a:t>sdp.path</a:t>
-            </a:r>
-            <a:endParaRPr lang="fr-FR" sz="1400" dirty="0"/>
-          </a:p>
-          <a:p>
-            <a:pPr lvl="1"/>
-            <a:r>
-              <a:rPr lang="fr-FR" sz="1400" dirty="0" err="1" smtClean="0"/>
-              <a:t>sudo</a:t>
-            </a:r>
-            <a:r>
-              <a:rPr lang="fr-FR" sz="1400" dirty="0" smtClean="0"/>
               <a:t> </a:t>
             </a:r>
             <a:r>
@@ -4583,7 +4530,7 @@
           <a:lstStyle/>
           <a:p>
             <a:r>
-              <a:rPr lang="fr-FR" dirty="0" err="1" smtClean="0"/>
+              <a:rPr lang="fr-FR" dirty="0" err="1"/>
               <a:t>PyBluez</a:t>
             </a:r>
             <a:endParaRPr lang="fr-FR" dirty="0"/>
@@ -4606,14 +4553,14 @@
           <a:lstStyle/>
           <a:p>
             <a:r>
-              <a:rPr lang="fr-FR" sz="2400" dirty="0" smtClean="0"/>
+              <a:rPr lang="fr-FR" sz="2400" dirty="0"/>
               <a:t>import </a:t>
             </a:r>
             <a:r>
-              <a:rPr lang="fr-FR" sz="2400" dirty="0" err="1" smtClean="0"/>
+              <a:rPr lang="fr-FR" sz="2400" dirty="0" err="1"/>
               <a:t>bluetooth</a:t>
             </a:r>
-            <a:endParaRPr lang="fr-FR" sz="2400" dirty="0" smtClean="0"/>
+            <a:endParaRPr lang="fr-FR" sz="2400" dirty="0"/>
           </a:p>
           <a:p>
             <a:r>
@@ -4637,17 +4584,16 @@
               <a:t>bluetooth.RFCOMM</a:t>
             </a:r>
             <a:r>
-              <a:rPr lang="fr-FR" sz="2400" dirty="0" smtClean="0"/>
+              <a:rPr lang="fr-FR" sz="2400" dirty="0"/>
               <a:t>)</a:t>
             </a:r>
           </a:p>
           <a:p>
             <a:pPr lvl="1"/>
             <a:r>
-              <a:rPr lang="fr-FR" sz="2000" dirty="0" smtClean="0"/>
+              <a:rPr lang="fr-FR" sz="2000" dirty="0"/>
               <a:t>Instanciation</a:t>
             </a:r>
-            <a:endParaRPr lang="fr-FR" sz="2000" dirty="0"/>
           </a:p>
           <a:p>
             <a:r>
@@ -4656,24 +4602,20 @@
             </a:r>
             <a:r>
               <a:rPr lang="fr-FR" sz="2400" dirty="0"/>
-              <a:t>(("00:0E:EA:CF:47:5A", 1</a:t>
-            </a:r>
-            <a:r>
-              <a:rPr lang="fr-FR" sz="2400" dirty="0" smtClean="0"/>
-              <a:t>))</a:t>
+              <a:t>(("00:0E:EA:CF:47:5A", 1))</a:t>
             </a:r>
           </a:p>
           <a:p>
             <a:pPr lvl="1"/>
             <a:r>
-              <a:rPr lang="fr-FR" sz="2000" dirty="0" smtClean="0"/>
+              <a:rPr lang="fr-FR" sz="2000" dirty="0"/>
               <a:t>Initialise la connexion sur l'adresse MAC et le port 1</a:t>
             </a:r>
           </a:p>
           <a:p>
             <a:pPr lvl="1"/>
             <a:r>
-              <a:rPr lang="fr-FR" sz="2000" dirty="0" smtClean="0"/>
+              <a:rPr lang="fr-FR" sz="2000" dirty="0"/>
               <a:t>50 ports disponibles</a:t>
             </a:r>
           </a:p>
@@ -4683,68 +4625,68 @@
               <a:t>data = </a:t>
             </a:r>
             <a:r>
-              <a:rPr lang="fr-FR" sz="2400" dirty="0" err="1" smtClean="0"/>
+              <a:rPr lang="fr-FR" sz="2400" dirty="0" err="1"/>
               <a:t>sock.recv</a:t>
             </a:r>
             <a:r>
-              <a:rPr lang="fr-FR" sz="2400" dirty="0" smtClean="0"/>
+              <a:rPr lang="fr-FR" sz="2400" dirty="0"/>
               <a:t>(1024)</a:t>
             </a:r>
           </a:p>
           <a:p>
             <a:pPr lvl="1"/>
             <a:r>
-              <a:rPr lang="fr-FR" sz="2000" dirty="0" smtClean="0"/>
+              <a:rPr lang="fr-FR" sz="2000" dirty="0"/>
               <a:t>Lit le buffer BT jusqu'à 1024 caractères, nécessite un </a:t>
             </a:r>
             <a:r>
-              <a:rPr lang="fr-FR" sz="2000" dirty="0" err="1" smtClean="0"/>
+              <a:rPr lang="fr-FR" sz="2000" dirty="0" err="1"/>
               <a:t>decode</a:t>
             </a:r>
             <a:r>
-              <a:rPr lang="fr-FR" sz="2000" dirty="0" smtClean="0"/>
+              <a:rPr lang="fr-FR" sz="2000" dirty="0"/>
               <a:t>() pour lire la chaine</a:t>
             </a:r>
           </a:p>
           <a:p>
             <a:r>
-              <a:rPr lang="fr-FR" sz="2400" dirty="0" err="1" smtClean="0"/>
+              <a:rPr lang="fr-FR" sz="2400" dirty="0" err="1"/>
               <a:t>sock.send</a:t>
             </a:r>
             <a:r>
-              <a:rPr lang="fr-FR" sz="2400" dirty="0" smtClean="0"/>
+              <a:rPr lang="fr-FR" sz="2400" dirty="0"/>
               <a:t>("Hello\</a:t>
             </a:r>
             <a:r>
-              <a:rPr lang="fr-FR" sz="2400" dirty="0" err="1" smtClean="0"/>
+              <a:rPr lang="fr-FR" sz="2400" dirty="0" err="1"/>
               <a:t>n".encode</a:t>
             </a:r>
             <a:r>
-              <a:rPr lang="fr-FR" sz="2400" dirty="0" smtClean="0"/>
+              <a:rPr lang="fr-FR" sz="2400" dirty="0"/>
               <a:t>())</a:t>
             </a:r>
           </a:p>
           <a:p>
             <a:pPr lvl="1"/>
             <a:r>
-              <a:rPr lang="fr-FR" sz="2000" dirty="0" smtClean="0"/>
+              <a:rPr lang="fr-FR" sz="2000" dirty="0"/>
               <a:t>Ecrit</a:t>
             </a:r>
           </a:p>
           <a:p>
             <a:r>
-              <a:rPr lang="fr-FR" sz="2400" dirty="0" err="1" smtClean="0"/>
+              <a:rPr lang="fr-FR" sz="2400" dirty="0" err="1"/>
               <a:t>sock.close</a:t>
             </a:r>
             <a:r>
-              <a:rPr lang="fr-FR" sz="2400" dirty="0" smtClean="0"/>
+              <a:rPr lang="fr-FR" sz="2400" dirty="0"/>
               <a:t>()</a:t>
             </a:r>
           </a:p>
           <a:p>
             <a:pPr lvl="1"/>
             <a:r>
-              <a:rPr lang="fr-FR" sz="2000" dirty="0" smtClean="0"/>
+              <a:rPr lang="fr-FR" sz="2000" dirty="0"/>
               <a:t>Ferme la connexion</a:t>
             </a:r>
           </a:p>
@@ -4800,14 +4742,13 @@
           <a:lstStyle/>
           <a:p>
             <a:r>
-              <a:rPr lang="fr-FR" dirty="0" err="1" smtClean="0"/>
+              <a:rPr lang="fr-FR" dirty="0" err="1"/>
               <a:t>readline</a:t>
             </a:r>
             <a:r>
-              <a:rPr lang="fr-FR" dirty="0" smtClean="0"/>
+              <a:rPr lang="fr-FR" dirty="0"/>
               <a:t>()</a:t>
             </a:r>
-            <a:endParaRPr lang="fr-FR" dirty="0"/>
           </a:p>
         </p:txBody>
       </p:sp>
@@ -4827,15 +4768,15 @@
           <a:lstStyle/>
           <a:p>
             <a:r>
-              <a:rPr lang="fr-FR" dirty="0" smtClean="0"/>
+              <a:rPr lang="fr-FR" dirty="0"/>
               <a:t>Ce code permet d'avoir un </a:t>
             </a:r>
             <a:r>
-              <a:rPr lang="fr-FR" dirty="0" err="1" smtClean="0"/>
+              <a:rPr lang="fr-FR" dirty="0" err="1"/>
               <a:t>readline</a:t>
             </a:r>
             <a:r>
-              <a:rPr lang="fr-FR" dirty="0" smtClean="0"/>
+              <a:rPr lang="fr-FR" dirty="0"/>
               <a:t> comme dans la liaison série</a:t>
             </a:r>
           </a:p>
@@ -4904,10 +4845,10 @@
               <a:rPr lang="en-US" dirty="0"/>
               <a:t>        return s</a:t>
             </a:r>
-            <a:endParaRPr lang="fr-FR" dirty="0" smtClean="0"/>
-          </a:p>
-          <a:p>
-            <a:endParaRPr lang="fr-FR" dirty="0" smtClean="0"/>
+            <a:endParaRPr lang="fr-FR" dirty="0"/>
+          </a:p>
+          <a:p>
+            <a:endParaRPr lang="fr-FR" dirty="0"/>
           </a:p>
           <a:p>
             <a:endParaRPr lang="fr-FR" dirty="0"/>
@@ -4960,10 +4901,9 @@
           <a:lstStyle/>
           <a:p>
             <a:r>
-              <a:rPr lang="fr-FR" dirty="0" smtClean="0"/>
+              <a:rPr lang="fr-FR" dirty="0"/>
               <a:t>Service BT</a:t>
             </a:r>
-            <a:endParaRPr lang="fr-FR" dirty="0"/>
           </a:p>
         </p:txBody>
       </p:sp>
@@ -4983,34 +4923,166 @@
           <a:lstStyle/>
           <a:p>
             <a:r>
-              <a:rPr lang="fr-FR" sz="2400" dirty="0" err="1" smtClean="0"/>
+              <a:rPr lang="fr-FR" sz="2400" dirty="0" err="1"/>
               <a:t>uuid</a:t>
             </a:r>
             <a:r>
               <a:rPr lang="fr-FR" sz="2400" dirty="0"/>
-              <a:t> = "94f39d29-7d6d-437d-973b-fba39e49d4ee</a:t>
-            </a:r>
-            <a:r>
-              <a:rPr lang="fr-FR" sz="2400" dirty="0" smtClean="0"/>
-              <a:t>"</a:t>
+              <a:t> = "94f39d29-7d6d-437d-973b-fba39e49d4ee"</a:t>
             </a:r>
           </a:p>
           <a:p>
             <a:pPr lvl="1"/>
             <a:r>
-              <a:rPr lang="fr-FR" sz="2000" dirty="0" smtClean="0"/>
+              <a:rPr lang="fr-FR" sz="2000" dirty="0"/>
               <a:t>id du service BT</a:t>
             </a:r>
-            <a:endParaRPr lang="fr-FR" sz="2000" dirty="0"/>
-          </a:p>
-          <a:p>
-            <a:r>
-              <a:rPr lang="fr-FR" sz="2400" dirty="0" err="1" smtClean="0"/>
+          </a:p>
+          <a:p>
+            <a:r>
+              <a:rPr lang="fr-FR" sz="2400" dirty="0" err="1"/>
               <a:t>sock</a:t>
             </a:r>
             <a:r>
-              <a:rPr lang="fr-FR" sz="2400" dirty="0" smtClean="0"/>
-              <a:t> </a:t>
+              <a:rPr lang="fr-FR" sz="2400" dirty="0"/>
+              <a:t> = </a:t>
+            </a:r>
+            <a:r>
+              <a:rPr lang="fr-FR" sz="2400" dirty="0" err="1"/>
+              <a:t>bluetooth.BluetoothSocket</a:t>
+            </a:r>
+            <a:r>
+              <a:rPr lang="fr-FR" sz="2400" dirty="0"/>
+              <a:t>(</a:t>
+            </a:r>
+            <a:r>
+              <a:rPr lang="fr-FR" sz="2400" dirty="0" err="1"/>
+              <a:t>bluetooth.RFCOMM</a:t>
+            </a:r>
+            <a:r>
+              <a:rPr lang="fr-FR" sz="2400" dirty="0"/>
+              <a:t>)</a:t>
+            </a:r>
+          </a:p>
+          <a:p>
+            <a:r>
+              <a:rPr lang="fr-FR" sz="2400" dirty="0" err="1"/>
+              <a:t>sock.bind</a:t>
+            </a:r>
+            <a:r>
+              <a:rPr lang="fr-FR" sz="2400" dirty="0"/>
+              <a:t>(("", 0))</a:t>
+            </a:r>
+          </a:p>
+          <a:p>
+            <a:pPr lvl="1"/>
+            <a:r>
+              <a:rPr lang="fr-FR" sz="2000" dirty="0"/>
+              <a:t>Démarre le service sur le </a:t>
+            </a:r>
+            <a:r>
+              <a:rPr lang="fr-FR" sz="2000" dirty="0" err="1"/>
+              <a:t>raspberry</a:t>
+            </a:r>
+            <a:r>
+              <a:rPr lang="fr-FR" sz="2000" dirty="0"/>
+              <a:t> sur le premier port disponible</a:t>
+            </a:r>
+          </a:p>
+          <a:p>
+            <a:r>
+              <a:rPr lang="fr-FR" sz="2400" dirty="0" err="1"/>
+              <a:t>sock.listen</a:t>
+            </a:r>
+            <a:r>
+              <a:rPr lang="fr-FR" sz="2400" dirty="0"/>
+              <a:t>(1)</a:t>
+            </a:r>
+          </a:p>
+          <a:p>
+            <a:pPr lvl="1"/>
+            <a:r>
+              <a:rPr lang="fr-FR" sz="2000" dirty="0"/>
+              <a:t>Attend une connexion</a:t>
+            </a:r>
+          </a:p>
+          <a:p>
+            <a:r>
+              <a:rPr lang="fr-FR" sz="2400" dirty="0" err="1"/>
+              <a:t>bluetooth.advertise_service</a:t>
+            </a:r>
+            <a:r>
+              <a:rPr lang="fr-FR" sz="2400" dirty="0"/>
+              <a:t>(</a:t>
+            </a:r>
+            <a:r>
+              <a:rPr lang="fr-FR" sz="2400" dirty="0" err="1"/>
+              <a:t>self.sock</a:t>
+            </a:r>
+            <a:r>
+              <a:rPr lang="fr-FR" sz="2400" dirty="0"/>
+              <a:t>, </a:t>
+            </a:r>
+            <a:r>
+              <a:rPr lang="fr-FR" sz="2400" dirty="0" err="1"/>
+              <a:t>self.service</a:t>
+            </a:r>
+            <a:r>
+              <a:rPr lang="fr-FR" sz="2400" dirty="0"/>
+              <a:t> , </a:t>
+            </a:r>
+            <a:r>
+              <a:rPr lang="fr-FR" sz="2400" dirty="0" err="1"/>
+              <a:t>self.uuid</a:t>
+            </a:r>
+            <a:r>
+              <a:rPr lang="fr-FR" sz="2400" dirty="0"/>
+              <a:t>, [</a:t>
+            </a:r>
+            <a:r>
+              <a:rPr lang="fr-FR" sz="2400" dirty="0" err="1"/>
+              <a:t>uuid</a:t>
+            </a:r>
+            <a:r>
+              <a:rPr lang="fr-FR" sz="2400" dirty="0"/>
+              <a:t>, </a:t>
+            </a:r>
+            <a:r>
+              <a:rPr lang="fr-FR" sz="2400" dirty="0" err="1"/>
+              <a:t>bluetooth.SERIAL_PORT_CLASS</a:t>
+            </a:r>
+            <a:r>
+              <a:rPr lang="fr-FR" sz="2400" dirty="0"/>
+              <a:t>], [</a:t>
+            </a:r>
+            <a:r>
+              <a:rPr lang="fr-FR" sz="2400" dirty="0" err="1"/>
+              <a:t>bluetooth.SERIAL_PORT_PROFILE</a:t>
+            </a:r>
+            <a:r>
+              <a:rPr lang="fr-FR" sz="2400" dirty="0"/>
+              <a:t>])</a:t>
+            </a:r>
+          </a:p>
+          <a:p>
+            <a:pPr lvl="1"/>
+            <a:r>
+              <a:rPr lang="fr-FR" sz="2000" dirty="0"/>
+              <a:t>Publie le service</a:t>
+            </a:r>
+          </a:p>
+          <a:p>
+            <a:r>
+              <a:rPr lang="fr-FR" sz="2400" dirty="0" err="1"/>
+              <a:t>clientsock</a:t>
+            </a:r>
+            <a:r>
+              <a:rPr lang="fr-FR" sz="2400" dirty="0"/>
+              <a:t>, </a:t>
+            </a:r>
+            <a:r>
+              <a:rPr lang="fr-FR" sz="2400" dirty="0" err="1"/>
+              <a:t>clientinfo</a:t>
             </a:r>
             <a:r>
               <a:rPr lang="fr-FR" sz="2400" dirty="0"/>
@@ -5018,174 +5090,24 @@
             </a:r>
             <a:r>
               <a:rPr lang="fr-FR" sz="2400" dirty="0" err="1"/>
-              <a:t>bluetooth.BluetoothSocket</a:t>
+              <a:t>self.sock.accept</a:t>
             </a:r>
             <a:r>
               <a:rPr lang="fr-FR" sz="2400" dirty="0"/>
-              <a:t>(</a:t>
-            </a:r>
-            <a:r>
-              <a:rPr lang="fr-FR" sz="2400" dirty="0" err="1"/>
-              <a:t>bluetooth.RFCOMM</a:t>
-            </a:r>
-            <a:r>
-              <a:rPr lang="fr-FR" sz="2400" dirty="0"/>
-              <a:t>)</a:t>
-            </a:r>
-          </a:p>
-          <a:p>
-            <a:r>
-              <a:rPr lang="fr-FR" sz="2400" dirty="0" err="1" smtClean="0"/>
-              <a:t>sock.bind</a:t>
-            </a:r>
-            <a:r>
-              <a:rPr lang="fr-FR" sz="2400" dirty="0"/>
-              <a:t>(("", </a:t>
-            </a:r>
-            <a:r>
-              <a:rPr lang="fr-FR" sz="2400" dirty="0" smtClean="0"/>
-              <a:t>0))</a:t>
+              <a:t>()</a:t>
             </a:r>
           </a:p>
           <a:p>
             <a:pPr lvl="1"/>
             <a:r>
-              <a:rPr lang="fr-FR" sz="2000" dirty="0" smtClean="0"/>
-              <a:t>Démarre le service sur le </a:t>
-            </a:r>
-            <a:r>
-              <a:rPr lang="fr-FR" sz="2000" dirty="0" err="1" smtClean="0"/>
-              <a:t>raspberry</a:t>
-            </a:r>
-            <a:r>
-              <a:rPr lang="fr-FR" sz="2000" dirty="0" smtClean="0"/>
-              <a:t> sur le premier port disponible</a:t>
+              <a:rPr lang="fr-FR" sz="2000" dirty="0"/>
+              <a:t>Accepte </a:t>
+            </a:r>
+            <a:r>
+              <a:rPr lang="fr-FR" sz="2000"/>
+              <a:t>la connexion</a:t>
             </a:r>
             <a:endParaRPr lang="fr-FR" sz="2000" dirty="0"/>
-          </a:p>
-          <a:p>
-            <a:r>
-              <a:rPr lang="fr-FR" sz="2400" dirty="0" err="1" smtClean="0"/>
-              <a:t>sock.listen</a:t>
-            </a:r>
-            <a:r>
-              <a:rPr lang="fr-FR" sz="2400" dirty="0" smtClean="0"/>
-              <a:t>(1)</a:t>
-            </a:r>
-          </a:p>
-          <a:p>
-            <a:pPr lvl="1"/>
-            <a:r>
-              <a:rPr lang="fr-FR" sz="2000" dirty="0" smtClean="0"/>
-              <a:t>Attend une connexion</a:t>
-            </a:r>
-          </a:p>
-          <a:p>
-            <a:r>
-              <a:rPr lang="fr-FR" sz="2400" dirty="0" err="1"/>
-              <a:t>bluetooth.advertise_service</a:t>
-            </a:r>
-            <a:r>
-              <a:rPr lang="fr-FR" sz="2400" dirty="0"/>
-              <a:t>(</a:t>
-            </a:r>
-            <a:r>
-              <a:rPr lang="fr-FR" sz="2400" dirty="0" err="1"/>
-              <a:t>self.sock</a:t>
-            </a:r>
-            <a:r>
-              <a:rPr lang="fr-FR" sz="2400" dirty="0"/>
-              <a:t>, </a:t>
-            </a:r>
-            <a:r>
-              <a:rPr lang="fr-FR" sz="2400" dirty="0" err="1"/>
-              <a:t>self.service</a:t>
-            </a:r>
-            <a:r>
-              <a:rPr lang="fr-FR" sz="2400" dirty="0"/>
-              <a:t> , </a:t>
-            </a:r>
-            <a:r>
-              <a:rPr lang="fr-FR" sz="2400" dirty="0" err="1"/>
-              <a:t>self.uuid</a:t>
-            </a:r>
-            <a:r>
-              <a:rPr lang="fr-FR" sz="2400" dirty="0"/>
-              <a:t>, </a:t>
-            </a:r>
-            <a:r>
-              <a:rPr lang="fr-FR" sz="2400" dirty="0" smtClean="0"/>
-              <a:t>[</a:t>
-            </a:r>
-            <a:r>
-              <a:rPr lang="fr-FR" sz="2400" dirty="0" err="1" smtClean="0"/>
-              <a:t>uuid</a:t>
-            </a:r>
-            <a:r>
-              <a:rPr lang="fr-FR" sz="2400" dirty="0"/>
-              <a:t>, </a:t>
-            </a:r>
-            <a:r>
-              <a:rPr lang="fr-FR" sz="2400" dirty="0" err="1"/>
-              <a:t>bluetooth.SERIAL_PORT_CLASS</a:t>
-            </a:r>
-            <a:r>
-              <a:rPr lang="fr-FR" sz="2400" dirty="0"/>
-              <a:t>], [</a:t>
-            </a:r>
-            <a:r>
-              <a:rPr lang="fr-FR" sz="2400" dirty="0" err="1"/>
-              <a:t>bluetooth.SERIAL_PORT_PROFILE</a:t>
-            </a:r>
-            <a:r>
-              <a:rPr lang="fr-FR" sz="2400" dirty="0" smtClean="0"/>
-              <a:t>])</a:t>
-            </a:r>
-          </a:p>
-          <a:p>
-            <a:pPr lvl="1"/>
-            <a:r>
-              <a:rPr lang="fr-FR" sz="2000" dirty="0" smtClean="0"/>
-              <a:t>Publie le service</a:t>
-            </a:r>
-          </a:p>
-          <a:p>
-            <a:r>
-              <a:rPr lang="fr-FR" sz="2400" dirty="0" err="1" smtClean="0"/>
-              <a:t>clientsock</a:t>
-            </a:r>
-            <a:r>
-              <a:rPr lang="fr-FR" sz="2400" dirty="0"/>
-              <a:t>, </a:t>
-            </a:r>
-            <a:r>
-              <a:rPr lang="fr-FR" sz="2400" dirty="0" err="1" smtClean="0"/>
-              <a:t>clientinfo</a:t>
-            </a:r>
-            <a:r>
-              <a:rPr lang="fr-FR" sz="2400" dirty="0" smtClean="0"/>
-              <a:t>= </a:t>
-            </a:r>
-            <a:r>
-              <a:rPr lang="fr-FR" sz="2400" dirty="0" err="1"/>
-              <a:t>self.sock.accept</a:t>
-            </a:r>
-            <a:r>
-              <a:rPr lang="fr-FR" sz="2400" dirty="0" smtClean="0"/>
-              <a:t>()</a:t>
-            </a:r>
-          </a:p>
-          <a:p>
-            <a:pPr lvl="1"/>
-            <a:r>
-              <a:rPr lang="fr-FR" sz="2000" dirty="0" smtClean="0"/>
-              <a:t>Accepte </a:t>
-            </a:r>
-            <a:r>
-              <a:rPr lang="fr-FR" sz="2000" smtClean="0"/>
-              <a:t>la connexion</a:t>
-            </a:r>
-            <a:endParaRPr lang="fr-FR" sz="2000" dirty="0" smtClean="0"/>
           </a:p>
           <a:p>
             <a:endParaRPr lang="fr-FR" sz="2400" dirty="0"/>
@@ -5238,10 +5160,9 @@
           <a:lstStyle/>
           <a:p>
             <a:r>
-              <a:rPr lang="fr-FR" dirty="0" smtClean="0"/>
+              <a:rPr lang="fr-FR" dirty="0"/>
               <a:t>Radio</a:t>
             </a:r>
-            <a:endParaRPr lang="fr-FR" dirty="0"/>
           </a:p>
         </p:txBody>
       </p:sp>
@@ -5261,51 +5182,51 @@
           <a:lstStyle/>
           <a:p>
             <a:r>
-              <a:rPr lang="fr-FR" dirty="0" smtClean="0"/>
+              <a:rPr lang="fr-FR" dirty="0"/>
               <a:t>Les ondes radio de type 433MHz sont très utilisés</a:t>
             </a:r>
           </a:p>
           <a:p>
             <a:pPr lvl="1"/>
             <a:r>
-              <a:rPr lang="fr-FR" dirty="0" smtClean="0"/>
+              <a:rPr lang="fr-FR" dirty="0"/>
               <a:t>Télécommande</a:t>
             </a:r>
           </a:p>
           <a:p>
             <a:pPr lvl="1"/>
             <a:r>
-              <a:rPr lang="fr-FR" dirty="0" smtClean="0"/>
+              <a:rPr lang="fr-FR" dirty="0"/>
               <a:t>Plus limité (soit </a:t>
             </a:r>
             <a:r>
-              <a:rPr lang="fr-FR" dirty="0" err="1" smtClean="0"/>
+              <a:rPr lang="fr-FR" dirty="0" err="1"/>
               <a:t>Rx</a:t>
             </a:r>
             <a:r>
-              <a:rPr lang="fr-FR" dirty="0" smtClean="0"/>
+              <a:rPr lang="fr-FR" dirty="0"/>
               <a:t> soit </a:t>
             </a:r>
             <a:r>
-              <a:rPr lang="fr-FR" dirty="0" err="1" smtClean="0"/>
+              <a:rPr lang="fr-FR" dirty="0" err="1"/>
               <a:t>Tx</a:t>
             </a:r>
             <a:r>
-              <a:rPr lang="fr-FR" dirty="0" smtClean="0"/>
+              <a:rPr lang="fr-FR" dirty="0"/>
               <a:t>)</a:t>
             </a:r>
           </a:p>
           <a:p>
             <a:pPr lvl="1"/>
             <a:r>
-              <a:rPr lang="fr-FR" dirty="0" smtClean="0"/>
+              <a:rPr lang="fr-FR" dirty="0"/>
               <a:t>Peu sécurisé</a:t>
             </a:r>
           </a:p>
           <a:p>
             <a:pPr lvl="1"/>
             <a:r>
-              <a:rPr lang="fr-FR" dirty="0" smtClean="0"/>
+              <a:rPr lang="fr-FR" dirty="0"/>
               <a:t>Peu chère</a:t>
             </a:r>
           </a:p>
@@ -5402,10 +5323,9 @@
           <a:lstStyle/>
           <a:p>
             <a:r>
-              <a:rPr lang="fr-FR" dirty="0" smtClean="0"/>
+              <a:rPr lang="fr-FR" dirty="0"/>
               <a:t>Les liaisons sans fils</a:t>
             </a:r>
-            <a:endParaRPr lang="fr-FR" dirty="0"/>
           </a:p>
         </p:txBody>
       </p:sp>
@@ -5425,18 +5345,18 @@
           <a:lstStyle/>
           <a:p>
             <a:r>
-              <a:rPr lang="fr-FR" dirty="0" smtClean="0"/>
+              <a:rPr lang="fr-FR" dirty="0"/>
               <a:t>Les liaisons sans fils sont plébiscitées par leur simplicité</a:t>
             </a:r>
           </a:p>
           <a:p>
             <a:r>
-              <a:rPr lang="fr-FR" dirty="0" smtClean="0"/>
+              <a:rPr lang="fr-FR" dirty="0"/>
               <a:t>Mais chacune a ces avantages et inconvénient</a:t>
             </a:r>
           </a:p>
           <a:p>
-            <a:endParaRPr lang="fr-FR" dirty="0" smtClean="0"/>
+            <a:endParaRPr lang="fr-FR" dirty="0"/>
           </a:p>
           <a:p>
             <a:endParaRPr lang="fr-FR" dirty="0"/>
@@ -5489,10 +5409,9 @@
           <a:lstStyle/>
           <a:p>
             <a:r>
-              <a:rPr lang="fr-FR" dirty="0" smtClean="0"/>
+              <a:rPr lang="fr-FR" dirty="0"/>
               <a:t>Définitions</a:t>
             </a:r>
-            <a:endParaRPr lang="fr-FR" dirty="0"/>
           </a:p>
         </p:txBody>
       </p:sp>
@@ -5512,81 +5431,80 @@
           <a:lstStyle/>
           <a:p>
             <a:r>
-              <a:rPr lang="fr-FR" dirty="0" smtClean="0"/>
+              <a:rPr lang="fr-FR" dirty="0"/>
               <a:t>LAN</a:t>
             </a:r>
           </a:p>
           <a:p>
             <a:pPr lvl="1"/>
             <a:r>
-              <a:rPr lang="fr-FR" dirty="0" smtClean="0"/>
+              <a:rPr lang="fr-FR" dirty="0"/>
               <a:t>Local Area Network</a:t>
             </a:r>
           </a:p>
           <a:p>
             <a:pPr lvl="1"/>
             <a:r>
-              <a:rPr lang="fr-FR" dirty="0" smtClean="0"/>
+              <a:rPr lang="fr-FR" dirty="0"/>
               <a:t>IP</a:t>
             </a:r>
           </a:p>
           <a:p>
             <a:r>
-              <a:rPr lang="fr-FR" dirty="0" smtClean="0"/>
+              <a:rPr lang="fr-FR" dirty="0"/>
               <a:t>WAN</a:t>
             </a:r>
           </a:p>
           <a:p>
             <a:pPr lvl="1"/>
             <a:r>
-              <a:rPr lang="fr-FR" dirty="0" smtClean="0"/>
+              <a:rPr lang="fr-FR" dirty="0"/>
               <a:t>Wide Area Network</a:t>
             </a:r>
           </a:p>
           <a:p>
             <a:pPr lvl="1"/>
             <a:r>
-              <a:rPr lang="fr-FR" dirty="0" smtClean="0"/>
+              <a:rPr lang="fr-FR" dirty="0"/>
               <a:t>Internet - IP - HTTP</a:t>
             </a:r>
           </a:p>
           <a:p>
             <a:r>
-              <a:rPr lang="fr-FR" dirty="0" smtClean="0"/>
+              <a:rPr lang="fr-FR" dirty="0"/>
               <a:t>PAN</a:t>
             </a:r>
           </a:p>
           <a:p>
             <a:pPr lvl="1"/>
             <a:r>
-              <a:rPr lang="fr-FR" dirty="0" err="1" smtClean="0"/>
+              <a:rPr lang="fr-FR" dirty="0" err="1"/>
               <a:t>Personnal</a:t>
             </a:r>
             <a:r>
-              <a:rPr lang="fr-FR" dirty="0" smtClean="0"/>
+              <a:rPr lang="fr-FR" dirty="0"/>
               <a:t> Area Network</a:t>
             </a:r>
           </a:p>
           <a:p>
             <a:pPr lvl="1"/>
             <a:r>
-              <a:rPr lang="fr-FR" dirty="0" smtClean="0"/>
+              <a:rPr lang="fr-FR" dirty="0"/>
               <a:t>Bluetooth</a:t>
             </a:r>
           </a:p>
           <a:p>
             <a:r>
-              <a:rPr lang="fr-FR" dirty="0" smtClean="0"/>
+              <a:rPr lang="fr-FR" dirty="0"/>
               <a:t>HAN</a:t>
             </a:r>
           </a:p>
           <a:p>
             <a:pPr lvl="1"/>
             <a:r>
-              <a:rPr lang="fr-FR" dirty="0" smtClean="0"/>
+              <a:rPr lang="fr-FR" dirty="0"/>
               <a:t>Home Area Network</a:t>
             </a:r>
-            <a:endParaRPr lang="fr-FR" dirty="0"/>
           </a:p>
         </p:txBody>
       </p:sp>
@@ -5636,10 +5554,9 @@
           <a:lstStyle/>
           <a:p>
             <a:r>
-              <a:rPr lang="fr-FR" dirty="0" smtClean="0"/>
+              <a:rPr lang="fr-FR" dirty="0"/>
               <a:t>Wifi</a:t>
             </a:r>
-            <a:endParaRPr lang="fr-FR" dirty="0"/>
           </a:p>
         </p:txBody>
       </p:sp>
@@ -5655,8 +5572,8 @@
         </p:nvSpPr>
         <p:spPr>
           <a:xfrm>
-            <a:off x="179513" y="1412776"/>
-            <a:ext cx="5508104" cy="5040560"/>
+            <a:off x="179512" y="1412776"/>
+            <a:ext cx="5832647" cy="5040560"/>
           </a:xfrm>
         </p:spPr>
         <p:txBody>
@@ -5664,101 +5581,101 @@
           <a:lstStyle/>
           <a:p>
             <a:r>
-              <a:rPr lang="fr-FR" dirty="0" smtClean="0"/>
+              <a:rPr lang="fr-FR" dirty="0"/>
               <a:t>Protocole IP de type LAN</a:t>
             </a:r>
           </a:p>
           <a:p>
             <a:pPr lvl="1"/>
             <a:r>
-              <a:rPr lang="fr-FR" dirty="0" smtClean="0"/>
+              <a:rPr lang="fr-FR" dirty="0"/>
               <a:t>Energivore</a:t>
             </a:r>
           </a:p>
           <a:p>
             <a:pPr lvl="1"/>
             <a:r>
-              <a:rPr lang="fr-FR" dirty="0" smtClean="0"/>
+              <a:rPr lang="fr-FR" dirty="0"/>
               <a:t>Fonctionne comme Ethernet</a:t>
             </a:r>
           </a:p>
           <a:p>
             <a:pPr lvl="1"/>
             <a:r>
-              <a:rPr lang="fr-FR" dirty="0" smtClean="0"/>
+              <a:rPr lang="fr-FR" dirty="0"/>
               <a:t>Se configure très facilement sous </a:t>
             </a:r>
             <a:r>
-              <a:rPr lang="fr-FR" dirty="0" err="1" smtClean="0"/>
+              <a:rPr lang="fr-FR" dirty="0" err="1"/>
               <a:t>Raspbian</a:t>
             </a:r>
-            <a:endParaRPr lang="fr-FR" dirty="0" smtClean="0"/>
-          </a:p>
-          <a:p>
-            <a:r>
-              <a:rPr lang="fr-FR" dirty="0" smtClean="0"/>
+            <a:endParaRPr lang="fr-FR" dirty="0"/>
+          </a:p>
+          <a:p>
+            <a:r>
+              <a:rPr lang="fr-FR" dirty="0"/>
               <a:t>Deux configurations possibles</a:t>
             </a:r>
           </a:p>
           <a:p>
             <a:pPr lvl="1"/>
             <a:r>
-              <a:rPr lang="fr-FR" dirty="0" smtClean="0"/>
+              <a:rPr lang="fr-FR" dirty="0"/>
               <a:t>Avec un routeur (WAN possible)</a:t>
             </a:r>
           </a:p>
           <a:p>
             <a:pPr lvl="1"/>
             <a:r>
-              <a:rPr lang="fr-FR" dirty="0" smtClean="0"/>
+              <a:rPr lang="fr-FR" dirty="0"/>
               <a:t>En mode Ad-hoc, le </a:t>
             </a:r>
             <a:r>
-              <a:rPr lang="fr-FR" dirty="0" err="1" smtClean="0"/>
+              <a:rPr lang="fr-FR" dirty="0" err="1"/>
               <a:t>raspberry</a:t>
             </a:r>
             <a:r>
-              <a:rPr lang="fr-FR" dirty="0" smtClean="0"/>
+              <a:rPr lang="fr-FR" dirty="0"/>
               <a:t> se comporte alors comme un routeur</a:t>
             </a:r>
           </a:p>
           <a:p>
             <a:r>
-              <a:rPr lang="fr-FR" dirty="0" smtClean="0"/>
+              <a:rPr lang="fr-FR" dirty="0"/>
               <a:t>Se programme avec </a:t>
             </a:r>
             <a:r>
-              <a:rPr lang="fr-FR" dirty="0" err="1" smtClean="0"/>
+              <a:rPr lang="fr-FR" dirty="0" err="1"/>
               <a:t>Flask</a:t>
             </a:r>
-            <a:endParaRPr lang="fr-FR" dirty="0" smtClean="0"/>
-          </a:p>
-          <a:p>
-            <a:r>
-              <a:rPr lang="fr-FR" dirty="0" smtClean="0"/>
+            <a:endParaRPr lang="fr-FR" dirty="0"/>
+          </a:p>
+          <a:p>
+            <a:r>
+              <a:rPr lang="fr-FR" dirty="0"/>
               <a:t>Sous </a:t>
             </a:r>
             <a:r>
-              <a:rPr lang="fr-FR" dirty="0" err="1" smtClean="0"/>
+              <a:rPr lang="fr-FR" dirty="0" err="1"/>
               <a:t>Arduino</a:t>
             </a:r>
             <a:r>
-              <a:rPr lang="fr-FR" dirty="0" smtClean="0"/>
+              <a:rPr lang="fr-FR" dirty="0"/>
               <a:t> nécessite un </a:t>
             </a:r>
             <a:r>
-              <a:rPr lang="fr-FR" dirty="0" err="1" smtClean="0"/>
+              <a:rPr lang="fr-FR" dirty="0" err="1"/>
               <a:t>shield</a:t>
             </a:r>
             <a:r>
-              <a:rPr lang="fr-FR" dirty="0" smtClean="0"/>
+              <a:rPr lang="fr-FR" dirty="0"/>
               <a:t> et la librairie </a:t>
             </a:r>
             <a:r>
-              <a:rPr lang="fr-FR" dirty="0" err="1" smtClean="0"/>
+              <a:rPr lang="fr-FR" dirty="0" err="1"/>
               <a:t>ethernet</a:t>
             </a:r>
-            <a:endParaRPr lang="fr-FR" dirty="0" smtClean="0"/>
+            <a:endParaRPr lang="fr-FR" dirty="0"/>
           </a:p>
         </p:txBody>
       </p:sp>
@@ -5849,10 +5766,9 @@
           <a:lstStyle/>
           <a:p>
             <a:r>
-              <a:rPr lang="fr-FR" dirty="0" smtClean="0"/>
+              <a:rPr lang="fr-FR" dirty="0"/>
               <a:t>Bluetooth</a:t>
             </a:r>
-            <a:endParaRPr lang="fr-FR" dirty="0"/>
           </a:p>
         </p:txBody>
       </p:sp>
@@ -5872,55 +5788,55 @@
           <a:lstStyle/>
           <a:p>
             <a:r>
-              <a:rPr lang="fr-FR" dirty="0" smtClean="0"/>
+              <a:rPr lang="fr-FR" dirty="0"/>
               <a:t>Le Bluetooth est un protocole sans fil de type PAN</a:t>
             </a:r>
           </a:p>
           <a:p>
             <a:r>
-              <a:rPr lang="fr-FR" dirty="0" smtClean="0"/>
+              <a:rPr lang="fr-FR" dirty="0"/>
               <a:t>Bluetooth 5 a une portée de 20m et passe les murs</a:t>
             </a:r>
           </a:p>
           <a:p>
             <a:r>
-              <a:rPr lang="fr-FR" dirty="0" smtClean="0"/>
+              <a:rPr lang="fr-FR" dirty="0"/>
               <a:t>Bluetooth 5 LE (</a:t>
             </a:r>
             <a:r>
-              <a:rPr lang="fr-FR" dirty="0" err="1" smtClean="0"/>
+              <a:rPr lang="fr-FR" dirty="0" err="1"/>
               <a:t>Low</a:t>
             </a:r>
             <a:r>
-              <a:rPr lang="fr-FR" dirty="0" smtClean="0"/>
+              <a:rPr lang="fr-FR" dirty="0"/>
               <a:t> </a:t>
             </a:r>
             <a:r>
-              <a:rPr lang="fr-FR" dirty="0" err="1" smtClean="0"/>
+              <a:rPr lang="fr-FR" dirty="0" err="1"/>
               <a:t>Energy</a:t>
             </a:r>
             <a:r>
-              <a:rPr lang="fr-FR" dirty="0" smtClean="0"/>
+              <a:rPr lang="fr-FR" dirty="0"/>
               <a:t>) a une portée de l'ordre du mètre</a:t>
             </a:r>
           </a:p>
           <a:p>
             <a:r>
-              <a:rPr lang="fr-FR" dirty="0" smtClean="0"/>
+              <a:rPr lang="fr-FR" dirty="0"/>
               <a:t>BT RFCOMM est le protocole Bluetooth qui permet d'avoir une liaison série en Bluetooth</a:t>
             </a:r>
           </a:p>
           <a:p>
             <a:pPr lvl="1"/>
             <a:r>
-              <a:rPr lang="fr-FR" dirty="0" smtClean="0"/>
+              <a:rPr lang="fr-FR" dirty="0"/>
               <a:t>Multi ports</a:t>
             </a:r>
           </a:p>
           <a:p>
             <a:pPr lvl="1"/>
             <a:r>
-              <a:rPr lang="fr-FR" dirty="0" smtClean="0"/>
+              <a:rPr lang="fr-FR" dirty="0"/>
               <a:t>Permets jusqu'à 50 canaux de communication</a:t>
             </a:r>
           </a:p>
@@ -5975,14 +5891,13 @@
           <a:lstStyle/>
           <a:p>
             <a:r>
-              <a:rPr lang="fr-FR" dirty="0" err="1" smtClean="0"/>
+              <a:rPr lang="fr-FR" dirty="0" err="1"/>
               <a:t>Arduino</a:t>
             </a:r>
             <a:r>
-              <a:rPr lang="fr-FR" dirty="0" smtClean="0"/>
+              <a:rPr lang="fr-FR" dirty="0"/>
               <a:t> - BT</a:t>
             </a:r>
-            <a:endParaRPr lang="fr-FR" dirty="0"/>
           </a:p>
         </p:txBody>
       </p:sp>
@@ -6002,63 +5917,63 @@
           <a:lstStyle/>
           <a:p>
             <a:r>
-              <a:rPr lang="fr-FR" dirty="0" smtClean="0"/>
+              <a:rPr lang="fr-FR" dirty="0"/>
               <a:t>Le module basé sur le processeur HC05 permet une liaison Bluetooth 3</a:t>
             </a:r>
           </a:p>
           <a:p>
             <a:pPr lvl="1"/>
             <a:r>
-              <a:rPr lang="fr-FR" dirty="0" smtClean="0"/>
+              <a:rPr lang="fr-FR" dirty="0"/>
               <a:t>Maitre : diffuse le signal</a:t>
             </a:r>
           </a:p>
           <a:p>
             <a:pPr lvl="1"/>
             <a:r>
-              <a:rPr lang="fr-FR" dirty="0" smtClean="0"/>
+              <a:rPr lang="fr-FR" dirty="0"/>
               <a:t>Esclave : réceptionne et répond</a:t>
             </a:r>
           </a:p>
           <a:p>
             <a:r>
-              <a:rPr lang="fr-FR" dirty="0" smtClean="0"/>
+              <a:rPr lang="fr-FR" dirty="0"/>
               <a:t>Peut passer par l'UART par les I/O 0 et 1</a:t>
             </a:r>
           </a:p>
           <a:p>
             <a:r>
-              <a:rPr lang="fr-FR" dirty="0" smtClean="0"/>
+              <a:rPr lang="fr-FR" dirty="0"/>
               <a:t>Peut passer par </a:t>
             </a:r>
-            <a:r>
-              <a:rPr lang="fr-FR" dirty="0" err="1" smtClean="0"/>
-              <a:t>SoftwareSerial</a:t>
-            </a:r>
-            <a:endParaRPr lang="fr-FR" dirty="0" smtClean="0"/>
-          </a:p>
-          <a:p>
-            <a:pPr lvl="1"/>
             <a:r>
               <a:rPr lang="fr-FR" dirty="0" err="1"/>
               <a:t>SoftwareSerial</a:t>
             </a:r>
+            <a:endParaRPr lang="fr-FR" dirty="0"/>
+          </a:p>
+          <a:p>
+            <a:pPr lvl="1"/>
+            <a:r>
+              <a:rPr lang="fr-FR" dirty="0" err="1"/>
+              <a:t>SoftwareSerial</a:t>
+            </a:r>
             <a:r>
               <a:rPr lang="fr-FR" dirty="0"/>
               <a:t> </a:t>
             </a:r>
             <a:r>
-              <a:rPr lang="fr-FR" dirty="0" err="1" smtClean="0"/>
+              <a:rPr lang="fr-FR" dirty="0" err="1"/>
               <a:t>blueToothSerial</a:t>
             </a:r>
             <a:r>
-              <a:rPr lang="fr-FR" dirty="0" smtClean="0"/>
+              <a:rPr lang="fr-FR" dirty="0"/>
               <a:t>(7,6)</a:t>
             </a:r>
           </a:p>
           <a:p>
             <a:r>
-              <a:rPr lang="fr-FR" dirty="0" smtClean="0"/>
+              <a:rPr lang="fr-FR" dirty="0"/>
               <a:t>Fonctionne comme un port série classique</a:t>
             </a:r>
           </a:p>
@@ -6154,10 +6069,9 @@
           <a:lstStyle/>
           <a:p>
             <a:r>
-              <a:rPr lang="fr-FR" dirty="0" smtClean="0"/>
+              <a:rPr lang="fr-FR" dirty="0"/>
               <a:t>AT</a:t>
             </a:r>
-            <a:endParaRPr lang="fr-FR" dirty="0"/>
           </a:p>
         </p:txBody>
       </p:sp>
@@ -6177,13 +6091,13 @@
           <a:lstStyle/>
           <a:p>
             <a:r>
-              <a:rPr lang="fr-FR" sz="2000" dirty="0" smtClean="0"/>
+              <a:rPr lang="fr-FR" sz="2000" dirty="0"/>
               <a:t>Le Bluetooth nécessite des paramètres supplémentaires par rapport à la liaison série</a:t>
             </a:r>
           </a:p>
           <a:p>
             <a:r>
-              <a:rPr lang="fr-FR" sz="2000" dirty="0" smtClean="0"/>
+              <a:rPr lang="fr-FR" sz="2000" dirty="0"/>
               <a:t>Le protocole AT permet de définir certains paramètres</a:t>
             </a:r>
           </a:p>
@@ -6194,20 +6108,15 @@
             </a:r>
             <a:r>
               <a:rPr lang="fr-FR" sz="2000" dirty="0"/>
-              <a:t>("AT</a:t>
-            </a:r>
-            <a:r>
-              <a:rPr lang="fr-FR" sz="2000" dirty="0" smtClean="0"/>
-              <a:t>");</a:t>
+              <a:t>("AT");</a:t>
             </a:r>
           </a:p>
           <a:p>
             <a:pPr lvl="1"/>
             <a:r>
-              <a:rPr lang="fr-FR" sz="1800" dirty="0" smtClean="0"/>
+              <a:rPr lang="fr-FR" sz="1800" dirty="0"/>
               <a:t>Démarre AT</a:t>
             </a:r>
-            <a:endParaRPr lang="fr-FR" sz="1800" dirty="0"/>
           </a:p>
           <a:p>
             <a:r>
@@ -6215,25 +6124,20 @@
               <a:t> </a:t>
             </a:r>
             <a:r>
-              <a:rPr lang="fr-FR" sz="2000" dirty="0" err="1" smtClean="0"/>
+              <a:rPr lang="fr-FR" sz="2000" dirty="0" err="1"/>
               <a:t>blueToothSerial.print</a:t>
             </a:r>
             <a:r>
               <a:rPr lang="fr-FR" sz="2000" dirty="0"/>
-              <a:t>("AT+DEFAULT</a:t>
-            </a:r>
-            <a:r>
-              <a:rPr lang="fr-FR" sz="2000" dirty="0" smtClean="0"/>
-              <a:t>");</a:t>
+              <a:t>("AT+DEFAULT");</a:t>
             </a:r>
           </a:p>
           <a:p>
             <a:pPr lvl="1"/>
             <a:r>
-              <a:rPr lang="fr-FR" sz="1800" dirty="0" smtClean="0"/>
+              <a:rPr lang="fr-FR" sz="1800" dirty="0"/>
               <a:t>reset</a:t>
             </a:r>
-            <a:endParaRPr lang="fr-FR" sz="1800" dirty="0"/>
           </a:p>
           <a:p>
             <a:r>
@@ -6241,7 +6145,7 @@
               <a:t> </a:t>
             </a:r>
             <a:r>
-              <a:rPr lang="fr-FR" sz="2000" dirty="0" err="1" smtClean="0"/>
+              <a:rPr lang="fr-FR" sz="2000" dirty="0" err="1"/>
               <a:t>blueToothSerial.print</a:t>
             </a:r>
             <a:r>
@@ -6249,91 +6153,81 @@
               <a:t>("</a:t>
             </a:r>
             <a:r>
-              <a:rPr lang="fr-FR" sz="2000" dirty="0" err="1" smtClean="0"/>
+              <a:rPr lang="fr-FR" sz="2000" dirty="0" err="1"/>
               <a:t>AT+NAMECyrilBT</a:t>
             </a:r>
             <a:r>
-              <a:rPr lang="fr-FR" sz="2000" dirty="0" smtClean="0"/>
+              <a:rPr lang="fr-FR" sz="2000" dirty="0"/>
               <a:t>");</a:t>
             </a:r>
           </a:p>
           <a:p>
             <a:pPr lvl="1"/>
             <a:r>
-              <a:rPr lang="fr-FR" sz="1800" dirty="0" smtClean="0"/>
+              <a:rPr lang="fr-FR" sz="1800" dirty="0"/>
               <a:t>Nom du </a:t>
             </a:r>
             <a:r>
-              <a:rPr lang="fr-FR" sz="1800" dirty="0" err="1" smtClean="0"/>
+              <a:rPr lang="fr-FR" sz="1800" dirty="0" err="1"/>
               <a:t>device</a:t>
             </a:r>
             <a:r>
-              <a:rPr lang="fr-FR" sz="1800" dirty="0" smtClean="0"/>
+              <a:rPr lang="fr-FR" sz="1800" dirty="0"/>
               <a:t> BT, 12 caractères max</a:t>
             </a:r>
-            <a:endParaRPr lang="fr-FR" sz="1800" dirty="0"/>
-          </a:p>
-          <a:p>
-            <a:r>
-              <a:rPr lang="fr-FR" sz="2000" dirty="0" err="1" smtClean="0"/>
+          </a:p>
+          <a:p>
+            <a:r>
+              <a:rPr lang="fr-FR" sz="2000" dirty="0" err="1"/>
               <a:t>blueToothSerial.print</a:t>
             </a:r>
             <a:r>
               <a:rPr lang="fr-FR" sz="2000" dirty="0"/>
-              <a:t>("AT+PIN0000</a:t>
-            </a:r>
-            <a:r>
-              <a:rPr lang="fr-FR" sz="2000" dirty="0" smtClean="0"/>
-              <a:t>");</a:t>
+              <a:t>("AT+PIN0000");</a:t>
             </a:r>
           </a:p>
           <a:p>
             <a:pPr lvl="1"/>
             <a:r>
-              <a:rPr lang="fr-FR" sz="1800" dirty="0" smtClean="0"/>
+              <a:rPr lang="fr-FR" sz="1800" dirty="0"/>
               <a:t>Code PIN</a:t>
             </a:r>
           </a:p>
           <a:p>
             <a:r>
-              <a:rPr lang="fr-FR" sz="2000" dirty="0" err="1" smtClean="0"/>
+              <a:rPr lang="fr-FR" sz="2000" dirty="0" err="1"/>
               <a:t>blueToothSerial.print</a:t>
             </a:r>
             <a:r>
               <a:rPr lang="fr-FR" sz="2000" dirty="0"/>
-              <a:t>("AT+AUTH0</a:t>
-            </a:r>
-            <a:r>
-              <a:rPr lang="fr-FR" sz="2000" dirty="0" smtClean="0"/>
-              <a:t>");</a:t>
+              <a:t>("AT+AUTH0");</a:t>
             </a:r>
           </a:p>
           <a:p>
             <a:pPr lvl="1"/>
             <a:r>
-              <a:rPr lang="fr-FR" sz="1800" dirty="0" err="1" smtClean="0"/>
+              <a:rPr lang="fr-FR" sz="1800" dirty="0" err="1"/>
               <a:t>Désative</a:t>
             </a:r>
             <a:r>
-              <a:rPr lang="fr-FR" sz="1800" dirty="0" smtClean="0"/>
+              <a:rPr lang="fr-FR" sz="1800" dirty="0"/>
               <a:t> l'authentification</a:t>
             </a:r>
-            <a:endParaRPr lang="fr-FR" sz="1800" dirty="0"/>
-          </a:p>
-          <a:p>
-            <a:r>
-              <a:rPr lang="fr-FR" sz="2000" dirty="0" err="1" smtClean="0"/>
+          </a:p>
+          <a:p>
+            <a:r>
+              <a:rPr lang="fr-FR" sz="2000" dirty="0" err="1"/>
               <a:t>blueToothSerial.flush</a:t>
             </a:r>
             <a:r>
-              <a:rPr lang="fr-FR" sz="2000" dirty="0" smtClean="0"/>
+              <a:rPr lang="fr-FR" sz="2000" dirty="0"/>
               <a:t>();</a:t>
             </a:r>
           </a:p>
           <a:p>
             <a:pPr lvl="1"/>
             <a:r>
-              <a:rPr lang="fr-FR" sz="1800" dirty="0" smtClean="0"/>
+              <a:rPr lang="fr-FR" sz="1800" dirty="0"/>
               <a:t>Vide le cache</a:t>
             </a:r>
             <a:endParaRPr lang="fr-FR" sz="2000" dirty="0"/>
@@ -6386,10 +6280,9 @@
           <a:lstStyle/>
           <a:p>
             <a:r>
-              <a:rPr lang="fr-FR" dirty="0" smtClean="0"/>
+              <a:rPr lang="fr-FR" dirty="0"/>
               <a:t>Android</a:t>
             </a:r>
-            <a:endParaRPr lang="fr-FR" dirty="0"/>
           </a:p>
         </p:txBody>
       </p:sp>
@@ -6409,30 +6302,30 @@
           <a:lstStyle/>
           <a:p>
             <a:r>
-              <a:rPr lang="fr-FR" dirty="0" smtClean="0"/>
+              <a:rPr lang="fr-FR" dirty="0"/>
               <a:t>Android est un bon outil pour tester une liaison </a:t>
             </a:r>
             <a:r>
-              <a:rPr lang="fr-FR" dirty="0" err="1" smtClean="0"/>
+              <a:rPr lang="fr-FR" dirty="0" err="1"/>
               <a:t>bluetooth</a:t>
             </a:r>
-            <a:endParaRPr lang="fr-FR" dirty="0" smtClean="0"/>
+            <a:endParaRPr lang="fr-FR" dirty="0"/>
           </a:p>
           <a:p>
             <a:pPr lvl="1"/>
             <a:r>
-              <a:rPr lang="fr-FR" dirty="0" smtClean="0"/>
+              <a:rPr lang="fr-FR" dirty="0"/>
               <a:t>Il faut d'abord appairer le téléphone avec l'</a:t>
             </a:r>
             <a:r>
-              <a:rPr lang="fr-FR" dirty="0" err="1" smtClean="0"/>
+              <a:rPr lang="fr-FR" dirty="0" err="1"/>
               <a:t>Arduino</a:t>
             </a:r>
-            <a:endParaRPr lang="fr-FR" dirty="0" smtClean="0"/>
-          </a:p>
-          <a:p>
-            <a:r>
-              <a:rPr lang="fr-FR" dirty="0" smtClean="0"/>
+            <a:endParaRPr lang="fr-FR" dirty="0"/>
+          </a:p>
+          <a:p>
+            <a:r>
+              <a:rPr lang="fr-FR" dirty="0"/>
               <a:t>Puis installer Serial Bluetooth Terminal</a:t>
             </a:r>
           </a:p>
@@ -6509,7 +6402,7 @@
           <a:lstStyle/>
           <a:p>
             <a:r>
-              <a:rPr lang="fr-FR" dirty="0" err="1" smtClean="0"/>
+              <a:rPr lang="fr-FR" dirty="0" err="1"/>
               <a:t>Raspberry</a:t>
             </a:r>
             <a:endParaRPr lang="fr-FR" dirty="0"/>
@@ -6532,44 +6425,44 @@
           <a:lstStyle/>
           <a:p>
             <a:r>
-              <a:rPr lang="fr-FR" dirty="0" smtClean="0"/>
+              <a:rPr lang="fr-FR" dirty="0"/>
               <a:t>Les </a:t>
             </a:r>
             <a:r>
-              <a:rPr lang="fr-FR" dirty="0" err="1" smtClean="0"/>
+              <a:rPr lang="fr-FR" dirty="0" err="1"/>
               <a:t>Raspberry</a:t>
             </a:r>
             <a:r>
-              <a:rPr lang="fr-FR" dirty="0" smtClean="0"/>
+              <a:rPr lang="fr-FR" dirty="0"/>
               <a:t> 3B, 4B, 0W possèdent le Bluetooth par défaut</a:t>
             </a:r>
           </a:p>
           <a:p>
             <a:pPr lvl="1"/>
             <a:r>
-              <a:rPr lang="fr-FR" dirty="0" smtClean="0"/>
+              <a:rPr lang="fr-FR" dirty="0"/>
               <a:t>Hélas l'outil Bluetooth de LX est mauvais</a:t>
             </a:r>
           </a:p>
           <a:p>
             <a:pPr lvl="1"/>
             <a:r>
-              <a:rPr lang="fr-FR" dirty="0" err="1" smtClean="0"/>
+              <a:rPr lang="fr-FR" dirty="0" err="1"/>
               <a:t>Blueman</a:t>
             </a:r>
             <a:r>
-              <a:rPr lang="fr-FR" dirty="0" smtClean="0"/>
+              <a:rPr lang="fr-FR" dirty="0"/>
               <a:t> est une meilleur alternative</a:t>
             </a:r>
           </a:p>
           <a:p>
             <a:pPr lvl="1"/>
             <a:r>
-              <a:rPr lang="fr-FR" dirty="0" err="1" smtClean="0"/>
+              <a:rPr lang="fr-FR" dirty="0" err="1"/>
               <a:t>sudo</a:t>
             </a:r>
             <a:r>
-              <a:rPr lang="fr-FR" dirty="0" smtClean="0"/>
+              <a:rPr lang="fr-FR" dirty="0"/>
               <a:t> </a:t>
             </a:r>
             <a:r>
@@ -6589,10 +6482,10 @@
               <a:t> </a:t>
             </a:r>
             <a:r>
-              <a:rPr lang="fr-FR" dirty="0" err="1" smtClean="0"/>
+              <a:rPr lang="fr-FR" dirty="0" err="1"/>
               <a:t>blueman</a:t>
             </a:r>
-            <a:endParaRPr lang="fr-FR" dirty="0" smtClean="0"/>
+            <a:endParaRPr lang="fr-FR" dirty="0"/>
           </a:p>
         </p:txBody>
       </p:sp>

--- a/ppt/IoT09-Wireless.pptx
+++ b/ppt/IoT09-Wireless.pptx
@@ -14,18 +14,18 @@
     <p:sldId id="264" r:id="rId2"/>
     <p:sldId id="266" r:id="rId3"/>
     <p:sldId id="267" r:id="rId4"/>
-    <p:sldId id="268" r:id="rId5"/>
-    <p:sldId id="269" r:id="rId6"/>
-    <p:sldId id="270" r:id="rId7"/>
-    <p:sldId id="271" r:id="rId8"/>
-    <p:sldId id="273" r:id="rId9"/>
-    <p:sldId id="272" r:id="rId10"/>
-    <p:sldId id="275" r:id="rId11"/>
-    <p:sldId id="276" r:id="rId12"/>
-    <p:sldId id="277" r:id="rId13"/>
-    <p:sldId id="278" r:id="rId14"/>
-    <p:sldId id="279" r:id="rId15"/>
-    <p:sldId id="274" r:id="rId16"/>
+    <p:sldId id="274" r:id="rId5"/>
+    <p:sldId id="268" r:id="rId6"/>
+    <p:sldId id="269" r:id="rId7"/>
+    <p:sldId id="270" r:id="rId8"/>
+    <p:sldId id="271" r:id="rId9"/>
+    <p:sldId id="273" r:id="rId10"/>
+    <p:sldId id="272" r:id="rId11"/>
+    <p:sldId id="275" r:id="rId12"/>
+    <p:sldId id="276" r:id="rId13"/>
+    <p:sldId id="277" r:id="rId14"/>
+    <p:sldId id="278" r:id="rId15"/>
+    <p:sldId id="279" r:id="rId16"/>
   </p:sldIdLst>
   <p:sldSz cx="9144000" cy="6858000" type="screen4x3"/>
   <p:notesSz cx="6648450" cy="9782175"/>
@@ -3756,2653 +3756,6 @@
           <a:p>
             <a:r>
               <a:rPr lang="fr-FR" dirty="0" err="1"/>
-              <a:t>PyBluez</a:t>
-            </a:r>
-            <a:endParaRPr lang="fr-FR" dirty="0"/>
-          </a:p>
-        </p:txBody>
-      </p:sp>
-      <p:sp>
-        <p:nvSpPr>
-          <p:cNvPr id="3" name="Espace réservé du contenu 2"/>
-          <p:cNvSpPr>
-            <a:spLocks noGrp="1"/>
-          </p:cNvSpPr>
-          <p:nvPr>
-            <p:ph idx="1"/>
-          </p:nvPr>
-        </p:nvSpPr>
-        <p:spPr/>
-        <p:txBody>
-          <a:bodyPr/>
-          <a:lstStyle/>
-          <a:p>
-            <a:r>
-              <a:rPr lang="fr-FR" dirty="0" err="1"/>
-              <a:t>PyBluez</a:t>
-            </a:r>
-            <a:r>
-              <a:rPr lang="fr-FR" dirty="0"/>
-              <a:t> est la librairie Python pour le </a:t>
-            </a:r>
-            <a:r>
-              <a:rPr lang="fr-FR" dirty="0" err="1"/>
-              <a:t>bluetooth</a:t>
-            </a:r>
-            <a:endParaRPr lang="fr-FR" dirty="0"/>
-          </a:p>
-          <a:p>
-            <a:r>
-              <a:rPr lang="fr-FR" dirty="0"/>
-              <a:t>Installation parfois délicate</a:t>
-            </a:r>
-          </a:p>
-          <a:p>
-            <a:pPr lvl="1"/>
-            <a:r>
-              <a:rPr lang="fr-FR" dirty="0" err="1"/>
-              <a:t>sudo</a:t>
-            </a:r>
-            <a:r>
-              <a:rPr lang="fr-FR" dirty="0"/>
-              <a:t> </a:t>
-            </a:r>
-            <a:r>
-              <a:rPr lang="fr-FR" dirty="0" err="1"/>
-              <a:t>apt-get</a:t>
-            </a:r>
-            <a:r>
-              <a:rPr lang="fr-FR" dirty="0"/>
-              <a:t> </a:t>
-            </a:r>
-            <a:r>
-              <a:rPr lang="fr-FR" dirty="0" err="1"/>
-              <a:t>install</a:t>
-            </a:r>
-            <a:r>
-              <a:rPr lang="fr-FR" dirty="0"/>
-              <a:t> -y libbluetooth3=5.50-1+b12</a:t>
-            </a:r>
-          </a:p>
-          <a:p>
-            <a:pPr lvl="1"/>
-            <a:r>
-              <a:rPr lang="fr-FR" dirty="0" err="1"/>
-              <a:t>sudo</a:t>
-            </a:r>
-            <a:r>
-              <a:rPr lang="fr-FR" dirty="0"/>
-              <a:t> </a:t>
-            </a:r>
-            <a:r>
-              <a:rPr lang="fr-FR" dirty="0" err="1"/>
-              <a:t>apt-get</a:t>
-            </a:r>
-            <a:r>
-              <a:rPr lang="fr-FR" dirty="0"/>
-              <a:t> </a:t>
-            </a:r>
-            <a:r>
-              <a:rPr lang="fr-FR" dirty="0" err="1"/>
-              <a:t>install</a:t>
-            </a:r>
-            <a:r>
-              <a:rPr lang="fr-FR" dirty="0"/>
-              <a:t> -y </a:t>
-            </a:r>
-            <a:r>
-              <a:rPr lang="fr-FR" dirty="0" err="1"/>
-              <a:t>bluetooth</a:t>
-            </a:r>
-            <a:r>
-              <a:rPr lang="fr-FR" dirty="0"/>
-              <a:t> </a:t>
-            </a:r>
-            <a:r>
-              <a:rPr lang="fr-FR" dirty="0" err="1"/>
-              <a:t>libbluetooth-dev</a:t>
-            </a:r>
-            <a:endParaRPr lang="fr-FR" dirty="0"/>
-          </a:p>
-          <a:p>
-            <a:pPr lvl="1"/>
-            <a:r>
-              <a:rPr lang="fr-FR" dirty="0"/>
-              <a:t>pip3 </a:t>
-            </a:r>
-            <a:r>
-              <a:rPr lang="fr-FR" dirty="0" err="1"/>
-              <a:t>install</a:t>
-            </a:r>
-            <a:r>
-              <a:rPr lang="fr-FR" dirty="0"/>
-              <a:t> </a:t>
-            </a:r>
-            <a:r>
-              <a:rPr lang="fr-FR" dirty="0" err="1"/>
-              <a:t>PyBluez</a:t>
-            </a:r>
-            <a:endParaRPr lang="fr-FR" dirty="0"/>
-          </a:p>
-          <a:p>
-            <a:pPr lvl="1"/>
-            <a:endParaRPr lang="fr-FR" dirty="0"/>
-          </a:p>
-        </p:txBody>
-      </p:sp>
-    </p:spTree>
-    <p:extLst>
-      <p:ext uri="{BB962C8B-B14F-4D97-AF65-F5344CB8AC3E}">
-        <p14:creationId xmlns:p14="http://schemas.microsoft.com/office/powerpoint/2010/main" val="917858140"/>
-      </p:ext>
-    </p:extLst>
-  </p:cSld>
-  <p:clrMapOvr>
-    <a:masterClrMapping/>
-  </p:clrMapOvr>
-</p:sld>
-</file>
-
-<file path=ppt/slides/slide11.xml><?xml version="1.0" encoding="utf-8"?>
-<p:sld xmlns:a="http://schemas.openxmlformats.org/drawingml/2006/main" xmlns:r="http://schemas.openxmlformats.org/officeDocument/2006/relationships" xmlns:p="http://schemas.openxmlformats.org/presentationml/2006/main">
-  <p:cSld>
-    <p:spTree>
-      <p:nvGrpSpPr>
-        <p:cNvPr id="1" name=""/>
-        <p:cNvGrpSpPr/>
-        <p:nvPr/>
-      </p:nvGrpSpPr>
-      <p:grpSpPr>
-        <a:xfrm>
-          <a:off x="0" y="0"/>
-          <a:ext cx="0" cy="0"/>
-          <a:chOff x="0" y="0"/>
-          <a:chExt cx="0" cy="0"/>
-        </a:xfrm>
-      </p:grpSpPr>
-      <p:sp>
-        <p:nvSpPr>
-          <p:cNvPr id="2" name="Titre 1"/>
-          <p:cNvSpPr>
-            <a:spLocks noGrp="1"/>
-          </p:cNvSpPr>
-          <p:nvPr>
-            <p:ph type="title"/>
-          </p:nvPr>
-        </p:nvSpPr>
-        <p:spPr/>
-        <p:txBody>
-          <a:bodyPr/>
-          <a:lstStyle/>
-          <a:p>
-            <a:r>
-              <a:rPr lang="fr-FR" dirty="0" err="1"/>
-              <a:t>PyBluez</a:t>
-            </a:r>
-            <a:endParaRPr lang="fr-FR" dirty="0"/>
-          </a:p>
-        </p:txBody>
-      </p:sp>
-      <p:sp>
-        <p:nvSpPr>
-          <p:cNvPr id="3" name="Espace réservé du contenu 2"/>
-          <p:cNvSpPr>
-            <a:spLocks noGrp="1"/>
-          </p:cNvSpPr>
-          <p:nvPr>
-            <p:ph idx="1"/>
-          </p:nvPr>
-        </p:nvSpPr>
-        <p:spPr/>
-        <p:txBody>
-          <a:bodyPr/>
-          <a:lstStyle/>
-          <a:p>
-            <a:r>
-              <a:rPr lang="fr-FR" dirty="0"/>
-              <a:t>En mode maitre l'installation est cette fois très difficile</a:t>
-            </a:r>
-          </a:p>
-          <a:p>
-            <a:pPr lvl="1"/>
-            <a:r>
-              <a:rPr lang="fr-FR" sz="1400" dirty="0" err="1"/>
-              <a:t>sudo</a:t>
-            </a:r>
-            <a:r>
-              <a:rPr lang="fr-FR" sz="1400" dirty="0"/>
-              <a:t> nano /</a:t>
-            </a:r>
-            <a:r>
-              <a:rPr lang="fr-FR" sz="1400" dirty="0" err="1"/>
-              <a:t>etc</a:t>
-            </a:r>
-            <a:r>
-              <a:rPr lang="fr-FR" sz="1400" dirty="0"/>
-              <a:t>/</a:t>
-            </a:r>
-            <a:r>
-              <a:rPr lang="fr-FR" sz="1400" dirty="0" err="1"/>
-              <a:t>systemd</a:t>
-            </a:r>
-            <a:r>
-              <a:rPr lang="fr-FR" sz="1400" dirty="0"/>
-              <a:t>/system/</a:t>
-            </a:r>
-            <a:r>
-              <a:rPr lang="fr-FR" sz="1400" dirty="0" err="1"/>
-              <a:t>dbus-org.bluez.service</a:t>
-            </a:r>
-            <a:endParaRPr lang="fr-FR" sz="1400" dirty="0"/>
-          </a:p>
-          <a:p>
-            <a:pPr lvl="1"/>
-            <a:r>
-              <a:rPr lang="fr-FR" sz="1400" dirty="0" err="1"/>
-              <a:t>Add</a:t>
-            </a:r>
-            <a:r>
-              <a:rPr lang="fr-FR" sz="1400" dirty="0"/>
-              <a:t> –C at the end of </a:t>
-            </a:r>
-            <a:r>
-              <a:rPr lang="fr-FR" sz="1400" dirty="0" err="1"/>
-              <a:t>ExecStart</a:t>
-            </a:r>
-            <a:r>
-              <a:rPr lang="fr-FR" sz="1400" dirty="0"/>
-              <a:t>=/</a:t>
-            </a:r>
-            <a:r>
-              <a:rPr lang="fr-FR" sz="1400" dirty="0" err="1"/>
-              <a:t>usr</a:t>
-            </a:r>
-            <a:r>
-              <a:rPr lang="fr-FR" sz="1400" dirty="0"/>
-              <a:t>/lib/</a:t>
-            </a:r>
-            <a:r>
-              <a:rPr lang="fr-FR" sz="1400" dirty="0" err="1"/>
-              <a:t>bluetooth</a:t>
-            </a:r>
-            <a:r>
-              <a:rPr lang="fr-FR" sz="1400" dirty="0"/>
-              <a:t>/</a:t>
-            </a:r>
-            <a:r>
-              <a:rPr lang="fr-FR" sz="1400" dirty="0" err="1"/>
-              <a:t>bluetoothd</a:t>
-            </a:r>
-            <a:endParaRPr lang="fr-FR" sz="1400" dirty="0"/>
-          </a:p>
-          <a:p>
-            <a:pPr lvl="1"/>
-            <a:r>
-              <a:rPr lang="fr-FR" sz="1400" dirty="0" err="1"/>
-              <a:t>sudo</a:t>
-            </a:r>
-            <a:r>
-              <a:rPr lang="fr-FR" sz="1400" dirty="0"/>
-              <a:t> </a:t>
-            </a:r>
-            <a:r>
-              <a:rPr lang="fr-FR" sz="1400" dirty="0" err="1"/>
-              <a:t>sdptool</a:t>
-            </a:r>
-            <a:r>
-              <a:rPr lang="fr-FR" sz="1400" dirty="0"/>
-              <a:t> </a:t>
-            </a:r>
-            <a:r>
-              <a:rPr lang="fr-FR" sz="1400" dirty="0" err="1"/>
-              <a:t>add</a:t>
-            </a:r>
-            <a:r>
-              <a:rPr lang="fr-FR" sz="1400" dirty="0"/>
-              <a:t> SP</a:t>
-            </a:r>
-          </a:p>
-          <a:p>
-            <a:pPr lvl="1"/>
-            <a:r>
-              <a:rPr lang="fr-FR" sz="1400" dirty="0" err="1"/>
-              <a:t>sudo</a:t>
-            </a:r>
-            <a:r>
-              <a:rPr lang="fr-FR" sz="1400" dirty="0"/>
-              <a:t> </a:t>
-            </a:r>
-            <a:r>
-              <a:rPr lang="fr-FR" sz="1400" dirty="0" err="1"/>
-              <a:t>systemctl</a:t>
-            </a:r>
-            <a:r>
-              <a:rPr lang="fr-FR" sz="1400" dirty="0"/>
-              <a:t> daemon-</a:t>
-            </a:r>
-            <a:r>
-              <a:rPr lang="fr-FR" sz="1400" dirty="0" err="1"/>
-              <a:t>reload</a:t>
-            </a:r>
-            <a:endParaRPr lang="fr-FR" sz="1400" dirty="0"/>
-          </a:p>
-          <a:p>
-            <a:pPr lvl="1"/>
-            <a:r>
-              <a:rPr lang="fr-FR" sz="1400" dirty="0" err="1"/>
-              <a:t>sudo</a:t>
-            </a:r>
-            <a:r>
-              <a:rPr lang="fr-FR" sz="1400" dirty="0"/>
-              <a:t> service </a:t>
-            </a:r>
-            <a:r>
-              <a:rPr lang="fr-FR" sz="1400" dirty="0" err="1"/>
-              <a:t>bluetooth</a:t>
-            </a:r>
-            <a:r>
-              <a:rPr lang="fr-FR" sz="1400" dirty="0"/>
-              <a:t> restart</a:t>
-            </a:r>
-          </a:p>
-          <a:p>
-            <a:pPr lvl="1"/>
-            <a:r>
-              <a:rPr lang="fr-FR" sz="1400" dirty="0" err="1"/>
-              <a:t>sudo</a:t>
-            </a:r>
-            <a:r>
-              <a:rPr lang="fr-FR" sz="1400" dirty="0"/>
-              <a:t> </a:t>
-            </a:r>
-            <a:r>
-              <a:rPr lang="fr-FR" sz="1400" dirty="0" err="1"/>
-              <a:t>usermod</a:t>
-            </a:r>
-            <a:r>
-              <a:rPr lang="fr-FR" sz="1400" dirty="0"/>
-              <a:t> -G </a:t>
-            </a:r>
-            <a:r>
-              <a:rPr lang="fr-FR" sz="1400" dirty="0" err="1"/>
-              <a:t>bluetooth</a:t>
-            </a:r>
-            <a:r>
-              <a:rPr lang="fr-FR" sz="1400" dirty="0"/>
-              <a:t> -a pi</a:t>
-            </a:r>
-          </a:p>
-          <a:p>
-            <a:pPr lvl="1"/>
-            <a:r>
-              <a:rPr lang="fr-FR" sz="1400" dirty="0" err="1"/>
-              <a:t>sudo</a:t>
-            </a:r>
-            <a:r>
-              <a:rPr lang="fr-FR" sz="1400" dirty="0"/>
-              <a:t> </a:t>
-            </a:r>
-            <a:r>
-              <a:rPr lang="fr-FR" sz="1400" dirty="0" err="1"/>
-              <a:t>chgrp</a:t>
-            </a:r>
-            <a:r>
-              <a:rPr lang="fr-FR" sz="1400" dirty="0"/>
-              <a:t> </a:t>
-            </a:r>
-            <a:r>
-              <a:rPr lang="fr-FR" sz="1400" dirty="0" err="1"/>
-              <a:t>bluetooth</a:t>
-            </a:r>
-            <a:r>
-              <a:rPr lang="fr-FR" sz="1400" dirty="0"/>
-              <a:t> /var/</a:t>
-            </a:r>
-            <a:r>
-              <a:rPr lang="fr-FR" sz="1400" dirty="0" err="1"/>
-              <a:t>run</a:t>
-            </a:r>
-            <a:r>
-              <a:rPr lang="fr-FR" sz="1400" dirty="0"/>
-              <a:t>/</a:t>
-            </a:r>
-            <a:r>
-              <a:rPr lang="fr-FR" sz="1400" dirty="0" err="1"/>
-              <a:t>sdp</a:t>
-            </a:r>
-            <a:endParaRPr lang="fr-FR" sz="1400" dirty="0"/>
-          </a:p>
-          <a:p>
-            <a:pPr lvl="1"/>
-            <a:r>
-              <a:rPr lang="fr-FR" sz="1400" dirty="0" err="1"/>
-              <a:t>sudo</a:t>
-            </a:r>
-            <a:r>
-              <a:rPr lang="fr-FR" sz="1400" dirty="0"/>
-              <a:t> </a:t>
-            </a:r>
-            <a:r>
-              <a:rPr lang="fr-FR" sz="1400" dirty="0" err="1"/>
-              <a:t>cp</a:t>
-            </a:r>
-            <a:r>
-              <a:rPr lang="fr-FR" sz="1400" dirty="0"/>
-              <a:t> config/var-</a:t>
-            </a:r>
-            <a:r>
-              <a:rPr lang="fr-FR" sz="1400" dirty="0" err="1"/>
-              <a:t>run</a:t>
-            </a:r>
-            <a:r>
-              <a:rPr lang="fr-FR" sz="1400" dirty="0"/>
-              <a:t>-</a:t>
-            </a:r>
-            <a:r>
-              <a:rPr lang="fr-FR" sz="1400" dirty="0" err="1"/>
-              <a:t>sdp.path</a:t>
-            </a:r>
-            <a:r>
-              <a:rPr lang="fr-FR" sz="1400" dirty="0"/>
-              <a:t> /</a:t>
-            </a:r>
-            <a:r>
-              <a:rPr lang="fr-FR" sz="1400" dirty="0" err="1"/>
-              <a:t>etc</a:t>
-            </a:r>
-            <a:r>
-              <a:rPr lang="fr-FR" sz="1400" dirty="0"/>
-              <a:t>/</a:t>
-            </a:r>
-            <a:r>
-              <a:rPr lang="fr-FR" sz="1400" dirty="0" err="1"/>
-              <a:t>systemd</a:t>
-            </a:r>
-            <a:r>
-              <a:rPr lang="fr-FR" sz="1400" dirty="0"/>
-              <a:t>/system/var-</a:t>
-            </a:r>
-            <a:r>
-              <a:rPr lang="fr-FR" sz="1400" dirty="0" err="1"/>
-              <a:t>run</a:t>
-            </a:r>
-            <a:r>
-              <a:rPr lang="fr-FR" sz="1400" dirty="0"/>
-              <a:t>-</a:t>
-            </a:r>
-            <a:r>
-              <a:rPr lang="fr-FR" sz="1400" dirty="0" err="1"/>
-              <a:t>sdp.path</a:t>
-            </a:r>
-            <a:endParaRPr lang="fr-FR" sz="1400" dirty="0"/>
-          </a:p>
-          <a:p>
-            <a:pPr lvl="1"/>
-            <a:r>
-              <a:rPr lang="fr-FR" sz="1400" dirty="0" err="1"/>
-              <a:t>sudo</a:t>
-            </a:r>
-            <a:r>
-              <a:rPr lang="fr-FR" sz="1400" dirty="0"/>
-              <a:t> </a:t>
-            </a:r>
-            <a:r>
-              <a:rPr lang="fr-FR" sz="1400" dirty="0" err="1"/>
-              <a:t>cp</a:t>
-            </a:r>
-            <a:r>
-              <a:rPr lang="fr-FR" sz="1400" dirty="0"/>
-              <a:t> config/var-</a:t>
-            </a:r>
-            <a:r>
-              <a:rPr lang="fr-FR" sz="1400" dirty="0" err="1"/>
-              <a:t>run</a:t>
-            </a:r>
-            <a:r>
-              <a:rPr lang="fr-FR" sz="1400" dirty="0"/>
-              <a:t>-</a:t>
-            </a:r>
-            <a:r>
-              <a:rPr lang="fr-FR" sz="1400" dirty="0" err="1"/>
-              <a:t>sdp.service</a:t>
-            </a:r>
-            <a:r>
-              <a:rPr lang="fr-FR" sz="1400" dirty="0"/>
-              <a:t> /</a:t>
-            </a:r>
-            <a:r>
-              <a:rPr lang="fr-FR" sz="1400" dirty="0" err="1"/>
-              <a:t>etc</a:t>
-            </a:r>
-            <a:r>
-              <a:rPr lang="fr-FR" sz="1400" dirty="0"/>
-              <a:t>/</a:t>
-            </a:r>
-            <a:r>
-              <a:rPr lang="fr-FR" sz="1400" dirty="0" err="1"/>
-              <a:t>systemd</a:t>
-            </a:r>
-            <a:r>
-              <a:rPr lang="fr-FR" sz="1400" dirty="0"/>
-              <a:t>/system/var-</a:t>
-            </a:r>
-            <a:r>
-              <a:rPr lang="fr-FR" sz="1400" dirty="0" err="1"/>
-              <a:t>run</a:t>
-            </a:r>
-            <a:r>
-              <a:rPr lang="fr-FR" sz="1400" dirty="0"/>
-              <a:t>-</a:t>
-            </a:r>
-            <a:r>
-              <a:rPr lang="fr-FR" sz="1400" dirty="0" err="1"/>
-              <a:t>sdp.service</a:t>
-            </a:r>
-            <a:endParaRPr lang="fr-FR" sz="1400" dirty="0"/>
-          </a:p>
-          <a:p>
-            <a:pPr lvl="1"/>
-            <a:r>
-              <a:rPr lang="fr-FR" sz="1400" dirty="0" err="1"/>
-              <a:t>sudo</a:t>
-            </a:r>
-            <a:r>
-              <a:rPr lang="fr-FR" sz="1400" dirty="0"/>
-              <a:t> </a:t>
-            </a:r>
-            <a:r>
-              <a:rPr lang="fr-FR" sz="1400" dirty="0" err="1"/>
-              <a:t>systemctl</a:t>
-            </a:r>
-            <a:r>
-              <a:rPr lang="fr-FR" sz="1400" dirty="0"/>
-              <a:t> daemon-</a:t>
-            </a:r>
-            <a:r>
-              <a:rPr lang="fr-FR" sz="1400" dirty="0" err="1"/>
-              <a:t>reload</a:t>
-            </a:r>
-            <a:endParaRPr lang="fr-FR" sz="1400" dirty="0"/>
-          </a:p>
-          <a:p>
-            <a:pPr lvl="1"/>
-            <a:r>
-              <a:rPr lang="fr-FR" sz="1400" dirty="0" err="1"/>
-              <a:t>sudo</a:t>
-            </a:r>
-            <a:r>
-              <a:rPr lang="fr-FR" sz="1400" dirty="0"/>
-              <a:t> </a:t>
-            </a:r>
-            <a:r>
-              <a:rPr lang="fr-FR" sz="1400" dirty="0" err="1"/>
-              <a:t>systemctl</a:t>
-            </a:r>
-            <a:r>
-              <a:rPr lang="fr-FR" sz="1400" dirty="0"/>
-              <a:t> </a:t>
-            </a:r>
-            <a:r>
-              <a:rPr lang="fr-FR" sz="1400" dirty="0" err="1"/>
-              <a:t>enable</a:t>
-            </a:r>
-            <a:r>
-              <a:rPr lang="fr-FR" sz="1400" dirty="0"/>
-              <a:t> var-</a:t>
-            </a:r>
-            <a:r>
-              <a:rPr lang="fr-FR" sz="1400" dirty="0" err="1"/>
-              <a:t>run</a:t>
-            </a:r>
-            <a:r>
-              <a:rPr lang="fr-FR" sz="1400" dirty="0"/>
-              <a:t>-</a:t>
-            </a:r>
-            <a:r>
-              <a:rPr lang="fr-FR" sz="1400" dirty="0" err="1"/>
-              <a:t>sdp.path</a:t>
-            </a:r>
-            <a:endParaRPr lang="fr-FR" sz="1400" dirty="0"/>
-          </a:p>
-          <a:p>
-            <a:pPr lvl="1"/>
-            <a:r>
-              <a:rPr lang="fr-FR" sz="1400" dirty="0" err="1"/>
-              <a:t>sudo</a:t>
-            </a:r>
-            <a:r>
-              <a:rPr lang="fr-FR" sz="1400" dirty="0"/>
-              <a:t> </a:t>
-            </a:r>
-            <a:r>
-              <a:rPr lang="fr-FR" sz="1400" dirty="0" err="1"/>
-              <a:t>systemctl</a:t>
-            </a:r>
-            <a:r>
-              <a:rPr lang="fr-FR" sz="1400" dirty="0"/>
-              <a:t> </a:t>
-            </a:r>
-            <a:r>
-              <a:rPr lang="fr-FR" sz="1400" dirty="0" err="1"/>
-              <a:t>enable</a:t>
-            </a:r>
-            <a:r>
-              <a:rPr lang="fr-FR" sz="1400" dirty="0"/>
-              <a:t> var-</a:t>
-            </a:r>
-            <a:r>
-              <a:rPr lang="fr-FR" sz="1400" dirty="0" err="1"/>
-              <a:t>run</a:t>
-            </a:r>
-            <a:r>
-              <a:rPr lang="fr-FR" sz="1400" dirty="0"/>
-              <a:t>-</a:t>
-            </a:r>
-            <a:r>
-              <a:rPr lang="fr-FR" sz="1400" dirty="0" err="1"/>
-              <a:t>sdp.service</a:t>
-            </a:r>
-            <a:endParaRPr lang="fr-FR" sz="1400" dirty="0"/>
-          </a:p>
-          <a:p>
-            <a:pPr lvl="1"/>
-            <a:r>
-              <a:rPr lang="fr-FR" sz="1400" dirty="0" err="1"/>
-              <a:t>sudo</a:t>
-            </a:r>
-            <a:r>
-              <a:rPr lang="fr-FR" sz="1400" dirty="0"/>
-              <a:t> </a:t>
-            </a:r>
-            <a:r>
-              <a:rPr lang="fr-FR" sz="1400" dirty="0" err="1"/>
-              <a:t>systemctl</a:t>
-            </a:r>
-            <a:r>
-              <a:rPr lang="fr-FR" sz="1400" dirty="0"/>
-              <a:t> </a:t>
-            </a:r>
-            <a:r>
-              <a:rPr lang="fr-FR" sz="1400" dirty="0" err="1"/>
-              <a:t>start</a:t>
-            </a:r>
-            <a:r>
-              <a:rPr lang="fr-FR" sz="1400" dirty="0"/>
-              <a:t> var-</a:t>
-            </a:r>
-            <a:r>
-              <a:rPr lang="fr-FR" sz="1400" dirty="0" err="1"/>
-              <a:t>run</a:t>
-            </a:r>
-            <a:r>
-              <a:rPr lang="fr-FR" sz="1400" dirty="0"/>
-              <a:t>-</a:t>
-            </a:r>
-            <a:r>
-              <a:rPr lang="fr-FR" sz="1400" dirty="0" err="1"/>
-              <a:t>sdp.path</a:t>
-            </a:r>
-            <a:endParaRPr lang="fr-FR" sz="1400" dirty="0"/>
-          </a:p>
-          <a:p>
-            <a:pPr lvl="1"/>
-            <a:r>
-              <a:rPr lang="fr-FR" sz="1400" dirty="0" err="1"/>
-              <a:t>sudo</a:t>
-            </a:r>
-            <a:r>
-              <a:rPr lang="fr-FR" sz="1400" dirty="0"/>
-              <a:t> </a:t>
-            </a:r>
-            <a:r>
-              <a:rPr lang="fr-FR" sz="1400" dirty="0" err="1"/>
-              <a:t>usermod</a:t>
-            </a:r>
-            <a:r>
-              <a:rPr lang="fr-FR" sz="1400" dirty="0"/>
-              <a:t> -</a:t>
-            </a:r>
-            <a:r>
-              <a:rPr lang="fr-FR" sz="1400" dirty="0" err="1"/>
-              <a:t>aG</a:t>
-            </a:r>
-            <a:r>
-              <a:rPr lang="fr-FR" sz="1400" dirty="0"/>
-              <a:t> </a:t>
-            </a:r>
-            <a:r>
-              <a:rPr lang="fr-FR" sz="1400" dirty="0" err="1"/>
-              <a:t>bluetooth</a:t>
-            </a:r>
-            <a:r>
-              <a:rPr lang="fr-FR" sz="1400" dirty="0"/>
-              <a:t> pi</a:t>
-            </a:r>
-          </a:p>
-          <a:p>
-            <a:endParaRPr lang="fr-FR" dirty="0"/>
-          </a:p>
-        </p:txBody>
-      </p:sp>
-    </p:spTree>
-    <p:extLst>
-      <p:ext uri="{BB962C8B-B14F-4D97-AF65-F5344CB8AC3E}">
-        <p14:creationId xmlns:p14="http://schemas.microsoft.com/office/powerpoint/2010/main" val="2761666835"/>
-      </p:ext>
-    </p:extLst>
-  </p:cSld>
-  <p:clrMapOvr>
-    <a:masterClrMapping/>
-  </p:clrMapOvr>
-</p:sld>
-</file>
-
-<file path=ppt/slides/slide12.xml><?xml version="1.0" encoding="utf-8"?>
-<p:sld xmlns:a="http://schemas.openxmlformats.org/drawingml/2006/main" xmlns:r="http://schemas.openxmlformats.org/officeDocument/2006/relationships" xmlns:p="http://schemas.openxmlformats.org/presentationml/2006/main">
-  <p:cSld>
-    <p:spTree>
-      <p:nvGrpSpPr>
-        <p:cNvPr id="1" name=""/>
-        <p:cNvGrpSpPr/>
-        <p:nvPr/>
-      </p:nvGrpSpPr>
-      <p:grpSpPr>
-        <a:xfrm>
-          <a:off x="0" y="0"/>
-          <a:ext cx="0" cy="0"/>
-          <a:chOff x="0" y="0"/>
-          <a:chExt cx="0" cy="0"/>
-        </a:xfrm>
-      </p:grpSpPr>
-      <p:sp>
-        <p:nvSpPr>
-          <p:cNvPr id="2" name="Titre 1"/>
-          <p:cNvSpPr>
-            <a:spLocks noGrp="1"/>
-          </p:cNvSpPr>
-          <p:nvPr>
-            <p:ph type="title"/>
-          </p:nvPr>
-        </p:nvSpPr>
-        <p:spPr/>
-        <p:txBody>
-          <a:bodyPr/>
-          <a:lstStyle/>
-          <a:p>
-            <a:r>
-              <a:rPr lang="fr-FR" dirty="0" err="1"/>
-              <a:t>PyBluez</a:t>
-            </a:r>
-            <a:endParaRPr lang="fr-FR" dirty="0"/>
-          </a:p>
-        </p:txBody>
-      </p:sp>
-      <p:sp>
-        <p:nvSpPr>
-          <p:cNvPr id="3" name="Espace réservé du contenu 2"/>
-          <p:cNvSpPr>
-            <a:spLocks noGrp="1"/>
-          </p:cNvSpPr>
-          <p:nvPr>
-            <p:ph idx="1"/>
-          </p:nvPr>
-        </p:nvSpPr>
-        <p:spPr/>
-        <p:txBody>
-          <a:bodyPr/>
-          <a:lstStyle/>
-          <a:p>
-            <a:r>
-              <a:rPr lang="fr-FR" sz="2400" dirty="0"/>
-              <a:t>import </a:t>
-            </a:r>
-            <a:r>
-              <a:rPr lang="fr-FR" sz="2400" dirty="0" err="1"/>
-              <a:t>bluetooth</a:t>
-            </a:r>
-            <a:endParaRPr lang="fr-FR" sz="2400" dirty="0"/>
-          </a:p>
-          <a:p>
-            <a:r>
-              <a:rPr lang="fr-FR" sz="2400" dirty="0" err="1"/>
-              <a:t>sock</a:t>
-            </a:r>
-            <a:r>
-              <a:rPr lang="fr-FR" sz="2400" dirty="0"/>
-              <a:t> = </a:t>
-            </a:r>
-            <a:r>
-              <a:rPr lang="fr-FR" sz="2400" dirty="0" err="1"/>
-              <a:t>bluetooth.BluetoothSocket</a:t>
-            </a:r>
-            <a:r>
-              <a:rPr lang="fr-FR" sz="2400" dirty="0"/>
-              <a:t>(</a:t>
-            </a:r>
-            <a:r>
-              <a:rPr lang="fr-FR" sz="2400" dirty="0" err="1"/>
-              <a:t>bluetooth.RFCOMM</a:t>
-            </a:r>
-            <a:r>
-              <a:rPr lang="fr-FR" sz="2400" dirty="0"/>
-              <a:t>)</a:t>
-            </a:r>
-          </a:p>
-          <a:p>
-            <a:pPr lvl="1"/>
-            <a:r>
-              <a:rPr lang="fr-FR" sz="2000" dirty="0"/>
-              <a:t>Instanciation</a:t>
-            </a:r>
-          </a:p>
-          <a:p>
-            <a:r>
-              <a:rPr lang="fr-FR" sz="2400" dirty="0" err="1"/>
-              <a:t>sock.connect</a:t>
-            </a:r>
-            <a:r>
-              <a:rPr lang="fr-FR" sz="2400" dirty="0"/>
-              <a:t>(("00:0E:EA:CF:47:5A", 1))</a:t>
-            </a:r>
-          </a:p>
-          <a:p>
-            <a:pPr lvl="1"/>
-            <a:r>
-              <a:rPr lang="fr-FR" sz="2000" dirty="0"/>
-              <a:t>Initialise la connexion sur l'adresse MAC et le port 1</a:t>
-            </a:r>
-          </a:p>
-          <a:p>
-            <a:pPr lvl="1"/>
-            <a:r>
-              <a:rPr lang="fr-FR" sz="2000" dirty="0"/>
-              <a:t>50 ports disponibles</a:t>
-            </a:r>
-          </a:p>
-          <a:p>
-            <a:r>
-              <a:rPr lang="fr-FR" sz="2400" dirty="0"/>
-              <a:t>data = </a:t>
-            </a:r>
-            <a:r>
-              <a:rPr lang="fr-FR" sz="2400" dirty="0" err="1"/>
-              <a:t>sock.recv</a:t>
-            </a:r>
-            <a:r>
-              <a:rPr lang="fr-FR" sz="2400" dirty="0"/>
-              <a:t>(1024)</a:t>
-            </a:r>
-          </a:p>
-          <a:p>
-            <a:pPr lvl="1"/>
-            <a:r>
-              <a:rPr lang="fr-FR" sz="2000" dirty="0"/>
-              <a:t>Lit le buffer BT jusqu'à 1024 caractères, nécessite un </a:t>
-            </a:r>
-            <a:r>
-              <a:rPr lang="fr-FR" sz="2000" dirty="0" err="1"/>
-              <a:t>decode</a:t>
-            </a:r>
-            <a:r>
-              <a:rPr lang="fr-FR" sz="2000" dirty="0"/>
-              <a:t>() pour lire la chaine</a:t>
-            </a:r>
-          </a:p>
-          <a:p>
-            <a:r>
-              <a:rPr lang="fr-FR" sz="2400" dirty="0" err="1"/>
-              <a:t>sock.send</a:t>
-            </a:r>
-            <a:r>
-              <a:rPr lang="fr-FR" sz="2400" dirty="0"/>
-              <a:t>("Hello\</a:t>
-            </a:r>
-            <a:r>
-              <a:rPr lang="fr-FR" sz="2400" dirty="0" err="1"/>
-              <a:t>n".encode</a:t>
-            </a:r>
-            <a:r>
-              <a:rPr lang="fr-FR" sz="2400" dirty="0"/>
-              <a:t>())</a:t>
-            </a:r>
-          </a:p>
-          <a:p>
-            <a:pPr lvl="1"/>
-            <a:r>
-              <a:rPr lang="fr-FR" sz="2000" dirty="0"/>
-              <a:t>Ecrit</a:t>
-            </a:r>
-          </a:p>
-          <a:p>
-            <a:r>
-              <a:rPr lang="fr-FR" sz="2400" dirty="0" err="1"/>
-              <a:t>sock.close</a:t>
-            </a:r>
-            <a:r>
-              <a:rPr lang="fr-FR" sz="2400" dirty="0"/>
-              <a:t>()</a:t>
-            </a:r>
-          </a:p>
-          <a:p>
-            <a:pPr lvl="1"/>
-            <a:r>
-              <a:rPr lang="fr-FR" sz="2000" dirty="0"/>
-              <a:t>Ferme la connexion</a:t>
-            </a:r>
-          </a:p>
-          <a:p>
-            <a:pPr lvl="1"/>
-            <a:endParaRPr lang="fr-FR" sz="2000" dirty="0"/>
-          </a:p>
-        </p:txBody>
-      </p:sp>
-    </p:spTree>
-    <p:extLst>
-      <p:ext uri="{BB962C8B-B14F-4D97-AF65-F5344CB8AC3E}">
-        <p14:creationId xmlns:p14="http://schemas.microsoft.com/office/powerpoint/2010/main" val="1963915861"/>
-      </p:ext>
-    </p:extLst>
-  </p:cSld>
-  <p:clrMapOvr>
-    <a:masterClrMapping/>
-  </p:clrMapOvr>
-</p:sld>
-</file>
-
-<file path=ppt/slides/slide13.xml><?xml version="1.0" encoding="utf-8"?>
-<p:sld xmlns:a="http://schemas.openxmlformats.org/drawingml/2006/main" xmlns:r="http://schemas.openxmlformats.org/officeDocument/2006/relationships" xmlns:p="http://schemas.openxmlformats.org/presentationml/2006/main">
-  <p:cSld>
-    <p:spTree>
-      <p:nvGrpSpPr>
-        <p:cNvPr id="1" name=""/>
-        <p:cNvGrpSpPr/>
-        <p:nvPr/>
-      </p:nvGrpSpPr>
-      <p:grpSpPr>
-        <a:xfrm>
-          <a:off x="0" y="0"/>
-          <a:ext cx="0" cy="0"/>
-          <a:chOff x="0" y="0"/>
-          <a:chExt cx="0" cy="0"/>
-        </a:xfrm>
-      </p:grpSpPr>
-      <p:sp>
-        <p:nvSpPr>
-          <p:cNvPr id="2" name="Titre 1"/>
-          <p:cNvSpPr>
-            <a:spLocks noGrp="1"/>
-          </p:cNvSpPr>
-          <p:nvPr>
-            <p:ph type="title"/>
-          </p:nvPr>
-        </p:nvSpPr>
-        <p:spPr/>
-        <p:txBody>
-          <a:bodyPr/>
-          <a:lstStyle/>
-          <a:p>
-            <a:r>
-              <a:rPr lang="fr-FR" dirty="0" err="1"/>
-              <a:t>readline</a:t>
-            </a:r>
-            <a:r>
-              <a:rPr lang="fr-FR" dirty="0"/>
-              <a:t>()</a:t>
-            </a:r>
-          </a:p>
-        </p:txBody>
-      </p:sp>
-      <p:sp>
-        <p:nvSpPr>
-          <p:cNvPr id="3" name="Espace réservé du contenu 2"/>
-          <p:cNvSpPr>
-            <a:spLocks noGrp="1"/>
-          </p:cNvSpPr>
-          <p:nvPr>
-            <p:ph idx="1"/>
-          </p:nvPr>
-        </p:nvSpPr>
-        <p:spPr/>
-        <p:txBody>
-          <a:bodyPr/>
-          <a:lstStyle/>
-          <a:p>
-            <a:r>
-              <a:rPr lang="fr-FR" dirty="0"/>
-              <a:t>Ce code permet d'avoir un </a:t>
-            </a:r>
-            <a:r>
-              <a:rPr lang="fr-FR" dirty="0" err="1"/>
-              <a:t>readline</a:t>
-            </a:r>
-            <a:r>
-              <a:rPr lang="fr-FR" dirty="0"/>
-              <a:t> comme dans la liaison série</a:t>
-            </a:r>
-          </a:p>
-          <a:p>
-            <a:pPr marL="457200" lvl="1" indent="0">
-              <a:buNone/>
-            </a:pPr>
-            <a:r>
-              <a:rPr lang="en-US" dirty="0" err="1"/>
-              <a:t>def</a:t>
-            </a:r>
-            <a:r>
-              <a:rPr lang="en-US" dirty="0"/>
-              <a:t> readline1(self):</a:t>
-            </a:r>
-          </a:p>
-          <a:p>
-            <a:pPr marL="457200" lvl="1" indent="0">
-              <a:buNone/>
-            </a:pPr>
-            <a:r>
-              <a:rPr lang="en-US" dirty="0"/>
-              <a:t>        s = ""</a:t>
-            </a:r>
-          </a:p>
-          <a:p>
-            <a:pPr marL="457200" lvl="1" indent="0">
-              <a:buNone/>
-            </a:pPr>
-            <a:r>
-              <a:rPr lang="en-US" dirty="0"/>
-              <a:t>        while (data != '\n'):</a:t>
-            </a:r>
-          </a:p>
-          <a:p>
-            <a:pPr marL="457200" lvl="1" indent="0">
-              <a:buNone/>
-            </a:pPr>
-            <a:r>
-              <a:rPr lang="en-US" dirty="0"/>
-              <a:t>            data = </a:t>
-            </a:r>
-            <a:r>
-              <a:rPr lang="en-US" dirty="0" err="1"/>
-              <a:t>self.recv</a:t>
-            </a:r>
-            <a:r>
-              <a:rPr lang="en-US" dirty="0"/>
-              <a:t>(1).decode()</a:t>
-            </a:r>
-          </a:p>
-          <a:p>
-            <a:pPr marL="457200" lvl="1" indent="0">
-              <a:buNone/>
-            </a:pPr>
-            <a:r>
-              <a:rPr lang="en-US" dirty="0"/>
-              <a:t>            s += data</a:t>
-            </a:r>
-          </a:p>
-          <a:p>
-            <a:pPr marL="457200" lvl="1" indent="0">
-              <a:buNone/>
-            </a:pPr>
-            <a:r>
-              <a:rPr lang="en-US" dirty="0"/>
-              <a:t>        return s</a:t>
-            </a:r>
-            <a:endParaRPr lang="fr-FR" dirty="0"/>
-          </a:p>
-          <a:p>
-            <a:endParaRPr lang="fr-FR" dirty="0"/>
-          </a:p>
-          <a:p>
-            <a:endParaRPr lang="fr-FR" dirty="0"/>
-          </a:p>
-        </p:txBody>
-      </p:sp>
-    </p:spTree>
-    <p:extLst>
-      <p:ext uri="{BB962C8B-B14F-4D97-AF65-F5344CB8AC3E}">
-        <p14:creationId xmlns:p14="http://schemas.microsoft.com/office/powerpoint/2010/main" val="1717138170"/>
-      </p:ext>
-    </p:extLst>
-  </p:cSld>
-  <p:clrMapOvr>
-    <a:masterClrMapping/>
-  </p:clrMapOvr>
-</p:sld>
-</file>
-
-<file path=ppt/slides/slide14.xml><?xml version="1.0" encoding="utf-8"?>
-<p:sld xmlns:a="http://schemas.openxmlformats.org/drawingml/2006/main" xmlns:r="http://schemas.openxmlformats.org/officeDocument/2006/relationships" xmlns:p="http://schemas.openxmlformats.org/presentationml/2006/main">
-  <p:cSld>
-    <p:spTree>
-      <p:nvGrpSpPr>
-        <p:cNvPr id="1" name=""/>
-        <p:cNvGrpSpPr/>
-        <p:nvPr/>
-      </p:nvGrpSpPr>
-      <p:grpSpPr>
-        <a:xfrm>
-          <a:off x="0" y="0"/>
-          <a:ext cx="0" cy="0"/>
-          <a:chOff x="0" y="0"/>
-          <a:chExt cx="0" cy="0"/>
-        </a:xfrm>
-      </p:grpSpPr>
-      <p:sp>
-        <p:nvSpPr>
-          <p:cNvPr id="2" name="Titre 1"/>
-          <p:cNvSpPr>
-            <a:spLocks noGrp="1"/>
-          </p:cNvSpPr>
-          <p:nvPr>
-            <p:ph type="title"/>
-          </p:nvPr>
-        </p:nvSpPr>
-        <p:spPr/>
-        <p:txBody>
-          <a:bodyPr/>
-          <a:lstStyle/>
-          <a:p>
-            <a:r>
-              <a:rPr lang="fr-FR" dirty="0"/>
-              <a:t>Service BT</a:t>
-            </a:r>
-          </a:p>
-        </p:txBody>
-      </p:sp>
-      <p:sp>
-        <p:nvSpPr>
-          <p:cNvPr id="3" name="Espace réservé du contenu 2"/>
-          <p:cNvSpPr>
-            <a:spLocks noGrp="1"/>
-          </p:cNvSpPr>
-          <p:nvPr>
-            <p:ph idx="1"/>
-          </p:nvPr>
-        </p:nvSpPr>
-        <p:spPr/>
-        <p:txBody>
-          <a:bodyPr/>
-          <a:lstStyle/>
-          <a:p>
-            <a:r>
-              <a:rPr lang="fr-FR" sz="2400" dirty="0" err="1"/>
-              <a:t>uuid</a:t>
-            </a:r>
-            <a:r>
-              <a:rPr lang="fr-FR" sz="2400" dirty="0"/>
-              <a:t> = "94f39d29-7d6d-437d-973b-fba39e49d4ee"</a:t>
-            </a:r>
-          </a:p>
-          <a:p>
-            <a:pPr lvl="1"/>
-            <a:r>
-              <a:rPr lang="fr-FR" sz="2000" dirty="0"/>
-              <a:t>id du service BT</a:t>
-            </a:r>
-          </a:p>
-          <a:p>
-            <a:r>
-              <a:rPr lang="fr-FR" sz="2400" dirty="0" err="1"/>
-              <a:t>sock</a:t>
-            </a:r>
-            <a:r>
-              <a:rPr lang="fr-FR" sz="2400" dirty="0"/>
-              <a:t> = </a:t>
-            </a:r>
-            <a:r>
-              <a:rPr lang="fr-FR" sz="2400" dirty="0" err="1"/>
-              <a:t>bluetooth.BluetoothSocket</a:t>
-            </a:r>
-            <a:r>
-              <a:rPr lang="fr-FR" sz="2400" dirty="0"/>
-              <a:t>(</a:t>
-            </a:r>
-            <a:r>
-              <a:rPr lang="fr-FR" sz="2400" dirty="0" err="1"/>
-              <a:t>bluetooth.RFCOMM</a:t>
-            </a:r>
-            <a:r>
-              <a:rPr lang="fr-FR" sz="2400" dirty="0"/>
-              <a:t>)</a:t>
-            </a:r>
-          </a:p>
-          <a:p>
-            <a:r>
-              <a:rPr lang="fr-FR" sz="2400" dirty="0" err="1"/>
-              <a:t>sock.bind</a:t>
-            </a:r>
-            <a:r>
-              <a:rPr lang="fr-FR" sz="2400" dirty="0"/>
-              <a:t>(("", 0))</a:t>
-            </a:r>
-          </a:p>
-          <a:p>
-            <a:pPr lvl="1"/>
-            <a:r>
-              <a:rPr lang="fr-FR" sz="2000" dirty="0"/>
-              <a:t>Démarre le service sur le </a:t>
-            </a:r>
-            <a:r>
-              <a:rPr lang="fr-FR" sz="2000" dirty="0" err="1"/>
-              <a:t>raspberry</a:t>
-            </a:r>
-            <a:r>
-              <a:rPr lang="fr-FR" sz="2000" dirty="0"/>
-              <a:t> sur le premier port disponible</a:t>
-            </a:r>
-          </a:p>
-          <a:p>
-            <a:r>
-              <a:rPr lang="fr-FR" sz="2400" dirty="0" err="1"/>
-              <a:t>sock.listen</a:t>
-            </a:r>
-            <a:r>
-              <a:rPr lang="fr-FR" sz="2400" dirty="0"/>
-              <a:t>(1)</a:t>
-            </a:r>
-          </a:p>
-          <a:p>
-            <a:pPr lvl="1"/>
-            <a:r>
-              <a:rPr lang="fr-FR" sz="2000" dirty="0"/>
-              <a:t>Attend une connexion</a:t>
-            </a:r>
-          </a:p>
-          <a:p>
-            <a:r>
-              <a:rPr lang="fr-FR" sz="2400" dirty="0" err="1"/>
-              <a:t>bluetooth.advertise_service</a:t>
-            </a:r>
-            <a:r>
-              <a:rPr lang="fr-FR" sz="2400" dirty="0"/>
-              <a:t>(</a:t>
-            </a:r>
-            <a:r>
-              <a:rPr lang="fr-FR" sz="2400" dirty="0" err="1"/>
-              <a:t>self.sock</a:t>
-            </a:r>
-            <a:r>
-              <a:rPr lang="fr-FR" sz="2400" dirty="0"/>
-              <a:t>, </a:t>
-            </a:r>
-            <a:r>
-              <a:rPr lang="fr-FR" sz="2400" dirty="0" err="1"/>
-              <a:t>self.service</a:t>
-            </a:r>
-            <a:r>
-              <a:rPr lang="fr-FR" sz="2400" dirty="0"/>
-              <a:t> , </a:t>
-            </a:r>
-            <a:r>
-              <a:rPr lang="fr-FR" sz="2400" dirty="0" err="1"/>
-              <a:t>self.uuid</a:t>
-            </a:r>
-            <a:r>
-              <a:rPr lang="fr-FR" sz="2400" dirty="0"/>
-              <a:t>, [</a:t>
-            </a:r>
-            <a:r>
-              <a:rPr lang="fr-FR" sz="2400" dirty="0" err="1"/>
-              <a:t>uuid</a:t>
-            </a:r>
-            <a:r>
-              <a:rPr lang="fr-FR" sz="2400" dirty="0"/>
-              <a:t>, </a:t>
-            </a:r>
-            <a:r>
-              <a:rPr lang="fr-FR" sz="2400" dirty="0" err="1"/>
-              <a:t>bluetooth.SERIAL_PORT_CLASS</a:t>
-            </a:r>
-            <a:r>
-              <a:rPr lang="fr-FR" sz="2400" dirty="0"/>
-              <a:t>], [</a:t>
-            </a:r>
-            <a:r>
-              <a:rPr lang="fr-FR" sz="2400" dirty="0" err="1"/>
-              <a:t>bluetooth.SERIAL_PORT_PROFILE</a:t>
-            </a:r>
-            <a:r>
-              <a:rPr lang="fr-FR" sz="2400" dirty="0"/>
-              <a:t>])</a:t>
-            </a:r>
-          </a:p>
-          <a:p>
-            <a:pPr lvl="1"/>
-            <a:r>
-              <a:rPr lang="fr-FR" sz="2000" dirty="0"/>
-              <a:t>Publie le service</a:t>
-            </a:r>
-          </a:p>
-          <a:p>
-            <a:r>
-              <a:rPr lang="fr-FR" sz="2400" dirty="0" err="1"/>
-              <a:t>clientsock</a:t>
-            </a:r>
-            <a:r>
-              <a:rPr lang="fr-FR" sz="2400" dirty="0"/>
-              <a:t>, </a:t>
-            </a:r>
-            <a:r>
-              <a:rPr lang="fr-FR" sz="2400" dirty="0" err="1"/>
-              <a:t>clientinfo</a:t>
-            </a:r>
-            <a:r>
-              <a:rPr lang="fr-FR" sz="2400" dirty="0"/>
-              <a:t>= </a:t>
-            </a:r>
-            <a:r>
-              <a:rPr lang="fr-FR" sz="2400" dirty="0" err="1"/>
-              <a:t>self.sock.accept</a:t>
-            </a:r>
-            <a:r>
-              <a:rPr lang="fr-FR" sz="2400" dirty="0"/>
-              <a:t>()</a:t>
-            </a:r>
-          </a:p>
-          <a:p>
-            <a:pPr lvl="1"/>
-            <a:r>
-              <a:rPr lang="fr-FR" sz="2000" dirty="0"/>
-              <a:t>Accepte </a:t>
-            </a:r>
-            <a:r>
-              <a:rPr lang="fr-FR" sz="2000"/>
-              <a:t>la connexion</a:t>
-            </a:r>
-            <a:endParaRPr lang="fr-FR" sz="2000" dirty="0"/>
-          </a:p>
-          <a:p>
-            <a:endParaRPr lang="fr-FR" sz="2400" dirty="0"/>
-          </a:p>
-        </p:txBody>
-      </p:sp>
-    </p:spTree>
-    <p:extLst>
-      <p:ext uri="{BB962C8B-B14F-4D97-AF65-F5344CB8AC3E}">
-        <p14:creationId xmlns:p14="http://schemas.microsoft.com/office/powerpoint/2010/main" val="4158836457"/>
-      </p:ext>
-    </p:extLst>
-  </p:cSld>
-  <p:clrMapOvr>
-    <a:masterClrMapping/>
-  </p:clrMapOvr>
-</p:sld>
-</file>
-
-<file path=ppt/slides/slide15.xml><?xml version="1.0" encoding="utf-8"?>
-<p:sld xmlns:a="http://schemas.openxmlformats.org/drawingml/2006/main" xmlns:r="http://schemas.openxmlformats.org/officeDocument/2006/relationships" xmlns:p="http://schemas.openxmlformats.org/presentationml/2006/main">
-  <p:cSld>
-    <p:spTree>
-      <p:nvGrpSpPr>
-        <p:cNvPr id="1" name=""/>
-        <p:cNvGrpSpPr/>
-        <p:nvPr/>
-      </p:nvGrpSpPr>
-      <p:grpSpPr>
-        <a:xfrm>
-          <a:off x="0" y="0"/>
-          <a:ext cx="0" cy="0"/>
-          <a:chOff x="0" y="0"/>
-          <a:chExt cx="0" cy="0"/>
-        </a:xfrm>
-      </p:grpSpPr>
-      <p:sp>
-        <p:nvSpPr>
-          <p:cNvPr id="2" name="Titre 1"/>
-          <p:cNvSpPr>
-            <a:spLocks noGrp="1"/>
-          </p:cNvSpPr>
-          <p:nvPr>
-            <p:ph type="title"/>
-          </p:nvPr>
-        </p:nvSpPr>
-        <p:spPr/>
-        <p:txBody>
-          <a:bodyPr/>
-          <a:lstStyle/>
-          <a:p>
-            <a:r>
-              <a:rPr lang="fr-FR" dirty="0"/>
-              <a:t>Radio</a:t>
-            </a:r>
-          </a:p>
-        </p:txBody>
-      </p:sp>
-      <p:sp>
-        <p:nvSpPr>
-          <p:cNvPr id="3" name="Espace réservé du contenu 2"/>
-          <p:cNvSpPr>
-            <a:spLocks noGrp="1"/>
-          </p:cNvSpPr>
-          <p:nvPr>
-            <p:ph idx="1"/>
-          </p:nvPr>
-        </p:nvSpPr>
-        <p:spPr/>
-        <p:txBody>
-          <a:bodyPr/>
-          <a:lstStyle/>
-          <a:p>
-            <a:r>
-              <a:rPr lang="fr-FR" dirty="0"/>
-              <a:t>Les ondes radio de type 433MHz sont très utilisés</a:t>
-            </a:r>
-          </a:p>
-          <a:p>
-            <a:pPr lvl="1"/>
-            <a:r>
-              <a:rPr lang="fr-FR" dirty="0"/>
-              <a:t>Télécommande</a:t>
-            </a:r>
-          </a:p>
-          <a:p>
-            <a:pPr lvl="1"/>
-            <a:r>
-              <a:rPr lang="fr-FR" dirty="0"/>
-              <a:t>Plus limité (soit </a:t>
-            </a:r>
-            <a:r>
-              <a:rPr lang="fr-FR" dirty="0" err="1"/>
-              <a:t>Rx</a:t>
-            </a:r>
-            <a:r>
-              <a:rPr lang="fr-FR" dirty="0"/>
-              <a:t> soit </a:t>
-            </a:r>
-            <a:r>
-              <a:rPr lang="fr-FR" dirty="0" err="1"/>
-              <a:t>Tx</a:t>
-            </a:r>
-            <a:r>
-              <a:rPr lang="fr-FR" dirty="0"/>
-              <a:t>)</a:t>
-            </a:r>
-          </a:p>
-          <a:p>
-            <a:pPr lvl="1"/>
-            <a:r>
-              <a:rPr lang="fr-FR" dirty="0"/>
-              <a:t>Peu sécurisé</a:t>
-            </a:r>
-          </a:p>
-          <a:p>
-            <a:pPr lvl="1"/>
-            <a:r>
-              <a:rPr lang="fr-FR" dirty="0"/>
-              <a:t>Peu chère</a:t>
-            </a:r>
-          </a:p>
-          <a:p>
-            <a:pPr lvl="1"/>
-            <a:endParaRPr lang="fr-FR" dirty="0"/>
-          </a:p>
-        </p:txBody>
-      </p:sp>
-      <p:pic>
-        <p:nvPicPr>
-          <p:cNvPr id="3074" name="Picture 2" descr="Résultat de recherche d'images pour &quot;433MHz arduino grove&quot;"/>
-          <p:cNvPicPr>
-            <a:picLocks noChangeAspect="1" noChangeArrowheads="1"/>
-          </p:cNvPicPr>
-          <p:nvPr/>
-        </p:nvPicPr>
-        <p:blipFill>
-          <a:blip r:embed="rId2">
-            <a:extLst>
-              <a:ext uri="{28A0092B-C50C-407E-A947-70E740481C1C}">
-                <a14:useLocalDpi xmlns:a14="http://schemas.microsoft.com/office/drawing/2010/main" val="0"/>
-              </a:ext>
-            </a:extLst>
-          </a:blip>
-          <a:srcRect/>
-          <a:stretch>
-            <a:fillRect/>
-          </a:stretch>
-        </p:blipFill>
-        <p:spPr bwMode="auto">
-          <a:xfrm>
-            <a:off x="4845215" y="3272716"/>
-            <a:ext cx="4272409" cy="3204307"/>
-          </a:xfrm>
-          <a:prstGeom prst="rect">
-            <a:avLst/>
-          </a:prstGeom>
-          <a:noFill/>
-          <a:extLst>
-            <a:ext uri="{909E8E84-426E-40DD-AFC4-6F175D3DCCD1}">
-              <a14:hiddenFill xmlns:a14="http://schemas.microsoft.com/office/drawing/2010/main">
-                <a:solidFill>
-                  <a:srgbClr val="FFFFFF"/>
-                </a:solidFill>
-              </a14:hiddenFill>
-            </a:ext>
-          </a:extLst>
-        </p:spPr>
-      </p:pic>
-    </p:spTree>
-    <p:extLst>
-      <p:ext uri="{BB962C8B-B14F-4D97-AF65-F5344CB8AC3E}">
-        <p14:creationId xmlns:p14="http://schemas.microsoft.com/office/powerpoint/2010/main" val="2827323390"/>
-      </p:ext>
-    </p:extLst>
-  </p:cSld>
-  <p:clrMapOvr>
-    <a:masterClrMapping/>
-  </p:clrMapOvr>
-</p:sld>
-</file>
-
-<file path=ppt/slides/slide2.xml><?xml version="1.0" encoding="utf-8"?>
-<p:sld xmlns:a="http://schemas.openxmlformats.org/drawingml/2006/main" xmlns:r="http://schemas.openxmlformats.org/officeDocument/2006/relationships" xmlns:p="http://schemas.openxmlformats.org/presentationml/2006/main">
-  <p:cSld>
-    <p:spTree>
-      <p:nvGrpSpPr>
-        <p:cNvPr id="1" name=""/>
-        <p:cNvGrpSpPr/>
-        <p:nvPr/>
-      </p:nvGrpSpPr>
-      <p:grpSpPr>
-        <a:xfrm>
-          <a:off x="0" y="0"/>
-          <a:ext cx="0" cy="0"/>
-          <a:chOff x="0" y="0"/>
-          <a:chExt cx="0" cy="0"/>
-        </a:xfrm>
-      </p:grpSpPr>
-      <p:sp>
-        <p:nvSpPr>
-          <p:cNvPr id="2" name="Titre 1"/>
-          <p:cNvSpPr>
-            <a:spLocks noGrp="1"/>
-          </p:cNvSpPr>
-          <p:nvPr>
-            <p:ph type="title"/>
-          </p:nvPr>
-        </p:nvSpPr>
-        <p:spPr/>
-        <p:txBody>
-          <a:bodyPr/>
-          <a:lstStyle/>
-          <a:p>
-            <a:r>
-              <a:rPr lang="fr-FR" dirty="0"/>
-              <a:t>Les liaisons sans fils</a:t>
-            </a:r>
-          </a:p>
-        </p:txBody>
-      </p:sp>
-      <p:sp>
-        <p:nvSpPr>
-          <p:cNvPr id="3" name="Espace réservé du contenu 2"/>
-          <p:cNvSpPr>
-            <a:spLocks noGrp="1"/>
-          </p:cNvSpPr>
-          <p:nvPr>
-            <p:ph idx="1"/>
-          </p:nvPr>
-        </p:nvSpPr>
-        <p:spPr/>
-        <p:txBody>
-          <a:bodyPr/>
-          <a:lstStyle/>
-          <a:p>
-            <a:r>
-              <a:rPr lang="fr-FR" dirty="0"/>
-              <a:t>Les liaisons sans fils sont plébiscitées par leur simplicité</a:t>
-            </a:r>
-          </a:p>
-          <a:p>
-            <a:r>
-              <a:rPr lang="fr-FR" dirty="0"/>
-              <a:t>Mais chacune a ces avantages et inconvénient</a:t>
-            </a:r>
-          </a:p>
-          <a:p>
-            <a:endParaRPr lang="fr-FR" dirty="0"/>
-          </a:p>
-          <a:p>
-            <a:endParaRPr lang="fr-FR" dirty="0"/>
-          </a:p>
-        </p:txBody>
-      </p:sp>
-    </p:spTree>
-    <p:extLst>
-      <p:ext uri="{BB962C8B-B14F-4D97-AF65-F5344CB8AC3E}">
-        <p14:creationId xmlns:p14="http://schemas.microsoft.com/office/powerpoint/2010/main" val="530874864"/>
-      </p:ext>
-    </p:extLst>
-  </p:cSld>
-  <p:clrMapOvr>
-    <a:masterClrMapping/>
-  </p:clrMapOvr>
-</p:sld>
-</file>
-
-<file path=ppt/slides/slide3.xml><?xml version="1.0" encoding="utf-8"?>
-<p:sld xmlns:a="http://schemas.openxmlformats.org/drawingml/2006/main" xmlns:r="http://schemas.openxmlformats.org/officeDocument/2006/relationships" xmlns:p="http://schemas.openxmlformats.org/presentationml/2006/main">
-  <p:cSld>
-    <p:spTree>
-      <p:nvGrpSpPr>
-        <p:cNvPr id="1" name=""/>
-        <p:cNvGrpSpPr/>
-        <p:nvPr/>
-      </p:nvGrpSpPr>
-      <p:grpSpPr>
-        <a:xfrm>
-          <a:off x="0" y="0"/>
-          <a:ext cx="0" cy="0"/>
-          <a:chOff x="0" y="0"/>
-          <a:chExt cx="0" cy="0"/>
-        </a:xfrm>
-      </p:grpSpPr>
-      <p:sp>
-        <p:nvSpPr>
-          <p:cNvPr id="2" name="Titre 1"/>
-          <p:cNvSpPr>
-            <a:spLocks noGrp="1"/>
-          </p:cNvSpPr>
-          <p:nvPr>
-            <p:ph type="title"/>
-          </p:nvPr>
-        </p:nvSpPr>
-        <p:spPr/>
-        <p:txBody>
-          <a:bodyPr/>
-          <a:lstStyle/>
-          <a:p>
-            <a:r>
-              <a:rPr lang="fr-FR" dirty="0"/>
-              <a:t>Définitions</a:t>
-            </a:r>
-          </a:p>
-        </p:txBody>
-      </p:sp>
-      <p:sp>
-        <p:nvSpPr>
-          <p:cNvPr id="3" name="Espace réservé du contenu 2"/>
-          <p:cNvSpPr>
-            <a:spLocks noGrp="1"/>
-          </p:cNvSpPr>
-          <p:nvPr>
-            <p:ph idx="1"/>
-          </p:nvPr>
-        </p:nvSpPr>
-        <p:spPr/>
-        <p:txBody>
-          <a:bodyPr/>
-          <a:lstStyle/>
-          <a:p>
-            <a:r>
-              <a:rPr lang="fr-FR" dirty="0"/>
-              <a:t>LAN</a:t>
-            </a:r>
-          </a:p>
-          <a:p>
-            <a:pPr lvl="1"/>
-            <a:r>
-              <a:rPr lang="fr-FR" dirty="0"/>
-              <a:t>Local Area Network</a:t>
-            </a:r>
-          </a:p>
-          <a:p>
-            <a:pPr lvl="1"/>
-            <a:r>
-              <a:rPr lang="fr-FR" dirty="0"/>
-              <a:t>IP</a:t>
-            </a:r>
-          </a:p>
-          <a:p>
-            <a:r>
-              <a:rPr lang="fr-FR" dirty="0"/>
-              <a:t>WAN</a:t>
-            </a:r>
-          </a:p>
-          <a:p>
-            <a:pPr lvl="1"/>
-            <a:r>
-              <a:rPr lang="fr-FR" dirty="0"/>
-              <a:t>Wide Area Network</a:t>
-            </a:r>
-          </a:p>
-          <a:p>
-            <a:pPr lvl="1"/>
-            <a:r>
-              <a:rPr lang="fr-FR" dirty="0"/>
-              <a:t>Internet - IP - HTTP</a:t>
-            </a:r>
-          </a:p>
-          <a:p>
-            <a:r>
-              <a:rPr lang="fr-FR" dirty="0"/>
-              <a:t>PAN</a:t>
-            </a:r>
-          </a:p>
-          <a:p>
-            <a:pPr lvl="1"/>
-            <a:r>
-              <a:rPr lang="fr-FR" dirty="0" err="1"/>
-              <a:t>Personnal</a:t>
-            </a:r>
-            <a:r>
-              <a:rPr lang="fr-FR" dirty="0"/>
-              <a:t> Area Network</a:t>
-            </a:r>
-          </a:p>
-          <a:p>
-            <a:pPr lvl="1"/>
-            <a:r>
-              <a:rPr lang="fr-FR" dirty="0"/>
-              <a:t>Bluetooth</a:t>
-            </a:r>
-          </a:p>
-          <a:p>
-            <a:r>
-              <a:rPr lang="fr-FR" dirty="0"/>
-              <a:t>HAN</a:t>
-            </a:r>
-          </a:p>
-          <a:p>
-            <a:pPr lvl="1"/>
-            <a:r>
-              <a:rPr lang="fr-FR" dirty="0"/>
-              <a:t>Home Area Network</a:t>
-            </a:r>
-          </a:p>
-        </p:txBody>
-      </p:sp>
-    </p:spTree>
-    <p:extLst>
-      <p:ext uri="{BB962C8B-B14F-4D97-AF65-F5344CB8AC3E}">
-        <p14:creationId xmlns:p14="http://schemas.microsoft.com/office/powerpoint/2010/main" val="3583409999"/>
-      </p:ext>
-    </p:extLst>
-  </p:cSld>
-  <p:clrMapOvr>
-    <a:masterClrMapping/>
-  </p:clrMapOvr>
-</p:sld>
-</file>
-
-<file path=ppt/slides/slide4.xml><?xml version="1.0" encoding="utf-8"?>
-<p:sld xmlns:a="http://schemas.openxmlformats.org/drawingml/2006/main" xmlns:r="http://schemas.openxmlformats.org/officeDocument/2006/relationships" xmlns:p="http://schemas.openxmlformats.org/presentationml/2006/main">
-  <p:cSld>
-    <p:spTree>
-      <p:nvGrpSpPr>
-        <p:cNvPr id="1" name=""/>
-        <p:cNvGrpSpPr/>
-        <p:nvPr/>
-      </p:nvGrpSpPr>
-      <p:grpSpPr>
-        <a:xfrm>
-          <a:off x="0" y="0"/>
-          <a:ext cx="0" cy="0"/>
-          <a:chOff x="0" y="0"/>
-          <a:chExt cx="0" cy="0"/>
-        </a:xfrm>
-      </p:grpSpPr>
-      <p:sp>
-        <p:nvSpPr>
-          <p:cNvPr id="2" name="Titre 1"/>
-          <p:cNvSpPr>
-            <a:spLocks noGrp="1"/>
-          </p:cNvSpPr>
-          <p:nvPr>
-            <p:ph type="title"/>
-          </p:nvPr>
-        </p:nvSpPr>
-        <p:spPr/>
-        <p:txBody>
-          <a:bodyPr/>
-          <a:lstStyle/>
-          <a:p>
-            <a:r>
-              <a:rPr lang="fr-FR" dirty="0"/>
-              <a:t>Wifi</a:t>
-            </a:r>
-          </a:p>
-        </p:txBody>
-      </p:sp>
-      <p:sp>
-        <p:nvSpPr>
-          <p:cNvPr id="3" name="Espace réservé du contenu 2"/>
-          <p:cNvSpPr>
-            <a:spLocks noGrp="1"/>
-          </p:cNvSpPr>
-          <p:nvPr>
-            <p:ph idx="1"/>
-          </p:nvPr>
-        </p:nvSpPr>
-        <p:spPr>
-          <a:xfrm>
-            <a:off x="179512" y="1412776"/>
-            <a:ext cx="5832647" cy="5040560"/>
-          </a:xfrm>
-        </p:spPr>
-        <p:txBody>
-          <a:bodyPr/>
-          <a:lstStyle/>
-          <a:p>
-            <a:r>
-              <a:rPr lang="fr-FR" dirty="0"/>
-              <a:t>Protocole IP de type LAN</a:t>
-            </a:r>
-          </a:p>
-          <a:p>
-            <a:pPr lvl="1"/>
-            <a:r>
-              <a:rPr lang="fr-FR" dirty="0"/>
-              <a:t>Energivore</a:t>
-            </a:r>
-          </a:p>
-          <a:p>
-            <a:pPr lvl="1"/>
-            <a:r>
-              <a:rPr lang="fr-FR" dirty="0"/>
-              <a:t>Fonctionne comme Ethernet</a:t>
-            </a:r>
-          </a:p>
-          <a:p>
-            <a:pPr lvl="1"/>
-            <a:r>
-              <a:rPr lang="fr-FR" dirty="0"/>
-              <a:t>Se configure très facilement sous </a:t>
-            </a:r>
-            <a:r>
-              <a:rPr lang="fr-FR" dirty="0" err="1"/>
-              <a:t>Raspbian</a:t>
-            </a:r>
-            <a:endParaRPr lang="fr-FR" dirty="0"/>
-          </a:p>
-          <a:p>
-            <a:r>
-              <a:rPr lang="fr-FR" dirty="0"/>
-              <a:t>Deux configurations possibles</a:t>
-            </a:r>
-          </a:p>
-          <a:p>
-            <a:pPr lvl="1"/>
-            <a:r>
-              <a:rPr lang="fr-FR" dirty="0"/>
-              <a:t>Avec un routeur (WAN possible)</a:t>
-            </a:r>
-          </a:p>
-          <a:p>
-            <a:pPr lvl="1"/>
-            <a:r>
-              <a:rPr lang="fr-FR" dirty="0"/>
-              <a:t>En mode Ad-hoc, le </a:t>
-            </a:r>
-            <a:r>
-              <a:rPr lang="fr-FR" dirty="0" err="1"/>
-              <a:t>raspberry</a:t>
-            </a:r>
-            <a:r>
-              <a:rPr lang="fr-FR" dirty="0"/>
-              <a:t> se comporte alors comme un routeur</a:t>
-            </a:r>
-          </a:p>
-          <a:p>
-            <a:r>
-              <a:rPr lang="fr-FR" dirty="0"/>
-              <a:t>Se programme avec </a:t>
-            </a:r>
-            <a:r>
-              <a:rPr lang="fr-FR" dirty="0" err="1"/>
-              <a:t>Flask</a:t>
-            </a:r>
-            <a:endParaRPr lang="fr-FR" dirty="0"/>
-          </a:p>
-          <a:p>
-            <a:r>
-              <a:rPr lang="fr-FR" dirty="0"/>
-              <a:t>Sous </a:t>
-            </a:r>
-            <a:r>
-              <a:rPr lang="fr-FR" dirty="0" err="1"/>
-              <a:t>Arduino</a:t>
-            </a:r>
-            <a:r>
-              <a:rPr lang="fr-FR" dirty="0"/>
-              <a:t> nécessite un </a:t>
-            </a:r>
-            <a:r>
-              <a:rPr lang="fr-FR" dirty="0" err="1"/>
-              <a:t>shield</a:t>
-            </a:r>
-            <a:r>
-              <a:rPr lang="fr-FR" dirty="0"/>
-              <a:t> et la librairie </a:t>
-            </a:r>
-            <a:r>
-              <a:rPr lang="fr-FR" dirty="0" err="1"/>
-              <a:t>ethernet</a:t>
-            </a:r>
-            <a:endParaRPr lang="fr-FR" dirty="0"/>
-          </a:p>
-        </p:txBody>
-      </p:sp>
-      <p:pic>
-        <p:nvPicPr>
-          <p:cNvPr id="1026" name="Picture 2" descr="https://store-cdn.arduino.cc/uni/catalog/product/cache/1/image/500x375/f8876a31b63532bbba4e781c30024a0a/s/t/store_a000058_iso.jpg"/>
-          <p:cNvPicPr>
-            <a:picLocks noChangeAspect="1" noChangeArrowheads="1"/>
-          </p:cNvPicPr>
-          <p:nvPr/>
-        </p:nvPicPr>
-        <p:blipFill>
-          <a:blip r:embed="rId2">
-            <a:extLst>
-              <a:ext uri="{28A0092B-C50C-407E-A947-70E740481C1C}">
-                <a14:useLocalDpi xmlns:a14="http://schemas.microsoft.com/office/drawing/2010/main" val="0"/>
-              </a:ext>
-            </a:extLst>
-          </a:blip>
-          <a:srcRect/>
-          <a:stretch>
-            <a:fillRect/>
-          </a:stretch>
-        </p:blipFill>
-        <p:spPr bwMode="auto">
-          <a:xfrm>
-            <a:off x="5707105" y="2276872"/>
-            <a:ext cx="3456384" cy="2592288"/>
-          </a:xfrm>
-          <a:prstGeom prst="rect">
-            <a:avLst/>
-          </a:prstGeom>
-          <a:noFill/>
-          <a:extLst>
-            <a:ext uri="{909E8E84-426E-40DD-AFC4-6F175D3DCCD1}">
-              <a14:hiddenFill xmlns:a14="http://schemas.microsoft.com/office/drawing/2010/main">
-                <a:solidFill>
-                  <a:srgbClr val="FFFFFF"/>
-                </a:solidFill>
-              </a14:hiddenFill>
-            </a:ext>
-          </a:extLst>
-        </p:spPr>
-      </p:pic>
-    </p:spTree>
-    <p:extLst>
-      <p:ext uri="{BB962C8B-B14F-4D97-AF65-F5344CB8AC3E}">
-        <p14:creationId xmlns:p14="http://schemas.microsoft.com/office/powerpoint/2010/main" val="3683430218"/>
-      </p:ext>
-    </p:extLst>
-  </p:cSld>
-  <p:clrMapOvr>
-    <a:masterClrMapping/>
-  </p:clrMapOvr>
-</p:sld>
-</file>
-
-<file path=ppt/slides/slide5.xml><?xml version="1.0" encoding="utf-8"?>
-<p:sld xmlns:a="http://schemas.openxmlformats.org/drawingml/2006/main" xmlns:r="http://schemas.openxmlformats.org/officeDocument/2006/relationships" xmlns:p="http://schemas.openxmlformats.org/presentationml/2006/main">
-  <p:cSld>
-    <p:spTree>
-      <p:nvGrpSpPr>
-        <p:cNvPr id="1" name=""/>
-        <p:cNvGrpSpPr/>
-        <p:nvPr/>
-      </p:nvGrpSpPr>
-      <p:grpSpPr>
-        <a:xfrm>
-          <a:off x="0" y="0"/>
-          <a:ext cx="0" cy="0"/>
-          <a:chOff x="0" y="0"/>
-          <a:chExt cx="0" cy="0"/>
-        </a:xfrm>
-      </p:grpSpPr>
-      <p:sp>
-        <p:nvSpPr>
-          <p:cNvPr id="2" name="Titre 1"/>
-          <p:cNvSpPr>
-            <a:spLocks noGrp="1"/>
-          </p:cNvSpPr>
-          <p:nvPr>
-            <p:ph type="title"/>
-          </p:nvPr>
-        </p:nvSpPr>
-        <p:spPr/>
-        <p:txBody>
-          <a:bodyPr/>
-          <a:lstStyle/>
-          <a:p>
-            <a:r>
-              <a:rPr lang="fr-FR" dirty="0"/>
-              <a:t>Bluetooth</a:t>
-            </a:r>
-          </a:p>
-        </p:txBody>
-      </p:sp>
-      <p:sp>
-        <p:nvSpPr>
-          <p:cNvPr id="3" name="Espace réservé du contenu 2"/>
-          <p:cNvSpPr>
-            <a:spLocks noGrp="1"/>
-          </p:cNvSpPr>
-          <p:nvPr>
-            <p:ph idx="1"/>
-          </p:nvPr>
-        </p:nvSpPr>
-        <p:spPr/>
-        <p:txBody>
-          <a:bodyPr/>
-          <a:lstStyle/>
-          <a:p>
-            <a:r>
-              <a:rPr lang="fr-FR" dirty="0"/>
-              <a:t>Le Bluetooth est un protocole sans fil de type PAN</a:t>
-            </a:r>
-          </a:p>
-          <a:p>
-            <a:r>
-              <a:rPr lang="fr-FR" dirty="0"/>
-              <a:t>Bluetooth 5 a une portée de 20m et passe les murs</a:t>
-            </a:r>
-          </a:p>
-          <a:p>
-            <a:r>
-              <a:rPr lang="fr-FR" dirty="0"/>
-              <a:t>Bluetooth 5 LE (</a:t>
-            </a:r>
-            <a:r>
-              <a:rPr lang="fr-FR" dirty="0" err="1"/>
-              <a:t>Low</a:t>
-            </a:r>
-            <a:r>
-              <a:rPr lang="fr-FR" dirty="0"/>
-              <a:t> </a:t>
-            </a:r>
-            <a:r>
-              <a:rPr lang="fr-FR" dirty="0" err="1"/>
-              <a:t>Energy</a:t>
-            </a:r>
-            <a:r>
-              <a:rPr lang="fr-FR" dirty="0"/>
-              <a:t>) a une portée de l'ordre du mètre</a:t>
-            </a:r>
-          </a:p>
-          <a:p>
-            <a:r>
-              <a:rPr lang="fr-FR" dirty="0"/>
-              <a:t>BT RFCOMM est le protocole Bluetooth qui permet d'avoir une liaison série en Bluetooth</a:t>
-            </a:r>
-          </a:p>
-          <a:p>
-            <a:pPr lvl="1"/>
-            <a:r>
-              <a:rPr lang="fr-FR" dirty="0"/>
-              <a:t>Multi ports</a:t>
-            </a:r>
-          </a:p>
-          <a:p>
-            <a:pPr lvl="1"/>
-            <a:r>
-              <a:rPr lang="fr-FR" dirty="0"/>
-              <a:t>Permets jusqu'à 50 canaux de communication</a:t>
-            </a:r>
-          </a:p>
-          <a:p>
-            <a:endParaRPr lang="fr-FR" dirty="0"/>
-          </a:p>
-        </p:txBody>
-      </p:sp>
-    </p:spTree>
-    <p:extLst>
-      <p:ext uri="{BB962C8B-B14F-4D97-AF65-F5344CB8AC3E}">
-        <p14:creationId xmlns:p14="http://schemas.microsoft.com/office/powerpoint/2010/main" val="2029296512"/>
-      </p:ext>
-    </p:extLst>
-  </p:cSld>
-  <p:clrMapOvr>
-    <a:masterClrMapping/>
-  </p:clrMapOvr>
-</p:sld>
-</file>
-
-<file path=ppt/slides/slide6.xml><?xml version="1.0" encoding="utf-8"?>
-<p:sld xmlns:a="http://schemas.openxmlformats.org/drawingml/2006/main" xmlns:r="http://schemas.openxmlformats.org/officeDocument/2006/relationships" xmlns:p="http://schemas.openxmlformats.org/presentationml/2006/main">
-  <p:cSld>
-    <p:spTree>
-      <p:nvGrpSpPr>
-        <p:cNvPr id="1" name=""/>
-        <p:cNvGrpSpPr/>
-        <p:nvPr/>
-      </p:nvGrpSpPr>
-      <p:grpSpPr>
-        <a:xfrm>
-          <a:off x="0" y="0"/>
-          <a:ext cx="0" cy="0"/>
-          <a:chOff x="0" y="0"/>
-          <a:chExt cx="0" cy="0"/>
-        </a:xfrm>
-      </p:grpSpPr>
-      <p:sp>
-        <p:nvSpPr>
-          <p:cNvPr id="2" name="Titre 1"/>
-          <p:cNvSpPr>
-            <a:spLocks noGrp="1"/>
-          </p:cNvSpPr>
-          <p:nvPr>
-            <p:ph type="title"/>
-          </p:nvPr>
-        </p:nvSpPr>
-        <p:spPr/>
-        <p:txBody>
-          <a:bodyPr/>
-          <a:lstStyle/>
-          <a:p>
-            <a:r>
-              <a:rPr lang="fr-FR" dirty="0" err="1"/>
-              <a:t>Arduino</a:t>
-            </a:r>
-            <a:r>
-              <a:rPr lang="fr-FR" dirty="0"/>
-              <a:t> - BT</a:t>
-            </a:r>
-          </a:p>
-        </p:txBody>
-      </p:sp>
-      <p:sp>
-        <p:nvSpPr>
-          <p:cNvPr id="3" name="Espace réservé du contenu 2"/>
-          <p:cNvSpPr>
-            <a:spLocks noGrp="1"/>
-          </p:cNvSpPr>
-          <p:nvPr>
-            <p:ph idx="1"/>
-          </p:nvPr>
-        </p:nvSpPr>
-        <p:spPr/>
-        <p:txBody>
-          <a:bodyPr/>
-          <a:lstStyle/>
-          <a:p>
-            <a:r>
-              <a:rPr lang="fr-FR" dirty="0"/>
-              <a:t>Le module basé sur le processeur HC05 permet une liaison Bluetooth 3</a:t>
-            </a:r>
-          </a:p>
-          <a:p>
-            <a:pPr lvl="1"/>
-            <a:r>
-              <a:rPr lang="fr-FR" dirty="0"/>
-              <a:t>Maitre : diffuse le signal</a:t>
-            </a:r>
-          </a:p>
-          <a:p>
-            <a:pPr lvl="1"/>
-            <a:r>
-              <a:rPr lang="fr-FR" dirty="0"/>
-              <a:t>Esclave : réceptionne et répond</a:t>
-            </a:r>
-          </a:p>
-          <a:p>
-            <a:r>
-              <a:rPr lang="fr-FR" dirty="0"/>
-              <a:t>Peut passer par l'UART par les I/O 0 et 1</a:t>
-            </a:r>
-          </a:p>
-          <a:p>
-            <a:r>
-              <a:rPr lang="fr-FR" dirty="0"/>
-              <a:t>Peut passer par </a:t>
-            </a:r>
-            <a:r>
-              <a:rPr lang="fr-FR" dirty="0" err="1"/>
-              <a:t>SoftwareSerial</a:t>
-            </a:r>
-            <a:endParaRPr lang="fr-FR" dirty="0"/>
-          </a:p>
-          <a:p>
-            <a:pPr lvl="1"/>
-            <a:r>
-              <a:rPr lang="fr-FR" dirty="0" err="1"/>
-              <a:t>SoftwareSerial</a:t>
-            </a:r>
-            <a:r>
-              <a:rPr lang="fr-FR" dirty="0"/>
-              <a:t> </a:t>
-            </a:r>
-            <a:r>
-              <a:rPr lang="fr-FR" dirty="0" err="1"/>
-              <a:t>blueToothSerial</a:t>
-            </a:r>
-            <a:r>
-              <a:rPr lang="fr-FR" dirty="0"/>
-              <a:t>(7,6)</a:t>
-            </a:r>
-          </a:p>
-          <a:p>
-            <a:r>
-              <a:rPr lang="fr-FR" dirty="0"/>
-              <a:t>Fonctionne comme un port série classique</a:t>
-            </a:r>
-          </a:p>
-          <a:p>
-            <a:endParaRPr lang="fr-FR" dirty="0"/>
-          </a:p>
-        </p:txBody>
-      </p:sp>
-      <p:pic>
-        <p:nvPicPr>
-          <p:cNvPr id="2050" name="Picture 2" descr="Module Bluetooth Grove 113020008"/>
-          <p:cNvPicPr>
-            <a:picLocks noChangeAspect="1" noChangeArrowheads="1"/>
-          </p:cNvPicPr>
-          <p:nvPr/>
-        </p:nvPicPr>
-        <p:blipFill>
-          <a:blip r:embed="rId2">
-            <a:extLst>
-              <a:ext uri="{28A0092B-C50C-407E-A947-70E740481C1C}">
-                <a14:useLocalDpi xmlns:a14="http://schemas.microsoft.com/office/drawing/2010/main" val="0"/>
-              </a:ext>
-            </a:extLst>
-          </a:blip>
-          <a:srcRect/>
-          <a:stretch>
-            <a:fillRect/>
-          </a:stretch>
-        </p:blipFill>
-        <p:spPr bwMode="auto">
-          <a:xfrm>
-            <a:off x="7127776" y="1844824"/>
-            <a:ext cx="2016224" cy="1897212"/>
-          </a:xfrm>
-          <a:prstGeom prst="rect">
-            <a:avLst/>
-          </a:prstGeom>
-          <a:noFill/>
-          <a:extLst>
-            <a:ext uri="{909E8E84-426E-40DD-AFC4-6F175D3DCCD1}">
-              <a14:hiddenFill xmlns:a14="http://schemas.microsoft.com/office/drawing/2010/main">
-                <a:solidFill>
-                  <a:srgbClr val="FFFFFF"/>
-                </a:solidFill>
-              </a14:hiddenFill>
-            </a:ext>
-          </a:extLst>
-        </p:spPr>
-      </p:pic>
-    </p:spTree>
-    <p:extLst>
-      <p:ext uri="{BB962C8B-B14F-4D97-AF65-F5344CB8AC3E}">
-        <p14:creationId xmlns:p14="http://schemas.microsoft.com/office/powerpoint/2010/main" val="3904718942"/>
-      </p:ext>
-    </p:extLst>
-  </p:cSld>
-  <p:clrMapOvr>
-    <a:masterClrMapping/>
-  </p:clrMapOvr>
-</p:sld>
-</file>
-
-<file path=ppt/slides/slide7.xml><?xml version="1.0" encoding="utf-8"?>
-<p:sld xmlns:a="http://schemas.openxmlformats.org/drawingml/2006/main" xmlns:r="http://schemas.openxmlformats.org/officeDocument/2006/relationships" xmlns:p="http://schemas.openxmlformats.org/presentationml/2006/main">
-  <p:cSld>
-    <p:spTree>
-      <p:nvGrpSpPr>
-        <p:cNvPr id="1" name=""/>
-        <p:cNvGrpSpPr/>
-        <p:nvPr/>
-      </p:nvGrpSpPr>
-      <p:grpSpPr>
-        <a:xfrm>
-          <a:off x="0" y="0"/>
-          <a:ext cx="0" cy="0"/>
-          <a:chOff x="0" y="0"/>
-          <a:chExt cx="0" cy="0"/>
-        </a:xfrm>
-      </p:grpSpPr>
-      <p:sp>
-        <p:nvSpPr>
-          <p:cNvPr id="2" name="Titre 1"/>
-          <p:cNvSpPr>
-            <a:spLocks noGrp="1"/>
-          </p:cNvSpPr>
-          <p:nvPr>
-            <p:ph type="title"/>
-          </p:nvPr>
-        </p:nvSpPr>
-        <p:spPr/>
-        <p:txBody>
-          <a:bodyPr/>
-          <a:lstStyle/>
-          <a:p>
-            <a:r>
-              <a:rPr lang="fr-FR" dirty="0"/>
-              <a:t>AT</a:t>
-            </a:r>
-          </a:p>
-        </p:txBody>
-      </p:sp>
-      <p:sp>
-        <p:nvSpPr>
-          <p:cNvPr id="3" name="Espace réservé du contenu 2"/>
-          <p:cNvSpPr>
-            <a:spLocks noGrp="1"/>
-          </p:cNvSpPr>
-          <p:nvPr>
-            <p:ph idx="1"/>
-          </p:nvPr>
-        </p:nvSpPr>
-        <p:spPr/>
-        <p:txBody>
-          <a:bodyPr/>
-          <a:lstStyle/>
-          <a:p>
-            <a:r>
-              <a:rPr lang="fr-FR" sz="2000" dirty="0"/>
-              <a:t>Le Bluetooth nécessite des paramètres supplémentaires par rapport à la liaison série</a:t>
-            </a:r>
-          </a:p>
-          <a:p>
-            <a:r>
-              <a:rPr lang="fr-FR" sz="2000" dirty="0"/>
-              <a:t>Le protocole AT permet de définir certains paramètres</a:t>
-            </a:r>
-          </a:p>
-          <a:p>
-            <a:r>
-              <a:rPr lang="fr-FR" sz="2000" dirty="0" err="1"/>
-              <a:t>blueToothSerial.print</a:t>
-            </a:r>
-            <a:r>
-              <a:rPr lang="fr-FR" sz="2000" dirty="0"/>
-              <a:t>("AT");</a:t>
-            </a:r>
-          </a:p>
-          <a:p>
-            <a:pPr lvl="1"/>
-            <a:r>
-              <a:rPr lang="fr-FR" sz="1800" dirty="0"/>
-              <a:t>Démarre AT</a:t>
-            </a:r>
-          </a:p>
-          <a:p>
-            <a:r>
-              <a:rPr lang="fr-FR" sz="2000" dirty="0"/>
-              <a:t> </a:t>
-            </a:r>
-            <a:r>
-              <a:rPr lang="fr-FR" sz="2000" dirty="0" err="1"/>
-              <a:t>blueToothSerial.print</a:t>
-            </a:r>
-            <a:r>
-              <a:rPr lang="fr-FR" sz="2000" dirty="0"/>
-              <a:t>("AT+DEFAULT");</a:t>
-            </a:r>
-          </a:p>
-          <a:p>
-            <a:pPr lvl="1"/>
-            <a:r>
-              <a:rPr lang="fr-FR" sz="1800" dirty="0"/>
-              <a:t>reset</a:t>
-            </a:r>
-          </a:p>
-          <a:p>
-            <a:r>
-              <a:rPr lang="fr-FR" sz="2000" dirty="0"/>
-              <a:t> </a:t>
-            </a:r>
-            <a:r>
-              <a:rPr lang="fr-FR" sz="2000" dirty="0" err="1"/>
-              <a:t>blueToothSerial.print</a:t>
-            </a:r>
-            <a:r>
-              <a:rPr lang="fr-FR" sz="2000" dirty="0"/>
-              <a:t>("</a:t>
-            </a:r>
-            <a:r>
-              <a:rPr lang="fr-FR" sz="2000" dirty="0" err="1"/>
-              <a:t>AT+NAMECyrilBT</a:t>
-            </a:r>
-            <a:r>
-              <a:rPr lang="fr-FR" sz="2000" dirty="0"/>
-              <a:t>");</a:t>
-            </a:r>
-          </a:p>
-          <a:p>
-            <a:pPr lvl="1"/>
-            <a:r>
-              <a:rPr lang="fr-FR" sz="1800" dirty="0"/>
-              <a:t>Nom du </a:t>
-            </a:r>
-            <a:r>
-              <a:rPr lang="fr-FR" sz="1800" dirty="0" err="1"/>
-              <a:t>device</a:t>
-            </a:r>
-            <a:r>
-              <a:rPr lang="fr-FR" sz="1800" dirty="0"/>
-              <a:t> BT, 12 caractères max</a:t>
-            </a:r>
-          </a:p>
-          <a:p>
-            <a:r>
-              <a:rPr lang="fr-FR" sz="2000" dirty="0" err="1"/>
-              <a:t>blueToothSerial.print</a:t>
-            </a:r>
-            <a:r>
-              <a:rPr lang="fr-FR" sz="2000" dirty="0"/>
-              <a:t>("AT+PIN0000");</a:t>
-            </a:r>
-          </a:p>
-          <a:p>
-            <a:pPr lvl="1"/>
-            <a:r>
-              <a:rPr lang="fr-FR" sz="1800" dirty="0"/>
-              <a:t>Code PIN</a:t>
-            </a:r>
-          </a:p>
-          <a:p>
-            <a:r>
-              <a:rPr lang="fr-FR" sz="2000" dirty="0" err="1"/>
-              <a:t>blueToothSerial.print</a:t>
-            </a:r>
-            <a:r>
-              <a:rPr lang="fr-FR" sz="2000" dirty="0"/>
-              <a:t>("AT+AUTH0");</a:t>
-            </a:r>
-          </a:p>
-          <a:p>
-            <a:pPr lvl="1"/>
-            <a:r>
-              <a:rPr lang="fr-FR" sz="1800" dirty="0" err="1"/>
-              <a:t>Désative</a:t>
-            </a:r>
-            <a:r>
-              <a:rPr lang="fr-FR" sz="1800" dirty="0"/>
-              <a:t> l'authentification</a:t>
-            </a:r>
-          </a:p>
-          <a:p>
-            <a:r>
-              <a:rPr lang="fr-FR" sz="2000" dirty="0" err="1"/>
-              <a:t>blueToothSerial.flush</a:t>
-            </a:r>
-            <a:r>
-              <a:rPr lang="fr-FR" sz="2000" dirty="0"/>
-              <a:t>();</a:t>
-            </a:r>
-          </a:p>
-          <a:p>
-            <a:pPr lvl="1"/>
-            <a:r>
-              <a:rPr lang="fr-FR" sz="1800" dirty="0"/>
-              <a:t>Vide le cache</a:t>
-            </a:r>
-            <a:endParaRPr lang="fr-FR" sz="2000" dirty="0"/>
-          </a:p>
-        </p:txBody>
-      </p:sp>
-    </p:spTree>
-    <p:extLst>
-      <p:ext uri="{BB962C8B-B14F-4D97-AF65-F5344CB8AC3E}">
-        <p14:creationId xmlns:p14="http://schemas.microsoft.com/office/powerpoint/2010/main" val="58307210"/>
-      </p:ext>
-    </p:extLst>
-  </p:cSld>
-  <p:clrMapOvr>
-    <a:masterClrMapping/>
-  </p:clrMapOvr>
-</p:sld>
-</file>
-
-<file path=ppt/slides/slide8.xml><?xml version="1.0" encoding="utf-8"?>
-<p:sld xmlns:a="http://schemas.openxmlformats.org/drawingml/2006/main" xmlns:r="http://schemas.openxmlformats.org/officeDocument/2006/relationships" xmlns:p="http://schemas.openxmlformats.org/presentationml/2006/main">
-  <p:cSld>
-    <p:spTree>
-      <p:nvGrpSpPr>
-        <p:cNvPr id="1" name=""/>
-        <p:cNvGrpSpPr/>
-        <p:nvPr/>
-      </p:nvGrpSpPr>
-      <p:grpSpPr>
-        <a:xfrm>
-          <a:off x="0" y="0"/>
-          <a:ext cx="0" cy="0"/>
-          <a:chOff x="0" y="0"/>
-          <a:chExt cx="0" cy="0"/>
-        </a:xfrm>
-      </p:grpSpPr>
-      <p:sp>
-        <p:nvSpPr>
-          <p:cNvPr id="2" name="Titre 1"/>
-          <p:cNvSpPr>
-            <a:spLocks noGrp="1"/>
-          </p:cNvSpPr>
-          <p:nvPr>
-            <p:ph type="title"/>
-          </p:nvPr>
-        </p:nvSpPr>
-        <p:spPr/>
-        <p:txBody>
-          <a:bodyPr/>
-          <a:lstStyle/>
-          <a:p>
-            <a:r>
-              <a:rPr lang="fr-FR" dirty="0"/>
-              <a:t>Android</a:t>
-            </a:r>
-          </a:p>
-        </p:txBody>
-      </p:sp>
-      <p:sp>
-        <p:nvSpPr>
-          <p:cNvPr id="3" name="Espace réservé du contenu 2"/>
-          <p:cNvSpPr>
-            <a:spLocks noGrp="1"/>
-          </p:cNvSpPr>
-          <p:nvPr>
-            <p:ph idx="1"/>
-          </p:nvPr>
-        </p:nvSpPr>
-        <p:spPr/>
-        <p:txBody>
-          <a:bodyPr/>
-          <a:lstStyle/>
-          <a:p>
-            <a:r>
-              <a:rPr lang="fr-FR" dirty="0"/>
-              <a:t>Android est un bon outil pour tester une liaison </a:t>
-            </a:r>
-            <a:r>
-              <a:rPr lang="fr-FR" dirty="0" err="1"/>
-              <a:t>bluetooth</a:t>
-            </a:r>
-            <a:endParaRPr lang="fr-FR" dirty="0"/>
-          </a:p>
-          <a:p>
-            <a:pPr lvl="1"/>
-            <a:r>
-              <a:rPr lang="fr-FR" dirty="0"/>
-              <a:t>Il faut d'abord appairer le téléphone avec l'</a:t>
-            </a:r>
-            <a:r>
-              <a:rPr lang="fr-FR" dirty="0" err="1"/>
-              <a:t>Arduino</a:t>
-            </a:r>
-            <a:endParaRPr lang="fr-FR" dirty="0"/>
-          </a:p>
-          <a:p>
-            <a:r>
-              <a:rPr lang="fr-FR" dirty="0"/>
-              <a:t>Puis installer Serial Bluetooth Terminal</a:t>
-            </a:r>
-          </a:p>
-          <a:p>
-            <a:endParaRPr lang="fr-FR" dirty="0"/>
-          </a:p>
-        </p:txBody>
-      </p:sp>
-      <p:pic>
-        <p:nvPicPr>
-          <p:cNvPr id="4" name="Image 3"/>
-          <p:cNvPicPr/>
-          <p:nvPr/>
-        </p:nvPicPr>
-        <p:blipFill>
-          <a:blip r:embed="rId2"/>
-          <a:stretch>
-            <a:fillRect/>
-          </a:stretch>
-        </p:blipFill>
-        <p:spPr>
-          <a:xfrm>
-            <a:off x="3690999" y="3414861"/>
-            <a:ext cx="1743075" cy="3038475"/>
-          </a:xfrm>
-          <a:prstGeom prst="rect">
-            <a:avLst/>
-          </a:prstGeom>
-        </p:spPr>
-      </p:pic>
-    </p:spTree>
-    <p:extLst>
-      <p:ext uri="{BB962C8B-B14F-4D97-AF65-F5344CB8AC3E}">
-        <p14:creationId xmlns:p14="http://schemas.microsoft.com/office/powerpoint/2010/main" val="2908125897"/>
-      </p:ext>
-    </p:extLst>
-  </p:cSld>
-  <p:clrMapOvr>
-    <a:masterClrMapping/>
-  </p:clrMapOvr>
-</p:sld>
-</file>
-
-<file path=ppt/slides/slide9.xml><?xml version="1.0" encoding="utf-8"?>
-<p:sld xmlns:a="http://schemas.openxmlformats.org/drawingml/2006/main" xmlns:r="http://schemas.openxmlformats.org/officeDocument/2006/relationships" xmlns:p="http://schemas.openxmlformats.org/presentationml/2006/main">
-  <p:cSld>
-    <p:spTree>
-      <p:nvGrpSpPr>
-        <p:cNvPr id="1" name=""/>
-        <p:cNvGrpSpPr/>
-        <p:nvPr/>
-      </p:nvGrpSpPr>
-      <p:grpSpPr>
-        <a:xfrm>
-          <a:off x="0" y="0"/>
-          <a:ext cx="0" cy="0"/>
-          <a:chOff x="0" y="0"/>
-          <a:chExt cx="0" cy="0"/>
-        </a:xfrm>
-      </p:grpSpPr>
-      <p:sp>
-        <p:nvSpPr>
-          <p:cNvPr id="2" name="Titre 1"/>
-          <p:cNvSpPr>
-            <a:spLocks noGrp="1"/>
-          </p:cNvSpPr>
-          <p:nvPr>
-            <p:ph type="title"/>
-          </p:nvPr>
-        </p:nvSpPr>
-        <p:spPr/>
-        <p:txBody>
-          <a:bodyPr/>
-          <a:lstStyle/>
-          <a:p>
-            <a:r>
-              <a:rPr lang="fr-FR" dirty="0" err="1"/>
               <a:t>Raspberry</a:t>
             </a:r>
             <a:endParaRPr lang="fr-FR" dirty="0"/>
@@ -6559,6 +3912,2653 @@
     <p:extLst>
       <p:ext uri="{BB962C8B-B14F-4D97-AF65-F5344CB8AC3E}">
         <p14:creationId xmlns:p14="http://schemas.microsoft.com/office/powerpoint/2010/main" val="2597199517"/>
+      </p:ext>
+    </p:extLst>
+  </p:cSld>
+  <p:clrMapOvr>
+    <a:masterClrMapping/>
+  </p:clrMapOvr>
+</p:sld>
+</file>
+
+<file path=ppt/slides/slide11.xml><?xml version="1.0" encoding="utf-8"?>
+<p:sld xmlns:a="http://schemas.openxmlformats.org/drawingml/2006/main" xmlns:r="http://schemas.openxmlformats.org/officeDocument/2006/relationships" xmlns:p="http://schemas.openxmlformats.org/presentationml/2006/main">
+  <p:cSld>
+    <p:spTree>
+      <p:nvGrpSpPr>
+        <p:cNvPr id="1" name=""/>
+        <p:cNvGrpSpPr/>
+        <p:nvPr/>
+      </p:nvGrpSpPr>
+      <p:grpSpPr>
+        <a:xfrm>
+          <a:off x="0" y="0"/>
+          <a:ext cx="0" cy="0"/>
+          <a:chOff x="0" y="0"/>
+          <a:chExt cx="0" cy="0"/>
+        </a:xfrm>
+      </p:grpSpPr>
+      <p:sp>
+        <p:nvSpPr>
+          <p:cNvPr id="2" name="Titre 1"/>
+          <p:cNvSpPr>
+            <a:spLocks noGrp="1"/>
+          </p:cNvSpPr>
+          <p:nvPr>
+            <p:ph type="title"/>
+          </p:nvPr>
+        </p:nvSpPr>
+        <p:spPr/>
+        <p:txBody>
+          <a:bodyPr/>
+          <a:lstStyle/>
+          <a:p>
+            <a:r>
+              <a:rPr lang="fr-FR" dirty="0" err="1"/>
+              <a:t>PyBluez</a:t>
+            </a:r>
+            <a:endParaRPr lang="fr-FR" dirty="0"/>
+          </a:p>
+        </p:txBody>
+      </p:sp>
+      <p:sp>
+        <p:nvSpPr>
+          <p:cNvPr id="3" name="Espace réservé du contenu 2"/>
+          <p:cNvSpPr>
+            <a:spLocks noGrp="1"/>
+          </p:cNvSpPr>
+          <p:nvPr>
+            <p:ph idx="1"/>
+          </p:nvPr>
+        </p:nvSpPr>
+        <p:spPr/>
+        <p:txBody>
+          <a:bodyPr/>
+          <a:lstStyle/>
+          <a:p>
+            <a:r>
+              <a:rPr lang="fr-FR" dirty="0" err="1"/>
+              <a:t>PyBluez</a:t>
+            </a:r>
+            <a:r>
+              <a:rPr lang="fr-FR" dirty="0"/>
+              <a:t> est la librairie Python pour le </a:t>
+            </a:r>
+            <a:r>
+              <a:rPr lang="fr-FR" dirty="0" err="1"/>
+              <a:t>bluetooth</a:t>
+            </a:r>
+            <a:endParaRPr lang="fr-FR" dirty="0"/>
+          </a:p>
+          <a:p>
+            <a:r>
+              <a:rPr lang="fr-FR" dirty="0"/>
+              <a:t>Installation parfois délicate</a:t>
+            </a:r>
+          </a:p>
+          <a:p>
+            <a:pPr lvl="1"/>
+            <a:r>
+              <a:rPr lang="fr-FR" dirty="0" err="1"/>
+              <a:t>sudo</a:t>
+            </a:r>
+            <a:r>
+              <a:rPr lang="fr-FR" dirty="0"/>
+              <a:t> </a:t>
+            </a:r>
+            <a:r>
+              <a:rPr lang="fr-FR" dirty="0" err="1"/>
+              <a:t>apt-get</a:t>
+            </a:r>
+            <a:r>
+              <a:rPr lang="fr-FR" dirty="0"/>
+              <a:t> </a:t>
+            </a:r>
+            <a:r>
+              <a:rPr lang="fr-FR" dirty="0" err="1"/>
+              <a:t>install</a:t>
+            </a:r>
+            <a:r>
+              <a:rPr lang="fr-FR" dirty="0"/>
+              <a:t> -y libbluetooth3=5.50-1+b12</a:t>
+            </a:r>
+          </a:p>
+          <a:p>
+            <a:pPr lvl="1"/>
+            <a:r>
+              <a:rPr lang="fr-FR" dirty="0" err="1"/>
+              <a:t>sudo</a:t>
+            </a:r>
+            <a:r>
+              <a:rPr lang="fr-FR" dirty="0"/>
+              <a:t> </a:t>
+            </a:r>
+            <a:r>
+              <a:rPr lang="fr-FR" dirty="0" err="1"/>
+              <a:t>apt-get</a:t>
+            </a:r>
+            <a:r>
+              <a:rPr lang="fr-FR" dirty="0"/>
+              <a:t> </a:t>
+            </a:r>
+            <a:r>
+              <a:rPr lang="fr-FR" dirty="0" err="1"/>
+              <a:t>install</a:t>
+            </a:r>
+            <a:r>
+              <a:rPr lang="fr-FR" dirty="0"/>
+              <a:t> -y </a:t>
+            </a:r>
+            <a:r>
+              <a:rPr lang="fr-FR" dirty="0" err="1"/>
+              <a:t>bluetooth</a:t>
+            </a:r>
+            <a:r>
+              <a:rPr lang="fr-FR" dirty="0"/>
+              <a:t> </a:t>
+            </a:r>
+            <a:r>
+              <a:rPr lang="fr-FR" dirty="0" err="1"/>
+              <a:t>libbluetooth-dev</a:t>
+            </a:r>
+            <a:endParaRPr lang="fr-FR" dirty="0"/>
+          </a:p>
+          <a:p>
+            <a:pPr lvl="1"/>
+            <a:r>
+              <a:rPr lang="fr-FR" dirty="0"/>
+              <a:t>pip3 </a:t>
+            </a:r>
+            <a:r>
+              <a:rPr lang="fr-FR" dirty="0" err="1"/>
+              <a:t>install</a:t>
+            </a:r>
+            <a:r>
+              <a:rPr lang="fr-FR" dirty="0"/>
+              <a:t> </a:t>
+            </a:r>
+            <a:r>
+              <a:rPr lang="fr-FR" dirty="0" err="1"/>
+              <a:t>PyBluez</a:t>
+            </a:r>
+            <a:endParaRPr lang="fr-FR" dirty="0"/>
+          </a:p>
+          <a:p>
+            <a:pPr lvl="1"/>
+            <a:endParaRPr lang="fr-FR" dirty="0"/>
+          </a:p>
+        </p:txBody>
+      </p:sp>
+    </p:spTree>
+    <p:extLst>
+      <p:ext uri="{BB962C8B-B14F-4D97-AF65-F5344CB8AC3E}">
+        <p14:creationId xmlns:p14="http://schemas.microsoft.com/office/powerpoint/2010/main" val="917858140"/>
+      </p:ext>
+    </p:extLst>
+  </p:cSld>
+  <p:clrMapOvr>
+    <a:masterClrMapping/>
+  </p:clrMapOvr>
+</p:sld>
+</file>
+
+<file path=ppt/slides/slide12.xml><?xml version="1.0" encoding="utf-8"?>
+<p:sld xmlns:a="http://schemas.openxmlformats.org/drawingml/2006/main" xmlns:r="http://schemas.openxmlformats.org/officeDocument/2006/relationships" xmlns:p="http://schemas.openxmlformats.org/presentationml/2006/main">
+  <p:cSld>
+    <p:spTree>
+      <p:nvGrpSpPr>
+        <p:cNvPr id="1" name=""/>
+        <p:cNvGrpSpPr/>
+        <p:nvPr/>
+      </p:nvGrpSpPr>
+      <p:grpSpPr>
+        <a:xfrm>
+          <a:off x="0" y="0"/>
+          <a:ext cx="0" cy="0"/>
+          <a:chOff x="0" y="0"/>
+          <a:chExt cx="0" cy="0"/>
+        </a:xfrm>
+      </p:grpSpPr>
+      <p:sp>
+        <p:nvSpPr>
+          <p:cNvPr id="2" name="Titre 1"/>
+          <p:cNvSpPr>
+            <a:spLocks noGrp="1"/>
+          </p:cNvSpPr>
+          <p:nvPr>
+            <p:ph type="title"/>
+          </p:nvPr>
+        </p:nvSpPr>
+        <p:spPr/>
+        <p:txBody>
+          <a:bodyPr/>
+          <a:lstStyle/>
+          <a:p>
+            <a:r>
+              <a:rPr lang="fr-FR" dirty="0" err="1"/>
+              <a:t>PyBluez</a:t>
+            </a:r>
+            <a:endParaRPr lang="fr-FR" dirty="0"/>
+          </a:p>
+        </p:txBody>
+      </p:sp>
+      <p:sp>
+        <p:nvSpPr>
+          <p:cNvPr id="3" name="Espace réservé du contenu 2"/>
+          <p:cNvSpPr>
+            <a:spLocks noGrp="1"/>
+          </p:cNvSpPr>
+          <p:nvPr>
+            <p:ph idx="1"/>
+          </p:nvPr>
+        </p:nvSpPr>
+        <p:spPr/>
+        <p:txBody>
+          <a:bodyPr/>
+          <a:lstStyle/>
+          <a:p>
+            <a:r>
+              <a:rPr lang="fr-FR" dirty="0"/>
+              <a:t>En mode maitre l'installation est cette fois très difficile</a:t>
+            </a:r>
+          </a:p>
+          <a:p>
+            <a:pPr lvl="1"/>
+            <a:r>
+              <a:rPr lang="fr-FR" sz="1400" dirty="0" err="1"/>
+              <a:t>sudo</a:t>
+            </a:r>
+            <a:r>
+              <a:rPr lang="fr-FR" sz="1400" dirty="0"/>
+              <a:t> nano /</a:t>
+            </a:r>
+            <a:r>
+              <a:rPr lang="fr-FR" sz="1400" dirty="0" err="1"/>
+              <a:t>etc</a:t>
+            </a:r>
+            <a:r>
+              <a:rPr lang="fr-FR" sz="1400" dirty="0"/>
+              <a:t>/</a:t>
+            </a:r>
+            <a:r>
+              <a:rPr lang="fr-FR" sz="1400" dirty="0" err="1"/>
+              <a:t>systemd</a:t>
+            </a:r>
+            <a:r>
+              <a:rPr lang="fr-FR" sz="1400" dirty="0"/>
+              <a:t>/system/</a:t>
+            </a:r>
+            <a:r>
+              <a:rPr lang="fr-FR" sz="1400" dirty="0" err="1"/>
+              <a:t>dbus-org.bluez.service</a:t>
+            </a:r>
+            <a:endParaRPr lang="fr-FR" sz="1400" dirty="0"/>
+          </a:p>
+          <a:p>
+            <a:pPr lvl="1"/>
+            <a:r>
+              <a:rPr lang="fr-FR" sz="1400" dirty="0" err="1"/>
+              <a:t>Add</a:t>
+            </a:r>
+            <a:r>
+              <a:rPr lang="fr-FR" sz="1400" dirty="0"/>
+              <a:t> –C at the end of </a:t>
+            </a:r>
+            <a:r>
+              <a:rPr lang="fr-FR" sz="1400" dirty="0" err="1"/>
+              <a:t>ExecStart</a:t>
+            </a:r>
+            <a:r>
+              <a:rPr lang="fr-FR" sz="1400" dirty="0"/>
+              <a:t>=/</a:t>
+            </a:r>
+            <a:r>
+              <a:rPr lang="fr-FR" sz="1400" dirty="0" err="1"/>
+              <a:t>usr</a:t>
+            </a:r>
+            <a:r>
+              <a:rPr lang="fr-FR" sz="1400" dirty="0"/>
+              <a:t>/lib/</a:t>
+            </a:r>
+            <a:r>
+              <a:rPr lang="fr-FR" sz="1400" dirty="0" err="1"/>
+              <a:t>bluetooth</a:t>
+            </a:r>
+            <a:r>
+              <a:rPr lang="fr-FR" sz="1400" dirty="0"/>
+              <a:t>/</a:t>
+            </a:r>
+            <a:r>
+              <a:rPr lang="fr-FR" sz="1400" dirty="0" err="1"/>
+              <a:t>bluetoothd</a:t>
+            </a:r>
+            <a:endParaRPr lang="fr-FR" sz="1400" dirty="0"/>
+          </a:p>
+          <a:p>
+            <a:pPr lvl="1"/>
+            <a:r>
+              <a:rPr lang="fr-FR" sz="1400" dirty="0" err="1"/>
+              <a:t>sudo</a:t>
+            </a:r>
+            <a:r>
+              <a:rPr lang="fr-FR" sz="1400" dirty="0"/>
+              <a:t> </a:t>
+            </a:r>
+            <a:r>
+              <a:rPr lang="fr-FR" sz="1400" dirty="0" err="1"/>
+              <a:t>sdptool</a:t>
+            </a:r>
+            <a:r>
+              <a:rPr lang="fr-FR" sz="1400" dirty="0"/>
+              <a:t> </a:t>
+            </a:r>
+            <a:r>
+              <a:rPr lang="fr-FR" sz="1400" dirty="0" err="1"/>
+              <a:t>add</a:t>
+            </a:r>
+            <a:r>
+              <a:rPr lang="fr-FR" sz="1400" dirty="0"/>
+              <a:t> SP</a:t>
+            </a:r>
+          </a:p>
+          <a:p>
+            <a:pPr lvl="1"/>
+            <a:r>
+              <a:rPr lang="fr-FR" sz="1400" dirty="0" err="1"/>
+              <a:t>sudo</a:t>
+            </a:r>
+            <a:r>
+              <a:rPr lang="fr-FR" sz="1400" dirty="0"/>
+              <a:t> </a:t>
+            </a:r>
+            <a:r>
+              <a:rPr lang="fr-FR" sz="1400" dirty="0" err="1"/>
+              <a:t>systemctl</a:t>
+            </a:r>
+            <a:r>
+              <a:rPr lang="fr-FR" sz="1400" dirty="0"/>
+              <a:t> daemon-</a:t>
+            </a:r>
+            <a:r>
+              <a:rPr lang="fr-FR" sz="1400" dirty="0" err="1"/>
+              <a:t>reload</a:t>
+            </a:r>
+            <a:endParaRPr lang="fr-FR" sz="1400" dirty="0"/>
+          </a:p>
+          <a:p>
+            <a:pPr lvl="1"/>
+            <a:r>
+              <a:rPr lang="fr-FR" sz="1400" dirty="0" err="1"/>
+              <a:t>sudo</a:t>
+            </a:r>
+            <a:r>
+              <a:rPr lang="fr-FR" sz="1400" dirty="0"/>
+              <a:t> service </a:t>
+            </a:r>
+            <a:r>
+              <a:rPr lang="fr-FR" sz="1400" dirty="0" err="1"/>
+              <a:t>bluetooth</a:t>
+            </a:r>
+            <a:r>
+              <a:rPr lang="fr-FR" sz="1400" dirty="0"/>
+              <a:t> restart</a:t>
+            </a:r>
+          </a:p>
+          <a:p>
+            <a:pPr lvl="1"/>
+            <a:r>
+              <a:rPr lang="fr-FR" sz="1400" dirty="0" err="1"/>
+              <a:t>sudo</a:t>
+            </a:r>
+            <a:r>
+              <a:rPr lang="fr-FR" sz="1400" dirty="0"/>
+              <a:t> </a:t>
+            </a:r>
+            <a:r>
+              <a:rPr lang="fr-FR" sz="1400" dirty="0" err="1"/>
+              <a:t>usermod</a:t>
+            </a:r>
+            <a:r>
+              <a:rPr lang="fr-FR" sz="1400" dirty="0"/>
+              <a:t> -G </a:t>
+            </a:r>
+            <a:r>
+              <a:rPr lang="fr-FR" sz="1400" dirty="0" err="1"/>
+              <a:t>bluetooth</a:t>
+            </a:r>
+            <a:r>
+              <a:rPr lang="fr-FR" sz="1400" dirty="0"/>
+              <a:t> -a pi</a:t>
+            </a:r>
+          </a:p>
+          <a:p>
+            <a:pPr lvl="1"/>
+            <a:r>
+              <a:rPr lang="fr-FR" sz="1400" dirty="0" err="1"/>
+              <a:t>sudo</a:t>
+            </a:r>
+            <a:r>
+              <a:rPr lang="fr-FR" sz="1400" dirty="0"/>
+              <a:t> </a:t>
+            </a:r>
+            <a:r>
+              <a:rPr lang="fr-FR" sz="1400" dirty="0" err="1"/>
+              <a:t>chgrp</a:t>
+            </a:r>
+            <a:r>
+              <a:rPr lang="fr-FR" sz="1400" dirty="0"/>
+              <a:t> </a:t>
+            </a:r>
+            <a:r>
+              <a:rPr lang="fr-FR" sz="1400" dirty="0" err="1"/>
+              <a:t>bluetooth</a:t>
+            </a:r>
+            <a:r>
+              <a:rPr lang="fr-FR" sz="1400" dirty="0"/>
+              <a:t> /var/</a:t>
+            </a:r>
+            <a:r>
+              <a:rPr lang="fr-FR" sz="1400" dirty="0" err="1"/>
+              <a:t>run</a:t>
+            </a:r>
+            <a:r>
+              <a:rPr lang="fr-FR" sz="1400" dirty="0"/>
+              <a:t>/</a:t>
+            </a:r>
+            <a:r>
+              <a:rPr lang="fr-FR" sz="1400" dirty="0" err="1"/>
+              <a:t>sdp</a:t>
+            </a:r>
+            <a:endParaRPr lang="fr-FR" sz="1400" dirty="0"/>
+          </a:p>
+          <a:p>
+            <a:pPr lvl="1"/>
+            <a:r>
+              <a:rPr lang="fr-FR" sz="1400" dirty="0" err="1"/>
+              <a:t>sudo</a:t>
+            </a:r>
+            <a:r>
+              <a:rPr lang="fr-FR" sz="1400" dirty="0"/>
+              <a:t> </a:t>
+            </a:r>
+            <a:r>
+              <a:rPr lang="fr-FR" sz="1400" dirty="0" err="1"/>
+              <a:t>cp</a:t>
+            </a:r>
+            <a:r>
+              <a:rPr lang="fr-FR" sz="1400" dirty="0"/>
+              <a:t> config/var-</a:t>
+            </a:r>
+            <a:r>
+              <a:rPr lang="fr-FR" sz="1400" dirty="0" err="1"/>
+              <a:t>run</a:t>
+            </a:r>
+            <a:r>
+              <a:rPr lang="fr-FR" sz="1400" dirty="0"/>
+              <a:t>-</a:t>
+            </a:r>
+            <a:r>
+              <a:rPr lang="fr-FR" sz="1400" dirty="0" err="1"/>
+              <a:t>sdp.path</a:t>
+            </a:r>
+            <a:r>
+              <a:rPr lang="fr-FR" sz="1400" dirty="0"/>
+              <a:t> /</a:t>
+            </a:r>
+            <a:r>
+              <a:rPr lang="fr-FR" sz="1400" dirty="0" err="1"/>
+              <a:t>etc</a:t>
+            </a:r>
+            <a:r>
+              <a:rPr lang="fr-FR" sz="1400" dirty="0"/>
+              <a:t>/</a:t>
+            </a:r>
+            <a:r>
+              <a:rPr lang="fr-FR" sz="1400" dirty="0" err="1"/>
+              <a:t>systemd</a:t>
+            </a:r>
+            <a:r>
+              <a:rPr lang="fr-FR" sz="1400" dirty="0"/>
+              <a:t>/system/var-</a:t>
+            </a:r>
+            <a:r>
+              <a:rPr lang="fr-FR" sz="1400" dirty="0" err="1"/>
+              <a:t>run</a:t>
+            </a:r>
+            <a:r>
+              <a:rPr lang="fr-FR" sz="1400" dirty="0"/>
+              <a:t>-</a:t>
+            </a:r>
+            <a:r>
+              <a:rPr lang="fr-FR" sz="1400" dirty="0" err="1"/>
+              <a:t>sdp.path</a:t>
+            </a:r>
+            <a:endParaRPr lang="fr-FR" sz="1400" dirty="0"/>
+          </a:p>
+          <a:p>
+            <a:pPr lvl="1"/>
+            <a:r>
+              <a:rPr lang="fr-FR" sz="1400" dirty="0" err="1"/>
+              <a:t>sudo</a:t>
+            </a:r>
+            <a:r>
+              <a:rPr lang="fr-FR" sz="1400" dirty="0"/>
+              <a:t> </a:t>
+            </a:r>
+            <a:r>
+              <a:rPr lang="fr-FR" sz="1400" dirty="0" err="1"/>
+              <a:t>cp</a:t>
+            </a:r>
+            <a:r>
+              <a:rPr lang="fr-FR" sz="1400" dirty="0"/>
+              <a:t> config/var-</a:t>
+            </a:r>
+            <a:r>
+              <a:rPr lang="fr-FR" sz="1400" dirty="0" err="1"/>
+              <a:t>run</a:t>
+            </a:r>
+            <a:r>
+              <a:rPr lang="fr-FR" sz="1400" dirty="0"/>
+              <a:t>-</a:t>
+            </a:r>
+            <a:r>
+              <a:rPr lang="fr-FR" sz="1400" dirty="0" err="1"/>
+              <a:t>sdp.service</a:t>
+            </a:r>
+            <a:r>
+              <a:rPr lang="fr-FR" sz="1400" dirty="0"/>
+              <a:t> /</a:t>
+            </a:r>
+            <a:r>
+              <a:rPr lang="fr-FR" sz="1400" dirty="0" err="1"/>
+              <a:t>etc</a:t>
+            </a:r>
+            <a:r>
+              <a:rPr lang="fr-FR" sz="1400" dirty="0"/>
+              <a:t>/</a:t>
+            </a:r>
+            <a:r>
+              <a:rPr lang="fr-FR" sz="1400" dirty="0" err="1"/>
+              <a:t>systemd</a:t>
+            </a:r>
+            <a:r>
+              <a:rPr lang="fr-FR" sz="1400" dirty="0"/>
+              <a:t>/system/var-</a:t>
+            </a:r>
+            <a:r>
+              <a:rPr lang="fr-FR" sz="1400" dirty="0" err="1"/>
+              <a:t>run</a:t>
+            </a:r>
+            <a:r>
+              <a:rPr lang="fr-FR" sz="1400" dirty="0"/>
+              <a:t>-</a:t>
+            </a:r>
+            <a:r>
+              <a:rPr lang="fr-FR" sz="1400" dirty="0" err="1"/>
+              <a:t>sdp.service</a:t>
+            </a:r>
+            <a:endParaRPr lang="fr-FR" sz="1400" dirty="0"/>
+          </a:p>
+          <a:p>
+            <a:pPr lvl="1"/>
+            <a:r>
+              <a:rPr lang="fr-FR" sz="1400" dirty="0" err="1"/>
+              <a:t>sudo</a:t>
+            </a:r>
+            <a:r>
+              <a:rPr lang="fr-FR" sz="1400" dirty="0"/>
+              <a:t> </a:t>
+            </a:r>
+            <a:r>
+              <a:rPr lang="fr-FR" sz="1400" dirty="0" err="1"/>
+              <a:t>systemctl</a:t>
+            </a:r>
+            <a:r>
+              <a:rPr lang="fr-FR" sz="1400" dirty="0"/>
+              <a:t> daemon-</a:t>
+            </a:r>
+            <a:r>
+              <a:rPr lang="fr-FR" sz="1400" dirty="0" err="1"/>
+              <a:t>reload</a:t>
+            </a:r>
+            <a:endParaRPr lang="fr-FR" sz="1400" dirty="0"/>
+          </a:p>
+          <a:p>
+            <a:pPr lvl="1"/>
+            <a:r>
+              <a:rPr lang="fr-FR" sz="1400" dirty="0" err="1"/>
+              <a:t>sudo</a:t>
+            </a:r>
+            <a:r>
+              <a:rPr lang="fr-FR" sz="1400" dirty="0"/>
+              <a:t> </a:t>
+            </a:r>
+            <a:r>
+              <a:rPr lang="fr-FR" sz="1400" dirty="0" err="1"/>
+              <a:t>systemctl</a:t>
+            </a:r>
+            <a:r>
+              <a:rPr lang="fr-FR" sz="1400" dirty="0"/>
+              <a:t> </a:t>
+            </a:r>
+            <a:r>
+              <a:rPr lang="fr-FR" sz="1400" dirty="0" err="1"/>
+              <a:t>enable</a:t>
+            </a:r>
+            <a:r>
+              <a:rPr lang="fr-FR" sz="1400" dirty="0"/>
+              <a:t> var-</a:t>
+            </a:r>
+            <a:r>
+              <a:rPr lang="fr-FR" sz="1400" dirty="0" err="1"/>
+              <a:t>run</a:t>
+            </a:r>
+            <a:r>
+              <a:rPr lang="fr-FR" sz="1400" dirty="0"/>
+              <a:t>-</a:t>
+            </a:r>
+            <a:r>
+              <a:rPr lang="fr-FR" sz="1400" dirty="0" err="1"/>
+              <a:t>sdp.path</a:t>
+            </a:r>
+            <a:endParaRPr lang="fr-FR" sz="1400" dirty="0"/>
+          </a:p>
+          <a:p>
+            <a:pPr lvl="1"/>
+            <a:r>
+              <a:rPr lang="fr-FR" sz="1400" dirty="0" err="1"/>
+              <a:t>sudo</a:t>
+            </a:r>
+            <a:r>
+              <a:rPr lang="fr-FR" sz="1400" dirty="0"/>
+              <a:t> </a:t>
+            </a:r>
+            <a:r>
+              <a:rPr lang="fr-FR" sz="1400" dirty="0" err="1"/>
+              <a:t>systemctl</a:t>
+            </a:r>
+            <a:r>
+              <a:rPr lang="fr-FR" sz="1400" dirty="0"/>
+              <a:t> </a:t>
+            </a:r>
+            <a:r>
+              <a:rPr lang="fr-FR" sz="1400" dirty="0" err="1"/>
+              <a:t>enable</a:t>
+            </a:r>
+            <a:r>
+              <a:rPr lang="fr-FR" sz="1400" dirty="0"/>
+              <a:t> var-</a:t>
+            </a:r>
+            <a:r>
+              <a:rPr lang="fr-FR" sz="1400" dirty="0" err="1"/>
+              <a:t>run</a:t>
+            </a:r>
+            <a:r>
+              <a:rPr lang="fr-FR" sz="1400" dirty="0"/>
+              <a:t>-</a:t>
+            </a:r>
+            <a:r>
+              <a:rPr lang="fr-FR" sz="1400" dirty="0" err="1"/>
+              <a:t>sdp.service</a:t>
+            </a:r>
+            <a:endParaRPr lang="fr-FR" sz="1400" dirty="0"/>
+          </a:p>
+          <a:p>
+            <a:pPr lvl="1"/>
+            <a:r>
+              <a:rPr lang="fr-FR" sz="1400" dirty="0" err="1"/>
+              <a:t>sudo</a:t>
+            </a:r>
+            <a:r>
+              <a:rPr lang="fr-FR" sz="1400" dirty="0"/>
+              <a:t> </a:t>
+            </a:r>
+            <a:r>
+              <a:rPr lang="fr-FR" sz="1400" dirty="0" err="1"/>
+              <a:t>systemctl</a:t>
+            </a:r>
+            <a:r>
+              <a:rPr lang="fr-FR" sz="1400" dirty="0"/>
+              <a:t> </a:t>
+            </a:r>
+            <a:r>
+              <a:rPr lang="fr-FR" sz="1400" dirty="0" err="1"/>
+              <a:t>start</a:t>
+            </a:r>
+            <a:r>
+              <a:rPr lang="fr-FR" sz="1400" dirty="0"/>
+              <a:t> var-</a:t>
+            </a:r>
+            <a:r>
+              <a:rPr lang="fr-FR" sz="1400" dirty="0" err="1"/>
+              <a:t>run</a:t>
+            </a:r>
+            <a:r>
+              <a:rPr lang="fr-FR" sz="1400" dirty="0"/>
+              <a:t>-</a:t>
+            </a:r>
+            <a:r>
+              <a:rPr lang="fr-FR" sz="1400" dirty="0" err="1"/>
+              <a:t>sdp.path</a:t>
+            </a:r>
+            <a:endParaRPr lang="fr-FR" sz="1400" dirty="0"/>
+          </a:p>
+          <a:p>
+            <a:pPr lvl="1"/>
+            <a:r>
+              <a:rPr lang="fr-FR" sz="1400" dirty="0" err="1"/>
+              <a:t>sudo</a:t>
+            </a:r>
+            <a:r>
+              <a:rPr lang="fr-FR" sz="1400" dirty="0"/>
+              <a:t> </a:t>
+            </a:r>
+            <a:r>
+              <a:rPr lang="fr-FR" sz="1400" dirty="0" err="1"/>
+              <a:t>usermod</a:t>
+            </a:r>
+            <a:r>
+              <a:rPr lang="fr-FR" sz="1400" dirty="0"/>
+              <a:t> -</a:t>
+            </a:r>
+            <a:r>
+              <a:rPr lang="fr-FR" sz="1400" dirty="0" err="1"/>
+              <a:t>aG</a:t>
+            </a:r>
+            <a:r>
+              <a:rPr lang="fr-FR" sz="1400" dirty="0"/>
+              <a:t> </a:t>
+            </a:r>
+            <a:r>
+              <a:rPr lang="fr-FR" sz="1400" dirty="0" err="1"/>
+              <a:t>bluetooth</a:t>
+            </a:r>
+            <a:r>
+              <a:rPr lang="fr-FR" sz="1400" dirty="0"/>
+              <a:t> pi</a:t>
+            </a:r>
+          </a:p>
+          <a:p>
+            <a:endParaRPr lang="fr-FR" dirty="0"/>
+          </a:p>
+        </p:txBody>
+      </p:sp>
+    </p:spTree>
+    <p:extLst>
+      <p:ext uri="{BB962C8B-B14F-4D97-AF65-F5344CB8AC3E}">
+        <p14:creationId xmlns:p14="http://schemas.microsoft.com/office/powerpoint/2010/main" val="2761666835"/>
+      </p:ext>
+    </p:extLst>
+  </p:cSld>
+  <p:clrMapOvr>
+    <a:masterClrMapping/>
+  </p:clrMapOvr>
+</p:sld>
+</file>
+
+<file path=ppt/slides/slide13.xml><?xml version="1.0" encoding="utf-8"?>
+<p:sld xmlns:a="http://schemas.openxmlformats.org/drawingml/2006/main" xmlns:r="http://schemas.openxmlformats.org/officeDocument/2006/relationships" xmlns:p="http://schemas.openxmlformats.org/presentationml/2006/main">
+  <p:cSld>
+    <p:spTree>
+      <p:nvGrpSpPr>
+        <p:cNvPr id="1" name=""/>
+        <p:cNvGrpSpPr/>
+        <p:nvPr/>
+      </p:nvGrpSpPr>
+      <p:grpSpPr>
+        <a:xfrm>
+          <a:off x="0" y="0"/>
+          <a:ext cx="0" cy="0"/>
+          <a:chOff x="0" y="0"/>
+          <a:chExt cx="0" cy="0"/>
+        </a:xfrm>
+      </p:grpSpPr>
+      <p:sp>
+        <p:nvSpPr>
+          <p:cNvPr id="2" name="Titre 1"/>
+          <p:cNvSpPr>
+            <a:spLocks noGrp="1"/>
+          </p:cNvSpPr>
+          <p:nvPr>
+            <p:ph type="title"/>
+          </p:nvPr>
+        </p:nvSpPr>
+        <p:spPr/>
+        <p:txBody>
+          <a:bodyPr/>
+          <a:lstStyle/>
+          <a:p>
+            <a:r>
+              <a:rPr lang="fr-FR" dirty="0" err="1"/>
+              <a:t>PyBluez</a:t>
+            </a:r>
+            <a:endParaRPr lang="fr-FR" dirty="0"/>
+          </a:p>
+        </p:txBody>
+      </p:sp>
+      <p:sp>
+        <p:nvSpPr>
+          <p:cNvPr id="3" name="Espace réservé du contenu 2"/>
+          <p:cNvSpPr>
+            <a:spLocks noGrp="1"/>
+          </p:cNvSpPr>
+          <p:nvPr>
+            <p:ph idx="1"/>
+          </p:nvPr>
+        </p:nvSpPr>
+        <p:spPr/>
+        <p:txBody>
+          <a:bodyPr/>
+          <a:lstStyle/>
+          <a:p>
+            <a:r>
+              <a:rPr lang="fr-FR" sz="2400" dirty="0"/>
+              <a:t>import </a:t>
+            </a:r>
+            <a:r>
+              <a:rPr lang="fr-FR" sz="2400" dirty="0" err="1"/>
+              <a:t>bluetooth</a:t>
+            </a:r>
+            <a:endParaRPr lang="fr-FR" sz="2400" dirty="0"/>
+          </a:p>
+          <a:p>
+            <a:r>
+              <a:rPr lang="fr-FR" sz="2400" dirty="0" err="1"/>
+              <a:t>sock</a:t>
+            </a:r>
+            <a:r>
+              <a:rPr lang="fr-FR" sz="2400" dirty="0"/>
+              <a:t> = </a:t>
+            </a:r>
+            <a:r>
+              <a:rPr lang="fr-FR" sz="2400" dirty="0" err="1"/>
+              <a:t>bluetooth.BluetoothSocket</a:t>
+            </a:r>
+            <a:r>
+              <a:rPr lang="fr-FR" sz="2400" dirty="0"/>
+              <a:t>(</a:t>
+            </a:r>
+            <a:r>
+              <a:rPr lang="fr-FR" sz="2400" dirty="0" err="1"/>
+              <a:t>bluetooth.RFCOMM</a:t>
+            </a:r>
+            <a:r>
+              <a:rPr lang="fr-FR" sz="2400" dirty="0"/>
+              <a:t>)</a:t>
+            </a:r>
+          </a:p>
+          <a:p>
+            <a:pPr lvl="1"/>
+            <a:r>
+              <a:rPr lang="fr-FR" sz="2000" dirty="0"/>
+              <a:t>Instanciation</a:t>
+            </a:r>
+          </a:p>
+          <a:p>
+            <a:r>
+              <a:rPr lang="fr-FR" sz="2400" dirty="0" err="1"/>
+              <a:t>sock.connect</a:t>
+            </a:r>
+            <a:r>
+              <a:rPr lang="fr-FR" sz="2400" dirty="0"/>
+              <a:t>(("00:0E:EA:CF:47:5A", 1))</a:t>
+            </a:r>
+          </a:p>
+          <a:p>
+            <a:pPr lvl="1"/>
+            <a:r>
+              <a:rPr lang="fr-FR" sz="2000" dirty="0"/>
+              <a:t>Initialise la connexion sur l'adresse MAC et le port 1</a:t>
+            </a:r>
+          </a:p>
+          <a:p>
+            <a:pPr lvl="1"/>
+            <a:r>
+              <a:rPr lang="fr-FR" sz="2000" dirty="0"/>
+              <a:t>50 ports disponibles</a:t>
+            </a:r>
+          </a:p>
+          <a:p>
+            <a:r>
+              <a:rPr lang="fr-FR" sz="2400" dirty="0"/>
+              <a:t>data = </a:t>
+            </a:r>
+            <a:r>
+              <a:rPr lang="fr-FR" sz="2400" dirty="0" err="1"/>
+              <a:t>sock.recv</a:t>
+            </a:r>
+            <a:r>
+              <a:rPr lang="fr-FR" sz="2400" dirty="0"/>
+              <a:t>(1024)</a:t>
+            </a:r>
+          </a:p>
+          <a:p>
+            <a:pPr lvl="1"/>
+            <a:r>
+              <a:rPr lang="fr-FR" sz="2000" dirty="0"/>
+              <a:t>Lit le buffer BT jusqu'à 1024 caractères, nécessite un </a:t>
+            </a:r>
+            <a:r>
+              <a:rPr lang="fr-FR" sz="2000" dirty="0" err="1"/>
+              <a:t>decode</a:t>
+            </a:r>
+            <a:r>
+              <a:rPr lang="fr-FR" sz="2000" dirty="0"/>
+              <a:t>() pour lire la chaine</a:t>
+            </a:r>
+          </a:p>
+          <a:p>
+            <a:r>
+              <a:rPr lang="fr-FR" sz="2400" dirty="0" err="1"/>
+              <a:t>sock.send</a:t>
+            </a:r>
+            <a:r>
+              <a:rPr lang="fr-FR" sz="2400" dirty="0"/>
+              <a:t>("Hello\</a:t>
+            </a:r>
+            <a:r>
+              <a:rPr lang="fr-FR" sz="2400" dirty="0" err="1"/>
+              <a:t>n".encode</a:t>
+            </a:r>
+            <a:r>
+              <a:rPr lang="fr-FR" sz="2400" dirty="0"/>
+              <a:t>())</a:t>
+            </a:r>
+          </a:p>
+          <a:p>
+            <a:pPr lvl="1"/>
+            <a:r>
+              <a:rPr lang="fr-FR" sz="2000" dirty="0"/>
+              <a:t>Ecrit</a:t>
+            </a:r>
+          </a:p>
+          <a:p>
+            <a:r>
+              <a:rPr lang="fr-FR" sz="2400" dirty="0" err="1"/>
+              <a:t>sock.close</a:t>
+            </a:r>
+            <a:r>
+              <a:rPr lang="fr-FR" sz="2400" dirty="0"/>
+              <a:t>()</a:t>
+            </a:r>
+          </a:p>
+          <a:p>
+            <a:pPr lvl="1"/>
+            <a:r>
+              <a:rPr lang="fr-FR" sz="2000" dirty="0"/>
+              <a:t>Ferme la connexion</a:t>
+            </a:r>
+          </a:p>
+          <a:p>
+            <a:pPr lvl="1"/>
+            <a:endParaRPr lang="fr-FR" sz="2000" dirty="0"/>
+          </a:p>
+        </p:txBody>
+      </p:sp>
+    </p:spTree>
+    <p:extLst>
+      <p:ext uri="{BB962C8B-B14F-4D97-AF65-F5344CB8AC3E}">
+        <p14:creationId xmlns:p14="http://schemas.microsoft.com/office/powerpoint/2010/main" val="1963915861"/>
+      </p:ext>
+    </p:extLst>
+  </p:cSld>
+  <p:clrMapOvr>
+    <a:masterClrMapping/>
+  </p:clrMapOvr>
+</p:sld>
+</file>
+
+<file path=ppt/slides/slide14.xml><?xml version="1.0" encoding="utf-8"?>
+<p:sld xmlns:a="http://schemas.openxmlformats.org/drawingml/2006/main" xmlns:r="http://schemas.openxmlformats.org/officeDocument/2006/relationships" xmlns:p="http://schemas.openxmlformats.org/presentationml/2006/main">
+  <p:cSld>
+    <p:spTree>
+      <p:nvGrpSpPr>
+        <p:cNvPr id="1" name=""/>
+        <p:cNvGrpSpPr/>
+        <p:nvPr/>
+      </p:nvGrpSpPr>
+      <p:grpSpPr>
+        <a:xfrm>
+          <a:off x="0" y="0"/>
+          <a:ext cx="0" cy="0"/>
+          <a:chOff x="0" y="0"/>
+          <a:chExt cx="0" cy="0"/>
+        </a:xfrm>
+      </p:grpSpPr>
+      <p:sp>
+        <p:nvSpPr>
+          <p:cNvPr id="2" name="Titre 1"/>
+          <p:cNvSpPr>
+            <a:spLocks noGrp="1"/>
+          </p:cNvSpPr>
+          <p:nvPr>
+            <p:ph type="title"/>
+          </p:nvPr>
+        </p:nvSpPr>
+        <p:spPr/>
+        <p:txBody>
+          <a:bodyPr/>
+          <a:lstStyle/>
+          <a:p>
+            <a:r>
+              <a:rPr lang="fr-FR" dirty="0" err="1"/>
+              <a:t>readline</a:t>
+            </a:r>
+            <a:r>
+              <a:rPr lang="fr-FR" dirty="0"/>
+              <a:t>()</a:t>
+            </a:r>
+          </a:p>
+        </p:txBody>
+      </p:sp>
+      <p:sp>
+        <p:nvSpPr>
+          <p:cNvPr id="3" name="Espace réservé du contenu 2"/>
+          <p:cNvSpPr>
+            <a:spLocks noGrp="1"/>
+          </p:cNvSpPr>
+          <p:nvPr>
+            <p:ph idx="1"/>
+          </p:nvPr>
+        </p:nvSpPr>
+        <p:spPr/>
+        <p:txBody>
+          <a:bodyPr/>
+          <a:lstStyle/>
+          <a:p>
+            <a:r>
+              <a:rPr lang="fr-FR" dirty="0"/>
+              <a:t>Ce code permet d'avoir un </a:t>
+            </a:r>
+            <a:r>
+              <a:rPr lang="fr-FR" dirty="0" err="1"/>
+              <a:t>readline</a:t>
+            </a:r>
+            <a:r>
+              <a:rPr lang="fr-FR" dirty="0"/>
+              <a:t> comme dans la liaison série</a:t>
+            </a:r>
+          </a:p>
+          <a:p>
+            <a:pPr marL="457200" lvl="1" indent="0">
+              <a:buNone/>
+            </a:pPr>
+            <a:r>
+              <a:rPr lang="en-US" dirty="0" err="1"/>
+              <a:t>def</a:t>
+            </a:r>
+            <a:r>
+              <a:rPr lang="en-US" dirty="0"/>
+              <a:t> readline1(self):</a:t>
+            </a:r>
+          </a:p>
+          <a:p>
+            <a:pPr marL="457200" lvl="1" indent="0">
+              <a:buNone/>
+            </a:pPr>
+            <a:r>
+              <a:rPr lang="en-US" dirty="0"/>
+              <a:t>        s = ""</a:t>
+            </a:r>
+          </a:p>
+          <a:p>
+            <a:pPr marL="457200" lvl="1" indent="0">
+              <a:buNone/>
+            </a:pPr>
+            <a:r>
+              <a:rPr lang="en-US" dirty="0"/>
+              <a:t>        while (data != '\n'):</a:t>
+            </a:r>
+          </a:p>
+          <a:p>
+            <a:pPr marL="457200" lvl="1" indent="0">
+              <a:buNone/>
+            </a:pPr>
+            <a:r>
+              <a:rPr lang="en-US" dirty="0"/>
+              <a:t>            data = </a:t>
+            </a:r>
+            <a:r>
+              <a:rPr lang="en-US" dirty="0" err="1"/>
+              <a:t>self.recv</a:t>
+            </a:r>
+            <a:r>
+              <a:rPr lang="en-US" dirty="0"/>
+              <a:t>(1).decode()</a:t>
+            </a:r>
+          </a:p>
+          <a:p>
+            <a:pPr marL="457200" lvl="1" indent="0">
+              <a:buNone/>
+            </a:pPr>
+            <a:r>
+              <a:rPr lang="en-US" dirty="0"/>
+              <a:t>            s += data</a:t>
+            </a:r>
+          </a:p>
+          <a:p>
+            <a:pPr marL="457200" lvl="1" indent="0">
+              <a:buNone/>
+            </a:pPr>
+            <a:r>
+              <a:rPr lang="en-US" dirty="0"/>
+              <a:t>        return s</a:t>
+            </a:r>
+            <a:endParaRPr lang="fr-FR" dirty="0"/>
+          </a:p>
+          <a:p>
+            <a:endParaRPr lang="fr-FR" dirty="0"/>
+          </a:p>
+          <a:p>
+            <a:endParaRPr lang="fr-FR" dirty="0"/>
+          </a:p>
+        </p:txBody>
+      </p:sp>
+    </p:spTree>
+    <p:extLst>
+      <p:ext uri="{BB962C8B-B14F-4D97-AF65-F5344CB8AC3E}">
+        <p14:creationId xmlns:p14="http://schemas.microsoft.com/office/powerpoint/2010/main" val="1717138170"/>
+      </p:ext>
+    </p:extLst>
+  </p:cSld>
+  <p:clrMapOvr>
+    <a:masterClrMapping/>
+  </p:clrMapOvr>
+</p:sld>
+</file>
+
+<file path=ppt/slides/slide15.xml><?xml version="1.0" encoding="utf-8"?>
+<p:sld xmlns:a="http://schemas.openxmlformats.org/drawingml/2006/main" xmlns:r="http://schemas.openxmlformats.org/officeDocument/2006/relationships" xmlns:p="http://schemas.openxmlformats.org/presentationml/2006/main">
+  <p:cSld>
+    <p:spTree>
+      <p:nvGrpSpPr>
+        <p:cNvPr id="1" name=""/>
+        <p:cNvGrpSpPr/>
+        <p:nvPr/>
+      </p:nvGrpSpPr>
+      <p:grpSpPr>
+        <a:xfrm>
+          <a:off x="0" y="0"/>
+          <a:ext cx="0" cy="0"/>
+          <a:chOff x="0" y="0"/>
+          <a:chExt cx="0" cy="0"/>
+        </a:xfrm>
+      </p:grpSpPr>
+      <p:sp>
+        <p:nvSpPr>
+          <p:cNvPr id="2" name="Titre 1"/>
+          <p:cNvSpPr>
+            <a:spLocks noGrp="1"/>
+          </p:cNvSpPr>
+          <p:nvPr>
+            <p:ph type="title"/>
+          </p:nvPr>
+        </p:nvSpPr>
+        <p:spPr/>
+        <p:txBody>
+          <a:bodyPr/>
+          <a:lstStyle/>
+          <a:p>
+            <a:r>
+              <a:rPr lang="fr-FR" dirty="0"/>
+              <a:t>Service BT</a:t>
+            </a:r>
+          </a:p>
+        </p:txBody>
+      </p:sp>
+      <p:sp>
+        <p:nvSpPr>
+          <p:cNvPr id="3" name="Espace réservé du contenu 2"/>
+          <p:cNvSpPr>
+            <a:spLocks noGrp="1"/>
+          </p:cNvSpPr>
+          <p:nvPr>
+            <p:ph idx="1"/>
+          </p:nvPr>
+        </p:nvSpPr>
+        <p:spPr/>
+        <p:txBody>
+          <a:bodyPr/>
+          <a:lstStyle/>
+          <a:p>
+            <a:r>
+              <a:rPr lang="fr-FR" sz="2400" dirty="0" err="1"/>
+              <a:t>uuid</a:t>
+            </a:r>
+            <a:r>
+              <a:rPr lang="fr-FR" sz="2400" dirty="0"/>
+              <a:t> = "94f39d29-7d6d-437d-973b-fba39e49d4ee"</a:t>
+            </a:r>
+          </a:p>
+          <a:p>
+            <a:pPr lvl="1"/>
+            <a:r>
+              <a:rPr lang="fr-FR" sz="2000" dirty="0"/>
+              <a:t>id du service BT</a:t>
+            </a:r>
+          </a:p>
+          <a:p>
+            <a:r>
+              <a:rPr lang="fr-FR" sz="2400" dirty="0" err="1"/>
+              <a:t>sock</a:t>
+            </a:r>
+            <a:r>
+              <a:rPr lang="fr-FR" sz="2400" dirty="0"/>
+              <a:t> = </a:t>
+            </a:r>
+            <a:r>
+              <a:rPr lang="fr-FR" sz="2400" dirty="0" err="1"/>
+              <a:t>bluetooth.BluetoothSocket</a:t>
+            </a:r>
+            <a:r>
+              <a:rPr lang="fr-FR" sz="2400" dirty="0"/>
+              <a:t>(</a:t>
+            </a:r>
+            <a:r>
+              <a:rPr lang="fr-FR" sz="2400" dirty="0" err="1"/>
+              <a:t>bluetooth.RFCOMM</a:t>
+            </a:r>
+            <a:r>
+              <a:rPr lang="fr-FR" sz="2400" dirty="0"/>
+              <a:t>)</a:t>
+            </a:r>
+          </a:p>
+          <a:p>
+            <a:r>
+              <a:rPr lang="fr-FR" sz="2400" dirty="0" err="1"/>
+              <a:t>sock.bind</a:t>
+            </a:r>
+            <a:r>
+              <a:rPr lang="fr-FR" sz="2400" dirty="0"/>
+              <a:t>(("", 0))</a:t>
+            </a:r>
+          </a:p>
+          <a:p>
+            <a:pPr lvl="1"/>
+            <a:r>
+              <a:rPr lang="fr-FR" sz="2000" dirty="0"/>
+              <a:t>Démarre le service sur le </a:t>
+            </a:r>
+            <a:r>
+              <a:rPr lang="fr-FR" sz="2000" dirty="0" err="1"/>
+              <a:t>raspberry</a:t>
+            </a:r>
+            <a:r>
+              <a:rPr lang="fr-FR" sz="2000" dirty="0"/>
+              <a:t> sur le premier port disponible</a:t>
+            </a:r>
+          </a:p>
+          <a:p>
+            <a:r>
+              <a:rPr lang="fr-FR" sz="2400" dirty="0" err="1"/>
+              <a:t>sock.listen</a:t>
+            </a:r>
+            <a:r>
+              <a:rPr lang="fr-FR" sz="2400" dirty="0"/>
+              <a:t>(1)</a:t>
+            </a:r>
+          </a:p>
+          <a:p>
+            <a:pPr lvl="1"/>
+            <a:r>
+              <a:rPr lang="fr-FR" sz="2000" dirty="0"/>
+              <a:t>Attend une connexion</a:t>
+            </a:r>
+          </a:p>
+          <a:p>
+            <a:r>
+              <a:rPr lang="fr-FR" sz="2400" dirty="0" err="1"/>
+              <a:t>bluetooth.advertise_service</a:t>
+            </a:r>
+            <a:r>
+              <a:rPr lang="fr-FR" sz="2400" dirty="0"/>
+              <a:t>(</a:t>
+            </a:r>
+            <a:r>
+              <a:rPr lang="fr-FR" sz="2400" dirty="0" err="1"/>
+              <a:t>self.sock</a:t>
+            </a:r>
+            <a:r>
+              <a:rPr lang="fr-FR" sz="2400" dirty="0"/>
+              <a:t>, </a:t>
+            </a:r>
+            <a:r>
+              <a:rPr lang="fr-FR" sz="2400" dirty="0" err="1"/>
+              <a:t>self.service</a:t>
+            </a:r>
+            <a:r>
+              <a:rPr lang="fr-FR" sz="2400" dirty="0"/>
+              <a:t> , </a:t>
+            </a:r>
+            <a:r>
+              <a:rPr lang="fr-FR" sz="2400" dirty="0" err="1"/>
+              <a:t>self.uuid</a:t>
+            </a:r>
+            <a:r>
+              <a:rPr lang="fr-FR" sz="2400" dirty="0"/>
+              <a:t>, [</a:t>
+            </a:r>
+            <a:r>
+              <a:rPr lang="fr-FR" sz="2400" dirty="0" err="1"/>
+              <a:t>uuid</a:t>
+            </a:r>
+            <a:r>
+              <a:rPr lang="fr-FR" sz="2400" dirty="0"/>
+              <a:t>, </a:t>
+            </a:r>
+            <a:r>
+              <a:rPr lang="fr-FR" sz="2400" dirty="0" err="1"/>
+              <a:t>bluetooth.SERIAL_PORT_CLASS</a:t>
+            </a:r>
+            <a:r>
+              <a:rPr lang="fr-FR" sz="2400" dirty="0"/>
+              <a:t>], [</a:t>
+            </a:r>
+            <a:r>
+              <a:rPr lang="fr-FR" sz="2400" dirty="0" err="1"/>
+              <a:t>bluetooth.SERIAL_PORT_PROFILE</a:t>
+            </a:r>
+            <a:r>
+              <a:rPr lang="fr-FR" sz="2400" dirty="0"/>
+              <a:t>])</a:t>
+            </a:r>
+          </a:p>
+          <a:p>
+            <a:pPr lvl="1"/>
+            <a:r>
+              <a:rPr lang="fr-FR" sz="2000" dirty="0"/>
+              <a:t>Publie le service</a:t>
+            </a:r>
+          </a:p>
+          <a:p>
+            <a:r>
+              <a:rPr lang="fr-FR" sz="2400" dirty="0" err="1"/>
+              <a:t>clientsock</a:t>
+            </a:r>
+            <a:r>
+              <a:rPr lang="fr-FR" sz="2400" dirty="0"/>
+              <a:t>, </a:t>
+            </a:r>
+            <a:r>
+              <a:rPr lang="fr-FR" sz="2400" dirty="0" err="1"/>
+              <a:t>clientinfo</a:t>
+            </a:r>
+            <a:r>
+              <a:rPr lang="fr-FR" sz="2400" dirty="0"/>
+              <a:t>= </a:t>
+            </a:r>
+            <a:r>
+              <a:rPr lang="fr-FR" sz="2400" dirty="0" err="1"/>
+              <a:t>self.sock.accept</a:t>
+            </a:r>
+            <a:r>
+              <a:rPr lang="fr-FR" sz="2400" dirty="0"/>
+              <a:t>()</a:t>
+            </a:r>
+          </a:p>
+          <a:p>
+            <a:pPr lvl="1"/>
+            <a:r>
+              <a:rPr lang="fr-FR" sz="2000" dirty="0"/>
+              <a:t>Accepte </a:t>
+            </a:r>
+            <a:r>
+              <a:rPr lang="fr-FR" sz="2000"/>
+              <a:t>la connexion</a:t>
+            </a:r>
+            <a:endParaRPr lang="fr-FR" sz="2000" dirty="0"/>
+          </a:p>
+          <a:p>
+            <a:endParaRPr lang="fr-FR" sz="2400" dirty="0"/>
+          </a:p>
+        </p:txBody>
+      </p:sp>
+    </p:spTree>
+    <p:extLst>
+      <p:ext uri="{BB962C8B-B14F-4D97-AF65-F5344CB8AC3E}">
+        <p14:creationId xmlns:p14="http://schemas.microsoft.com/office/powerpoint/2010/main" val="4158836457"/>
+      </p:ext>
+    </p:extLst>
+  </p:cSld>
+  <p:clrMapOvr>
+    <a:masterClrMapping/>
+  </p:clrMapOvr>
+</p:sld>
+</file>
+
+<file path=ppt/slides/slide2.xml><?xml version="1.0" encoding="utf-8"?>
+<p:sld xmlns:a="http://schemas.openxmlformats.org/drawingml/2006/main" xmlns:r="http://schemas.openxmlformats.org/officeDocument/2006/relationships" xmlns:p="http://schemas.openxmlformats.org/presentationml/2006/main">
+  <p:cSld>
+    <p:spTree>
+      <p:nvGrpSpPr>
+        <p:cNvPr id="1" name=""/>
+        <p:cNvGrpSpPr/>
+        <p:nvPr/>
+      </p:nvGrpSpPr>
+      <p:grpSpPr>
+        <a:xfrm>
+          <a:off x="0" y="0"/>
+          <a:ext cx="0" cy="0"/>
+          <a:chOff x="0" y="0"/>
+          <a:chExt cx="0" cy="0"/>
+        </a:xfrm>
+      </p:grpSpPr>
+      <p:sp>
+        <p:nvSpPr>
+          <p:cNvPr id="2" name="Titre 1"/>
+          <p:cNvSpPr>
+            <a:spLocks noGrp="1"/>
+          </p:cNvSpPr>
+          <p:nvPr>
+            <p:ph type="title"/>
+          </p:nvPr>
+        </p:nvSpPr>
+        <p:spPr/>
+        <p:txBody>
+          <a:bodyPr/>
+          <a:lstStyle/>
+          <a:p>
+            <a:r>
+              <a:rPr lang="fr-FR" dirty="0"/>
+              <a:t>Les liaisons sans fils</a:t>
+            </a:r>
+          </a:p>
+        </p:txBody>
+      </p:sp>
+      <p:sp>
+        <p:nvSpPr>
+          <p:cNvPr id="3" name="Espace réservé du contenu 2"/>
+          <p:cNvSpPr>
+            <a:spLocks noGrp="1"/>
+          </p:cNvSpPr>
+          <p:nvPr>
+            <p:ph idx="1"/>
+          </p:nvPr>
+        </p:nvSpPr>
+        <p:spPr/>
+        <p:txBody>
+          <a:bodyPr/>
+          <a:lstStyle/>
+          <a:p>
+            <a:r>
+              <a:rPr lang="fr-FR" dirty="0"/>
+              <a:t>Les liaisons sans fils sont plébiscitées par leur simplicité</a:t>
+            </a:r>
+          </a:p>
+          <a:p>
+            <a:r>
+              <a:rPr lang="fr-FR" dirty="0"/>
+              <a:t>Mais chacune a ces avantages et inconvénient</a:t>
+            </a:r>
+          </a:p>
+          <a:p>
+            <a:endParaRPr lang="fr-FR" dirty="0"/>
+          </a:p>
+          <a:p>
+            <a:endParaRPr lang="fr-FR" dirty="0"/>
+          </a:p>
+        </p:txBody>
+      </p:sp>
+    </p:spTree>
+    <p:extLst>
+      <p:ext uri="{BB962C8B-B14F-4D97-AF65-F5344CB8AC3E}">
+        <p14:creationId xmlns:p14="http://schemas.microsoft.com/office/powerpoint/2010/main" val="530874864"/>
+      </p:ext>
+    </p:extLst>
+  </p:cSld>
+  <p:clrMapOvr>
+    <a:masterClrMapping/>
+  </p:clrMapOvr>
+</p:sld>
+</file>
+
+<file path=ppt/slides/slide3.xml><?xml version="1.0" encoding="utf-8"?>
+<p:sld xmlns:a="http://schemas.openxmlformats.org/drawingml/2006/main" xmlns:r="http://schemas.openxmlformats.org/officeDocument/2006/relationships" xmlns:p="http://schemas.openxmlformats.org/presentationml/2006/main">
+  <p:cSld>
+    <p:spTree>
+      <p:nvGrpSpPr>
+        <p:cNvPr id="1" name=""/>
+        <p:cNvGrpSpPr/>
+        <p:nvPr/>
+      </p:nvGrpSpPr>
+      <p:grpSpPr>
+        <a:xfrm>
+          <a:off x="0" y="0"/>
+          <a:ext cx="0" cy="0"/>
+          <a:chOff x="0" y="0"/>
+          <a:chExt cx="0" cy="0"/>
+        </a:xfrm>
+      </p:grpSpPr>
+      <p:sp>
+        <p:nvSpPr>
+          <p:cNvPr id="2" name="Titre 1"/>
+          <p:cNvSpPr>
+            <a:spLocks noGrp="1"/>
+          </p:cNvSpPr>
+          <p:nvPr>
+            <p:ph type="title"/>
+          </p:nvPr>
+        </p:nvSpPr>
+        <p:spPr/>
+        <p:txBody>
+          <a:bodyPr/>
+          <a:lstStyle/>
+          <a:p>
+            <a:r>
+              <a:rPr lang="fr-FR" dirty="0"/>
+              <a:t>Définitions</a:t>
+            </a:r>
+          </a:p>
+        </p:txBody>
+      </p:sp>
+      <p:sp>
+        <p:nvSpPr>
+          <p:cNvPr id="3" name="Espace réservé du contenu 2"/>
+          <p:cNvSpPr>
+            <a:spLocks noGrp="1"/>
+          </p:cNvSpPr>
+          <p:nvPr>
+            <p:ph idx="1"/>
+          </p:nvPr>
+        </p:nvSpPr>
+        <p:spPr/>
+        <p:txBody>
+          <a:bodyPr/>
+          <a:lstStyle/>
+          <a:p>
+            <a:r>
+              <a:rPr lang="fr-FR" dirty="0"/>
+              <a:t>LAN</a:t>
+            </a:r>
+          </a:p>
+          <a:p>
+            <a:pPr lvl="1"/>
+            <a:r>
+              <a:rPr lang="fr-FR" dirty="0"/>
+              <a:t>Local Area Network</a:t>
+            </a:r>
+          </a:p>
+          <a:p>
+            <a:pPr lvl="1"/>
+            <a:r>
+              <a:rPr lang="fr-FR" dirty="0"/>
+              <a:t>IP</a:t>
+            </a:r>
+          </a:p>
+          <a:p>
+            <a:r>
+              <a:rPr lang="fr-FR" dirty="0"/>
+              <a:t>WAN</a:t>
+            </a:r>
+          </a:p>
+          <a:p>
+            <a:pPr lvl="1"/>
+            <a:r>
+              <a:rPr lang="fr-FR" dirty="0"/>
+              <a:t>Wide Area Network</a:t>
+            </a:r>
+          </a:p>
+          <a:p>
+            <a:pPr lvl="1"/>
+            <a:r>
+              <a:rPr lang="fr-FR" dirty="0"/>
+              <a:t>Internet - IP - HTTP</a:t>
+            </a:r>
+          </a:p>
+          <a:p>
+            <a:r>
+              <a:rPr lang="fr-FR" dirty="0"/>
+              <a:t>PAN</a:t>
+            </a:r>
+          </a:p>
+          <a:p>
+            <a:pPr lvl="1"/>
+            <a:r>
+              <a:rPr lang="fr-FR" dirty="0" err="1"/>
+              <a:t>Personnal</a:t>
+            </a:r>
+            <a:r>
+              <a:rPr lang="fr-FR" dirty="0"/>
+              <a:t> Area Network</a:t>
+            </a:r>
+          </a:p>
+          <a:p>
+            <a:pPr lvl="1"/>
+            <a:r>
+              <a:rPr lang="fr-FR" dirty="0"/>
+              <a:t>Bluetooth</a:t>
+            </a:r>
+          </a:p>
+          <a:p>
+            <a:r>
+              <a:rPr lang="fr-FR" dirty="0"/>
+              <a:t>HAN</a:t>
+            </a:r>
+          </a:p>
+          <a:p>
+            <a:pPr lvl="1"/>
+            <a:r>
+              <a:rPr lang="fr-FR" dirty="0"/>
+              <a:t>Home Area Network</a:t>
+            </a:r>
+          </a:p>
+        </p:txBody>
+      </p:sp>
+    </p:spTree>
+    <p:extLst>
+      <p:ext uri="{BB962C8B-B14F-4D97-AF65-F5344CB8AC3E}">
+        <p14:creationId xmlns:p14="http://schemas.microsoft.com/office/powerpoint/2010/main" val="3583409999"/>
+      </p:ext>
+    </p:extLst>
+  </p:cSld>
+  <p:clrMapOvr>
+    <a:masterClrMapping/>
+  </p:clrMapOvr>
+</p:sld>
+</file>
+
+<file path=ppt/slides/slide4.xml><?xml version="1.0" encoding="utf-8"?>
+<p:sld xmlns:a="http://schemas.openxmlformats.org/drawingml/2006/main" xmlns:r="http://schemas.openxmlformats.org/officeDocument/2006/relationships" xmlns:p="http://schemas.openxmlformats.org/presentationml/2006/main">
+  <p:cSld>
+    <p:spTree>
+      <p:nvGrpSpPr>
+        <p:cNvPr id="1" name=""/>
+        <p:cNvGrpSpPr/>
+        <p:nvPr/>
+      </p:nvGrpSpPr>
+      <p:grpSpPr>
+        <a:xfrm>
+          <a:off x="0" y="0"/>
+          <a:ext cx="0" cy="0"/>
+          <a:chOff x="0" y="0"/>
+          <a:chExt cx="0" cy="0"/>
+        </a:xfrm>
+      </p:grpSpPr>
+      <p:sp>
+        <p:nvSpPr>
+          <p:cNvPr id="2" name="Titre 1"/>
+          <p:cNvSpPr>
+            <a:spLocks noGrp="1"/>
+          </p:cNvSpPr>
+          <p:nvPr>
+            <p:ph type="title"/>
+          </p:nvPr>
+        </p:nvSpPr>
+        <p:spPr/>
+        <p:txBody>
+          <a:bodyPr/>
+          <a:lstStyle/>
+          <a:p>
+            <a:r>
+              <a:rPr lang="fr-FR" dirty="0"/>
+              <a:t>Radio</a:t>
+            </a:r>
+          </a:p>
+        </p:txBody>
+      </p:sp>
+      <p:sp>
+        <p:nvSpPr>
+          <p:cNvPr id="3" name="Espace réservé du contenu 2"/>
+          <p:cNvSpPr>
+            <a:spLocks noGrp="1"/>
+          </p:cNvSpPr>
+          <p:nvPr>
+            <p:ph idx="1"/>
+          </p:nvPr>
+        </p:nvSpPr>
+        <p:spPr/>
+        <p:txBody>
+          <a:bodyPr/>
+          <a:lstStyle/>
+          <a:p>
+            <a:r>
+              <a:rPr lang="fr-FR" dirty="0"/>
+              <a:t>Les ondes radio de type 433MHz sont très utilisés</a:t>
+            </a:r>
+          </a:p>
+          <a:p>
+            <a:pPr lvl="1"/>
+            <a:r>
+              <a:rPr lang="fr-FR" dirty="0"/>
+              <a:t>Télécommande</a:t>
+            </a:r>
+          </a:p>
+          <a:p>
+            <a:pPr lvl="1"/>
+            <a:r>
+              <a:rPr lang="fr-FR" dirty="0"/>
+              <a:t>Plus limité (soit </a:t>
+            </a:r>
+            <a:r>
+              <a:rPr lang="fr-FR" dirty="0" err="1"/>
+              <a:t>Rx</a:t>
+            </a:r>
+            <a:r>
+              <a:rPr lang="fr-FR" dirty="0"/>
+              <a:t> soit </a:t>
+            </a:r>
+            <a:r>
+              <a:rPr lang="fr-FR" dirty="0" err="1"/>
+              <a:t>Tx</a:t>
+            </a:r>
+            <a:r>
+              <a:rPr lang="fr-FR" dirty="0"/>
+              <a:t>)</a:t>
+            </a:r>
+          </a:p>
+          <a:p>
+            <a:pPr lvl="1"/>
+            <a:r>
+              <a:rPr lang="fr-FR" dirty="0"/>
+              <a:t>Peu sécurisé</a:t>
+            </a:r>
+          </a:p>
+          <a:p>
+            <a:pPr lvl="1"/>
+            <a:r>
+              <a:rPr lang="fr-FR" dirty="0"/>
+              <a:t>Peu chère</a:t>
+            </a:r>
+          </a:p>
+          <a:p>
+            <a:pPr lvl="1"/>
+            <a:endParaRPr lang="fr-FR" dirty="0"/>
+          </a:p>
+        </p:txBody>
+      </p:sp>
+      <p:pic>
+        <p:nvPicPr>
+          <p:cNvPr id="3074" name="Picture 2" descr="Résultat de recherche d'images pour &quot;433MHz arduino grove&quot;"/>
+          <p:cNvPicPr>
+            <a:picLocks noChangeAspect="1" noChangeArrowheads="1"/>
+          </p:cNvPicPr>
+          <p:nvPr/>
+        </p:nvPicPr>
+        <p:blipFill>
+          <a:blip r:embed="rId2">
+            <a:extLst>
+              <a:ext uri="{28A0092B-C50C-407E-A947-70E740481C1C}">
+                <a14:useLocalDpi xmlns:a14="http://schemas.microsoft.com/office/drawing/2010/main" val="0"/>
+              </a:ext>
+            </a:extLst>
+          </a:blip>
+          <a:srcRect/>
+          <a:stretch>
+            <a:fillRect/>
+          </a:stretch>
+        </p:blipFill>
+        <p:spPr bwMode="auto">
+          <a:xfrm>
+            <a:off x="4845215" y="3272716"/>
+            <a:ext cx="4272409" cy="3204307"/>
+          </a:xfrm>
+          <a:prstGeom prst="rect">
+            <a:avLst/>
+          </a:prstGeom>
+          <a:noFill/>
+          <a:extLst>
+            <a:ext uri="{909E8E84-426E-40DD-AFC4-6F175D3DCCD1}">
+              <a14:hiddenFill xmlns:a14="http://schemas.microsoft.com/office/drawing/2010/main">
+                <a:solidFill>
+                  <a:srgbClr val="FFFFFF"/>
+                </a:solidFill>
+              </a14:hiddenFill>
+            </a:ext>
+          </a:extLst>
+        </p:spPr>
+      </p:pic>
+    </p:spTree>
+    <p:extLst>
+      <p:ext uri="{BB962C8B-B14F-4D97-AF65-F5344CB8AC3E}">
+        <p14:creationId xmlns:p14="http://schemas.microsoft.com/office/powerpoint/2010/main" val="550218899"/>
+      </p:ext>
+    </p:extLst>
+  </p:cSld>
+  <p:clrMapOvr>
+    <a:masterClrMapping/>
+  </p:clrMapOvr>
+</p:sld>
+</file>
+
+<file path=ppt/slides/slide5.xml><?xml version="1.0" encoding="utf-8"?>
+<p:sld xmlns:a="http://schemas.openxmlformats.org/drawingml/2006/main" xmlns:r="http://schemas.openxmlformats.org/officeDocument/2006/relationships" xmlns:p="http://schemas.openxmlformats.org/presentationml/2006/main">
+  <p:cSld>
+    <p:spTree>
+      <p:nvGrpSpPr>
+        <p:cNvPr id="1" name=""/>
+        <p:cNvGrpSpPr/>
+        <p:nvPr/>
+      </p:nvGrpSpPr>
+      <p:grpSpPr>
+        <a:xfrm>
+          <a:off x="0" y="0"/>
+          <a:ext cx="0" cy="0"/>
+          <a:chOff x="0" y="0"/>
+          <a:chExt cx="0" cy="0"/>
+        </a:xfrm>
+      </p:grpSpPr>
+      <p:sp>
+        <p:nvSpPr>
+          <p:cNvPr id="2" name="Titre 1"/>
+          <p:cNvSpPr>
+            <a:spLocks noGrp="1"/>
+          </p:cNvSpPr>
+          <p:nvPr>
+            <p:ph type="title"/>
+          </p:nvPr>
+        </p:nvSpPr>
+        <p:spPr/>
+        <p:txBody>
+          <a:bodyPr/>
+          <a:lstStyle/>
+          <a:p>
+            <a:r>
+              <a:rPr lang="fr-FR" dirty="0"/>
+              <a:t>Wifi</a:t>
+            </a:r>
+          </a:p>
+        </p:txBody>
+      </p:sp>
+      <p:sp>
+        <p:nvSpPr>
+          <p:cNvPr id="3" name="Espace réservé du contenu 2"/>
+          <p:cNvSpPr>
+            <a:spLocks noGrp="1"/>
+          </p:cNvSpPr>
+          <p:nvPr>
+            <p:ph idx="1"/>
+          </p:nvPr>
+        </p:nvSpPr>
+        <p:spPr>
+          <a:xfrm>
+            <a:off x="179512" y="1412776"/>
+            <a:ext cx="5832647" cy="5040560"/>
+          </a:xfrm>
+        </p:spPr>
+        <p:txBody>
+          <a:bodyPr/>
+          <a:lstStyle/>
+          <a:p>
+            <a:r>
+              <a:rPr lang="fr-FR" dirty="0"/>
+              <a:t>Protocole IP de type LAN</a:t>
+            </a:r>
+          </a:p>
+          <a:p>
+            <a:pPr lvl="1"/>
+            <a:r>
+              <a:rPr lang="fr-FR" dirty="0"/>
+              <a:t>Energivore</a:t>
+            </a:r>
+          </a:p>
+          <a:p>
+            <a:pPr lvl="1"/>
+            <a:r>
+              <a:rPr lang="fr-FR" dirty="0"/>
+              <a:t>Fonctionne comme Ethernet</a:t>
+            </a:r>
+          </a:p>
+          <a:p>
+            <a:pPr lvl="1"/>
+            <a:r>
+              <a:rPr lang="fr-FR" dirty="0"/>
+              <a:t>Se configure très facilement sous </a:t>
+            </a:r>
+            <a:r>
+              <a:rPr lang="fr-FR" dirty="0" err="1"/>
+              <a:t>Raspbian</a:t>
+            </a:r>
+            <a:endParaRPr lang="fr-FR" dirty="0"/>
+          </a:p>
+          <a:p>
+            <a:r>
+              <a:rPr lang="fr-FR" dirty="0"/>
+              <a:t>Deux configurations possibles</a:t>
+            </a:r>
+          </a:p>
+          <a:p>
+            <a:pPr lvl="1"/>
+            <a:r>
+              <a:rPr lang="fr-FR" dirty="0"/>
+              <a:t>Avec un routeur (WAN possible)</a:t>
+            </a:r>
+          </a:p>
+          <a:p>
+            <a:pPr lvl="1"/>
+            <a:r>
+              <a:rPr lang="fr-FR" dirty="0"/>
+              <a:t>En mode Ad-hoc, le </a:t>
+            </a:r>
+            <a:r>
+              <a:rPr lang="fr-FR" dirty="0" err="1"/>
+              <a:t>raspberry</a:t>
+            </a:r>
+            <a:r>
+              <a:rPr lang="fr-FR" dirty="0"/>
+              <a:t> se comporte alors comme un routeur</a:t>
+            </a:r>
+          </a:p>
+          <a:p>
+            <a:r>
+              <a:rPr lang="fr-FR" dirty="0"/>
+              <a:t>Se programme avec </a:t>
+            </a:r>
+            <a:r>
+              <a:rPr lang="fr-FR" dirty="0" err="1"/>
+              <a:t>Flask</a:t>
+            </a:r>
+            <a:endParaRPr lang="fr-FR" dirty="0"/>
+          </a:p>
+          <a:p>
+            <a:r>
+              <a:rPr lang="fr-FR" dirty="0"/>
+              <a:t>Sous </a:t>
+            </a:r>
+            <a:r>
+              <a:rPr lang="fr-FR" dirty="0" err="1"/>
+              <a:t>Arduino</a:t>
+            </a:r>
+            <a:r>
+              <a:rPr lang="fr-FR" dirty="0"/>
+              <a:t> nécessite un </a:t>
+            </a:r>
+            <a:r>
+              <a:rPr lang="fr-FR" dirty="0" err="1"/>
+              <a:t>shield</a:t>
+            </a:r>
+            <a:r>
+              <a:rPr lang="fr-FR" dirty="0"/>
+              <a:t> et la librairie </a:t>
+            </a:r>
+            <a:r>
+              <a:rPr lang="fr-FR" dirty="0" err="1"/>
+              <a:t>ethernet</a:t>
+            </a:r>
+            <a:endParaRPr lang="fr-FR" dirty="0"/>
+          </a:p>
+        </p:txBody>
+      </p:sp>
+      <p:pic>
+        <p:nvPicPr>
+          <p:cNvPr id="1026" name="Picture 2" descr="https://store-cdn.arduino.cc/uni/catalog/product/cache/1/image/500x375/f8876a31b63532bbba4e781c30024a0a/s/t/store_a000058_iso.jpg"/>
+          <p:cNvPicPr>
+            <a:picLocks noChangeAspect="1" noChangeArrowheads="1"/>
+          </p:cNvPicPr>
+          <p:nvPr/>
+        </p:nvPicPr>
+        <p:blipFill>
+          <a:blip r:embed="rId2">
+            <a:extLst>
+              <a:ext uri="{28A0092B-C50C-407E-A947-70E740481C1C}">
+                <a14:useLocalDpi xmlns:a14="http://schemas.microsoft.com/office/drawing/2010/main" val="0"/>
+              </a:ext>
+            </a:extLst>
+          </a:blip>
+          <a:srcRect/>
+          <a:stretch>
+            <a:fillRect/>
+          </a:stretch>
+        </p:blipFill>
+        <p:spPr bwMode="auto">
+          <a:xfrm>
+            <a:off x="5707105" y="2276872"/>
+            <a:ext cx="3456384" cy="2592288"/>
+          </a:xfrm>
+          <a:prstGeom prst="rect">
+            <a:avLst/>
+          </a:prstGeom>
+          <a:noFill/>
+          <a:extLst>
+            <a:ext uri="{909E8E84-426E-40DD-AFC4-6F175D3DCCD1}">
+              <a14:hiddenFill xmlns:a14="http://schemas.microsoft.com/office/drawing/2010/main">
+                <a:solidFill>
+                  <a:srgbClr val="FFFFFF"/>
+                </a:solidFill>
+              </a14:hiddenFill>
+            </a:ext>
+          </a:extLst>
+        </p:spPr>
+      </p:pic>
+    </p:spTree>
+    <p:extLst>
+      <p:ext uri="{BB962C8B-B14F-4D97-AF65-F5344CB8AC3E}">
+        <p14:creationId xmlns:p14="http://schemas.microsoft.com/office/powerpoint/2010/main" val="3683430218"/>
+      </p:ext>
+    </p:extLst>
+  </p:cSld>
+  <p:clrMapOvr>
+    <a:masterClrMapping/>
+  </p:clrMapOvr>
+</p:sld>
+</file>
+
+<file path=ppt/slides/slide6.xml><?xml version="1.0" encoding="utf-8"?>
+<p:sld xmlns:a="http://schemas.openxmlformats.org/drawingml/2006/main" xmlns:r="http://schemas.openxmlformats.org/officeDocument/2006/relationships" xmlns:p="http://schemas.openxmlformats.org/presentationml/2006/main">
+  <p:cSld>
+    <p:spTree>
+      <p:nvGrpSpPr>
+        <p:cNvPr id="1" name=""/>
+        <p:cNvGrpSpPr/>
+        <p:nvPr/>
+      </p:nvGrpSpPr>
+      <p:grpSpPr>
+        <a:xfrm>
+          <a:off x="0" y="0"/>
+          <a:ext cx="0" cy="0"/>
+          <a:chOff x="0" y="0"/>
+          <a:chExt cx="0" cy="0"/>
+        </a:xfrm>
+      </p:grpSpPr>
+      <p:sp>
+        <p:nvSpPr>
+          <p:cNvPr id="2" name="Titre 1"/>
+          <p:cNvSpPr>
+            <a:spLocks noGrp="1"/>
+          </p:cNvSpPr>
+          <p:nvPr>
+            <p:ph type="title"/>
+          </p:nvPr>
+        </p:nvSpPr>
+        <p:spPr/>
+        <p:txBody>
+          <a:bodyPr/>
+          <a:lstStyle/>
+          <a:p>
+            <a:r>
+              <a:rPr lang="fr-FR" dirty="0"/>
+              <a:t>Bluetooth</a:t>
+            </a:r>
+          </a:p>
+        </p:txBody>
+      </p:sp>
+      <p:sp>
+        <p:nvSpPr>
+          <p:cNvPr id="3" name="Espace réservé du contenu 2"/>
+          <p:cNvSpPr>
+            <a:spLocks noGrp="1"/>
+          </p:cNvSpPr>
+          <p:nvPr>
+            <p:ph idx="1"/>
+          </p:nvPr>
+        </p:nvSpPr>
+        <p:spPr/>
+        <p:txBody>
+          <a:bodyPr/>
+          <a:lstStyle/>
+          <a:p>
+            <a:r>
+              <a:rPr lang="fr-FR" dirty="0"/>
+              <a:t>Le Bluetooth est un protocole sans fil de type PAN</a:t>
+            </a:r>
+          </a:p>
+          <a:p>
+            <a:r>
+              <a:rPr lang="fr-FR" dirty="0"/>
+              <a:t>Bluetooth 5 a une portée de 20m et passe les murs</a:t>
+            </a:r>
+          </a:p>
+          <a:p>
+            <a:r>
+              <a:rPr lang="fr-FR" dirty="0"/>
+              <a:t>Bluetooth 5 LE (</a:t>
+            </a:r>
+            <a:r>
+              <a:rPr lang="fr-FR" dirty="0" err="1"/>
+              <a:t>Low</a:t>
+            </a:r>
+            <a:r>
+              <a:rPr lang="fr-FR" dirty="0"/>
+              <a:t> </a:t>
+            </a:r>
+            <a:r>
+              <a:rPr lang="fr-FR" dirty="0" err="1"/>
+              <a:t>Energy</a:t>
+            </a:r>
+            <a:r>
+              <a:rPr lang="fr-FR" dirty="0"/>
+              <a:t>) a une portée de l'ordre du mètre</a:t>
+            </a:r>
+          </a:p>
+          <a:p>
+            <a:r>
+              <a:rPr lang="fr-FR" dirty="0"/>
+              <a:t>BT RFCOMM est le protocole Bluetooth qui permet d'avoir une liaison série en Bluetooth</a:t>
+            </a:r>
+          </a:p>
+          <a:p>
+            <a:pPr lvl="1"/>
+            <a:r>
+              <a:rPr lang="fr-FR" dirty="0"/>
+              <a:t>Multi ports</a:t>
+            </a:r>
+          </a:p>
+          <a:p>
+            <a:pPr lvl="1"/>
+            <a:r>
+              <a:rPr lang="fr-FR" dirty="0"/>
+              <a:t>Permets jusqu'à 50 canaux de communication</a:t>
+            </a:r>
+          </a:p>
+          <a:p>
+            <a:endParaRPr lang="fr-FR" dirty="0"/>
+          </a:p>
+        </p:txBody>
+      </p:sp>
+    </p:spTree>
+    <p:extLst>
+      <p:ext uri="{BB962C8B-B14F-4D97-AF65-F5344CB8AC3E}">
+        <p14:creationId xmlns:p14="http://schemas.microsoft.com/office/powerpoint/2010/main" val="2029296512"/>
+      </p:ext>
+    </p:extLst>
+  </p:cSld>
+  <p:clrMapOvr>
+    <a:masterClrMapping/>
+  </p:clrMapOvr>
+</p:sld>
+</file>
+
+<file path=ppt/slides/slide7.xml><?xml version="1.0" encoding="utf-8"?>
+<p:sld xmlns:a="http://schemas.openxmlformats.org/drawingml/2006/main" xmlns:r="http://schemas.openxmlformats.org/officeDocument/2006/relationships" xmlns:p="http://schemas.openxmlformats.org/presentationml/2006/main">
+  <p:cSld>
+    <p:spTree>
+      <p:nvGrpSpPr>
+        <p:cNvPr id="1" name=""/>
+        <p:cNvGrpSpPr/>
+        <p:nvPr/>
+      </p:nvGrpSpPr>
+      <p:grpSpPr>
+        <a:xfrm>
+          <a:off x="0" y="0"/>
+          <a:ext cx="0" cy="0"/>
+          <a:chOff x="0" y="0"/>
+          <a:chExt cx="0" cy="0"/>
+        </a:xfrm>
+      </p:grpSpPr>
+      <p:sp>
+        <p:nvSpPr>
+          <p:cNvPr id="2" name="Titre 1"/>
+          <p:cNvSpPr>
+            <a:spLocks noGrp="1"/>
+          </p:cNvSpPr>
+          <p:nvPr>
+            <p:ph type="title"/>
+          </p:nvPr>
+        </p:nvSpPr>
+        <p:spPr/>
+        <p:txBody>
+          <a:bodyPr/>
+          <a:lstStyle/>
+          <a:p>
+            <a:r>
+              <a:rPr lang="fr-FR" dirty="0" err="1"/>
+              <a:t>Arduino</a:t>
+            </a:r>
+            <a:r>
+              <a:rPr lang="fr-FR" dirty="0"/>
+              <a:t> - BT</a:t>
+            </a:r>
+          </a:p>
+        </p:txBody>
+      </p:sp>
+      <p:sp>
+        <p:nvSpPr>
+          <p:cNvPr id="3" name="Espace réservé du contenu 2"/>
+          <p:cNvSpPr>
+            <a:spLocks noGrp="1"/>
+          </p:cNvSpPr>
+          <p:nvPr>
+            <p:ph idx="1"/>
+          </p:nvPr>
+        </p:nvSpPr>
+        <p:spPr/>
+        <p:txBody>
+          <a:bodyPr/>
+          <a:lstStyle/>
+          <a:p>
+            <a:r>
+              <a:rPr lang="fr-FR" dirty="0"/>
+              <a:t>Le module basé sur le processeur HC05 permet une liaison Bluetooth 3</a:t>
+            </a:r>
+          </a:p>
+          <a:p>
+            <a:pPr lvl="1"/>
+            <a:r>
+              <a:rPr lang="fr-FR" dirty="0"/>
+              <a:t>Maitre : diffuse le signal</a:t>
+            </a:r>
+          </a:p>
+          <a:p>
+            <a:pPr lvl="1"/>
+            <a:r>
+              <a:rPr lang="fr-FR" dirty="0"/>
+              <a:t>Esclave : réceptionne et répond</a:t>
+            </a:r>
+          </a:p>
+          <a:p>
+            <a:r>
+              <a:rPr lang="fr-FR" dirty="0"/>
+              <a:t>Peut passer par l'UART par les I/O 0 et 1</a:t>
+            </a:r>
+          </a:p>
+          <a:p>
+            <a:r>
+              <a:rPr lang="fr-FR" dirty="0"/>
+              <a:t>Peut passer par </a:t>
+            </a:r>
+            <a:r>
+              <a:rPr lang="fr-FR" dirty="0" err="1"/>
+              <a:t>SoftwareSerial</a:t>
+            </a:r>
+            <a:endParaRPr lang="fr-FR" dirty="0"/>
+          </a:p>
+          <a:p>
+            <a:pPr lvl="1"/>
+            <a:r>
+              <a:rPr lang="fr-FR" dirty="0" err="1"/>
+              <a:t>SoftwareSerial</a:t>
+            </a:r>
+            <a:r>
+              <a:rPr lang="fr-FR" dirty="0"/>
+              <a:t> </a:t>
+            </a:r>
+            <a:r>
+              <a:rPr lang="fr-FR" dirty="0" err="1"/>
+              <a:t>blueToothSerial</a:t>
+            </a:r>
+            <a:r>
+              <a:rPr lang="fr-FR" dirty="0"/>
+              <a:t>(7,6)</a:t>
+            </a:r>
+          </a:p>
+          <a:p>
+            <a:r>
+              <a:rPr lang="fr-FR" dirty="0"/>
+              <a:t>Fonctionne comme un port série classique</a:t>
+            </a:r>
+          </a:p>
+          <a:p>
+            <a:endParaRPr lang="fr-FR" dirty="0"/>
+          </a:p>
+        </p:txBody>
+      </p:sp>
+      <p:pic>
+        <p:nvPicPr>
+          <p:cNvPr id="2050" name="Picture 2" descr="Module Bluetooth Grove 113020008"/>
+          <p:cNvPicPr>
+            <a:picLocks noChangeAspect="1" noChangeArrowheads="1"/>
+          </p:cNvPicPr>
+          <p:nvPr/>
+        </p:nvPicPr>
+        <p:blipFill>
+          <a:blip r:embed="rId2">
+            <a:extLst>
+              <a:ext uri="{28A0092B-C50C-407E-A947-70E740481C1C}">
+                <a14:useLocalDpi xmlns:a14="http://schemas.microsoft.com/office/drawing/2010/main" val="0"/>
+              </a:ext>
+            </a:extLst>
+          </a:blip>
+          <a:srcRect/>
+          <a:stretch>
+            <a:fillRect/>
+          </a:stretch>
+        </p:blipFill>
+        <p:spPr bwMode="auto">
+          <a:xfrm>
+            <a:off x="7127776" y="1844824"/>
+            <a:ext cx="2016224" cy="1897212"/>
+          </a:xfrm>
+          <a:prstGeom prst="rect">
+            <a:avLst/>
+          </a:prstGeom>
+          <a:noFill/>
+          <a:extLst>
+            <a:ext uri="{909E8E84-426E-40DD-AFC4-6F175D3DCCD1}">
+              <a14:hiddenFill xmlns:a14="http://schemas.microsoft.com/office/drawing/2010/main">
+                <a:solidFill>
+                  <a:srgbClr val="FFFFFF"/>
+                </a:solidFill>
+              </a14:hiddenFill>
+            </a:ext>
+          </a:extLst>
+        </p:spPr>
+      </p:pic>
+    </p:spTree>
+    <p:extLst>
+      <p:ext uri="{BB962C8B-B14F-4D97-AF65-F5344CB8AC3E}">
+        <p14:creationId xmlns:p14="http://schemas.microsoft.com/office/powerpoint/2010/main" val="3904718942"/>
+      </p:ext>
+    </p:extLst>
+  </p:cSld>
+  <p:clrMapOvr>
+    <a:masterClrMapping/>
+  </p:clrMapOvr>
+</p:sld>
+</file>
+
+<file path=ppt/slides/slide8.xml><?xml version="1.0" encoding="utf-8"?>
+<p:sld xmlns:a="http://schemas.openxmlformats.org/drawingml/2006/main" xmlns:r="http://schemas.openxmlformats.org/officeDocument/2006/relationships" xmlns:p="http://schemas.openxmlformats.org/presentationml/2006/main">
+  <p:cSld>
+    <p:spTree>
+      <p:nvGrpSpPr>
+        <p:cNvPr id="1" name=""/>
+        <p:cNvGrpSpPr/>
+        <p:nvPr/>
+      </p:nvGrpSpPr>
+      <p:grpSpPr>
+        <a:xfrm>
+          <a:off x="0" y="0"/>
+          <a:ext cx="0" cy="0"/>
+          <a:chOff x="0" y="0"/>
+          <a:chExt cx="0" cy="0"/>
+        </a:xfrm>
+      </p:grpSpPr>
+      <p:sp>
+        <p:nvSpPr>
+          <p:cNvPr id="2" name="Titre 1"/>
+          <p:cNvSpPr>
+            <a:spLocks noGrp="1"/>
+          </p:cNvSpPr>
+          <p:nvPr>
+            <p:ph type="title"/>
+          </p:nvPr>
+        </p:nvSpPr>
+        <p:spPr/>
+        <p:txBody>
+          <a:bodyPr/>
+          <a:lstStyle/>
+          <a:p>
+            <a:r>
+              <a:rPr lang="fr-FR" dirty="0"/>
+              <a:t>AT</a:t>
+            </a:r>
+          </a:p>
+        </p:txBody>
+      </p:sp>
+      <p:sp>
+        <p:nvSpPr>
+          <p:cNvPr id="3" name="Espace réservé du contenu 2"/>
+          <p:cNvSpPr>
+            <a:spLocks noGrp="1"/>
+          </p:cNvSpPr>
+          <p:nvPr>
+            <p:ph idx="1"/>
+          </p:nvPr>
+        </p:nvSpPr>
+        <p:spPr/>
+        <p:txBody>
+          <a:bodyPr/>
+          <a:lstStyle/>
+          <a:p>
+            <a:r>
+              <a:rPr lang="fr-FR" sz="2000" dirty="0"/>
+              <a:t>Le Bluetooth nécessite des paramètres supplémentaires par rapport à la liaison série</a:t>
+            </a:r>
+          </a:p>
+          <a:p>
+            <a:r>
+              <a:rPr lang="fr-FR" sz="2000" dirty="0"/>
+              <a:t>Le protocole AT permet de définir certains paramètres</a:t>
+            </a:r>
+          </a:p>
+          <a:p>
+            <a:r>
+              <a:rPr lang="fr-FR" sz="2000" dirty="0" err="1"/>
+              <a:t>blueToothSerial.print</a:t>
+            </a:r>
+            <a:r>
+              <a:rPr lang="fr-FR" sz="2000" dirty="0"/>
+              <a:t>("AT");</a:t>
+            </a:r>
+          </a:p>
+          <a:p>
+            <a:pPr lvl="1"/>
+            <a:r>
+              <a:rPr lang="fr-FR" sz="1800" dirty="0"/>
+              <a:t>Démarre AT</a:t>
+            </a:r>
+          </a:p>
+          <a:p>
+            <a:r>
+              <a:rPr lang="fr-FR" sz="2000" dirty="0"/>
+              <a:t> </a:t>
+            </a:r>
+            <a:r>
+              <a:rPr lang="fr-FR" sz="2000" dirty="0" err="1"/>
+              <a:t>blueToothSerial.print</a:t>
+            </a:r>
+            <a:r>
+              <a:rPr lang="fr-FR" sz="2000" dirty="0"/>
+              <a:t>("AT+DEFAULT");</a:t>
+            </a:r>
+          </a:p>
+          <a:p>
+            <a:pPr lvl="1"/>
+            <a:r>
+              <a:rPr lang="fr-FR" sz="1800" dirty="0"/>
+              <a:t>reset</a:t>
+            </a:r>
+          </a:p>
+          <a:p>
+            <a:r>
+              <a:rPr lang="fr-FR" sz="2000" dirty="0"/>
+              <a:t> </a:t>
+            </a:r>
+            <a:r>
+              <a:rPr lang="fr-FR" sz="2000" dirty="0" err="1"/>
+              <a:t>blueToothSerial.print</a:t>
+            </a:r>
+            <a:r>
+              <a:rPr lang="fr-FR" sz="2000" dirty="0"/>
+              <a:t>("</a:t>
+            </a:r>
+            <a:r>
+              <a:rPr lang="fr-FR" sz="2000" dirty="0" err="1"/>
+              <a:t>AT+NAMECyrilBT</a:t>
+            </a:r>
+            <a:r>
+              <a:rPr lang="fr-FR" sz="2000" dirty="0"/>
+              <a:t>");</a:t>
+            </a:r>
+          </a:p>
+          <a:p>
+            <a:pPr lvl="1"/>
+            <a:r>
+              <a:rPr lang="fr-FR" sz="1800" dirty="0"/>
+              <a:t>Nom du </a:t>
+            </a:r>
+            <a:r>
+              <a:rPr lang="fr-FR" sz="1800" dirty="0" err="1"/>
+              <a:t>device</a:t>
+            </a:r>
+            <a:r>
+              <a:rPr lang="fr-FR" sz="1800" dirty="0"/>
+              <a:t> BT, 12 caractères max</a:t>
+            </a:r>
+          </a:p>
+          <a:p>
+            <a:r>
+              <a:rPr lang="fr-FR" sz="2000" dirty="0" err="1"/>
+              <a:t>blueToothSerial.print</a:t>
+            </a:r>
+            <a:r>
+              <a:rPr lang="fr-FR" sz="2000" dirty="0"/>
+              <a:t>("AT+PIN0000");</a:t>
+            </a:r>
+          </a:p>
+          <a:p>
+            <a:pPr lvl="1"/>
+            <a:r>
+              <a:rPr lang="fr-FR" sz="1800" dirty="0"/>
+              <a:t>Code PIN</a:t>
+            </a:r>
+          </a:p>
+          <a:p>
+            <a:r>
+              <a:rPr lang="fr-FR" sz="2000" dirty="0" err="1"/>
+              <a:t>blueToothSerial.print</a:t>
+            </a:r>
+            <a:r>
+              <a:rPr lang="fr-FR" sz="2000" dirty="0"/>
+              <a:t>("AT+AUTH0");</a:t>
+            </a:r>
+          </a:p>
+          <a:p>
+            <a:pPr lvl="1"/>
+            <a:r>
+              <a:rPr lang="fr-FR" sz="1800" dirty="0" err="1"/>
+              <a:t>Désative</a:t>
+            </a:r>
+            <a:r>
+              <a:rPr lang="fr-FR" sz="1800" dirty="0"/>
+              <a:t> l'authentification</a:t>
+            </a:r>
+          </a:p>
+          <a:p>
+            <a:r>
+              <a:rPr lang="fr-FR" sz="2000" dirty="0" err="1"/>
+              <a:t>blueToothSerial.flush</a:t>
+            </a:r>
+            <a:r>
+              <a:rPr lang="fr-FR" sz="2000" dirty="0"/>
+              <a:t>();</a:t>
+            </a:r>
+          </a:p>
+          <a:p>
+            <a:pPr lvl="1"/>
+            <a:r>
+              <a:rPr lang="fr-FR" sz="1800" dirty="0"/>
+              <a:t>Vide le cache</a:t>
+            </a:r>
+            <a:endParaRPr lang="fr-FR" sz="2000" dirty="0"/>
+          </a:p>
+        </p:txBody>
+      </p:sp>
+    </p:spTree>
+    <p:extLst>
+      <p:ext uri="{BB962C8B-B14F-4D97-AF65-F5344CB8AC3E}">
+        <p14:creationId xmlns:p14="http://schemas.microsoft.com/office/powerpoint/2010/main" val="58307210"/>
+      </p:ext>
+    </p:extLst>
+  </p:cSld>
+  <p:clrMapOvr>
+    <a:masterClrMapping/>
+  </p:clrMapOvr>
+</p:sld>
+</file>
+
+<file path=ppt/slides/slide9.xml><?xml version="1.0" encoding="utf-8"?>
+<p:sld xmlns:a="http://schemas.openxmlformats.org/drawingml/2006/main" xmlns:r="http://schemas.openxmlformats.org/officeDocument/2006/relationships" xmlns:p="http://schemas.openxmlformats.org/presentationml/2006/main">
+  <p:cSld>
+    <p:spTree>
+      <p:nvGrpSpPr>
+        <p:cNvPr id="1" name=""/>
+        <p:cNvGrpSpPr/>
+        <p:nvPr/>
+      </p:nvGrpSpPr>
+      <p:grpSpPr>
+        <a:xfrm>
+          <a:off x="0" y="0"/>
+          <a:ext cx="0" cy="0"/>
+          <a:chOff x="0" y="0"/>
+          <a:chExt cx="0" cy="0"/>
+        </a:xfrm>
+      </p:grpSpPr>
+      <p:sp>
+        <p:nvSpPr>
+          <p:cNvPr id="2" name="Titre 1"/>
+          <p:cNvSpPr>
+            <a:spLocks noGrp="1"/>
+          </p:cNvSpPr>
+          <p:nvPr>
+            <p:ph type="title"/>
+          </p:nvPr>
+        </p:nvSpPr>
+        <p:spPr/>
+        <p:txBody>
+          <a:bodyPr/>
+          <a:lstStyle/>
+          <a:p>
+            <a:r>
+              <a:rPr lang="fr-FR" dirty="0"/>
+              <a:t>Android</a:t>
+            </a:r>
+          </a:p>
+        </p:txBody>
+      </p:sp>
+      <p:sp>
+        <p:nvSpPr>
+          <p:cNvPr id="3" name="Espace réservé du contenu 2"/>
+          <p:cNvSpPr>
+            <a:spLocks noGrp="1"/>
+          </p:cNvSpPr>
+          <p:nvPr>
+            <p:ph idx="1"/>
+          </p:nvPr>
+        </p:nvSpPr>
+        <p:spPr/>
+        <p:txBody>
+          <a:bodyPr/>
+          <a:lstStyle/>
+          <a:p>
+            <a:r>
+              <a:rPr lang="fr-FR" dirty="0"/>
+              <a:t>Android est un bon outil pour tester une liaison </a:t>
+            </a:r>
+            <a:r>
+              <a:rPr lang="fr-FR" dirty="0" err="1"/>
+              <a:t>bluetooth</a:t>
+            </a:r>
+            <a:endParaRPr lang="fr-FR" dirty="0"/>
+          </a:p>
+          <a:p>
+            <a:pPr lvl="1"/>
+            <a:r>
+              <a:rPr lang="fr-FR" dirty="0"/>
+              <a:t>Il faut d'abord appairer le téléphone avec l'</a:t>
+            </a:r>
+            <a:r>
+              <a:rPr lang="fr-FR" dirty="0" err="1"/>
+              <a:t>Arduino</a:t>
+            </a:r>
+            <a:endParaRPr lang="fr-FR" dirty="0"/>
+          </a:p>
+          <a:p>
+            <a:r>
+              <a:rPr lang="fr-FR" dirty="0"/>
+              <a:t>Puis installer Serial Bluetooth Terminal</a:t>
+            </a:r>
+          </a:p>
+          <a:p>
+            <a:endParaRPr lang="fr-FR" dirty="0"/>
+          </a:p>
+        </p:txBody>
+      </p:sp>
+      <p:pic>
+        <p:nvPicPr>
+          <p:cNvPr id="4" name="Image 3"/>
+          <p:cNvPicPr/>
+          <p:nvPr/>
+        </p:nvPicPr>
+        <p:blipFill>
+          <a:blip r:embed="rId2"/>
+          <a:stretch>
+            <a:fillRect/>
+          </a:stretch>
+        </p:blipFill>
+        <p:spPr>
+          <a:xfrm>
+            <a:off x="3690999" y="3414861"/>
+            <a:ext cx="1743075" cy="3038475"/>
+          </a:xfrm>
+          <a:prstGeom prst="rect">
+            <a:avLst/>
+          </a:prstGeom>
+        </p:spPr>
+      </p:pic>
+    </p:spTree>
+    <p:extLst>
+      <p:ext uri="{BB962C8B-B14F-4D97-AF65-F5344CB8AC3E}">
+        <p14:creationId xmlns:p14="http://schemas.microsoft.com/office/powerpoint/2010/main" val="2908125897"/>
       </p:ext>
     </p:extLst>
   </p:cSld>

--- a/ppt/IoT09-Wireless.pptx
+++ b/ppt/IoT09-Wireless.pptx
@@ -4004,15 +4004,7 @@
             </a:r>
             <a:r>
               <a:rPr lang="fr-FR" dirty="0"/>
-              <a:t> </a:t>
-            </a:r>
-            <a:r>
-              <a:rPr lang="fr-FR" dirty="0" err="1"/>
-              <a:t>apt-get</a:t>
-            </a:r>
-            <a:r>
-              <a:rPr lang="fr-FR" dirty="0"/>
-              <a:t> </a:t>
+              <a:t> apt-get </a:t>
             </a:r>
             <a:r>
               <a:rPr lang="fr-FR" dirty="0" err="1"/>
@@ -4020,7 +4012,7 @@
             </a:r>
             <a:r>
               <a:rPr lang="fr-FR" dirty="0"/>
-              <a:t> -y libbluetooth3=5.50-1+b12</a:t>
+              <a:t> -y libbluetooth3</a:t>
             </a:r>
           </a:p>
           <a:p>
@@ -4984,12 +4976,16 @@
               <a:buNone/>
             </a:pPr>
             <a:r>
+              <a:rPr lang="en-US" dirty="0"/>
+              <a:t>def </a:t>
+            </a:r>
+            <a:r>
               <a:rPr lang="en-US" dirty="0" err="1"/>
-              <a:t>def</a:t>
+              <a:t>readline</a:t>
             </a:r>
             <a:r>
               <a:rPr lang="en-US" dirty="0"/>
-              <a:t> readline1(self):</a:t>
+              <a:t>(self):</a:t>
             </a:r>
           </a:p>
           <a:p>

--- a/ppt/IoT09-Wireless.pptx
+++ b/ppt/IoT09-Wireless.pptx
@@ -3805,7 +3805,7 @@
             </a:r>
             <a:r>
               <a:rPr lang="fr-FR" dirty="0"/>
-              <a:t> est une meilleur alternative</a:t>
+              <a:t> est une meilleure alternative</a:t>
             </a:r>
           </a:p>
           <a:p>
